--- a/LendingClubCaseStudy.pptx
+++ b/LendingClubCaseStudy.pptx
@@ -2,10 +2,21 @@
 <file path=ppt/presentation.xml><?xml version="1.0" encoding="utf-8"?>
 <p:presentation xmlns:a="http://schemas.openxmlformats.org/drawingml/2006/main" xmlns:r="http://schemas.openxmlformats.org/officeDocument/2006/relationships" xmlns:p="http://schemas.openxmlformats.org/presentationml/2006/main" autoCompressPictures="0">
   <p:sldMasterIdLst>
-    <p:sldMasterId id="2147483708" r:id="rId1"/>
+    <p:sldMasterId id="2147483732" r:id="rId1"/>
   </p:sldMasterIdLst>
   <p:sldIdLst>
-    <p:sldId id="256" r:id="rId2"/>
+    <p:sldId id="257" r:id="rId2"/>
+    <p:sldId id="259" r:id="rId3"/>
+    <p:sldId id="258" r:id="rId4"/>
+    <p:sldId id="260" r:id="rId5"/>
+    <p:sldId id="261" r:id="rId6"/>
+    <p:sldId id="262" r:id="rId7"/>
+    <p:sldId id="263" r:id="rId8"/>
+    <p:sldId id="264" r:id="rId9"/>
+    <p:sldId id="265" r:id="rId10"/>
+    <p:sldId id="266" r:id="rId11"/>
+    <p:sldId id="267" r:id="rId12"/>
+    <p:sldId id="268" r:id="rId13"/>
   </p:sldIdLst>
   <p:sldSz cx="12192000" cy="6858000"/>
   <p:notesSz cx="6858000" cy="9144000"/>
@@ -104,11 +115,16 @@
       </a:defRPr>
     </a:lvl9pPr>
   </p:defaultTextStyle>
+  <p:extLst>
+    <p:ext uri="{EFAFB233-063F-42B5-8137-9DF3F51BA10A}">
+      <p15:sldGuideLst xmlns:p15="http://schemas.microsoft.com/office/powerpoint/2012/main"/>
+    </p:ext>
+  </p:extLst>
 </p:presentation>
 </file>
 
 <file path=ppt/slideLayouts/slideLayout1.xml><?xml version="1.0" encoding="utf-8"?>
-<p:sldLayout xmlns:a="http://schemas.openxmlformats.org/drawingml/2006/main" xmlns:r="http://schemas.openxmlformats.org/officeDocument/2006/relationships" xmlns:p="http://schemas.openxmlformats.org/presentationml/2006/main" type="title" preserve="1">
+<p:sldLayout xmlns:a="http://schemas.openxmlformats.org/drawingml/2006/main" xmlns:r="http://schemas.openxmlformats.org/officeDocument/2006/relationships" xmlns:p="http://schemas.openxmlformats.org/presentationml/2006/main" showMasterSp="0" type="title" preserve="1">
   <p:cSld name="Title Slide">
     <p:spTree>
       <p:nvGrpSpPr>
@@ -126,13 +142,360 @@
       </p:grpSpPr>
       <p:sp>
         <p:nvSpPr>
-          <p:cNvPr id="2" name="Title 1">
-            <a:extLst>
-              <a:ext uri="{FF2B5EF4-FFF2-40B4-BE49-F238E27FC236}">
-                <a16:creationId xmlns:a16="http://schemas.microsoft.com/office/drawing/2014/main" id="{11F5586B-6BB2-E364-DD7F-2191B2C36458}"/>
-              </a:ext>
-            </a:extLst>
-          </p:cNvPr>
+          <p:cNvPr id="7" name="Rectangle 6"/>
+          <p:cNvSpPr/>
+          <p:nvPr/>
+        </p:nvSpPr>
+        <p:spPr>
+          <a:xfrm>
+            <a:off x="920834" y="1346946"/>
+            <a:ext cx="10222992" cy="80683"/>
+          </a:xfrm>
+          <a:prstGeom prst="rect">
+            <a:avLst/>
+          </a:prstGeom>
+          <a:blipFill dpi="0" rotWithShape="1">
+            <a:blip r:embed="rId2">
+              <a:alphaModFix amt="85000"/>
+              <a:lum bright="70000" contrast="-70000"/>
+              <a:extLst>
+                <a:ext uri="{BEBA8EAE-BF5A-486C-A8C5-ECC9F3942E4B}">
+                  <a14:imgProps xmlns:a14="http://schemas.microsoft.com/office/drawing/2010/main">
+                    <a14:imgLayer r:embed="rId3">
+                      <a14:imgEffect>
+                        <a14:sharpenSoften amount="61000"/>
+                      </a14:imgEffect>
+                    </a14:imgLayer>
+                  </a14:imgProps>
+                </a:ext>
+                <a:ext uri="{28A0092B-C50C-407E-A947-70E740481C1C}">
+                  <a14:useLocalDpi xmlns:a14="http://schemas.microsoft.com/office/drawing/2010/main" val="0"/>
+                </a:ext>
+              </a:extLst>
+            </a:blip>
+            <a:srcRect/>
+            <a:tile tx="0" ty="-762000" sx="92000" sy="89000" flip="xy" algn="ctr"/>
+          </a:blipFill>
+          <a:ln>
+            <a:noFill/>
+          </a:ln>
+        </p:spPr>
+        <p:style>
+          <a:lnRef idx="2">
+            <a:schemeClr val="accent1">
+              <a:shade val="50000"/>
+            </a:schemeClr>
+          </a:lnRef>
+          <a:fillRef idx="1">
+            <a:schemeClr val="accent1"/>
+          </a:fillRef>
+          <a:effectRef idx="0">
+            <a:schemeClr val="accent1"/>
+          </a:effectRef>
+          <a:fontRef idx="minor">
+            <a:schemeClr val="lt1"/>
+          </a:fontRef>
+        </p:style>
+        <p:txBody>
+          <a:bodyPr rtlCol="0" anchor="ctr"/>
+          <a:lstStyle/>
+          <a:p>
+            <a:pPr algn="ctr"/>
+            <a:endParaRPr lang="en-US"/>
+          </a:p>
+        </p:txBody>
+      </p:sp>
+      <p:sp>
+        <p:nvSpPr>
+          <p:cNvPr id="8" name="Rectangle 7"/>
+          <p:cNvSpPr/>
+          <p:nvPr/>
+        </p:nvSpPr>
+        <p:spPr>
+          <a:xfrm>
+            <a:off x="920834" y="4299696"/>
+            <a:ext cx="10222992" cy="80683"/>
+          </a:xfrm>
+          <a:prstGeom prst="rect">
+            <a:avLst/>
+          </a:prstGeom>
+          <a:blipFill dpi="0" rotWithShape="1">
+            <a:blip r:embed="rId2">
+              <a:alphaModFix amt="85000"/>
+              <a:lum bright="70000" contrast="-70000"/>
+              <a:extLst>
+                <a:ext uri="{BEBA8EAE-BF5A-486C-A8C5-ECC9F3942E4B}">
+                  <a14:imgProps xmlns:a14="http://schemas.microsoft.com/office/drawing/2010/main">
+                    <a14:imgLayer r:embed="rId3">
+                      <a14:imgEffect>
+                        <a14:sharpenSoften amount="61000"/>
+                      </a14:imgEffect>
+                    </a14:imgLayer>
+                  </a14:imgProps>
+                </a:ext>
+                <a:ext uri="{28A0092B-C50C-407E-A947-70E740481C1C}">
+                  <a14:useLocalDpi xmlns:a14="http://schemas.microsoft.com/office/drawing/2010/main" val="0"/>
+                </a:ext>
+              </a:extLst>
+            </a:blip>
+            <a:srcRect/>
+            <a:tile tx="0" ty="-717550" sx="92000" sy="89000" flip="xy" algn="ctr"/>
+          </a:blipFill>
+          <a:ln>
+            <a:noFill/>
+          </a:ln>
+        </p:spPr>
+        <p:style>
+          <a:lnRef idx="2">
+            <a:schemeClr val="accent1">
+              <a:shade val="50000"/>
+            </a:schemeClr>
+          </a:lnRef>
+          <a:fillRef idx="1">
+            <a:schemeClr val="accent1"/>
+          </a:fillRef>
+          <a:effectRef idx="0">
+            <a:schemeClr val="accent1"/>
+          </a:effectRef>
+          <a:fontRef idx="minor">
+            <a:schemeClr val="lt1"/>
+          </a:fontRef>
+        </p:style>
+        <p:txBody>
+          <a:bodyPr rtlCol="0" anchor="ctr"/>
+          <a:lstStyle/>
+          <a:p>
+            <a:pPr algn="ctr"/>
+            <a:endParaRPr lang="en-US"/>
+          </a:p>
+        </p:txBody>
+      </p:sp>
+      <p:sp>
+        <p:nvSpPr>
+          <p:cNvPr id="9" name="Rectangle 8"/>
+          <p:cNvSpPr/>
+          <p:nvPr/>
+        </p:nvSpPr>
+        <p:spPr>
+          <a:xfrm>
+            <a:off x="920834" y="1484779"/>
+            <a:ext cx="10222992" cy="2743200"/>
+          </a:xfrm>
+          <a:prstGeom prst="rect">
+            <a:avLst/>
+          </a:prstGeom>
+          <a:blipFill dpi="0" rotWithShape="1">
+            <a:blip r:embed="rId2">
+              <a:alphaModFix amt="85000"/>
+              <a:lum bright="70000" contrast="-70000"/>
+              <a:extLst>
+                <a:ext uri="{BEBA8EAE-BF5A-486C-A8C5-ECC9F3942E4B}">
+                  <a14:imgProps xmlns:a14="http://schemas.microsoft.com/office/drawing/2010/main">
+                    <a14:imgLayer r:embed="rId3">
+                      <a14:imgEffect>
+                        <a14:sharpenSoften amount="61000"/>
+                      </a14:imgEffect>
+                    </a14:imgLayer>
+                  </a14:imgProps>
+                </a:ext>
+                <a:ext uri="{28A0092B-C50C-407E-A947-70E740481C1C}">
+                  <a14:useLocalDpi xmlns:a14="http://schemas.microsoft.com/office/drawing/2010/main" val="0"/>
+                </a:ext>
+              </a:extLst>
+            </a:blip>
+            <a:srcRect/>
+            <a:tile tx="0" ty="-704850" sx="92000" sy="89000" flip="xy" algn="ctr"/>
+          </a:blipFill>
+          <a:ln>
+            <a:noFill/>
+          </a:ln>
+        </p:spPr>
+        <p:style>
+          <a:lnRef idx="2">
+            <a:schemeClr val="accent1">
+              <a:shade val="50000"/>
+            </a:schemeClr>
+          </a:lnRef>
+          <a:fillRef idx="1">
+            <a:schemeClr val="accent1"/>
+          </a:fillRef>
+          <a:effectRef idx="0">
+            <a:schemeClr val="accent1"/>
+          </a:effectRef>
+          <a:fontRef idx="minor">
+            <a:schemeClr val="lt1"/>
+          </a:fontRef>
+        </p:style>
+        <p:txBody>
+          <a:bodyPr rtlCol="0" anchor="ctr"/>
+          <a:lstStyle/>
+          <a:p>
+            <a:pPr algn="ctr"/>
+            <a:endParaRPr lang="en-US"/>
+          </a:p>
+        </p:txBody>
+      </p:sp>
+      <p:grpSp>
+        <p:nvGrpSpPr>
+          <p:cNvPr id="10" name="Group 9"/>
+          <p:cNvGrpSpPr/>
+          <p:nvPr/>
+        </p:nvGrpSpPr>
+        <p:grpSpPr>
+          <a:xfrm>
+            <a:off x="9649215" y="4068923"/>
+            <a:ext cx="1080904" cy="1080902"/>
+            <a:chOff x="9685338" y="4460675"/>
+            <a:chExt cx="1080904" cy="1080902"/>
+          </a:xfrm>
+        </p:grpSpPr>
+        <p:sp>
+          <p:nvSpPr>
+            <p:cNvPr id="11" name="Oval 10"/>
+            <p:cNvSpPr/>
+            <p:nvPr/>
+          </p:nvSpPr>
+          <p:spPr>
+            <a:xfrm>
+              <a:off x="9685338" y="4460675"/>
+              <a:ext cx="1080904" cy="1080902"/>
+            </a:xfrm>
+            <a:prstGeom prst="ellipse">
+              <a:avLst/>
+            </a:prstGeom>
+            <a:blipFill dpi="0" rotWithShape="1">
+              <a:blip r:embed="rId4">
+                <a:duotone>
+                  <a:schemeClr val="accent1">
+                    <a:shade val="45000"/>
+                    <a:satMod val="135000"/>
+                  </a:schemeClr>
+                  <a:prstClr val="white"/>
+                </a:duotone>
+                <a:extLst>
+                  <a:ext uri="{BEBA8EAE-BF5A-486C-A8C5-ECC9F3942E4B}">
+                    <a14:imgProps xmlns:a14="http://schemas.microsoft.com/office/drawing/2010/main">
+                      <a14:imgLayer r:embed="rId5">
+                        <a14:imgEffect>
+                          <a14:saturation sat="95000"/>
+                        </a14:imgEffect>
+                      </a14:imgLayer>
+                    </a14:imgProps>
+                  </a:ext>
+                </a:extLst>
+              </a:blip>
+              <a:srcRect/>
+              <a:tile tx="0" ty="0" sx="85000" sy="85000" flip="none" algn="tl"/>
+            </a:blipFill>
+            <a:ln w="25400" cap="flat" cmpd="sng" algn="ctr">
+              <a:noFill/>
+              <a:prstDash val="solid"/>
+            </a:ln>
+            <a:effectLst/>
+          </p:spPr>
+          <p:txBody>
+            <a:bodyPr lIns="0" tIns="0" rIns="0" bIns="0" rtlCol="0" anchor="ctr"/>
+            <a:lstStyle/>
+            <a:p>
+              <a:pPr marL="0" marR="0" lvl="0" indent="0" algn="ctr" defTabSz="914400" eaLnBrk="1" fontAlgn="auto" latinLnBrk="0" hangingPunct="1">
+                <a:lnSpc>
+                  <a:spcPct val="100000"/>
+                </a:lnSpc>
+                <a:spcBef>
+                  <a:spcPts val="0"/>
+                </a:spcBef>
+                <a:spcAft>
+                  <a:spcPts val="0"/>
+                </a:spcAft>
+                <a:buClrTx/>
+                <a:buSzTx/>
+                <a:buFontTx/>
+                <a:buNone/>
+                <a:tabLst/>
+                <a:defRPr/>
+              </a:pPr>
+              <a:endParaRPr kumimoji="0" lang="en-US" sz="2000" b="0" i="0" u="none" strike="noStrike" kern="0" cap="none" spc="0" normalizeH="0" baseline="0" noProof="0" dirty="0">
+                <a:ln>
+                  <a:noFill/>
+                </a:ln>
+                <a:solidFill>
+                  <a:prstClr val="white"/>
+                </a:solidFill>
+                <a:effectLst/>
+                <a:uLnTx/>
+                <a:uFillTx/>
+                <a:latin typeface="Rockwell Extra Bold" pitchFamily="18" charset="0"/>
+                <a:ea typeface="+mn-ea"/>
+                <a:cs typeface="+mn-cs"/>
+              </a:endParaRPr>
+            </a:p>
+          </p:txBody>
+        </p:sp>
+        <p:sp>
+          <p:nvSpPr>
+            <p:cNvPr id="12" name="Oval 11"/>
+            <p:cNvSpPr/>
+            <p:nvPr/>
+          </p:nvSpPr>
+          <p:spPr>
+            <a:xfrm>
+              <a:off x="9793429" y="4568765"/>
+              <a:ext cx="864723" cy="864722"/>
+            </a:xfrm>
+            <a:prstGeom prst="ellipse">
+              <a:avLst/>
+            </a:prstGeom>
+            <a:noFill/>
+            <a:ln w="25400" cap="flat" cmpd="sng" algn="ctr">
+              <a:solidFill>
+                <a:sysClr val="window" lastClr="FFFFFF"/>
+              </a:solidFill>
+              <a:prstDash val="solid"/>
+            </a:ln>
+            <a:effectLst/>
+          </p:spPr>
+          <p:txBody>
+            <a:bodyPr rtlCol="0" anchor="ctr"/>
+            <a:lstStyle/>
+            <a:p>
+              <a:pPr marL="0" marR="0" lvl="0" indent="0" algn="ctr" defTabSz="914400" eaLnBrk="1" fontAlgn="auto" latinLnBrk="0" hangingPunct="1">
+                <a:lnSpc>
+                  <a:spcPct val="100000"/>
+                </a:lnSpc>
+                <a:spcBef>
+                  <a:spcPts val="0"/>
+                </a:spcBef>
+                <a:spcAft>
+                  <a:spcPts val="0"/>
+                </a:spcAft>
+                <a:buClrTx/>
+                <a:buSzTx/>
+                <a:buFontTx/>
+                <a:buNone/>
+                <a:tabLst/>
+                <a:defRPr/>
+              </a:pPr>
+              <a:endParaRPr kumimoji="0" lang="en-US" sz="1800" b="0" i="0" u="none" strike="noStrike" kern="0" cap="none" spc="0" normalizeH="0" baseline="0" noProof="0" dirty="0">
+                <a:ln>
+                  <a:noFill/>
+                </a:ln>
+                <a:solidFill>
+                  <a:prstClr val="white"/>
+                </a:solidFill>
+                <a:effectLst/>
+                <a:uLnTx/>
+                <a:uFillTx/>
+                <a:latin typeface="Calibri"/>
+                <a:ea typeface="+mn-ea"/>
+                <a:cs typeface="+mn-cs"/>
+              </a:endParaRPr>
+            </a:p>
+          </p:txBody>
+        </p:sp>
+      </p:grpSp>
+      <p:sp>
+        <p:nvSpPr>
+          <p:cNvPr id="2" name="Title 1"/>
           <p:cNvSpPr>
             <a:spLocks noGrp="1"/>
           </p:cNvSpPr>
@@ -142,15 +505,26 @@
         </p:nvSpPr>
         <p:spPr>
           <a:xfrm>
-            <a:off x="1524000" y="1122363"/>
-            <a:ext cx="9144000" cy="2387600"/>
+            <a:off x="1051560" y="1432223"/>
+            <a:ext cx="9966960" cy="3035808"/>
           </a:xfrm>
         </p:spPr>
         <p:txBody>
-          <a:bodyPr anchor="b"/>
+          <a:bodyPr anchor="ctr">
+            <a:noAutofit/>
+          </a:bodyPr>
           <a:lstStyle>
-            <a:lvl1pPr algn="ctr">
-              <a:defRPr sz="6000"/>
+            <a:lvl1pPr algn="l">
+              <a:lnSpc>
+                <a:spcPct val="80000"/>
+              </a:lnSpc>
+              <a:defRPr sz="9600" cap="all" baseline="0">
+                <a:blipFill dpi="0" rotWithShape="1">
+                  <a:blip r:embed="rId4"/>
+                  <a:srcRect/>
+                  <a:tile tx="6350" ty="-127000" sx="65000" sy="64000" flip="none" algn="tl"/>
+                </a:blipFill>
+              </a:defRPr>
             </a:lvl1pPr>
           </a:lstStyle>
           <a:p>
@@ -158,19 +532,13 @@
               <a:rPr lang="en-GB"/>
               <a:t>Click to edit Master title style</a:t>
             </a:r>
-            <a:endParaRPr lang="en-US"/>
-          </a:p>
-        </p:txBody>
-      </p:sp>
-      <p:sp>
-        <p:nvSpPr>
-          <p:cNvPr id="3" name="Subtitle 2">
-            <a:extLst>
-              <a:ext uri="{FF2B5EF4-FFF2-40B4-BE49-F238E27FC236}">
-                <a16:creationId xmlns:a16="http://schemas.microsoft.com/office/drawing/2014/main" id="{FE70F60C-9F8D-3921-538F-894AD4BA3130}"/>
-              </a:ext>
-            </a:extLst>
-          </p:cNvPr>
+            <a:endParaRPr lang="en-US" dirty="0"/>
+          </a:p>
+        </p:txBody>
+      </p:sp>
+      <p:sp>
+        <p:nvSpPr>
+          <p:cNvPr id="3" name="Subtitle 2"/>
           <p:cNvSpPr>
             <a:spLocks noGrp="1"/>
           </p:cNvSpPr>
@@ -180,48 +548,54 @@
         </p:nvSpPr>
         <p:spPr>
           <a:xfrm>
-            <a:off x="1524000" y="3602038"/>
-            <a:ext cx="9144000" cy="1655762"/>
+            <a:off x="1069848" y="4389120"/>
+            <a:ext cx="7891272" cy="1069848"/>
           </a:xfrm>
         </p:spPr>
         <p:txBody>
-          <a:bodyPr/>
+          <a:bodyPr>
+            <a:normAutofit/>
+          </a:bodyPr>
           <a:lstStyle>
-            <a:lvl1pPr marL="0" indent="0" algn="ctr">
+            <a:lvl1pPr marL="0" indent="0" algn="l">
               <a:buNone/>
-              <a:defRPr sz="2400"/>
+              <a:defRPr sz="2200">
+                <a:solidFill>
+                  <a:schemeClr val="tx1"/>
+                </a:solidFill>
+              </a:defRPr>
             </a:lvl1pPr>
             <a:lvl2pPr marL="457200" indent="0" algn="ctr">
               <a:buNone/>
-              <a:defRPr sz="2000"/>
+              <a:defRPr sz="2800"/>
             </a:lvl2pPr>
             <a:lvl3pPr marL="914400" indent="0" algn="ctr">
               <a:buNone/>
-              <a:defRPr sz="1800"/>
+              <a:defRPr sz="2400"/>
             </a:lvl3pPr>
             <a:lvl4pPr marL="1371600" indent="0" algn="ctr">
               <a:buNone/>
-              <a:defRPr sz="1600"/>
+              <a:defRPr sz="2000"/>
             </a:lvl4pPr>
             <a:lvl5pPr marL="1828800" indent="0" algn="ctr">
               <a:buNone/>
-              <a:defRPr sz="1600"/>
+              <a:defRPr sz="2000"/>
             </a:lvl5pPr>
             <a:lvl6pPr marL="2286000" indent="0" algn="ctr">
               <a:buNone/>
-              <a:defRPr sz="1600"/>
+              <a:defRPr sz="2000"/>
             </a:lvl6pPr>
             <a:lvl7pPr marL="2743200" indent="0" algn="ctr">
               <a:buNone/>
-              <a:defRPr sz="1600"/>
+              <a:defRPr sz="2000"/>
             </a:lvl7pPr>
             <a:lvl8pPr marL="3200400" indent="0" algn="ctr">
               <a:buNone/>
-              <a:defRPr sz="1600"/>
+              <a:defRPr sz="2000"/>
             </a:lvl8pPr>
             <a:lvl9pPr marL="3657600" indent="0" algn="ctr">
               <a:buNone/>
-              <a:defRPr sz="1600"/>
+              <a:defRPr sz="2000"/>
             </a:lvl9pPr>
           </a:lstStyle>
           <a:p>
@@ -229,19 +603,13 @@
               <a:rPr lang="en-GB"/>
               <a:t>Click to edit Master subtitle style</a:t>
             </a:r>
-            <a:endParaRPr lang="en-US"/>
-          </a:p>
-        </p:txBody>
-      </p:sp>
-      <p:sp>
-        <p:nvSpPr>
-          <p:cNvPr id="4" name="Date Placeholder 3">
-            <a:extLst>
-              <a:ext uri="{FF2B5EF4-FFF2-40B4-BE49-F238E27FC236}">
-                <a16:creationId xmlns:a16="http://schemas.microsoft.com/office/drawing/2014/main" id="{D7ACCC54-0556-6CFF-C248-977D7308EF5A}"/>
-              </a:ext>
-            </a:extLst>
-          </p:cNvPr>
+            <a:endParaRPr lang="en-US" dirty="0"/>
+          </a:p>
+        </p:txBody>
+      </p:sp>
+      <p:sp>
+        <p:nvSpPr>
+          <p:cNvPr id="4" name="Date Placeholder 3"/>
           <p:cNvSpPr>
             <a:spLocks noGrp="1"/>
           </p:cNvSpPr>
@@ -257,7 +625,7 @@
             <a:fld id="{B61BEF0D-F0BB-DE4B-95CE-6DB70DBA9567}" type="datetimeFigureOut">
               <a:rPr lang="en-US" smtClean="0"/>
               <a:pPr/>
-              <a:t>10/9/23</a:t>
+              <a:t>10/10/23</a:t>
             </a:fld>
             <a:endParaRPr lang="en-US" dirty="0"/>
           </a:p>
@@ -265,13 +633,7 @@
       </p:sp>
       <p:sp>
         <p:nvSpPr>
-          <p:cNvPr id="5" name="Footer Placeholder 4">
-            <a:extLst>
-              <a:ext uri="{FF2B5EF4-FFF2-40B4-BE49-F238E27FC236}">
-                <a16:creationId xmlns:a16="http://schemas.microsoft.com/office/drawing/2014/main" id="{07AB100E-EBB0-E58F-D21E-6503318C66CE}"/>
-              </a:ext>
-            </a:extLst>
-          </p:cNvPr>
+          <p:cNvPr id="5" name="Footer Placeholder 4"/>
           <p:cNvSpPr>
             <a:spLocks noGrp="1"/>
           </p:cNvSpPr>
@@ -290,13 +652,7 @@
       </p:sp>
       <p:sp>
         <p:nvSpPr>
-          <p:cNvPr id="6" name="Slide Number Placeholder 5">
-            <a:extLst>
-              <a:ext uri="{FF2B5EF4-FFF2-40B4-BE49-F238E27FC236}">
-                <a16:creationId xmlns:a16="http://schemas.microsoft.com/office/drawing/2014/main" id="{237571EE-0049-CF93-D8C9-2CB1DC6B2789}"/>
-              </a:ext>
-            </a:extLst>
-          </p:cNvPr>
+          <p:cNvPr id="6" name="Slide Number Placeholder 5"/>
           <p:cNvSpPr>
             <a:spLocks noGrp="1"/>
           </p:cNvSpPr>
@@ -304,10 +660,19 @@
             <p:ph type="sldNum" sz="quarter" idx="12"/>
           </p:nvPr>
         </p:nvSpPr>
-        <p:spPr/>
+        <p:spPr>
+          <a:xfrm>
+            <a:off x="9592733" y="4289334"/>
+            <a:ext cx="1193868" cy="640080"/>
+          </a:xfrm>
+        </p:spPr>
         <p:txBody>
           <a:bodyPr/>
-          <a:lstStyle/>
+          <a:lstStyle>
+            <a:lvl1pPr>
+              <a:defRPr sz="2800"/>
+            </a:lvl1pPr>
+          </a:lstStyle>
           <a:p>
             <a:fld id="{D57F1E4F-1CFF-5643-939E-217C01CDF565}" type="slidenum">
               <a:rPr lang="en-US" smtClean="0"/>
@@ -321,7 +686,7 @@
     </p:spTree>
     <p:extLst>
       <p:ext uri="{BB962C8B-B14F-4D97-AF65-F5344CB8AC3E}">
-        <p14:creationId xmlns:p14="http://schemas.microsoft.com/office/powerpoint/2010/main" val="3819538391"/>
+        <p14:creationId xmlns:p14="http://schemas.microsoft.com/office/powerpoint/2010/main" val="3887870941"/>
       </p:ext>
     </p:extLst>
   </p:cSld>
@@ -350,13 +715,7 @@
       </p:grpSpPr>
       <p:sp>
         <p:nvSpPr>
-          <p:cNvPr id="2" name="Title 1">
-            <a:extLst>
-              <a:ext uri="{FF2B5EF4-FFF2-40B4-BE49-F238E27FC236}">
-                <a16:creationId xmlns:a16="http://schemas.microsoft.com/office/drawing/2014/main" id="{E5D67E4E-D1BD-BD11-A946-28ACD8AA01B4}"/>
-              </a:ext>
-            </a:extLst>
-          </p:cNvPr>
+          <p:cNvPr id="2" name="Title 1"/>
           <p:cNvSpPr>
             <a:spLocks noGrp="1"/>
           </p:cNvSpPr>
@@ -379,13 +738,7 @@
       </p:sp>
       <p:sp>
         <p:nvSpPr>
-          <p:cNvPr id="3" name="Vertical Text Placeholder 2">
-            <a:extLst>
-              <a:ext uri="{FF2B5EF4-FFF2-40B4-BE49-F238E27FC236}">
-                <a16:creationId xmlns:a16="http://schemas.microsoft.com/office/drawing/2014/main" id="{2EA8C086-B831-738F-66DE-7378136C3A7C}"/>
-              </a:ext>
-            </a:extLst>
-          </p:cNvPr>
+          <p:cNvPr id="3" name="Vertical Text Placeholder 2"/>
           <p:cNvSpPr>
             <a:spLocks noGrp="1"/>
           </p:cNvSpPr>
@@ -437,13 +790,7 @@
       </p:sp>
       <p:sp>
         <p:nvSpPr>
-          <p:cNvPr id="4" name="Date Placeholder 3">
-            <a:extLst>
-              <a:ext uri="{FF2B5EF4-FFF2-40B4-BE49-F238E27FC236}">
-                <a16:creationId xmlns:a16="http://schemas.microsoft.com/office/drawing/2014/main" id="{B7DA78BC-62FA-F31D-6272-EC9982BC5669}"/>
-              </a:ext>
-            </a:extLst>
-          </p:cNvPr>
+          <p:cNvPr id="4" name="Date Placeholder 3"/>
           <p:cNvSpPr>
             <a:spLocks noGrp="1"/>
           </p:cNvSpPr>
@@ -459,7 +806,7 @@
             <a:fld id="{B61BEF0D-F0BB-DE4B-95CE-6DB70DBA9567}" type="datetimeFigureOut">
               <a:rPr lang="en-US" smtClean="0"/>
               <a:pPr/>
-              <a:t>10/9/23</a:t>
+              <a:t>10/10/23</a:t>
             </a:fld>
             <a:endParaRPr lang="en-US" dirty="0"/>
           </a:p>
@@ -467,13 +814,7 @@
       </p:sp>
       <p:sp>
         <p:nvSpPr>
-          <p:cNvPr id="5" name="Footer Placeholder 4">
-            <a:extLst>
-              <a:ext uri="{FF2B5EF4-FFF2-40B4-BE49-F238E27FC236}">
-                <a16:creationId xmlns:a16="http://schemas.microsoft.com/office/drawing/2014/main" id="{2F445EAC-E3EE-B75F-4F4C-1A9601002B24}"/>
-              </a:ext>
-            </a:extLst>
-          </p:cNvPr>
+          <p:cNvPr id="5" name="Footer Placeholder 4"/>
           <p:cNvSpPr>
             <a:spLocks noGrp="1"/>
           </p:cNvSpPr>
@@ -492,13 +833,7 @@
       </p:sp>
       <p:sp>
         <p:nvSpPr>
-          <p:cNvPr id="6" name="Slide Number Placeholder 5">
-            <a:extLst>
-              <a:ext uri="{FF2B5EF4-FFF2-40B4-BE49-F238E27FC236}">
-                <a16:creationId xmlns:a16="http://schemas.microsoft.com/office/drawing/2014/main" id="{4487A2C7-EA02-4BF7-4B75-BFD45FEBCDE1}"/>
-              </a:ext>
-            </a:extLst>
-          </p:cNvPr>
+          <p:cNvPr id="6" name="Slide Number Placeholder 5"/>
           <p:cNvSpPr>
             <a:spLocks noGrp="1"/>
           </p:cNvSpPr>
@@ -523,7 +858,7 @@
     </p:spTree>
     <p:extLst>
       <p:ext uri="{BB962C8B-B14F-4D97-AF65-F5344CB8AC3E}">
-        <p14:creationId xmlns:p14="http://schemas.microsoft.com/office/powerpoint/2010/main" val="984475547"/>
+        <p14:creationId xmlns:p14="http://schemas.microsoft.com/office/powerpoint/2010/main" val="3731343179"/>
       </p:ext>
     </p:extLst>
   </p:cSld>
@@ -552,13 +887,7 @@
       </p:grpSpPr>
       <p:sp>
         <p:nvSpPr>
-          <p:cNvPr id="2" name="Vertical Title 1">
-            <a:extLst>
-              <a:ext uri="{FF2B5EF4-FFF2-40B4-BE49-F238E27FC236}">
-                <a16:creationId xmlns:a16="http://schemas.microsoft.com/office/drawing/2014/main" id="{3DB62079-47ED-4523-0244-CE9D90BFB759}"/>
-              </a:ext>
-            </a:extLst>
-          </p:cNvPr>
+          <p:cNvPr id="2" name="Vertical Title 1"/>
           <p:cNvSpPr>
             <a:spLocks noGrp="1"/>
           </p:cNvSpPr>
@@ -568,8 +897,8 @@
         </p:nvSpPr>
         <p:spPr>
           <a:xfrm>
-            <a:off x="8724900" y="365125"/>
-            <a:ext cx="2628900" cy="5811838"/>
+            <a:off x="8724900" y="533400"/>
+            <a:ext cx="2552700" cy="5638800"/>
           </a:xfrm>
         </p:spPr>
         <p:txBody>
@@ -580,19 +909,13 @@
               <a:rPr lang="en-GB"/>
               <a:t>Click to edit Master title style</a:t>
             </a:r>
-            <a:endParaRPr lang="en-US"/>
-          </a:p>
-        </p:txBody>
-      </p:sp>
-      <p:sp>
-        <p:nvSpPr>
-          <p:cNvPr id="3" name="Vertical Text Placeholder 2">
-            <a:extLst>
-              <a:ext uri="{FF2B5EF4-FFF2-40B4-BE49-F238E27FC236}">
-                <a16:creationId xmlns:a16="http://schemas.microsoft.com/office/drawing/2014/main" id="{8EB420DE-D94D-53B1-33B8-7A67ED5E93DB}"/>
-              </a:ext>
-            </a:extLst>
-          </p:cNvPr>
+            <a:endParaRPr lang="en-US" dirty="0"/>
+          </a:p>
+        </p:txBody>
+      </p:sp>
+      <p:sp>
+        <p:nvSpPr>
+          <p:cNvPr id="3" name="Vertical Text Placeholder 2"/>
           <p:cNvSpPr>
             <a:spLocks noGrp="1"/>
           </p:cNvSpPr>
@@ -602,8 +925,8 @@
         </p:nvSpPr>
         <p:spPr>
           <a:xfrm>
-            <a:off x="838200" y="365125"/>
-            <a:ext cx="7734300" cy="5811838"/>
+            <a:off x="1066800" y="533400"/>
+            <a:ext cx="7505700" cy="5638800"/>
           </a:xfrm>
         </p:spPr>
         <p:txBody>
@@ -643,19 +966,13 @@
               <a:rPr lang="en-GB"/>
               <a:t>Fifth level</a:t>
             </a:r>
-            <a:endParaRPr lang="en-US"/>
-          </a:p>
-        </p:txBody>
-      </p:sp>
-      <p:sp>
-        <p:nvSpPr>
-          <p:cNvPr id="4" name="Date Placeholder 3">
-            <a:extLst>
-              <a:ext uri="{FF2B5EF4-FFF2-40B4-BE49-F238E27FC236}">
-                <a16:creationId xmlns:a16="http://schemas.microsoft.com/office/drawing/2014/main" id="{062DC8AD-CB07-F608-61DF-CFC5E760E364}"/>
-              </a:ext>
-            </a:extLst>
-          </p:cNvPr>
+            <a:endParaRPr lang="en-US" dirty="0"/>
+          </a:p>
+        </p:txBody>
+      </p:sp>
+      <p:sp>
+        <p:nvSpPr>
+          <p:cNvPr id="4" name="Date Placeholder 3"/>
           <p:cNvSpPr>
             <a:spLocks noGrp="1"/>
           </p:cNvSpPr>
@@ -671,7 +988,7 @@
             <a:fld id="{B61BEF0D-F0BB-DE4B-95CE-6DB70DBA9567}" type="datetimeFigureOut">
               <a:rPr lang="en-US" smtClean="0"/>
               <a:pPr/>
-              <a:t>10/9/23</a:t>
+              <a:t>10/10/23</a:t>
             </a:fld>
             <a:endParaRPr lang="en-US" dirty="0"/>
           </a:p>
@@ -679,13 +996,7 @@
       </p:sp>
       <p:sp>
         <p:nvSpPr>
-          <p:cNvPr id="5" name="Footer Placeholder 4">
-            <a:extLst>
-              <a:ext uri="{FF2B5EF4-FFF2-40B4-BE49-F238E27FC236}">
-                <a16:creationId xmlns:a16="http://schemas.microsoft.com/office/drawing/2014/main" id="{6BBEFCB3-4B7A-B868-EDC7-F86FF8D8A16A}"/>
-              </a:ext>
-            </a:extLst>
-          </p:cNvPr>
+          <p:cNvPr id="5" name="Footer Placeholder 4"/>
           <p:cNvSpPr>
             <a:spLocks noGrp="1"/>
           </p:cNvSpPr>
@@ -704,13 +1015,7 @@
       </p:sp>
       <p:sp>
         <p:nvSpPr>
-          <p:cNvPr id="6" name="Slide Number Placeholder 5">
-            <a:extLst>
-              <a:ext uri="{FF2B5EF4-FFF2-40B4-BE49-F238E27FC236}">
-                <a16:creationId xmlns:a16="http://schemas.microsoft.com/office/drawing/2014/main" id="{7FF7ADE4-92F0-3705-881F-7DB685D32229}"/>
-              </a:ext>
-            </a:extLst>
-          </p:cNvPr>
+          <p:cNvPr id="6" name="Slide Number Placeholder 5"/>
           <p:cNvSpPr>
             <a:spLocks noGrp="1"/>
           </p:cNvSpPr>
@@ -735,7 +1040,7 @@
     </p:spTree>
     <p:extLst>
       <p:ext uri="{BB962C8B-B14F-4D97-AF65-F5344CB8AC3E}">
-        <p14:creationId xmlns:p14="http://schemas.microsoft.com/office/powerpoint/2010/main" val="2316854937"/>
+        <p14:creationId xmlns:p14="http://schemas.microsoft.com/office/powerpoint/2010/main" val="4025234529"/>
       </p:ext>
     </p:extLst>
   </p:cSld>
@@ -764,13 +1069,7 @@
       </p:grpSpPr>
       <p:sp>
         <p:nvSpPr>
-          <p:cNvPr id="2" name="Title 1">
-            <a:extLst>
-              <a:ext uri="{FF2B5EF4-FFF2-40B4-BE49-F238E27FC236}">
-                <a16:creationId xmlns:a16="http://schemas.microsoft.com/office/drawing/2014/main" id="{B8B9040A-DD27-D41B-ADCB-7A1475574B08}"/>
-              </a:ext>
-            </a:extLst>
-          </p:cNvPr>
+          <p:cNvPr id="2" name="Title 1"/>
           <p:cNvSpPr>
             <a:spLocks noGrp="1"/>
           </p:cNvSpPr>
@@ -787,19 +1086,13 @@
               <a:rPr lang="en-GB"/>
               <a:t>Click to edit Master title style</a:t>
             </a:r>
-            <a:endParaRPr lang="en-US"/>
-          </a:p>
-        </p:txBody>
-      </p:sp>
-      <p:sp>
-        <p:nvSpPr>
-          <p:cNvPr id="3" name="Content Placeholder 2">
-            <a:extLst>
-              <a:ext uri="{FF2B5EF4-FFF2-40B4-BE49-F238E27FC236}">
-                <a16:creationId xmlns:a16="http://schemas.microsoft.com/office/drawing/2014/main" id="{0E0D9F80-4F39-51BB-E4F2-47CB567FDB81}"/>
-              </a:ext>
-            </a:extLst>
-          </p:cNvPr>
+            <a:endParaRPr lang="en-US" dirty="0"/>
+          </a:p>
+        </p:txBody>
+      </p:sp>
+      <p:sp>
+        <p:nvSpPr>
+          <p:cNvPr id="3" name="Content Placeholder 2"/>
           <p:cNvSpPr>
             <a:spLocks noGrp="1"/>
           </p:cNvSpPr>
@@ -845,19 +1138,13 @@
               <a:rPr lang="en-GB"/>
               <a:t>Fifth level</a:t>
             </a:r>
-            <a:endParaRPr lang="en-US"/>
-          </a:p>
-        </p:txBody>
-      </p:sp>
-      <p:sp>
-        <p:nvSpPr>
-          <p:cNvPr id="4" name="Date Placeholder 3">
-            <a:extLst>
-              <a:ext uri="{FF2B5EF4-FFF2-40B4-BE49-F238E27FC236}">
-                <a16:creationId xmlns:a16="http://schemas.microsoft.com/office/drawing/2014/main" id="{6A5912CF-15EE-0B7F-17D4-C332B89A8B4D}"/>
-              </a:ext>
-            </a:extLst>
-          </p:cNvPr>
+            <a:endParaRPr lang="en-US" dirty="0"/>
+          </a:p>
+        </p:txBody>
+      </p:sp>
+      <p:sp>
+        <p:nvSpPr>
+          <p:cNvPr id="4" name="Date Placeholder 3"/>
           <p:cNvSpPr>
             <a:spLocks noGrp="1"/>
           </p:cNvSpPr>
@@ -873,7 +1160,7 @@
             <a:fld id="{B61BEF0D-F0BB-DE4B-95CE-6DB70DBA9567}" type="datetimeFigureOut">
               <a:rPr lang="en-US" smtClean="0"/>
               <a:pPr/>
-              <a:t>10/9/23</a:t>
+              <a:t>10/10/23</a:t>
             </a:fld>
             <a:endParaRPr lang="en-US" dirty="0"/>
           </a:p>
@@ -881,13 +1168,7 @@
       </p:sp>
       <p:sp>
         <p:nvSpPr>
-          <p:cNvPr id="5" name="Footer Placeholder 4">
-            <a:extLst>
-              <a:ext uri="{FF2B5EF4-FFF2-40B4-BE49-F238E27FC236}">
-                <a16:creationId xmlns:a16="http://schemas.microsoft.com/office/drawing/2014/main" id="{418F3BFC-5763-1107-A182-EF7FD211A14B}"/>
-              </a:ext>
-            </a:extLst>
-          </p:cNvPr>
+          <p:cNvPr id="5" name="Footer Placeholder 4"/>
           <p:cNvSpPr>
             <a:spLocks noGrp="1"/>
           </p:cNvSpPr>
@@ -906,13 +1187,7 @@
       </p:sp>
       <p:sp>
         <p:nvSpPr>
-          <p:cNvPr id="6" name="Slide Number Placeholder 5">
-            <a:extLst>
-              <a:ext uri="{FF2B5EF4-FFF2-40B4-BE49-F238E27FC236}">
-                <a16:creationId xmlns:a16="http://schemas.microsoft.com/office/drawing/2014/main" id="{BACD17FB-46F7-B655-9F71-1EFADEFDB6C9}"/>
-              </a:ext>
-            </a:extLst>
-          </p:cNvPr>
+          <p:cNvPr id="6" name="Slide Number Placeholder 5"/>
           <p:cNvSpPr>
             <a:spLocks noGrp="1"/>
           </p:cNvSpPr>
@@ -937,7 +1212,7 @@
     </p:spTree>
     <p:extLst>
       <p:ext uri="{BB962C8B-B14F-4D97-AF65-F5344CB8AC3E}">
-        <p14:creationId xmlns:p14="http://schemas.microsoft.com/office/powerpoint/2010/main" val="716165528"/>
+        <p14:creationId xmlns:p14="http://schemas.microsoft.com/office/powerpoint/2010/main" val="3994252994"/>
       </p:ext>
     </p:extLst>
   </p:cSld>
@@ -948,7 +1223,7 @@
 </file>
 
 <file path=ppt/slideLayouts/slideLayout3.xml><?xml version="1.0" encoding="utf-8"?>
-<p:sldLayout xmlns:a="http://schemas.openxmlformats.org/drawingml/2006/main" xmlns:r="http://schemas.openxmlformats.org/officeDocument/2006/relationships" xmlns:p="http://schemas.openxmlformats.org/presentationml/2006/main" type="secHead" preserve="1">
+<p:sldLayout xmlns:a="http://schemas.openxmlformats.org/drawingml/2006/main" xmlns:r="http://schemas.openxmlformats.org/officeDocument/2006/relationships" xmlns:p="http://schemas.openxmlformats.org/presentationml/2006/main" showMasterSp="0" type="secHead" preserve="1">
   <p:cSld name="Section Header">
     <p:spTree>
       <p:nvGrpSpPr>
@@ -966,13 +1241,72 @@
       </p:grpSpPr>
       <p:sp>
         <p:nvSpPr>
-          <p:cNvPr id="2" name="Title 1">
-            <a:extLst>
-              <a:ext uri="{FF2B5EF4-FFF2-40B4-BE49-F238E27FC236}">
-                <a16:creationId xmlns:a16="http://schemas.microsoft.com/office/drawing/2014/main" id="{9BBD3996-F606-476C-BF66-908882DA1004}"/>
-              </a:ext>
-            </a:extLst>
-          </p:cNvPr>
+          <p:cNvPr id="7" name="Rectangle 6"/>
+          <p:cNvSpPr/>
+          <p:nvPr/>
+        </p:nvSpPr>
+        <p:spPr>
+          <a:xfrm>
+            <a:off x="0" y="4917989"/>
+            <a:ext cx="12192000" cy="1940010"/>
+          </a:xfrm>
+          <a:prstGeom prst="rect">
+            <a:avLst/>
+          </a:prstGeom>
+          <a:blipFill dpi="0" rotWithShape="1">
+            <a:blip r:embed="rId2">
+              <a:alphaModFix amt="85000"/>
+              <a:lum bright="70000" contrast="-70000"/>
+              <a:extLst>
+                <a:ext uri="{BEBA8EAE-BF5A-486C-A8C5-ECC9F3942E4B}">
+                  <a14:imgProps xmlns:a14="http://schemas.microsoft.com/office/drawing/2010/main">
+                    <a14:imgLayer r:embed="rId3">
+                      <a14:imgEffect>
+                        <a14:sharpenSoften amount="61000"/>
+                      </a14:imgEffect>
+                    </a14:imgLayer>
+                  </a14:imgProps>
+                </a:ext>
+                <a:ext uri="{28A0092B-C50C-407E-A947-70E740481C1C}">
+                  <a14:useLocalDpi xmlns:a14="http://schemas.microsoft.com/office/drawing/2010/main" val="0"/>
+                </a:ext>
+              </a:extLst>
+            </a:blip>
+            <a:srcRect/>
+            <a:tile tx="0" ty="-704850" sx="92000" sy="89000" flip="xy" algn="ctr"/>
+          </a:blipFill>
+          <a:ln>
+            <a:noFill/>
+          </a:ln>
+        </p:spPr>
+        <p:style>
+          <a:lnRef idx="2">
+            <a:schemeClr val="accent1">
+              <a:shade val="50000"/>
+            </a:schemeClr>
+          </a:lnRef>
+          <a:fillRef idx="1">
+            <a:schemeClr val="accent1"/>
+          </a:fillRef>
+          <a:effectRef idx="0">
+            <a:schemeClr val="accent1"/>
+          </a:effectRef>
+          <a:fontRef idx="minor">
+            <a:schemeClr val="lt1"/>
+          </a:fontRef>
+        </p:style>
+        <p:txBody>
+          <a:bodyPr rtlCol="0" anchor="ctr"/>
+          <a:lstStyle/>
+          <a:p>
+            <a:pPr algn="ctr"/>
+            <a:endParaRPr lang="en-US"/>
+          </a:p>
+        </p:txBody>
+      </p:sp>
+      <p:sp>
+        <p:nvSpPr>
+          <p:cNvPr id="2" name="Title 1"/>
           <p:cNvSpPr>
             <a:spLocks noGrp="1"/>
           </p:cNvSpPr>
@@ -982,15 +1316,20 @@
         </p:nvSpPr>
         <p:spPr>
           <a:xfrm>
-            <a:off x="831850" y="1709738"/>
-            <a:ext cx="10515600" cy="2852737"/>
+            <a:off x="2167128" y="1225296"/>
+            <a:ext cx="9281160" cy="3520440"/>
           </a:xfrm>
         </p:spPr>
         <p:txBody>
-          <a:bodyPr anchor="b"/>
+          <a:bodyPr anchor="ctr">
+            <a:normAutofit/>
+          </a:bodyPr>
           <a:lstStyle>
             <a:lvl1pPr>
-              <a:defRPr sz="6000"/>
+              <a:lnSpc>
+                <a:spcPct val="80000"/>
+              </a:lnSpc>
+              <a:defRPr sz="8000" b="0"/>
             </a:lvl1pPr>
           </a:lstStyle>
           <a:p>
@@ -998,19 +1337,13 @@
               <a:rPr lang="en-GB"/>
               <a:t>Click to edit Master title style</a:t>
             </a:r>
-            <a:endParaRPr lang="en-US"/>
-          </a:p>
-        </p:txBody>
-      </p:sp>
-      <p:sp>
-        <p:nvSpPr>
-          <p:cNvPr id="3" name="Text Placeholder 2">
-            <a:extLst>
-              <a:ext uri="{FF2B5EF4-FFF2-40B4-BE49-F238E27FC236}">
-                <a16:creationId xmlns:a16="http://schemas.microsoft.com/office/drawing/2014/main" id="{9F74083B-D25A-CF0E-4F2E-B936B0875B80}"/>
-              </a:ext>
-            </a:extLst>
-          </p:cNvPr>
+            <a:endParaRPr lang="en-US" dirty="0"/>
+          </a:p>
+        </p:txBody>
+      </p:sp>
+      <p:sp>
+        <p:nvSpPr>
+          <p:cNvPr id="3" name="Text Placeholder 2"/>
           <p:cNvSpPr>
             <a:spLocks noGrp="1"/>
           </p:cNvSpPr>
@@ -1020,26 +1353,26 @@
         </p:nvSpPr>
         <p:spPr>
           <a:xfrm>
-            <a:off x="831850" y="4589463"/>
-            <a:ext cx="10515600" cy="1500187"/>
+            <a:off x="2165774" y="5020056"/>
+            <a:ext cx="9052560" cy="1066800"/>
           </a:xfrm>
         </p:spPr>
         <p:txBody>
-          <a:bodyPr/>
+          <a:bodyPr anchor="t">
+            <a:normAutofit/>
+          </a:bodyPr>
           <a:lstStyle>
             <a:lvl1pPr marL="0" indent="0">
               <a:buNone/>
-              <a:defRPr sz="2400">
+              <a:defRPr sz="2000">
                 <a:solidFill>
-                  <a:schemeClr val="tx1">
-                    <a:tint val="75000"/>
-                  </a:schemeClr>
+                  <a:schemeClr val="tx1"/>
                 </a:solidFill>
               </a:defRPr>
             </a:lvl1pPr>
             <a:lvl2pPr marL="457200" indent="0">
               <a:buNone/>
-              <a:defRPr sz="2000">
+              <a:defRPr sz="1800">
                 <a:solidFill>
                   <a:schemeClr val="tx1">
                     <a:tint val="75000"/>
@@ -1049,7 +1382,7 @@
             </a:lvl2pPr>
             <a:lvl3pPr marL="914400" indent="0">
               <a:buNone/>
-              <a:defRPr sz="1800">
+              <a:defRPr sz="1600">
                 <a:solidFill>
                   <a:schemeClr val="tx1">
                     <a:tint val="75000"/>
@@ -1059,7 +1392,7 @@
             </a:lvl3pPr>
             <a:lvl4pPr marL="1371600" indent="0">
               <a:buNone/>
-              <a:defRPr sz="1600">
+              <a:defRPr sz="1400">
                 <a:solidFill>
                   <a:schemeClr val="tx1">
                     <a:tint val="75000"/>
@@ -1069,7 +1402,7 @@
             </a:lvl4pPr>
             <a:lvl5pPr marL="1828800" indent="0">
               <a:buNone/>
-              <a:defRPr sz="1600">
+              <a:defRPr sz="1400">
                 <a:solidFill>
                   <a:schemeClr val="tx1">
                     <a:tint val="75000"/>
@@ -1079,7 +1412,7 @@
             </a:lvl5pPr>
             <a:lvl6pPr marL="2286000" indent="0">
               <a:buNone/>
-              <a:defRPr sz="1600">
+              <a:defRPr sz="1400">
                 <a:solidFill>
                   <a:schemeClr val="tx1">
                     <a:tint val="75000"/>
@@ -1089,7 +1422,7 @@
             </a:lvl6pPr>
             <a:lvl7pPr marL="2743200" indent="0">
               <a:buNone/>
-              <a:defRPr sz="1600">
+              <a:defRPr sz="1400">
                 <a:solidFill>
                   <a:schemeClr val="tx1">
                     <a:tint val="75000"/>
@@ -1099,7 +1432,7 @@
             </a:lvl7pPr>
             <a:lvl8pPr marL="3200400" indent="0">
               <a:buNone/>
-              <a:defRPr sz="1600">
+              <a:defRPr sz="1400">
                 <a:solidFill>
                   <a:schemeClr val="tx1">
                     <a:tint val="75000"/>
@@ -1109,7 +1442,7 @@
             </a:lvl8pPr>
             <a:lvl9pPr marL="3657600" indent="0">
               <a:buNone/>
-              <a:defRPr sz="1600">
+              <a:defRPr sz="1400">
                 <a:solidFill>
                   <a:schemeClr val="tx1">
                     <a:tint val="75000"/>
@@ -1129,13 +1462,7 @@
       </p:sp>
       <p:sp>
         <p:nvSpPr>
-          <p:cNvPr id="4" name="Date Placeholder 3">
-            <a:extLst>
-              <a:ext uri="{FF2B5EF4-FFF2-40B4-BE49-F238E27FC236}">
-                <a16:creationId xmlns:a16="http://schemas.microsoft.com/office/drawing/2014/main" id="{1C956570-E8E7-CBEA-3BA7-A0F2BD9120CC}"/>
-              </a:ext>
-            </a:extLst>
-          </p:cNvPr>
+          <p:cNvPr id="4" name="Date Placeholder 3"/>
           <p:cNvSpPr>
             <a:spLocks noGrp="1"/>
           </p:cNvSpPr>
@@ -1143,7 +1470,12 @@
             <p:ph type="dt" sz="half" idx="10"/>
           </p:nvPr>
         </p:nvSpPr>
-        <p:spPr/>
+        <p:spPr>
+          <a:xfrm>
+            <a:off x="8593667" y="6272784"/>
+            <a:ext cx="2644309" cy="365125"/>
+          </a:xfrm>
+        </p:spPr>
         <p:txBody>
           <a:bodyPr/>
           <a:lstStyle/>
@@ -1151,7 +1483,7 @@
             <a:fld id="{B61BEF0D-F0BB-DE4B-95CE-6DB70DBA9567}" type="datetimeFigureOut">
               <a:rPr lang="en-US" smtClean="0"/>
               <a:pPr/>
-              <a:t>10/9/23</a:t>
+              <a:t>10/10/23</a:t>
             </a:fld>
             <a:endParaRPr lang="en-US" dirty="0"/>
           </a:p>
@@ -1159,13 +1491,7 @@
       </p:sp>
       <p:sp>
         <p:nvSpPr>
-          <p:cNvPr id="5" name="Footer Placeholder 4">
-            <a:extLst>
-              <a:ext uri="{FF2B5EF4-FFF2-40B4-BE49-F238E27FC236}">
-                <a16:creationId xmlns:a16="http://schemas.microsoft.com/office/drawing/2014/main" id="{E2D72B85-52B6-FED7-8D38-B109D1437A7C}"/>
-              </a:ext>
-            </a:extLst>
-          </p:cNvPr>
+          <p:cNvPr id="5" name="Footer Placeholder 4"/>
           <p:cNvSpPr>
             <a:spLocks noGrp="1"/>
           </p:cNvSpPr>
@@ -1173,7 +1499,12 @@
             <p:ph type="ftr" sz="quarter" idx="11"/>
           </p:nvPr>
         </p:nvSpPr>
-        <p:spPr/>
+        <p:spPr>
+          <a:xfrm>
+            <a:off x="2182708" y="6272784"/>
+            <a:ext cx="6327648" cy="365125"/>
+          </a:xfrm>
+        </p:spPr>
         <p:txBody>
           <a:bodyPr/>
           <a:lstStyle/>
@@ -1182,15 +1513,167 @@
           </a:p>
         </p:txBody>
       </p:sp>
-      <p:sp>
-        <p:nvSpPr>
-          <p:cNvPr id="6" name="Slide Number Placeholder 5">
-            <a:extLst>
-              <a:ext uri="{FF2B5EF4-FFF2-40B4-BE49-F238E27FC236}">
-                <a16:creationId xmlns:a16="http://schemas.microsoft.com/office/drawing/2014/main" id="{E05D5D77-8CAC-EEB4-FE97-1063D96EF46F}"/>
-              </a:ext>
-            </a:extLst>
-          </p:cNvPr>
+      <p:grpSp>
+        <p:nvGrpSpPr>
+          <p:cNvPr id="8" name="Group 7"/>
+          <p:cNvGrpSpPr/>
+          <p:nvPr/>
+        </p:nvGrpSpPr>
+        <p:grpSpPr>
+          <a:xfrm>
+            <a:off x="897399" y="2325848"/>
+            <a:ext cx="1080904" cy="1080902"/>
+            <a:chOff x="9685338" y="4460675"/>
+            <a:chExt cx="1080904" cy="1080902"/>
+          </a:xfrm>
+        </p:grpSpPr>
+        <p:sp>
+          <p:nvSpPr>
+            <p:cNvPr id="9" name="Oval 8"/>
+            <p:cNvSpPr/>
+            <p:nvPr/>
+          </p:nvSpPr>
+          <p:spPr>
+            <a:xfrm>
+              <a:off x="9685338" y="4460675"/>
+              <a:ext cx="1080904" cy="1080902"/>
+            </a:xfrm>
+            <a:prstGeom prst="ellipse">
+              <a:avLst/>
+            </a:prstGeom>
+            <a:blipFill dpi="0" rotWithShape="1">
+              <a:blip r:embed="rId4">
+                <a:duotone>
+                  <a:schemeClr val="accent1">
+                    <a:shade val="45000"/>
+                    <a:satMod val="135000"/>
+                  </a:schemeClr>
+                  <a:prstClr val="white"/>
+                </a:duotone>
+                <a:extLst>
+                  <a:ext uri="{BEBA8EAE-BF5A-486C-A8C5-ECC9F3942E4B}">
+                    <a14:imgProps xmlns:a14="http://schemas.microsoft.com/office/drawing/2010/main">
+                      <a14:imgLayer r:embed="rId5">
+                        <a14:imgEffect>
+                          <a14:saturation sat="95000"/>
+                        </a14:imgEffect>
+                      </a14:imgLayer>
+                    </a14:imgProps>
+                  </a:ext>
+                </a:extLst>
+              </a:blip>
+              <a:srcRect/>
+              <a:tile tx="0" ty="0" sx="85000" sy="85000" flip="none" algn="tl"/>
+            </a:blipFill>
+            <a:ln w="25400" cap="flat" cmpd="sng" algn="ctr">
+              <a:noFill/>
+              <a:prstDash val="solid"/>
+            </a:ln>
+            <a:effectLst/>
+          </p:spPr>
+          <p:txBody>
+            <a:bodyPr lIns="0" tIns="0" rIns="0" bIns="0" rtlCol="0" anchor="ctr"/>
+            <a:lstStyle/>
+            <a:p>
+              <a:pPr marL="0" marR="0" lvl="0" indent="0" algn="ctr" defTabSz="914400" eaLnBrk="1" fontAlgn="auto" latinLnBrk="0" hangingPunct="1">
+                <a:lnSpc>
+                  <a:spcPct val="100000"/>
+                </a:lnSpc>
+                <a:spcBef>
+                  <a:spcPts val="0"/>
+                </a:spcBef>
+                <a:spcAft>
+                  <a:spcPts val="0"/>
+                </a:spcAft>
+                <a:buClrTx/>
+                <a:buSzTx/>
+                <a:buFontTx/>
+                <a:buNone/>
+                <a:tabLst/>
+                <a:defRPr/>
+              </a:pPr>
+              <a:endParaRPr kumimoji="0" lang="en-US" sz="2000" b="0" i="0" u="none" strike="noStrike" kern="0" cap="none" spc="0" normalizeH="0" baseline="0" noProof="0" dirty="0">
+                <a:ln>
+                  <a:noFill/>
+                </a:ln>
+                <a:solidFill>
+                  <a:prstClr val="white"/>
+                </a:solidFill>
+                <a:effectLst/>
+                <a:uLnTx/>
+                <a:uFillTx/>
+                <a:latin typeface="Rockwell Extra Bold" pitchFamily="18" charset="0"/>
+                <a:ea typeface="+mn-ea"/>
+                <a:cs typeface="+mn-cs"/>
+              </a:endParaRPr>
+            </a:p>
+          </p:txBody>
+        </p:sp>
+        <p:sp>
+          <p:nvSpPr>
+            <p:cNvPr id="10" name="Oval 9"/>
+            <p:cNvSpPr/>
+            <p:nvPr/>
+          </p:nvSpPr>
+          <p:spPr>
+            <a:xfrm>
+              <a:off x="9793429" y="4568765"/>
+              <a:ext cx="864723" cy="864722"/>
+            </a:xfrm>
+            <a:prstGeom prst="ellipse">
+              <a:avLst/>
+            </a:prstGeom>
+            <a:noFill/>
+            <a:ln w="25400" cap="flat" cmpd="sng" algn="ctr">
+              <a:solidFill>
+                <a:sysClr val="window" lastClr="FFFFFF"/>
+              </a:solidFill>
+              <a:prstDash val="solid"/>
+            </a:ln>
+            <a:effectLst/>
+          </p:spPr>
+          <p:txBody>
+            <a:bodyPr rtlCol="0" anchor="ctr"/>
+            <a:lstStyle/>
+            <a:p>
+              <a:pPr marL="0" marR="0" lvl="0" indent="0" algn="ctr" defTabSz="914400" eaLnBrk="1" fontAlgn="auto" latinLnBrk="0" hangingPunct="1">
+                <a:lnSpc>
+                  <a:spcPct val="100000"/>
+                </a:lnSpc>
+                <a:spcBef>
+                  <a:spcPts val="0"/>
+                </a:spcBef>
+                <a:spcAft>
+                  <a:spcPts val="0"/>
+                </a:spcAft>
+                <a:buClrTx/>
+                <a:buSzTx/>
+                <a:buFontTx/>
+                <a:buNone/>
+                <a:tabLst/>
+                <a:defRPr/>
+              </a:pPr>
+              <a:endParaRPr kumimoji="0" lang="en-US" sz="1800" b="0" i="0" u="none" strike="noStrike" kern="0" cap="none" spc="0" normalizeH="0" baseline="0" noProof="0" dirty="0">
+                <a:ln>
+                  <a:noFill/>
+                </a:ln>
+                <a:solidFill>
+                  <a:prstClr val="white"/>
+                </a:solidFill>
+                <a:effectLst/>
+                <a:uLnTx/>
+                <a:uFillTx/>
+                <a:latin typeface="Calibri"/>
+                <a:ea typeface="+mn-ea"/>
+                <a:cs typeface="+mn-cs"/>
+              </a:endParaRPr>
+            </a:p>
+          </p:txBody>
+        </p:sp>
+      </p:grpSp>
+      <p:sp>
+        <p:nvSpPr>
+          <p:cNvPr id="6" name="Slide Number Placeholder 5"/>
           <p:cNvSpPr>
             <a:spLocks noGrp="1"/>
           </p:cNvSpPr>
@@ -1198,10 +1681,19 @@
             <p:ph type="sldNum" sz="quarter" idx="12"/>
           </p:nvPr>
         </p:nvSpPr>
-        <p:spPr/>
+        <p:spPr>
+          <a:xfrm>
+            <a:off x="843702" y="2506133"/>
+            <a:ext cx="1188298" cy="720332"/>
+          </a:xfrm>
+        </p:spPr>
         <p:txBody>
           <a:bodyPr/>
-          <a:lstStyle/>
+          <a:lstStyle>
+            <a:lvl1pPr>
+              <a:defRPr sz="2800"/>
+            </a:lvl1pPr>
+          </a:lstStyle>
           <a:p>
             <a:fld id="{D57F1E4F-1CFF-5643-939E-217C01CDF565}" type="slidenum">
               <a:rPr lang="en-US" smtClean="0"/>
@@ -1215,7 +1707,7 @@
     </p:spTree>
     <p:extLst>
       <p:ext uri="{BB962C8B-B14F-4D97-AF65-F5344CB8AC3E}">
-        <p14:creationId xmlns:p14="http://schemas.microsoft.com/office/powerpoint/2010/main" val="2597496031"/>
+        <p14:creationId xmlns:p14="http://schemas.microsoft.com/office/powerpoint/2010/main" val="3923041074"/>
       </p:ext>
     </p:extLst>
   </p:cSld>
@@ -1244,13 +1736,7 @@
       </p:grpSpPr>
       <p:sp>
         <p:nvSpPr>
-          <p:cNvPr id="2" name="Title 1">
-            <a:extLst>
-              <a:ext uri="{FF2B5EF4-FFF2-40B4-BE49-F238E27FC236}">
-                <a16:creationId xmlns:a16="http://schemas.microsoft.com/office/drawing/2014/main" id="{DC5AFB9E-E8D1-5D0A-C015-62FC2894869D}"/>
-              </a:ext>
-            </a:extLst>
-          </p:cNvPr>
+          <p:cNvPr id="2" name="Title 1"/>
           <p:cNvSpPr>
             <a:spLocks noGrp="1"/>
           </p:cNvSpPr>
@@ -1267,19 +1753,13 @@
               <a:rPr lang="en-GB"/>
               <a:t>Click to edit Master title style</a:t>
             </a:r>
-            <a:endParaRPr lang="en-US"/>
-          </a:p>
-        </p:txBody>
-      </p:sp>
-      <p:sp>
-        <p:nvSpPr>
-          <p:cNvPr id="3" name="Content Placeholder 2">
-            <a:extLst>
-              <a:ext uri="{FF2B5EF4-FFF2-40B4-BE49-F238E27FC236}">
-                <a16:creationId xmlns:a16="http://schemas.microsoft.com/office/drawing/2014/main" id="{4C4EC614-26CA-A08F-7022-8F28AC8A682F}"/>
-              </a:ext>
-            </a:extLst>
-          </p:cNvPr>
+            <a:endParaRPr lang="en-US" dirty="0"/>
+          </a:p>
+        </p:txBody>
+      </p:sp>
+      <p:sp>
+        <p:nvSpPr>
+          <p:cNvPr id="3" name="Content Placeholder 2"/>
           <p:cNvSpPr>
             <a:spLocks noGrp="1"/>
           </p:cNvSpPr>
@@ -1289,13 +1769,41 @@
         </p:nvSpPr>
         <p:spPr>
           <a:xfrm>
-            <a:off x="838200" y="1825625"/>
-            <a:ext cx="5181600" cy="4351338"/>
+            <a:off x="1069848" y="2194560"/>
+            <a:ext cx="4754880" cy="3977640"/>
           </a:xfrm>
         </p:spPr>
         <p:txBody>
           <a:bodyPr/>
-          <a:lstStyle/>
+          <a:lstStyle>
+            <a:lvl1pPr>
+              <a:defRPr sz="2000"/>
+            </a:lvl1pPr>
+            <a:lvl2pPr>
+              <a:defRPr sz="1800"/>
+            </a:lvl2pPr>
+            <a:lvl3pPr>
+              <a:defRPr sz="1600"/>
+            </a:lvl3pPr>
+            <a:lvl4pPr>
+              <a:defRPr sz="1600"/>
+            </a:lvl4pPr>
+            <a:lvl5pPr>
+              <a:defRPr sz="1600"/>
+            </a:lvl5pPr>
+            <a:lvl6pPr>
+              <a:defRPr sz="1800"/>
+            </a:lvl6pPr>
+            <a:lvl7pPr>
+              <a:defRPr sz="1800"/>
+            </a:lvl7pPr>
+            <a:lvl8pPr>
+              <a:defRPr sz="1800"/>
+            </a:lvl8pPr>
+            <a:lvl9pPr>
+              <a:defRPr sz="1800"/>
+            </a:lvl9pPr>
+          </a:lstStyle>
           <a:p>
             <a:pPr lvl="0"/>
             <a:r>
@@ -1330,19 +1838,13 @@
               <a:rPr lang="en-GB"/>
               <a:t>Fifth level</a:t>
             </a:r>
-            <a:endParaRPr lang="en-US"/>
-          </a:p>
-        </p:txBody>
-      </p:sp>
-      <p:sp>
-        <p:nvSpPr>
-          <p:cNvPr id="4" name="Content Placeholder 3">
-            <a:extLst>
-              <a:ext uri="{FF2B5EF4-FFF2-40B4-BE49-F238E27FC236}">
-                <a16:creationId xmlns:a16="http://schemas.microsoft.com/office/drawing/2014/main" id="{B975D7FD-15FD-2140-F262-1E4740C3029B}"/>
-              </a:ext>
-            </a:extLst>
-          </p:cNvPr>
+            <a:endParaRPr lang="en-US" dirty="0"/>
+          </a:p>
+        </p:txBody>
+      </p:sp>
+      <p:sp>
+        <p:nvSpPr>
+          <p:cNvPr id="4" name="Content Placeholder 3"/>
           <p:cNvSpPr>
             <a:spLocks noGrp="1"/>
           </p:cNvSpPr>
@@ -1352,13 +1854,41 @@
         </p:nvSpPr>
         <p:spPr>
           <a:xfrm>
-            <a:off x="6172200" y="1825625"/>
-            <a:ext cx="5181600" cy="4351338"/>
+            <a:off x="6364224" y="2194560"/>
+            <a:ext cx="4754880" cy="3977640"/>
           </a:xfrm>
         </p:spPr>
         <p:txBody>
           <a:bodyPr/>
-          <a:lstStyle/>
+          <a:lstStyle>
+            <a:lvl1pPr>
+              <a:defRPr sz="2000"/>
+            </a:lvl1pPr>
+            <a:lvl2pPr>
+              <a:defRPr sz="1800"/>
+            </a:lvl2pPr>
+            <a:lvl3pPr>
+              <a:defRPr sz="1600"/>
+            </a:lvl3pPr>
+            <a:lvl4pPr>
+              <a:defRPr sz="1600"/>
+            </a:lvl4pPr>
+            <a:lvl5pPr>
+              <a:defRPr sz="1600"/>
+            </a:lvl5pPr>
+            <a:lvl6pPr>
+              <a:defRPr sz="1800"/>
+            </a:lvl6pPr>
+            <a:lvl7pPr>
+              <a:defRPr sz="1800"/>
+            </a:lvl7pPr>
+            <a:lvl8pPr>
+              <a:defRPr sz="1800"/>
+            </a:lvl8pPr>
+            <a:lvl9pPr>
+              <a:defRPr sz="1800"/>
+            </a:lvl9pPr>
+          </a:lstStyle>
           <a:p>
             <a:pPr lvl="0"/>
             <a:r>
@@ -1393,19 +1923,13 @@
               <a:rPr lang="en-GB"/>
               <a:t>Fifth level</a:t>
             </a:r>
-            <a:endParaRPr lang="en-US"/>
-          </a:p>
-        </p:txBody>
-      </p:sp>
-      <p:sp>
-        <p:nvSpPr>
-          <p:cNvPr id="5" name="Date Placeholder 4">
-            <a:extLst>
-              <a:ext uri="{FF2B5EF4-FFF2-40B4-BE49-F238E27FC236}">
-                <a16:creationId xmlns:a16="http://schemas.microsoft.com/office/drawing/2014/main" id="{A72396F4-9A97-E3BA-1B97-C5311517C047}"/>
-              </a:ext>
-            </a:extLst>
-          </p:cNvPr>
+            <a:endParaRPr lang="en-US" dirty="0"/>
+          </a:p>
+        </p:txBody>
+      </p:sp>
+      <p:sp>
+        <p:nvSpPr>
+          <p:cNvPr id="5" name="Date Placeholder 4"/>
           <p:cNvSpPr>
             <a:spLocks noGrp="1"/>
           </p:cNvSpPr>
@@ -1421,7 +1945,7 @@
             <a:fld id="{B61BEF0D-F0BB-DE4B-95CE-6DB70DBA9567}" type="datetimeFigureOut">
               <a:rPr lang="en-US" smtClean="0"/>
               <a:pPr/>
-              <a:t>10/9/23</a:t>
+              <a:t>10/10/23</a:t>
             </a:fld>
             <a:endParaRPr lang="en-US" dirty="0"/>
           </a:p>
@@ -1429,13 +1953,7 @@
       </p:sp>
       <p:sp>
         <p:nvSpPr>
-          <p:cNvPr id="6" name="Footer Placeholder 5">
-            <a:extLst>
-              <a:ext uri="{FF2B5EF4-FFF2-40B4-BE49-F238E27FC236}">
-                <a16:creationId xmlns:a16="http://schemas.microsoft.com/office/drawing/2014/main" id="{BCB40DCD-2BCC-7032-77C9-BF5F7DD9263F}"/>
-              </a:ext>
-            </a:extLst>
-          </p:cNvPr>
+          <p:cNvPr id="6" name="Footer Placeholder 5"/>
           <p:cNvSpPr>
             <a:spLocks noGrp="1"/>
           </p:cNvSpPr>
@@ -1454,13 +1972,7 @@
       </p:sp>
       <p:sp>
         <p:nvSpPr>
-          <p:cNvPr id="7" name="Slide Number Placeholder 6">
-            <a:extLst>
-              <a:ext uri="{FF2B5EF4-FFF2-40B4-BE49-F238E27FC236}">
-                <a16:creationId xmlns:a16="http://schemas.microsoft.com/office/drawing/2014/main" id="{0A900445-BBEB-3C53-B5A2-6A50A7A8FD5C}"/>
-              </a:ext>
-            </a:extLst>
-          </p:cNvPr>
+          <p:cNvPr id="7" name="Slide Number Placeholder 6"/>
           <p:cNvSpPr>
             <a:spLocks noGrp="1"/>
           </p:cNvSpPr>
@@ -1485,7 +1997,7 @@
     </p:spTree>
     <p:extLst>
       <p:ext uri="{BB962C8B-B14F-4D97-AF65-F5344CB8AC3E}">
-        <p14:creationId xmlns:p14="http://schemas.microsoft.com/office/powerpoint/2010/main" val="1422059934"/>
+        <p14:creationId xmlns:p14="http://schemas.microsoft.com/office/powerpoint/2010/main" val="1098109298"/>
       </p:ext>
     </p:extLst>
   </p:cSld>
@@ -1496,7 +2008,7 @@
 </file>
 
 <file path=ppt/slideLayouts/slideLayout5.xml><?xml version="1.0" encoding="utf-8"?>
-<p:sldLayout xmlns:a="http://schemas.openxmlformats.org/drawingml/2006/main" xmlns:r="http://schemas.openxmlformats.org/officeDocument/2006/relationships" xmlns:p="http://schemas.openxmlformats.org/presentationml/2006/main" type="twoTxTwoObj" preserve="1">
+<p:sldLayout xmlns:a="http://schemas.openxmlformats.org/drawingml/2006/main" xmlns:r="http://schemas.openxmlformats.org/officeDocument/2006/relationships" xmlns:p="http://schemas.openxmlformats.org/presentationml/2006/main" preserve="1">
   <p:cSld name="Comparison">
     <p:spTree>
       <p:nvGrpSpPr>
@@ -1514,66 +2026,34 @@
       </p:grpSpPr>
       <p:sp>
         <p:nvSpPr>
-          <p:cNvPr id="2" name="Title 1">
-            <a:extLst>
-              <a:ext uri="{FF2B5EF4-FFF2-40B4-BE49-F238E27FC236}">
-                <a16:creationId xmlns:a16="http://schemas.microsoft.com/office/drawing/2014/main" id="{6875D694-B771-5FAE-716E-5D54DF95D694}"/>
-              </a:ext>
-            </a:extLst>
-          </p:cNvPr>
-          <p:cNvSpPr>
-            <a:spLocks noGrp="1"/>
-          </p:cNvSpPr>
-          <p:nvPr>
-            <p:ph type="title"/>
+          <p:cNvPr id="3" name="Text Placeholder 2"/>
+          <p:cNvSpPr>
+            <a:spLocks noGrp="1"/>
+          </p:cNvSpPr>
+          <p:nvPr>
+            <p:ph type="body" idx="1"/>
           </p:nvPr>
         </p:nvSpPr>
         <p:spPr>
           <a:xfrm>
-            <a:off x="839788" y="365125"/>
-            <a:ext cx="10515600" cy="1325563"/>
+            <a:off x="1066800" y="2048256"/>
+            <a:ext cx="4754880" cy="640080"/>
           </a:xfrm>
         </p:spPr>
         <p:txBody>
-          <a:bodyPr/>
-          <a:lstStyle/>
-          <a:p>
-            <a:r>
-              <a:rPr lang="en-GB"/>
-              <a:t>Click to edit Master title style</a:t>
-            </a:r>
-            <a:endParaRPr lang="en-US"/>
-          </a:p>
-        </p:txBody>
-      </p:sp>
-      <p:sp>
-        <p:nvSpPr>
-          <p:cNvPr id="3" name="Text Placeholder 2">
-            <a:extLst>
-              <a:ext uri="{FF2B5EF4-FFF2-40B4-BE49-F238E27FC236}">
-                <a16:creationId xmlns:a16="http://schemas.microsoft.com/office/drawing/2014/main" id="{C8C99E3A-74E0-A559-4072-28D96A81DE5C}"/>
-              </a:ext>
-            </a:extLst>
-          </p:cNvPr>
-          <p:cNvSpPr>
-            <a:spLocks noGrp="1"/>
-          </p:cNvSpPr>
-          <p:nvPr>
-            <p:ph type="body" idx="1"/>
-          </p:nvPr>
-        </p:nvSpPr>
-        <p:spPr>
-          <a:xfrm>
-            <a:off x="839788" y="1681163"/>
-            <a:ext cx="5157787" cy="823912"/>
-          </a:xfrm>
-        </p:spPr>
-        <p:txBody>
-          <a:bodyPr anchor="b"/>
+          <a:bodyPr anchor="ctr">
+            <a:normAutofit/>
+          </a:bodyPr>
           <a:lstStyle>
             <a:lvl1pPr marL="0" indent="0">
               <a:buNone/>
-              <a:defRPr sz="2400" b="1"/>
+              <a:defRPr sz="2000" b="1">
+                <a:solidFill>
+                  <a:schemeClr val="accent1">
+                    <a:lumMod val="75000"/>
+                  </a:schemeClr>
+                </a:solidFill>
+              </a:defRPr>
             </a:lvl1pPr>
             <a:lvl2pPr marL="457200" indent="0">
               <a:buNone/>
@@ -1619,13 +2099,7 @@
       </p:sp>
       <p:sp>
         <p:nvSpPr>
-          <p:cNvPr id="4" name="Content Placeholder 3">
-            <a:extLst>
-              <a:ext uri="{FF2B5EF4-FFF2-40B4-BE49-F238E27FC236}">
-                <a16:creationId xmlns:a16="http://schemas.microsoft.com/office/drawing/2014/main" id="{6D0AF737-357A-0A67-4D5E-446FABAE21DC}"/>
-              </a:ext>
-            </a:extLst>
-          </p:cNvPr>
+          <p:cNvPr id="4" name="Content Placeholder 3"/>
           <p:cNvSpPr>
             <a:spLocks noGrp="1"/>
           </p:cNvSpPr>
@@ -1635,13 +2109,41 @@
         </p:nvSpPr>
         <p:spPr>
           <a:xfrm>
-            <a:off x="839788" y="2505075"/>
-            <a:ext cx="5157787" cy="3684588"/>
+            <a:off x="1069848" y="2743200"/>
+            <a:ext cx="4754880" cy="3291840"/>
           </a:xfrm>
         </p:spPr>
         <p:txBody>
           <a:bodyPr/>
-          <a:lstStyle/>
+          <a:lstStyle>
+            <a:lvl1pPr>
+              <a:defRPr sz="2000"/>
+            </a:lvl1pPr>
+            <a:lvl2pPr>
+              <a:defRPr sz="1800"/>
+            </a:lvl2pPr>
+            <a:lvl3pPr>
+              <a:defRPr sz="1600"/>
+            </a:lvl3pPr>
+            <a:lvl4pPr>
+              <a:defRPr sz="1600"/>
+            </a:lvl4pPr>
+            <a:lvl5pPr>
+              <a:defRPr sz="1600"/>
+            </a:lvl5pPr>
+            <a:lvl6pPr>
+              <a:defRPr sz="1600"/>
+            </a:lvl6pPr>
+            <a:lvl7pPr>
+              <a:defRPr sz="1600"/>
+            </a:lvl7pPr>
+            <a:lvl8pPr>
+              <a:defRPr sz="1600"/>
+            </a:lvl8pPr>
+            <a:lvl9pPr>
+              <a:defRPr sz="1600"/>
+            </a:lvl9pPr>
+          </a:lstStyle>
           <a:p>
             <a:pPr lvl="0"/>
             <a:r>
@@ -1676,19 +2178,13 @@
               <a:rPr lang="en-GB"/>
               <a:t>Fifth level</a:t>
             </a:r>
-            <a:endParaRPr lang="en-US"/>
-          </a:p>
-        </p:txBody>
-      </p:sp>
-      <p:sp>
-        <p:nvSpPr>
-          <p:cNvPr id="5" name="Text Placeholder 4">
-            <a:extLst>
-              <a:ext uri="{FF2B5EF4-FFF2-40B4-BE49-F238E27FC236}">
-                <a16:creationId xmlns:a16="http://schemas.microsoft.com/office/drawing/2014/main" id="{93A093CD-13CD-A998-FE88-0BF6C8777D70}"/>
-              </a:ext>
-            </a:extLst>
-          </p:cNvPr>
+            <a:endParaRPr lang="en-US" dirty="0"/>
+          </a:p>
+        </p:txBody>
+      </p:sp>
+      <p:sp>
+        <p:nvSpPr>
+          <p:cNvPr id="5" name="Text Placeholder 4"/>
           <p:cNvSpPr>
             <a:spLocks noGrp="1"/>
           </p:cNvSpPr>
@@ -1698,16 +2194,24 @@
         </p:nvSpPr>
         <p:spPr>
           <a:xfrm>
-            <a:off x="6172200" y="1681163"/>
-            <a:ext cx="5183188" cy="823912"/>
+            <a:off x="6364224" y="2048256"/>
+            <a:ext cx="4754880" cy="640080"/>
           </a:xfrm>
         </p:spPr>
         <p:txBody>
-          <a:bodyPr anchor="b"/>
+          <a:bodyPr anchor="ctr">
+            <a:normAutofit/>
+          </a:bodyPr>
           <a:lstStyle>
             <a:lvl1pPr marL="0" indent="0">
               <a:buNone/>
-              <a:defRPr sz="2400" b="1"/>
+              <a:defRPr sz="2000" b="1">
+                <a:solidFill>
+                  <a:schemeClr val="accent1">
+                    <a:lumMod val="75000"/>
+                  </a:schemeClr>
+                </a:solidFill>
+              </a:defRPr>
             </a:lvl1pPr>
             <a:lvl2pPr marL="457200" indent="0">
               <a:buNone/>
@@ -1753,13 +2257,7 @@
       </p:sp>
       <p:sp>
         <p:nvSpPr>
-          <p:cNvPr id="6" name="Content Placeholder 5">
-            <a:extLst>
-              <a:ext uri="{FF2B5EF4-FFF2-40B4-BE49-F238E27FC236}">
-                <a16:creationId xmlns:a16="http://schemas.microsoft.com/office/drawing/2014/main" id="{D19255A3-1917-BB80-0958-7FD28E10B6D2}"/>
-              </a:ext>
-            </a:extLst>
-          </p:cNvPr>
+          <p:cNvPr id="6" name="Content Placeholder 5"/>
           <p:cNvSpPr>
             <a:spLocks noGrp="1"/>
           </p:cNvSpPr>
@@ -1769,13 +2267,41 @@
         </p:nvSpPr>
         <p:spPr>
           <a:xfrm>
-            <a:off x="6172200" y="2505075"/>
-            <a:ext cx="5183188" cy="3684588"/>
+            <a:off x="6364224" y="2743200"/>
+            <a:ext cx="4754880" cy="3291840"/>
           </a:xfrm>
         </p:spPr>
         <p:txBody>
           <a:bodyPr/>
-          <a:lstStyle/>
+          <a:lstStyle>
+            <a:lvl1pPr>
+              <a:defRPr sz="2000"/>
+            </a:lvl1pPr>
+            <a:lvl2pPr>
+              <a:defRPr sz="1800"/>
+            </a:lvl2pPr>
+            <a:lvl3pPr>
+              <a:defRPr sz="1600"/>
+            </a:lvl3pPr>
+            <a:lvl4pPr>
+              <a:defRPr sz="1600"/>
+            </a:lvl4pPr>
+            <a:lvl5pPr>
+              <a:defRPr sz="1600"/>
+            </a:lvl5pPr>
+            <a:lvl6pPr>
+              <a:defRPr sz="1600"/>
+            </a:lvl6pPr>
+            <a:lvl7pPr>
+              <a:defRPr sz="1600"/>
+            </a:lvl7pPr>
+            <a:lvl8pPr>
+              <a:defRPr sz="1600"/>
+            </a:lvl8pPr>
+            <a:lvl9pPr>
+              <a:defRPr sz="1600"/>
+            </a:lvl9pPr>
+          </a:lstStyle>
           <a:p>
             <a:pPr lvl="0"/>
             <a:r>
@@ -1810,19 +2336,13 @@
               <a:rPr lang="en-GB"/>
               <a:t>Fifth level</a:t>
             </a:r>
-            <a:endParaRPr lang="en-US"/>
-          </a:p>
-        </p:txBody>
-      </p:sp>
-      <p:sp>
-        <p:nvSpPr>
-          <p:cNvPr id="7" name="Date Placeholder 6">
-            <a:extLst>
-              <a:ext uri="{FF2B5EF4-FFF2-40B4-BE49-F238E27FC236}">
-                <a16:creationId xmlns:a16="http://schemas.microsoft.com/office/drawing/2014/main" id="{CAC9DD00-BBCF-8DC3-ED6A-F2ABC47E4480}"/>
-              </a:ext>
-            </a:extLst>
-          </p:cNvPr>
+            <a:endParaRPr lang="en-US" dirty="0"/>
+          </a:p>
+        </p:txBody>
+      </p:sp>
+      <p:sp>
+        <p:nvSpPr>
+          <p:cNvPr id="7" name="Date Placeholder 6"/>
           <p:cNvSpPr>
             <a:spLocks noGrp="1"/>
           </p:cNvSpPr>
@@ -1838,7 +2358,7 @@
             <a:fld id="{B61BEF0D-F0BB-DE4B-95CE-6DB70DBA9567}" type="datetimeFigureOut">
               <a:rPr lang="en-US" smtClean="0"/>
               <a:pPr/>
-              <a:t>10/9/23</a:t>
+              <a:t>10/10/23</a:t>
             </a:fld>
             <a:endParaRPr lang="en-US" dirty="0"/>
           </a:p>
@@ -1846,13 +2366,7 @@
       </p:sp>
       <p:sp>
         <p:nvSpPr>
-          <p:cNvPr id="8" name="Footer Placeholder 7">
-            <a:extLst>
-              <a:ext uri="{FF2B5EF4-FFF2-40B4-BE49-F238E27FC236}">
-                <a16:creationId xmlns:a16="http://schemas.microsoft.com/office/drawing/2014/main" id="{EB08F994-1AEA-1D4D-8426-350CE1FF1FC9}"/>
-              </a:ext>
-            </a:extLst>
-          </p:cNvPr>
+          <p:cNvPr id="8" name="Footer Placeholder 7"/>
           <p:cNvSpPr>
             <a:spLocks noGrp="1"/>
           </p:cNvSpPr>
@@ -1871,13 +2385,7 @@
       </p:sp>
       <p:sp>
         <p:nvSpPr>
-          <p:cNvPr id="9" name="Slide Number Placeholder 8">
-            <a:extLst>
-              <a:ext uri="{FF2B5EF4-FFF2-40B4-BE49-F238E27FC236}">
-                <a16:creationId xmlns:a16="http://schemas.microsoft.com/office/drawing/2014/main" id="{ECCC34A2-BB29-D0AA-593F-B4391FC4777B}"/>
-              </a:ext>
-            </a:extLst>
-          </p:cNvPr>
+          <p:cNvPr id="9" name="Slide Number Placeholder 8"/>
           <p:cNvSpPr>
             <a:spLocks noGrp="1"/>
           </p:cNvSpPr>
@@ -1899,10 +2407,33 @@
           </a:p>
         </p:txBody>
       </p:sp>
+      <p:sp>
+        <p:nvSpPr>
+          <p:cNvPr id="10" name="Title 9"/>
+          <p:cNvSpPr>
+            <a:spLocks noGrp="1"/>
+          </p:cNvSpPr>
+          <p:nvPr>
+            <p:ph type="title"/>
+          </p:nvPr>
+        </p:nvSpPr>
+        <p:spPr/>
+        <p:txBody>
+          <a:bodyPr/>
+          <a:lstStyle/>
+          <a:p>
+            <a:r>
+              <a:rPr lang="en-GB"/>
+              <a:t>Click to edit Master title style</a:t>
+            </a:r>
+            <a:endParaRPr lang="en-US" dirty="0"/>
+          </a:p>
+        </p:txBody>
+      </p:sp>
     </p:spTree>
     <p:extLst>
       <p:ext uri="{BB962C8B-B14F-4D97-AF65-F5344CB8AC3E}">
-        <p14:creationId xmlns:p14="http://schemas.microsoft.com/office/powerpoint/2010/main" val="2746072733"/>
+        <p14:creationId xmlns:p14="http://schemas.microsoft.com/office/powerpoint/2010/main" val="1687858683"/>
       </p:ext>
     </p:extLst>
   </p:cSld>
@@ -1913,7 +2444,7 @@
 </file>
 
 <file path=ppt/slideLayouts/slideLayout6.xml><?xml version="1.0" encoding="utf-8"?>
-<p:sldLayout xmlns:a="http://schemas.openxmlformats.org/drawingml/2006/main" xmlns:r="http://schemas.openxmlformats.org/officeDocument/2006/relationships" xmlns:p="http://schemas.openxmlformats.org/presentationml/2006/main" type="titleOnly" preserve="1">
+<p:sldLayout xmlns:a="http://schemas.openxmlformats.org/drawingml/2006/main" xmlns:r="http://schemas.openxmlformats.org/officeDocument/2006/relationships" xmlns:p="http://schemas.openxmlformats.org/presentationml/2006/main" preserve="1">
   <p:cSld name="Title Only">
     <p:spTree>
       <p:nvGrpSpPr>
@@ -1931,42 +2462,7 @@
       </p:grpSpPr>
       <p:sp>
         <p:nvSpPr>
-          <p:cNvPr id="2" name="Title 1">
-            <a:extLst>
-              <a:ext uri="{FF2B5EF4-FFF2-40B4-BE49-F238E27FC236}">
-                <a16:creationId xmlns:a16="http://schemas.microsoft.com/office/drawing/2014/main" id="{4884D2C7-C31B-B4B1-EC92-9B205A75D1C6}"/>
-              </a:ext>
-            </a:extLst>
-          </p:cNvPr>
-          <p:cNvSpPr>
-            <a:spLocks noGrp="1"/>
-          </p:cNvSpPr>
-          <p:nvPr>
-            <p:ph type="title"/>
-          </p:nvPr>
-        </p:nvSpPr>
-        <p:spPr/>
-        <p:txBody>
-          <a:bodyPr/>
-          <a:lstStyle/>
-          <a:p>
-            <a:r>
-              <a:rPr lang="en-GB"/>
-              <a:t>Click to edit Master title style</a:t>
-            </a:r>
-            <a:endParaRPr lang="en-US"/>
-          </a:p>
-        </p:txBody>
-      </p:sp>
-      <p:sp>
-        <p:nvSpPr>
-          <p:cNvPr id="3" name="Date Placeholder 2">
-            <a:extLst>
-              <a:ext uri="{FF2B5EF4-FFF2-40B4-BE49-F238E27FC236}">
-                <a16:creationId xmlns:a16="http://schemas.microsoft.com/office/drawing/2014/main" id="{467AFF92-7699-4341-EE73-B8A3D8704ECB}"/>
-              </a:ext>
-            </a:extLst>
-          </p:cNvPr>
+          <p:cNvPr id="3" name="Date Placeholder 2"/>
           <p:cNvSpPr>
             <a:spLocks noGrp="1"/>
           </p:cNvSpPr>
@@ -1982,7 +2478,7 @@
             <a:fld id="{B61BEF0D-F0BB-DE4B-95CE-6DB70DBA9567}" type="datetimeFigureOut">
               <a:rPr lang="en-US" smtClean="0"/>
               <a:pPr/>
-              <a:t>10/9/23</a:t>
+              <a:t>10/10/23</a:t>
             </a:fld>
             <a:endParaRPr lang="en-US" dirty="0"/>
           </a:p>
@@ -1990,13 +2486,7 @@
       </p:sp>
       <p:sp>
         <p:nvSpPr>
-          <p:cNvPr id="4" name="Footer Placeholder 3">
-            <a:extLst>
-              <a:ext uri="{FF2B5EF4-FFF2-40B4-BE49-F238E27FC236}">
-                <a16:creationId xmlns:a16="http://schemas.microsoft.com/office/drawing/2014/main" id="{E5E08809-658E-2CAC-1D1E-994ABED8BFA5}"/>
-              </a:ext>
-            </a:extLst>
-          </p:cNvPr>
+          <p:cNvPr id="4" name="Footer Placeholder 3"/>
           <p:cNvSpPr>
             <a:spLocks noGrp="1"/>
           </p:cNvSpPr>
@@ -2015,13 +2505,7 @@
       </p:sp>
       <p:sp>
         <p:nvSpPr>
-          <p:cNvPr id="5" name="Slide Number Placeholder 4">
-            <a:extLst>
-              <a:ext uri="{FF2B5EF4-FFF2-40B4-BE49-F238E27FC236}">
-                <a16:creationId xmlns:a16="http://schemas.microsoft.com/office/drawing/2014/main" id="{4EB7C820-6058-BFF3-C6C8-D58840A34276}"/>
-              </a:ext>
-            </a:extLst>
-          </p:cNvPr>
+          <p:cNvPr id="5" name="Slide Number Placeholder 4"/>
           <p:cNvSpPr>
             <a:spLocks noGrp="1"/>
           </p:cNvSpPr>
@@ -2043,10 +2527,33 @@
           </a:p>
         </p:txBody>
       </p:sp>
+      <p:sp>
+        <p:nvSpPr>
+          <p:cNvPr id="6" name="Title 5"/>
+          <p:cNvSpPr>
+            <a:spLocks noGrp="1"/>
+          </p:cNvSpPr>
+          <p:nvPr>
+            <p:ph type="title"/>
+          </p:nvPr>
+        </p:nvSpPr>
+        <p:spPr/>
+        <p:txBody>
+          <a:bodyPr/>
+          <a:lstStyle/>
+          <a:p>
+            <a:r>
+              <a:rPr lang="en-GB"/>
+              <a:t>Click to edit Master title style</a:t>
+            </a:r>
+            <a:endParaRPr lang="en-US"/>
+          </a:p>
+        </p:txBody>
+      </p:sp>
     </p:spTree>
     <p:extLst>
       <p:ext uri="{BB962C8B-B14F-4D97-AF65-F5344CB8AC3E}">
-        <p14:creationId xmlns:p14="http://schemas.microsoft.com/office/powerpoint/2010/main" val="2724886553"/>
+        <p14:creationId xmlns:p14="http://schemas.microsoft.com/office/powerpoint/2010/main" val="1368490519"/>
       </p:ext>
     </p:extLst>
   </p:cSld>
@@ -2075,13 +2582,7 @@
       </p:grpSpPr>
       <p:sp>
         <p:nvSpPr>
-          <p:cNvPr id="2" name="Date Placeholder 1">
-            <a:extLst>
-              <a:ext uri="{FF2B5EF4-FFF2-40B4-BE49-F238E27FC236}">
-                <a16:creationId xmlns:a16="http://schemas.microsoft.com/office/drawing/2014/main" id="{C684654A-CD3C-79EC-DB49-125BC385AEEC}"/>
-              </a:ext>
-            </a:extLst>
-          </p:cNvPr>
+          <p:cNvPr id="2" name="Date Placeholder 1"/>
           <p:cNvSpPr>
             <a:spLocks noGrp="1"/>
           </p:cNvSpPr>
@@ -2097,7 +2598,7 @@
             <a:fld id="{B61BEF0D-F0BB-DE4B-95CE-6DB70DBA9567}" type="datetimeFigureOut">
               <a:rPr lang="en-US" smtClean="0"/>
               <a:pPr/>
-              <a:t>10/9/23</a:t>
+              <a:t>10/10/23</a:t>
             </a:fld>
             <a:endParaRPr lang="en-US" dirty="0"/>
           </a:p>
@@ -2105,13 +2606,7 @@
       </p:sp>
       <p:sp>
         <p:nvSpPr>
-          <p:cNvPr id="3" name="Footer Placeholder 2">
-            <a:extLst>
-              <a:ext uri="{FF2B5EF4-FFF2-40B4-BE49-F238E27FC236}">
-                <a16:creationId xmlns:a16="http://schemas.microsoft.com/office/drawing/2014/main" id="{5B7C087D-A3BD-DB48-D3D2-C265B9C71224}"/>
-              </a:ext>
-            </a:extLst>
-          </p:cNvPr>
+          <p:cNvPr id="3" name="Footer Placeholder 2"/>
           <p:cNvSpPr>
             <a:spLocks noGrp="1"/>
           </p:cNvSpPr>
@@ -2130,13 +2625,7 @@
       </p:sp>
       <p:sp>
         <p:nvSpPr>
-          <p:cNvPr id="4" name="Slide Number Placeholder 3">
-            <a:extLst>
-              <a:ext uri="{FF2B5EF4-FFF2-40B4-BE49-F238E27FC236}">
-                <a16:creationId xmlns:a16="http://schemas.microsoft.com/office/drawing/2014/main" id="{F96868C9-A278-8AEF-4E80-2CB697998339}"/>
-              </a:ext>
-            </a:extLst>
-          </p:cNvPr>
+          <p:cNvPr id="4" name="Slide Number Placeholder 3"/>
           <p:cNvSpPr>
             <a:spLocks noGrp="1"/>
           </p:cNvSpPr>
@@ -2161,7 +2650,7 @@
     </p:spTree>
     <p:extLst>
       <p:ext uri="{BB962C8B-B14F-4D97-AF65-F5344CB8AC3E}">
-        <p14:creationId xmlns:p14="http://schemas.microsoft.com/office/powerpoint/2010/main" val="2252814109"/>
+        <p14:creationId xmlns:p14="http://schemas.microsoft.com/office/powerpoint/2010/main" val="2818955827"/>
       </p:ext>
     </p:extLst>
   </p:cSld>
@@ -2172,7 +2661,7 @@
 </file>
 
 <file path=ppt/slideLayouts/slideLayout8.xml><?xml version="1.0" encoding="utf-8"?>
-<p:sldLayout xmlns:a="http://schemas.openxmlformats.org/drawingml/2006/main" xmlns:r="http://schemas.openxmlformats.org/officeDocument/2006/relationships" xmlns:p="http://schemas.openxmlformats.org/presentationml/2006/main" type="objTx" preserve="1">
+<p:sldLayout xmlns:a="http://schemas.openxmlformats.org/drawingml/2006/main" xmlns:r="http://schemas.openxmlformats.org/officeDocument/2006/relationships" xmlns:p="http://schemas.openxmlformats.org/presentationml/2006/main" showMasterSp="0" type="objTx" preserve="1">
   <p:cSld name="Content with Caption">
     <p:spTree>
       <p:nvGrpSpPr>
@@ -2190,13 +2679,72 @@
       </p:grpSpPr>
       <p:sp>
         <p:nvSpPr>
-          <p:cNvPr id="2" name="Title 1">
-            <a:extLst>
-              <a:ext uri="{FF2B5EF4-FFF2-40B4-BE49-F238E27FC236}">
-                <a16:creationId xmlns:a16="http://schemas.microsoft.com/office/drawing/2014/main" id="{8B410E00-5CE4-3574-9E5F-7748C9234766}"/>
-              </a:ext>
-            </a:extLst>
-          </p:cNvPr>
+          <p:cNvPr id="8" name="Rectangle 7"/>
+          <p:cNvSpPr/>
+          <p:nvPr/>
+        </p:nvSpPr>
+        <p:spPr>
+          <a:xfrm>
+            <a:off x="8303740" y="0"/>
+            <a:ext cx="3888259" cy="6857999"/>
+          </a:xfrm>
+          <a:prstGeom prst="rect">
+            <a:avLst/>
+          </a:prstGeom>
+          <a:blipFill dpi="0" rotWithShape="1">
+            <a:blip r:embed="rId2">
+              <a:alphaModFix amt="60000"/>
+              <a:lum bright="70000" contrast="-70000"/>
+              <a:extLst>
+                <a:ext uri="{BEBA8EAE-BF5A-486C-A8C5-ECC9F3942E4B}">
+                  <a14:imgProps xmlns:a14="http://schemas.microsoft.com/office/drawing/2010/main">
+                    <a14:imgLayer r:embed="rId3">
+                      <a14:imgEffect>
+                        <a14:sharpenSoften amount="61000"/>
+                      </a14:imgEffect>
+                    </a14:imgLayer>
+                  </a14:imgProps>
+                </a:ext>
+                <a:ext uri="{28A0092B-C50C-407E-A947-70E740481C1C}">
+                  <a14:useLocalDpi xmlns:a14="http://schemas.microsoft.com/office/drawing/2010/main" val="0"/>
+                </a:ext>
+              </a:extLst>
+            </a:blip>
+            <a:srcRect/>
+            <a:tile tx="0" ty="-704850" sx="92000" sy="89000" flip="xy" algn="ctr"/>
+          </a:blipFill>
+          <a:ln>
+            <a:noFill/>
+          </a:ln>
+        </p:spPr>
+        <p:style>
+          <a:lnRef idx="2">
+            <a:schemeClr val="accent1">
+              <a:shade val="50000"/>
+            </a:schemeClr>
+          </a:lnRef>
+          <a:fillRef idx="1">
+            <a:schemeClr val="accent1"/>
+          </a:fillRef>
+          <a:effectRef idx="0">
+            <a:schemeClr val="accent1"/>
+          </a:effectRef>
+          <a:fontRef idx="minor">
+            <a:schemeClr val="lt1"/>
+          </a:fontRef>
+        </p:style>
+        <p:txBody>
+          <a:bodyPr rtlCol="0" anchor="ctr"/>
+          <a:lstStyle/>
+          <a:p>
+            <a:pPr algn="ctr"/>
+            <a:endParaRPr lang="en-US"/>
+          </a:p>
+        </p:txBody>
+      </p:sp>
+      <p:sp>
+        <p:nvSpPr>
+          <p:cNvPr id="2" name="Title 1"/>
           <p:cNvSpPr>
             <a:spLocks noGrp="1"/>
           </p:cNvSpPr>
@@ -2206,15 +2754,17 @@
         </p:nvSpPr>
         <p:spPr>
           <a:xfrm>
-            <a:off x="839788" y="457200"/>
-            <a:ext cx="3932237" cy="1600200"/>
+            <a:off x="8549640" y="685800"/>
+            <a:ext cx="3200400" cy="1737360"/>
           </a:xfrm>
         </p:spPr>
         <p:txBody>
-          <a:bodyPr anchor="b"/>
+          <a:bodyPr anchor="b">
+            <a:normAutofit/>
+          </a:bodyPr>
           <a:lstStyle>
             <a:lvl1pPr>
-              <a:defRPr sz="3200"/>
+              <a:defRPr sz="3200" b="1"/>
             </a:lvl1pPr>
           </a:lstStyle>
           <a:p>
@@ -2222,19 +2772,13 @@
               <a:rPr lang="en-GB"/>
               <a:t>Click to edit Master title style</a:t>
             </a:r>
-            <a:endParaRPr lang="en-US"/>
-          </a:p>
-        </p:txBody>
-      </p:sp>
-      <p:sp>
-        <p:nvSpPr>
-          <p:cNvPr id="3" name="Content Placeholder 2">
-            <a:extLst>
-              <a:ext uri="{FF2B5EF4-FFF2-40B4-BE49-F238E27FC236}">
-                <a16:creationId xmlns:a16="http://schemas.microsoft.com/office/drawing/2014/main" id="{167E7CB4-2B1F-6E45-B4DA-0510C8ACE2B6}"/>
-              </a:ext>
-            </a:extLst>
-          </p:cNvPr>
+            <a:endParaRPr lang="en-US" dirty="0"/>
+          </a:p>
+        </p:txBody>
+      </p:sp>
+      <p:sp>
+        <p:nvSpPr>
+          <p:cNvPr id="3" name="Content Placeholder 2"/>
           <p:cNvSpPr>
             <a:spLocks noGrp="1"/>
           </p:cNvSpPr>
@@ -2244,27 +2788,27 @@
         </p:nvSpPr>
         <p:spPr>
           <a:xfrm>
-            <a:off x="5183188" y="987425"/>
-            <a:ext cx="6172200" cy="4873625"/>
+            <a:off x="838200" y="685800"/>
+            <a:ext cx="6711696" cy="5020056"/>
           </a:xfrm>
         </p:spPr>
         <p:txBody>
           <a:bodyPr/>
           <a:lstStyle>
             <a:lvl1pPr>
-              <a:defRPr sz="3200"/>
+              <a:defRPr sz="2000"/>
             </a:lvl1pPr>
             <a:lvl2pPr>
-              <a:defRPr sz="2800"/>
+              <a:defRPr sz="1800"/>
             </a:lvl2pPr>
             <a:lvl3pPr>
-              <a:defRPr sz="2400"/>
+              <a:defRPr sz="1600"/>
             </a:lvl3pPr>
             <a:lvl4pPr>
-              <a:defRPr sz="2000"/>
+              <a:defRPr sz="1600"/>
             </a:lvl4pPr>
             <a:lvl5pPr>
-              <a:defRPr sz="2000"/>
+              <a:defRPr sz="1600"/>
             </a:lvl5pPr>
             <a:lvl6pPr>
               <a:defRPr sz="2000"/>
@@ -2313,19 +2857,13 @@
               <a:rPr lang="en-GB"/>
               <a:t>Fifth level</a:t>
             </a:r>
-            <a:endParaRPr lang="en-US"/>
-          </a:p>
-        </p:txBody>
-      </p:sp>
-      <p:sp>
-        <p:nvSpPr>
-          <p:cNvPr id="4" name="Text Placeholder 3">
-            <a:extLst>
-              <a:ext uri="{FF2B5EF4-FFF2-40B4-BE49-F238E27FC236}">
-                <a16:creationId xmlns:a16="http://schemas.microsoft.com/office/drawing/2014/main" id="{834967B5-1955-27B8-71E5-971C5CE5819F}"/>
-              </a:ext>
-            </a:extLst>
-          </p:cNvPr>
+            <a:endParaRPr lang="en-US" dirty="0"/>
+          </a:p>
+        </p:txBody>
+      </p:sp>
+      <p:sp>
+        <p:nvSpPr>
+          <p:cNvPr id="4" name="Text Placeholder 3"/>
           <p:cNvSpPr>
             <a:spLocks noGrp="1"/>
           </p:cNvSpPr>
@@ -2335,48 +2873,62 @@
         </p:nvSpPr>
         <p:spPr>
           <a:xfrm>
-            <a:off x="839788" y="2057400"/>
-            <a:ext cx="3932237" cy="3811588"/>
+            <a:off x="8549640" y="2423160"/>
+            <a:ext cx="3200400" cy="3291840"/>
           </a:xfrm>
         </p:spPr>
         <p:txBody>
-          <a:bodyPr/>
+          <a:bodyPr>
+            <a:normAutofit/>
+          </a:bodyPr>
           <a:lstStyle>
             <a:lvl1pPr marL="0" indent="0">
+              <a:lnSpc>
+                <a:spcPct val="100000"/>
+              </a:lnSpc>
+              <a:spcBef>
+                <a:spcPts val="1000"/>
+              </a:spcBef>
               <a:buNone/>
-              <a:defRPr sz="1600"/>
+              <a:defRPr sz="1400">
+                <a:solidFill>
+                  <a:schemeClr val="accent1">
+                    <a:lumMod val="75000"/>
+                  </a:schemeClr>
+                </a:solidFill>
+              </a:defRPr>
             </a:lvl1pPr>
             <a:lvl2pPr marL="457200" indent="0">
               <a:buNone/>
-              <a:defRPr sz="1400"/>
+              <a:defRPr sz="1200"/>
             </a:lvl2pPr>
             <a:lvl3pPr marL="914400" indent="0">
               <a:buNone/>
-              <a:defRPr sz="1200"/>
+              <a:defRPr sz="1000"/>
             </a:lvl3pPr>
             <a:lvl4pPr marL="1371600" indent="0">
               <a:buNone/>
-              <a:defRPr sz="1000"/>
+              <a:defRPr sz="900"/>
             </a:lvl4pPr>
             <a:lvl5pPr marL="1828800" indent="0">
               <a:buNone/>
-              <a:defRPr sz="1000"/>
+              <a:defRPr sz="900"/>
             </a:lvl5pPr>
             <a:lvl6pPr marL="2286000" indent="0">
               <a:buNone/>
-              <a:defRPr sz="1000"/>
+              <a:defRPr sz="900"/>
             </a:lvl6pPr>
             <a:lvl7pPr marL="2743200" indent="0">
               <a:buNone/>
-              <a:defRPr sz="1000"/>
+              <a:defRPr sz="900"/>
             </a:lvl7pPr>
             <a:lvl8pPr marL="3200400" indent="0">
               <a:buNone/>
-              <a:defRPr sz="1000"/>
+              <a:defRPr sz="900"/>
             </a:lvl8pPr>
             <a:lvl9pPr marL="3657600" indent="0">
               <a:buNone/>
-              <a:defRPr sz="1000"/>
+              <a:defRPr sz="900"/>
             </a:lvl9pPr>
           </a:lstStyle>
           <a:p>
@@ -2390,13 +2942,7 @@
       </p:sp>
       <p:sp>
         <p:nvSpPr>
-          <p:cNvPr id="5" name="Date Placeholder 4">
-            <a:extLst>
-              <a:ext uri="{FF2B5EF4-FFF2-40B4-BE49-F238E27FC236}">
-                <a16:creationId xmlns:a16="http://schemas.microsoft.com/office/drawing/2014/main" id="{3AAA5587-AA4B-DC1A-50D6-C57D4B4C8203}"/>
-              </a:ext>
-            </a:extLst>
-          </p:cNvPr>
+          <p:cNvPr id="5" name="Date Placeholder 4"/>
           <p:cNvSpPr>
             <a:spLocks noGrp="1"/>
           </p:cNvSpPr>
@@ -2412,7 +2958,7 @@
             <a:fld id="{B61BEF0D-F0BB-DE4B-95CE-6DB70DBA9567}" type="datetimeFigureOut">
               <a:rPr lang="en-US" smtClean="0"/>
               <a:pPr/>
-              <a:t>10/9/23</a:t>
+              <a:t>10/10/23</a:t>
             </a:fld>
             <a:endParaRPr lang="en-US" dirty="0"/>
           </a:p>
@@ -2420,13 +2966,7 @@
       </p:sp>
       <p:sp>
         <p:nvSpPr>
-          <p:cNvPr id="6" name="Footer Placeholder 5">
-            <a:extLst>
-              <a:ext uri="{FF2B5EF4-FFF2-40B4-BE49-F238E27FC236}">
-                <a16:creationId xmlns:a16="http://schemas.microsoft.com/office/drawing/2014/main" id="{9994A91C-D3A5-AFF6-383E-581F78958853}"/>
-              </a:ext>
-            </a:extLst>
-          </p:cNvPr>
+          <p:cNvPr id="6" name="Footer Placeholder 5"/>
           <p:cNvSpPr>
             <a:spLocks noGrp="1"/>
           </p:cNvSpPr>
@@ -2443,15 +2983,172 @@
           </a:p>
         </p:txBody>
       </p:sp>
-      <p:sp>
-        <p:nvSpPr>
-          <p:cNvPr id="7" name="Slide Number Placeholder 6">
-            <a:extLst>
-              <a:ext uri="{FF2B5EF4-FFF2-40B4-BE49-F238E27FC236}">
-                <a16:creationId xmlns:a16="http://schemas.microsoft.com/office/drawing/2014/main" id="{29D23E31-7F6E-2034-0F82-370356AA36EB}"/>
-              </a:ext>
-            </a:extLst>
-          </p:cNvPr>
+      <p:grpSp>
+        <p:nvGrpSpPr>
+          <p:cNvPr id="9" name="Group 8"/>
+          <p:cNvGrpSpPr>
+            <a:grpSpLocks noChangeAspect="1"/>
+          </p:cNvGrpSpPr>
+          <p:nvPr/>
+        </p:nvGrpSpPr>
+        <p:grpSpPr>
+          <a:xfrm>
+            <a:off x="11401725" y="6229681"/>
+            <a:ext cx="457200" cy="457200"/>
+            <a:chOff x="11361456" y="6195813"/>
+            <a:chExt cx="548640" cy="548640"/>
+          </a:xfrm>
+        </p:grpSpPr>
+        <p:sp>
+          <p:nvSpPr>
+            <p:cNvPr id="10" name="Oval 9"/>
+            <p:cNvSpPr/>
+            <p:nvPr/>
+          </p:nvSpPr>
+          <p:spPr>
+            <a:xfrm>
+              <a:off x="11361456" y="6195813"/>
+              <a:ext cx="548640" cy="548640"/>
+            </a:xfrm>
+            <a:prstGeom prst="ellipse">
+              <a:avLst/>
+            </a:prstGeom>
+            <a:blipFill dpi="0" rotWithShape="1">
+              <a:blip r:embed="rId4">
+                <a:duotone>
+                  <a:schemeClr val="accent1">
+                    <a:shade val="45000"/>
+                    <a:satMod val="135000"/>
+                  </a:schemeClr>
+                  <a:prstClr val="white"/>
+                </a:duotone>
+                <a:extLst>
+                  <a:ext uri="{BEBA8EAE-BF5A-486C-A8C5-ECC9F3942E4B}">
+                    <a14:imgProps xmlns:a14="http://schemas.microsoft.com/office/drawing/2010/main">
+                      <a14:imgLayer r:embed="rId5">
+                        <a14:imgEffect>
+                          <a14:saturation sat="95000"/>
+                        </a14:imgEffect>
+                        <a14:imgEffect>
+                          <a14:brightnessContrast bright="-40000" contrast="20000"/>
+                        </a14:imgEffect>
+                      </a14:imgLayer>
+                    </a14:imgProps>
+                  </a:ext>
+                </a:extLst>
+              </a:blip>
+              <a:srcRect/>
+              <a:tile tx="50800" ty="0" sx="85000" sy="85000" flip="none" algn="tl"/>
+            </a:blipFill>
+            <a:ln w="25400" cap="flat" cmpd="sng" algn="ctr">
+              <a:noFill/>
+              <a:prstDash val="solid"/>
+            </a:ln>
+            <a:effectLst/>
+          </p:spPr>
+          <p:txBody>
+            <a:bodyPr lIns="0" tIns="0" rIns="0" bIns="0" rtlCol="0" anchor="ctr"/>
+            <a:lstStyle/>
+            <a:p>
+              <a:pPr marL="0" marR="0" lvl="0" indent="0" algn="ctr" defTabSz="914400" eaLnBrk="1" fontAlgn="auto" latinLnBrk="0" hangingPunct="1">
+                <a:lnSpc>
+                  <a:spcPct val="100000"/>
+                </a:lnSpc>
+                <a:spcBef>
+                  <a:spcPts val="0"/>
+                </a:spcBef>
+                <a:spcAft>
+                  <a:spcPts val="0"/>
+                </a:spcAft>
+                <a:buClrTx/>
+                <a:buSzTx/>
+                <a:buFontTx/>
+                <a:buNone/>
+                <a:tabLst/>
+                <a:defRPr/>
+              </a:pPr>
+              <a:endParaRPr kumimoji="0" lang="en-US" sz="2000" b="0" i="0" u="none" strike="noStrike" kern="0" cap="none" spc="0" normalizeH="0" baseline="0" noProof="0" dirty="0">
+                <a:ln>
+                  <a:noFill/>
+                </a:ln>
+                <a:solidFill>
+                  <a:prstClr val="white"/>
+                </a:solidFill>
+                <a:effectLst/>
+                <a:uLnTx/>
+                <a:uFillTx/>
+                <a:latin typeface="Rockwell Extra Bold" pitchFamily="18" charset="0"/>
+                <a:ea typeface="+mn-ea"/>
+                <a:cs typeface="+mn-cs"/>
+              </a:endParaRPr>
+            </a:p>
+          </p:txBody>
+        </p:sp>
+        <p:sp>
+          <p:nvSpPr>
+            <p:cNvPr id="11" name="Oval 10"/>
+            <p:cNvSpPr/>
+            <p:nvPr/>
+          </p:nvSpPr>
+          <p:spPr>
+            <a:xfrm>
+              <a:off x="11396488" y="6230844"/>
+              <a:ext cx="478576" cy="478578"/>
+            </a:xfrm>
+            <a:prstGeom prst="ellipse">
+              <a:avLst/>
+            </a:prstGeom>
+            <a:noFill/>
+            <a:ln w="12700" cap="flat" cmpd="sng" algn="ctr">
+              <a:solidFill>
+                <a:sysClr val="window" lastClr="FFFFFF"/>
+              </a:solidFill>
+              <a:prstDash val="solid"/>
+            </a:ln>
+            <a:effectLst/>
+          </p:spPr>
+          <p:txBody>
+            <a:bodyPr rtlCol="0" anchor="ctr"/>
+            <a:lstStyle/>
+            <a:p>
+              <a:pPr marL="0" marR="0" lvl="0" indent="0" algn="ctr" defTabSz="914400" eaLnBrk="1" fontAlgn="auto" latinLnBrk="0" hangingPunct="1">
+                <a:lnSpc>
+                  <a:spcPct val="100000"/>
+                </a:lnSpc>
+                <a:spcBef>
+                  <a:spcPts val="0"/>
+                </a:spcBef>
+                <a:spcAft>
+                  <a:spcPts val="0"/>
+                </a:spcAft>
+                <a:buClrTx/>
+                <a:buSzTx/>
+                <a:buFontTx/>
+                <a:buNone/>
+                <a:tabLst/>
+                <a:defRPr/>
+              </a:pPr>
+              <a:endParaRPr kumimoji="0" lang="en-US" sz="1800" b="0" i="0" u="none" strike="noStrike" kern="0" cap="none" spc="0" normalizeH="0" baseline="0" noProof="0" dirty="0">
+                <a:ln>
+                  <a:noFill/>
+                </a:ln>
+                <a:solidFill>
+                  <a:prstClr val="white"/>
+                </a:solidFill>
+                <a:effectLst/>
+                <a:uLnTx/>
+                <a:uFillTx/>
+                <a:latin typeface="Calibri"/>
+                <a:ea typeface="+mn-ea"/>
+                <a:cs typeface="+mn-cs"/>
+              </a:endParaRPr>
+            </a:p>
+          </p:txBody>
+        </p:sp>
+      </p:grpSp>
+      <p:sp>
+        <p:nvSpPr>
+          <p:cNvPr id="7" name="Slide Number Placeholder 6"/>
           <p:cNvSpPr>
             <a:spLocks noGrp="1"/>
           </p:cNvSpPr>
@@ -2476,7 +3173,7 @@
     </p:spTree>
     <p:extLst>
       <p:ext uri="{BB962C8B-B14F-4D97-AF65-F5344CB8AC3E}">
-        <p14:creationId xmlns:p14="http://schemas.microsoft.com/office/powerpoint/2010/main" val="896442199"/>
+        <p14:creationId xmlns:p14="http://schemas.microsoft.com/office/powerpoint/2010/main" val="3047475479"/>
       </p:ext>
     </p:extLst>
   </p:cSld>
@@ -2487,7 +3184,7 @@
 </file>
 
 <file path=ppt/slideLayouts/slideLayout9.xml><?xml version="1.0" encoding="utf-8"?>
-<p:sldLayout xmlns:a="http://schemas.openxmlformats.org/drawingml/2006/main" xmlns:r="http://schemas.openxmlformats.org/officeDocument/2006/relationships" xmlns:p="http://schemas.openxmlformats.org/presentationml/2006/main" type="picTx" preserve="1">
+<p:sldLayout xmlns:a="http://schemas.openxmlformats.org/drawingml/2006/main" xmlns:r="http://schemas.openxmlformats.org/officeDocument/2006/relationships" xmlns:p="http://schemas.openxmlformats.org/presentationml/2006/main" showMasterSp="0" type="picTx" preserve="1">
   <p:cSld name="Picture with Caption">
     <p:spTree>
       <p:nvGrpSpPr>
@@ -2505,13 +3202,72 @@
       </p:grpSpPr>
       <p:sp>
         <p:nvSpPr>
-          <p:cNvPr id="2" name="Title 1">
-            <a:extLst>
-              <a:ext uri="{FF2B5EF4-FFF2-40B4-BE49-F238E27FC236}">
-                <a16:creationId xmlns:a16="http://schemas.microsoft.com/office/drawing/2014/main" id="{AD847EC9-DDA4-A0B4-F89B-F790F8C32093}"/>
-              </a:ext>
-            </a:extLst>
-          </p:cNvPr>
+          <p:cNvPr id="11" name="Rectangle 10"/>
+          <p:cNvSpPr/>
+          <p:nvPr/>
+        </p:nvSpPr>
+        <p:spPr>
+          <a:xfrm>
+            <a:off x="8303740" y="0"/>
+            <a:ext cx="3888259" cy="6857999"/>
+          </a:xfrm>
+          <a:prstGeom prst="rect">
+            <a:avLst/>
+          </a:prstGeom>
+          <a:blipFill dpi="0" rotWithShape="1">
+            <a:blip r:embed="rId2">
+              <a:alphaModFix amt="60000"/>
+              <a:lum bright="70000" contrast="-70000"/>
+              <a:extLst>
+                <a:ext uri="{BEBA8EAE-BF5A-486C-A8C5-ECC9F3942E4B}">
+                  <a14:imgProps xmlns:a14="http://schemas.microsoft.com/office/drawing/2010/main">
+                    <a14:imgLayer r:embed="rId3">
+                      <a14:imgEffect>
+                        <a14:sharpenSoften amount="61000"/>
+                      </a14:imgEffect>
+                    </a14:imgLayer>
+                  </a14:imgProps>
+                </a:ext>
+                <a:ext uri="{28A0092B-C50C-407E-A947-70E740481C1C}">
+                  <a14:useLocalDpi xmlns:a14="http://schemas.microsoft.com/office/drawing/2010/main" val="0"/>
+                </a:ext>
+              </a:extLst>
+            </a:blip>
+            <a:srcRect/>
+            <a:tile tx="0" ty="-704850" sx="92000" sy="89000" flip="xy" algn="ctr"/>
+          </a:blipFill>
+          <a:ln>
+            <a:noFill/>
+          </a:ln>
+        </p:spPr>
+        <p:style>
+          <a:lnRef idx="2">
+            <a:schemeClr val="accent1">
+              <a:shade val="50000"/>
+            </a:schemeClr>
+          </a:lnRef>
+          <a:fillRef idx="1">
+            <a:schemeClr val="accent1"/>
+          </a:fillRef>
+          <a:effectRef idx="0">
+            <a:schemeClr val="accent1"/>
+          </a:effectRef>
+          <a:fontRef idx="minor">
+            <a:schemeClr val="lt1"/>
+          </a:fontRef>
+        </p:style>
+        <p:txBody>
+          <a:bodyPr rtlCol="0" anchor="ctr"/>
+          <a:lstStyle/>
+          <a:p>
+            <a:pPr algn="ctr"/>
+            <a:endParaRPr lang="en-US"/>
+          </a:p>
+        </p:txBody>
+      </p:sp>
+      <p:sp>
+        <p:nvSpPr>
+          <p:cNvPr id="2" name="Title 1"/>
           <p:cNvSpPr>
             <a:spLocks noGrp="1"/>
           </p:cNvSpPr>
@@ -2521,15 +3277,17 @@
         </p:nvSpPr>
         <p:spPr>
           <a:xfrm>
-            <a:off x="839788" y="457200"/>
-            <a:ext cx="3932237" cy="1600200"/>
+            <a:off x="8549640" y="685800"/>
+            <a:ext cx="3200400" cy="1737360"/>
           </a:xfrm>
         </p:spPr>
         <p:txBody>
-          <a:bodyPr anchor="b"/>
+          <a:bodyPr anchor="b">
+            <a:normAutofit/>
+          </a:bodyPr>
           <a:lstStyle>
             <a:lvl1pPr>
-              <a:defRPr sz="3200"/>
+              <a:defRPr sz="3200" b="1"/>
             </a:lvl1pPr>
           </a:lstStyle>
           <a:p>
@@ -2537,19 +3295,13 @@
               <a:rPr lang="en-GB"/>
               <a:t>Click to edit Master title style</a:t>
             </a:r>
-            <a:endParaRPr lang="en-US"/>
-          </a:p>
-        </p:txBody>
-      </p:sp>
-      <p:sp>
-        <p:nvSpPr>
-          <p:cNvPr id="3" name="Picture Placeholder 2">
-            <a:extLst>
-              <a:ext uri="{FF2B5EF4-FFF2-40B4-BE49-F238E27FC236}">
-                <a16:creationId xmlns:a16="http://schemas.microsoft.com/office/drawing/2014/main" id="{2D84542F-603C-3A6E-186A-AD164C7DB085}"/>
-              </a:ext>
-            </a:extLst>
-          </p:cNvPr>
+            <a:endParaRPr lang="en-US" dirty="0"/>
+          </a:p>
+        </p:txBody>
+      </p:sp>
+      <p:sp>
+        <p:nvSpPr>
+          <p:cNvPr id="3" name="Picture Placeholder 2"/>
           <p:cNvSpPr>
             <a:spLocks noGrp="1"/>
           </p:cNvSpPr>
@@ -2559,9 +3311,15 @@
         </p:nvSpPr>
         <p:spPr>
           <a:xfrm>
-            <a:off x="5183188" y="987425"/>
-            <a:ext cx="6172200" cy="4873625"/>
-          </a:xfrm>
+            <a:off x="0" y="0"/>
+            <a:ext cx="8303740" cy="6858000"/>
+          </a:xfrm>
+          <a:solidFill>
+            <a:schemeClr val="tx2">
+              <a:lumMod val="20000"/>
+              <a:lumOff val="80000"/>
+            </a:schemeClr>
+          </a:solidFill>
         </p:spPr>
         <p:txBody>
           <a:bodyPr/>
@@ -2604,19 +3362,17 @@
             </a:lvl9pPr>
           </a:lstStyle>
           <a:p>
-            <a:endParaRPr lang="en-US"/>
-          </a:p>
-        </p:txBody>
-      </p:sp>
-      <p:sp>
-        <p:nvSpPr>
-          <p:cNvPr id="4" name="Text Placeholder 3">
-            <a:extLst>
-              <a:ext uri="{FF2B5EF4-FFF2-40B4-BE49-F238E27FC236}">
-                <a16:creationId xmlns:a16="http://schemas.microsoft.com/office/drawing/2014/main" id="{9A5E7D45-8067-010D-6531-127224D5EA31}"/>
-              </a:ext>
-            </a:extLst>
-          </p:cNvPr>
+            <a:r>
+              <a:rPr lang="en-GB"/>
+              <a:t>Click icon to add picture</a:t>
+            </a:r>
+            <a:endParaRPr lang="en-US" dirty="0"/>
+          </a:p>
+        </p:txBody>
+      </p:sp>
+      <p:sp>
+        <p:nvSpPr>
+          <p:cNvPr id="4" name="Text Placeholder 3"/>
           <p:cNvSpPr>
             <a:spLocks noGrp="1"/>
           </p:cNvSpPr>
@@ -2626,48 +3382,62 @@
         </p:nvSpPr>
         <p:spPr>
           <a:xfrm>
-            <a:off x="839788" y="2057400"/>
-            <a:ext cx="3932237" cy="3811588"/>
+            <a:off x="8549640" y="2423160"/>
+            <a:ext cx="3200400" cy="3291840"/>
           </a:xfrm>
         </p:spPr>
         <p:txBody>
-          <a:bodyPr/>
+          <a:bodyPr>
+            <a:normAutofit/>
+          </a:bodyPr>
           <a:lstStyle>
             <a:lvl1pPr marL="0" indent="0">
+              <a:lnSpc>
+                <a:spcPct val="100000"/>
+              </a:lnSpc>
+              <a:spcBef>
+                <a:spcPts val="1000"/>
+              </a:spcBef>
               <a:buNone/>
-              <a:defRPr sz="1600"/>
+              <a:defRPr sz="1400">
+                <a:solidFill>
+                  <a:schemeClr val="accent1">
+                    <a:lumMod val="75000"/>
+                  </a:schemeClr>
+                </a:solidFill>
+              </a:defRPr>
             </a:lvl1pPr>
             <a:lvl2pPr marL="457200" indent="0">
               <a:buNone/>
-              <a:defRPr sz="1400"/>
+              <a:defRPr sz="1200"/>
             </a:lvl2pPr>
             <a:lvl3pPr marL="914400" indent="0">
               <a:buNone/>
-              <a:defRPr sz="1200"/>
+              <a:defRPr sz="1000"/>
             </a:lvl3pPr>
             <a:lvl4pPr marL="1371600" indent="0">
               <a:buNone/>
-              <a:defRPr sz="1000"/>
+              <a:defRPr sz="900"/>
             </a:lvl4pPr>
             <a:lvl5pPr marL="1828800" indent="0">
               <a:buNone/>
-              <a:defRPr sz="1000"/>
+              <a:defRPr sz="900"/>
             </a:lvl5pPr>
             <a:lvl6pPr marL="2286000" indent="0">
               <a:buNone/>
-              <a:defRPr sz="1000"/>
+              <a:defRPr sz="900"/>
             </a:lvl6pPr>
             <a:lvl7pPr marL="2743200" indent="0">
               <a:buNone/>
-              <a:defRPr sz="1000"/>
+              <a:defRPr sz="900"/>
             </a:lvl7pPr>
             <a:lvl8pPr marL="3200400" indent="0">
               <a:buNone/>
-              <a:defRPr sz="1000"/>
+              <a:defRPr sz="900"/>
             </a:lvl8pPr>
             <a:lvl9pPr marL="3657600" indent="0">
               <a:buNone/>
-              <a:defRPr sz="1000"/>
+              <a:defRPr sz="900"/>
             </a:lvl9pPr>
           </a:lstStyle>
           <a:p>
@@ -2681,13 +3451,7 @@
       </p:sp>
       <p:sp>
         <p:nvSpPr>
-          <p:cNvPr id="5" name="Date Placeholder 4">
-            <a:extLst>
-              <a:ext uri="{FF2B5EF4-FFF2-40B4-BE49-F238E27FC236}">
-                <a16:creationId xmlns:a16="http://schemas.microsoft.com/office/drawing/2014/main" id="{C5AA3713-3E2A-0AFB-1E88-31D3E2D42FE8}"/>
-              </a:ext>
-            </a:extLst>
-          </p:cNvPr>
+          <p:cNvPr id="5" name="Date Placeholder 4"/>
           <p:cNvSpPr>
             <a:spLocks noGrp="1"/>
           </p:cNvSpPr>
@@ -2703,46 +3467,178 @@
             <a:fld id="{B61BEF0D-F0BB-DE4B-95CE-6DB70DBA9567}" type="datetimeFigureOut">
               <a:rPr lang="en-US" smtClean="0"/>
               <a:pPr/>
-              <a:t>10/9/23</a:t>
+              <a:t>10/10/23</a:t>
             </a:fld>
             <a:endParaRPr lang="en-US" dirty="0"/>
           </a:p>
         </p:txBody>
       </p:sp>
-      <p:sp>
-        <p:nvSpPr>
-          <p:cNvPr id="6" name="Footer Placeholder 5">
-            <a:extLst>
-              <a:ext uri="{FF2B5EF4-FFF2-40B4-BE49-F238E27FC236}">
-                <a16:creationId xmlns:a16="http://schemas.microsoft.com/office/drawing/2014/main" id="{E6CD7089-291C-8D75-B807-008DD4318023}"/>
-              </a:ext>
-            </a:extLst>
-          </p:cNvPr>
-          <p:cNvSpPr>
-            <a:spLocks noGrp="1"/>
-          </p:cNvSpPr>
-          <p:nvPr>
-            <p:ph type="ftr" sz="quarter" idx="11"/>
-          </p:nvPr>
-        </p:nvSpPr>
-        <p:spPr/>
-        <p:txBody>
-          <a:bodyPr/>
-          <a:lstStyle/>
-          <a:p>
-            <a:endParaRPr lang="en-US" dirty="0"/>
-          </a:p>
-        </p:txBody>
-      </p:sp>
-      <p:sp>
-        <p:nvSpPr>
-          <p:cNvPr id="7" name="Slide Number Placeholder 6">
-            <a:extLst>
-              <a:ext uri="{FF2B5EF4-FFF2-40B4-BE49-F238E27FC236}">
-                <a16:creationId xmlns:a16="http://schemas.microsoft.com/office/drawing/2014/main" id="{F748A884-74B6-9AFB-0DA1-1F4977565FF5}"/>
-              </a:ext>
-            </a:extLst>
-          </p:cNvPr>
+      <p:grpSp>
+        <p:nvGrpSpPr>
+          <p:cNvPr id="8" name="Group 7"/>
+          <p:cNvGrpSpPr>
+            <a:grpSpLocks noChangeAspect="1"/>
+          </p:cNvGrpSpPr>
+          <p:nvPr/>
+        </p:nvGrpSpPr>
+        <p:grpSpPr>
+          <a:xfrm>
+            <a:off x="11401725" y="6229681"/>
+            <a:ext cx="457200" cy="457200"/>
+            <a:chOff x="11361456" y="6195813"/>
+            <a:chExt cx="548640" cy="548640"/>
+          </a:xfrm>
+        </p:grpSpPr>
+        <p:sp>
+          <p:nvSpPr>
+            <p:cNvPr id="9" name="Oval 8"/>
+            <p:cNvSpPr/>
+            <p:nvPr/>
+          </p:nvSpPr>
+          <p:spPr>
+            <a:xfrm>
+              <a:off x="11361456" y="6195813"/>
+              <a:ext cx="548640" cy="548640"/>
+            </a:xfrm>
+            <a:prstGeom prst="ellipse">
+              <a:avLst/>
+            </a:prstGeom>
+            <a:blipFill dpi="0" rotWithShape="1">
+              <a:blip r:embed="rId4">
+                <a:duotone>
+                  <a:schemeClr val="accent1">
+                    <a:shade val="45000"/>
+                    <a:satMod val="135000"/>
+                  </a:schemeClr>
+                  <a:prstClr val="white"/>
+                </a:duotone>
+                <a:extLst>
+                  <a:ext uri="{BEBA8EAE-BF5A-486C-A8C5-ECC9F3942E4B}">
+                    <a14:imgProps xmlns:a14="http://schemas.microsoft.com/office/drawing/2010/main">
+                      <a14:imgLayer r:embed="rId5">
+                        <a14:imgEffect>
+                          <a14:saturation sat="95000"/>
+                        </a14:imgEffect>
+                        <a14:imgEffect>
+                          <a14:brightnessContrast bright="-40000" contrast="20000"/>
+                        </a14:imgEffect>
+                      </a14:imgLayer>
+                    </a14:imgProps>
+                  </a:ext>
+                </a:extLst>
+              </a:blip>
+              <a:srcRect/>
+              <a:tile tx="50800" ty="0" sx="85000" sy="85000" flip="none" algn="tl"/>
+            </a:blipFill>
+            <a:ln w="25400" cap="flat" cmpd="sng" algn="ctr">
+              <a:noFill/>
+              <a:prstDash val="solid"/>
+            </a:ln>
+            <a:effectLst/>
+          </p:spPr>
+          <p:txBody>
+            <a:bodyPr lIns="0" tIns="0" rIns="0" bIns="0" rtlCol="0" anchor="ctr"/>
+            <a:lstStyle/>
+            <a:p>
+              <a:pPr marL="0" marR="0" lvl="0" indent="0" algn="ctr" defTabSz="914400" eaLnBrk="1" fontAlgn="auto" latinLnBrk="0" hangingPunct="1">
+                <a:lnSpc>
+                  <a:spcPct val="100000"/>
+                </a:lnSpc>
+                <a:spcBef>
+                  <a:spcPts val="0"/>
+                </a:spcBef>
+                <a:spcAft>
+                  <a:spcPts val="0"/>
+                </a:spcAft>
+                <a:buClrTx/>
+                <a:buSzTx/>
+                <a:buFontTx/>
+                <a:buNone/>
+                <a:tabLst/>
+                <a:defRPr/>
+              </a:pPr>
+              <a:endParaRPr kumimoji="0" lang="en-US" sz="2000" b="0" i="0" u="none" strike="noStrike" kern="0" cap="none" spc="0" normalizeH="0" baseline="0" noProof="0" dirty="0">
+                <a:ln>
+                  <a:noFill/>
+                </a:ln>
+                <a:solidFill>
+                  <a:prstClr val="white"/>
+                </a:solidFill>
+                <a:effectLst/>
+                <a:uLnTx/>
+                <a:uFillTx/>
+                <a:latin typeface="Rockwell Extra Bold" pitchFamily="18" charset="0"/>
+                <a:ea typeface="+mn-ea"/>
+                <a:cs typeface="+mn-cs"/>
+              </a:endParaRPr>
+            </a:p>
+          </p:txBody>
+        </p:sp>
+        <p:sp>
+          <p:nvSpPr>
+            <p:cNvPr id="10" name="Oval 9"/>
+            <p:cNvSpPr/>
+            <p:nvPr/>
+          </p:nvSpPr>
+          <p:spPr>
+            <a:xfrm>
+              <a:off x="11396488" y="6230844"/>
+              <a:ext cx="478576" cy="478578"/>
+            </a:xfrm>
+            <a:prstGeom prst="ellipse">
+              <a:avLst/>
+            </a:prstGeom>
+            <a:noFill/>
+            <a:ln w="12700" cap="flat" cmpd="sng" algn="ctr">
+              <a:solidFill>
+                <a:sysClr val="window" lastClr="FFFFFF"/>
+              </a:solidFill>
+              <a:prstDash val="solid"/>
+            </a:ln>
+            <a:effectLst/>
+          </p:spPr>
+          <p:txBody>
+            <a:bodyPr rtlCol="0" anchor="ctr"/>
+            <a:lstStyle/>
+            <a:p>
+              <a:pPr marL="0" marR="0" lvl="0" indent="0" algn="ctr" defTabSz="914400" eaLnBrk="1" fontAlgn="auto" latinLnBrk="0" hangingPunct="1">
+                <a:lnSpc>
+                  <a:spcPct val="100000"/>
+                </a:lnSpc>
+                <a:spcBef>
+                  <a:spcPts val="0"/>
+                </a:spcBef>
+                <a:spcAft>
+                  <a:spcPts val="0"/>
+                </a:spcAft>
+                <a:buClrTx/>
+                <a:buSzTx/>
+                <a:buFontTx/>
+                <a:buNone/>
+                <a:tabLst/>
+                <a:defRPr/>
+              </a:pPr>
+              <a:endParaRPr kumimoji="0" lang="en-US" sz="1800" b="0" i="0" u="none" strike="noStrike" kern="0" cap="none" spc="0" normalizeH="0" baseline="0" noProof="0" dirty="0">
+                <a:ln>
+                  <a:noFill/>
+                </a:ln>
+                <a:solidFill>
+                  <a:prstClr val="white"/>
+                </a:solidFill>
+                <a:effectLst/>
+                <a:uLnTx/>
+                <a:uFillTx/>
+                <a:latin typeface="Calibri"/>
+                <a:ea typeface="+mn-ea"/>
+                <a:cs typeface="+mn-cs"/>
+              </a:endParaRPr>
+            </a:p>
+          </p:txBody>
+        </p:sp>
+      </p:grpSp>
+      <p:sp>
+        <p:nvSpPr>
+          <p:cNvPr id="7" name="Slide Number Placeholder 6"/>
           <p:cNvSpPr>
             <a:spLocks noGrp="1"/>
           </p:cNvSpPr>
@@ -2767,7 +3663,7 @@
     </p:spTree>
     <p:extLst>
       <p:ext uri="{BB962C8B-B14F-4D97-AF65-F5344CB8AC3E}">
-        <p14:creationId xmlns:p14="http://schemas.microsoft.com/office/powerpoint/2010/main" val="343570266"/>
+        <p14:creationId xmlns:p14="http://schemas.microsoft.com/office/powerpoint/2010/main" val="2803669416"/>
       </p:ext>
     </p:extLst>
   </p:cSld>
@@ -2801,13 +3697,7 @@
       </p:grpSpPr>
       <p:sp>
         <p:nvSpPr>
-          <p:cNvPr id="2" name="Title Placeholder 1">
-            <a:extLst>
-              <a:ext uri="{FF2B5EF4-FFF2-40B4-BE49-F238E27FC236}">
-                <a16:creationId xmlns:a16="http://schemas.microsoft.com/office/drawing/2014/main" id="{67F9374A-671F-035E-E1B9-3B9E8D545099}"/>
-              </a:ext>
-            </a:extLst>
-          </p:cNvPr>
+          <p:cNvPr id="2" name="Title Placeholder 1"/>
           <p:cNvSpPr>
             <a:spLocks noGrp="1"/>
           </p:cNvSpPr>
@@ -2817,8 +3707,8 @@
         </p:nvSpPr>
         <p:spPr>
           <a:xfrm>
-            <a:off x="838200" y="365125"/>
-            <a:ext cx="10515600" cy="1325563"/>
+            <a:off x="1069848" y="484632"/>
+            <a:ext cx="10058400" cy="1609344"/>
           </a:xfrm>
           <a:prstGeom prst="rect">
             <a:avLst/>
@@ -2834,19 +3724,13 @@
               <a:rPr lang="en-GB"/>
               <a:t>Click to edit Master title style</a:t>
             </a:r>
-            <a:endParaRPr lang="en-US"/>
-          </a:p>
-        </p:txBody>
-      </p:sp>
-      <p:sp>
-        <p:nvSpPr>
-          <p:cNvPr id="3" name="Text Placeholder 2">
-            <a:extLst>
-              <a:ext uri="{FF2B5EF4-FFF2-40B4-BE49-F238E27FC236}">
-                <a16:creationId xmlns:a16="http://schemas.microsoft.com/office/drawing/2014/main" id="{71EA3DD5-427F-2CE6-BA73-EA1431759137}"/>
-              </a:ext>
-            </a:extLst>
-          </p:cNvPr>
+            <a:endParaRPr lang="en-US" dirty="0"/>
+          </a:p>
+        </p:txBody>
+      </p:sp>
+      <p:sp>
+        <p:nvSpPr>
+          <p:cNvPr id="3" name="Text Placeholder 2"/>
           <p:cNvSpPr>
             <a:spLocks noGrp="1"/>
           </p:cNvSpPr>
@@ -2856,8 +3740,8 @@
         </p:nvSpPr>
         <p:spPr>
           <a:xfrm>
-            <a:off x="838200" y="1825625"/>
-            <a:ext cx="10515600" cy="4351338"/>
+            <a:off x="1069848" y="2121408"/>
+            <a:ext cx="10058400" cy="4050792"/>
           </a:xfrm>
           <a:prstGeom prst="rect">
             <a:avLst/>
@@ -2902,19 +3786,13 @@
               <a:rPr lang="en-GB"/>
               <a:t>Fifth level</a:t>
             </a:r>
-            <a:endParaRPr lang="en-US"/>
-          </a:p>
-        </p:txBody>
-      </p:sp>
-      <p:sp>
-        <p:nvSpPr>
-          <p:cNvPr id="4" name="Date Placeholder 3">
-            <a:extLst>
-              <a:ext uri="{FF2B5EF4-FFF2-40B4-BE49-F238E27FC236}">
-                <a16:creationId xmlns:a16="http://schemas.microsoft.com/office/drawing/2014/main" id="{CA9A575B-156E-A65F-30DE-4BD8634AC1D0}"/>
-              </a:ext>
-            </a:extLst>
-          </p:cNvPr>
+            <a:endParaRPr lang="en-US" dirty="0"/>
+          </a:p>
+        </p:txBody>
+      </p:sp>
+      <p:sp>
+        <p:nvSpPr>
+          <p:cNvPr id="4" name="Date Placeholder 3"/>
           <p:cNvSpPr>
             <a:spLocks noGrp="1"/>
           </p:cNvSpPr>
@@ -2924,8 +3802,8 @@
         </p:nvSpPr>
         <p:spPr>
           <a:xfrm>
-            <a:off x="838200" y="6356350"/>
-            <a:ext cx="2743200" cy="365125"/>
+            <a:off x="7964424" y="6272784"/>
+            <a:ext cx="3273552" cy="365125"/>
           </a:xfrm>
           <a:prstGeom prst="rect">
             <a:avLst/>
@@ -2934,12 +3812,10 @@
         <p:txBody>
           <a:bodyPr vert="horz" lIns="91440" tIns="45720" rIns="91440" bIns="45720" rtlCol="0" anchor="ctr"/>
           <a:lstStyle>
-            <a:lvl1pPr algn="l">
-              <a:defRPr sz="1200">
+            <a:lvl1pPr algn="r">
+              <a:defRPr sz="1100">
                 <a:solidFill>
-                  <a:schemeClr val="tx1">
-                    <a:tint val="75000"/>
-                  </a:schemeClr>
+                  <a:schemeClr val="tx2"/>
                 </a:solidFill>
               </a:defRPr>
             </a:lvl1pPr>
@@ -2948,7 +3824,7 @@
             <a:fld id="{B61BEF0D-F0BB-DE4B-95CE-6DB70DBA9567}" type="datetimeFigureOut">
               <a:rPr lang="en-US" smtClean="0"/>
               <a:pPr/>
-              <a:t>10/9/23</a:t>
+              <a:t>10/10/23</a:t>
             </a:fld>
             <a:endParaRPr lang="en-US" dirty="0"/>
           </a:p>
@@ -2956,13 +3832,7 @@
       </p:sp>
       <p:sp>
         <p:nvSpPr>
-          <p:cNvPr id="5" name="Footer Placeholder 4">
-            <a:extLst>
-              <a:ext uri="{FF2B5EF4-FFF2-40B4-BE49-F238E27FC236}">
-                <a16:creationId xmlns:a16="http://schemas.microsoft.com/office/drawing/2014/main" id="{1C056FBE-1D9B-C382-D019-6789DDC6238C}"/>
-              </a:ext>
-            </a:extLst>
-          </p:cNvPr>
+          <p:cNvPr id="5" name="Footer Placeholder 4"/>
           <p:cNvSpPr>
             <a:spLocks noGrp="1"/>
           </p:cNvSpPr>
@@ -2972,8 +3842,8 @@
         </p:nvSpPr>
         <p:spPr>
           <a:xfrm>
-            <a:off x="4038600" y="6356350"/>
-            <a:ext cx="4114800" cy="365125"/>
+            <a:off x="1088136" y="6272784"/>
+            <a:ext cx="6327648" cy="365125"/>
           </a:xfrm>
           <a:prstGeom prst="rect">
             <a:avLst/>
@@ -2982,12 +3852,10 @@
         <p:txBody>
           <a:bodyPr vert="horz" lIns="91440" tIns="45720" rIns="91440" bIns="45720" rtlCol="0" anchor="ctr"/>
           <a:lstStyle>
-            <a:lvl1pPr algn="ctr">
-              <a:defRPr sz="1200">
+            <a:lvl1pPr algn="l">
+              <a:defRPr sz="1100">
                 <a:solidFill>
-                  <a:schemeClr val="tx1">
-                    <a:tint val="75000"/>
-                  </a:schemeClr>
+                  <a:schemeClr val="tx2"/>
                 </a:solidFill>
               </a:defRPr>
             </a:lvl1pPr>
@@ -2997,15 +3865,172 @@
           </a:p>
         </p:txBody>
       </p:sp>
-      <p:sp>
-        <p:nvSpPr>
-          <p:cNvPr id="6" name="Slide Number Placeholder 5">
-            <a:extLst>
-              <a:ext uri="{FF2B5EF4-FFF2-40B4-BE49-F238E27FC236}">
-                <a16:creationId xmlns:a16="http://schemas.microsoft.com/office/drawing/2014/main" id="{9435F874-6A96-818C-2B14-E07C7976C532}"/>
-              </a:ext>
-            </a:extLst>
-          </p:cNvPr>
+      <p:grpSp>
+        <p:nvGrpSpPr>
+          <p:cNvPr id="7" name="Group 6"/>
+          <p:cNvGrpSpPr>
+            <a:grpSpLocks noChangeAspect="1"/>
+          </p:cNvGrpSpPr>
+          <p:nvPr/>
+        </p:nvGrpSpPr>
+        <p:grpSpPr>
+          <a:xfrm>
+            <a:off x="11401725" y="6229681"/>
+            <a:ext cx="457200" cy="457200"/>
+            <a:chOff x="11361456" y="6195813"/>
+            <a:chExt cx="548640" cy="548640"/>
+          </a:xfrm>
+        </p:grpSpPr>
+        <p:sp>
+          <p:nvSpPr>
+            <p:cNvPr id="8" name="Oval 7"/>
+            <p:cNvSpPr/>
+            <p:nvPr/>
+          </p:nvSpPr>
+          <p:spPr>
+            <a:xfrm>
+              <a:off x="11361456" y="6195813"/>
+              <a:ext cx="548640" cy="548640"/>
+            </a:xfrm>
+            <a:prstGeom prst="ellipse">
+              <a:avLst/>
+            </a:prstGeom>
+            <a:blipFill dpi="0" rotWithShape="1">
+              <a:blip r:embed="rId13">
+                <a:duotone>
+                  <a:schemeClr val="accent1">
+                    <a:shade val="45000"/>
+                    <a:satMod val="135000"/>
+                  </a:schemeClr>
+                  <a:prstClr val="white"/>
+                </a:duotone>
+                <a:extLst>
+                  <a:ext uri="{BEBA8EAE-BF5A-486C-A8C5-ECC9F3942E4B}">
+                    <a14:imgProps xmlns:a14="http://schemas.microsoft.com/office/drawing/2010/main">
+                      <a14:imgLayer r:embed="rId14">
+                        <a14:imgEffect>
+                          <a14:saturation sat="95000"/>
+                        </a14:imgEffect>
+                        <a14:imgEffect>
+                          <a14:brightnessContrast bright="-40000" contrast="20000"/>
+                        </a14:imgEffect>
+                      </a14:imgLayer>
+                    </a14:imgProps>
+                  </a:ext>
+                </a:extLst>
+              </a:blip>
+              <a:srcRect/>
+              <a:tile tx="50800" ty="0" sx="85000" sy="85000" flip="none" algn="tl"/>
+            </a:blipFill>
+            <a:ln w="25400" cap="flat" cmpd="sng" algn="ctr">
+              <a:noFill/>
+              <a:prstDash val="solid"/>
+            </a:ln>
+            <a:effectLst/>
+          </p:spPr>
+          <p:txBody>
+            <a:bodyPr lIns="0" tIns="0" rIns="0" bIns="0" rtlCol="0" anchor="ctr"/>
+            <a:lstStyle/>
+            <a:p>
+              <a:pPr marL="0" marR="0" lvl="0" indent="0" algn="ctr" defTabSz="914400" eaLnBrk="1" fontAlgn="auto" latinLnBrk="0" hangingPunct="1">
+                <a:lnSpc>
+                  <a:spcPct val="100000"/>
+                </a:lnSpc>
+                <a:spcBef>
+                  <a:spcPts val="0"/>
+                </a:spcBef>
+                <a:spcAft>
+                  <a:spcPts val="0"/>
+                </a:spcAft>
+                <a:buClrTx/>
+                <a:buSzTx/>
+                <a:buFontTx/>
+                <a:buNone/>
+                <a:tabLst/>
+                <a:defRPr/>
+              </a:pPr>
+              <a:endParaRPr kumimoji="0" lang="en-US" sz="2000" b="0" i="0" u="none" strike="noStrike" kern="0" cap="none" spc="0" normalizeH="0" baseline="0" noProof="0" dirty="0">
+                <a:ln>
+                  <a:noFill/>
+                </a:ln>
+                <a:solidFill>
+                  <a:prstClr val="white"/>
+                </a:solidFill>
+                <a:effectLst/>
+                <a:uLnTx/>
+                <a:uFillTx/>
+                <a:latin typeface="Rockwell Extra Bold" pitchFamily="18" charset="0"/>
+                <a:ea typeface="+mn-ea"/>
+                <a:cs typeface="+mn-cs"/>
+              </a:endParaRPr>
+            </a:p>
+          </p:txBody>
+        </p:sp>
+        <p:sp>
+          <p:nvSpPr>
+            <p:cNvPr id="9" name="Oval 8"/>
+            <p:cNvSpPr/>
+            <p:nvPr/>
+          </p:nvSpPr>
+          <p:spPr>
+            <a:xfrm>
+              <a:off x="11396488" y="6230844"/>
+              <a:ext cx="478576" cy="478578"/>
+            </a:xfrm>
+            <a:prstGeom prst="ellipse">
+              <a:avLst/>
+            </a:prstGeom>
+            <a:noFill/>
+            <a:ln w="12700" cap="flat" cmpd="sng" algn="ctr">
+              <a:solidFill>
+                <a:srgbClr val="FFFFFF"/>
+              </a:solidFill>
+              <a:prstDash val="solid"/>
+            </a:ln>
+            <a:effectLst/>
+          </p:spPr>
+          <p:txBody>
+            <a:bodyPr rtlCol="0" anchor="ctr"/>
+            <a:lstStyle/>
+            <a:p>
+              <a:pPr marL="0" marR="0" lvl="0" indent="0" algn="ctr" defTabSz="914400" eaLnBrk="1" fontAlgn="auto" latinLnBrk="0" hangingPunct="1">
+                <a:lnSpc>
+                  <a:spcPct val="100000"/>
+                </a:lnSpc>
+                <a:spcBef>
+                  <a:spcPts val="0"/>
+                </a:spcBef>
+                <a:spcAft>
+                  <a:spcPts val="0"/>
+                </a:spcAft>
+                <a:buClrTx/>
+                <a:buSzTx/>
+                <a:buFontTx/>
+                <a:buNone/>
+                <a:tabLst/>
+                <a:defRPr/>
+              </a:pPr>
+              <a:endParaRPr kumimoji="0" lang="en-US" sz="1800" b="0" i="0" u="none" strike="noStrike" kern="0" cap="none" spc="0" normalizeH="0" baseline="0" noProof="0" dirty="0">
+                <a:ln>
+                  <a:noFill/>
+                </a:ln>
+                <a:solidFill>
+                  <a:prstClr val="white"/>
+                </a:solidFill>
+                <a:effectLst/>
+                <a:uLnTx/>
+                <a:uFillTx/>
+                <a:latin typeface="Calibri"/>
+                <a:ea typeface="+mn-ea"/>
+                <a:cs typeface="+mn-cs"/>
+              </a:endParaRPr>
+            </a:p>
+          </p:txBody>
+        </p:sp>
+      </p:grpSp>
+      <p:sp>
+        <p:nvSpPr>
+          <p:cNvPr id="6" name="Slide Number Placeholder 5"/>
           <p:cNvSpPr>
             <a:spLocks noGrp="1"/>
           </p:cNvSpPr>
@@ -3015,8 +4040,8 @@
         </p:nvSpPr>
         <p:spPr>
           <a:xfrm>
-            <a:off x="8610600" y="6356350"/>
-            <a:ext cx="2743200" cy="365125"/>
+            <a:off x="11311128" y="6272784"/>
+            <a:ext cx="640080" cy="365125"/>
           </a:xfrm>
           <a:prstGeom prst="rect">
             <a:avLst/>
@@ -3025,13 +4050,12 @@
         <p:txBody>
           <a:bodyPr vert="horz" lIns="91440" tIns="45720" rIns="91440" bIns="45720" rtlCol="0" anchor="ctr"/>
           <a:lstStyle>
-            <a:lvl1pPr algn="r">
-              <a:defRPr sz="1200">
+            <a:lvl1pPr algn="ctr">
+              <a:defRPr sz="1400" b="1">
                 <a:solidFill>
-                  <a:schemeClr val="tx1">
-                    <a:tint val="75000"/>
-                  </a:schemeClr>
+                  <a:srgbClr val="FFFFFF"/>
                 </a:solidFill>
+                <a:latin typeface="+mj-lt"/>
               </a:defRPr>
             </a:lvl1pPr>
           </a:lstStyle>
@@ -3048,23 +4072,23 @@
     </p:spTree>
     <p:extLst>
       <p:ext uri="{BB962C8B-B14F-4D97-AF65-F5344CB8AC3E}">
-        <p14:creationId xmlns:p14="http://schemas.microsoft.com/office/powerpoint/2010/main" val="3266599715"/>
+        <p14:creationId xmlns:p14="http://schemas.microsoft.com/office/powerpoint/2010/main" val="538351592"/>
       </p:ext>
     </p:extLst>
   </p:cSld>
   <p:clrMap bg1="lt1" tx1="dk1" bg2="lt2" tx2="dk2" accent1="accent1" accent2="accent2" accent3="accent3" accent4="accent4" accent5="accent5" accent6="accent6" hlink="hlink" folHlink="folHlink"/>
   <p:sldLayoutIdLst>
-    <p:sldLayoutId id="2147483709" r:id="rId1"/>
-    <p:sldLayoutId id="2147483710" r:id="rId2"/>
-    <p:sldLayoutId id="2147483711" r:id="rId3"/>
-    <p:sldLayoutId id="2147483712" r:id="rId4"/>
-    <p:sldLayoutId id="2147483713" r:id="rId5"/>
-    <p:sldLayoutId id="2147483714" r:id="rId6"/>
-    <p:sldLayoutId id="2147483715" r:id="rId7"/>
-    <p:sldLayoutId id="2147483716" r:id="rId8"/>
-    <p:sldLayoutId id="2147483717" r:id="rId9"/>
-    <p:sldLayoutId id="2147483718" r:id="rId10"/>
-    <p:sldLayoutId id="2147483719" r:id="rId11"/>
+    <p:sldLayoutId id="2147483733" r:id="rId1"/>
+    <p:sldLayoutId id="2147483734" r:id="rId2"/>
+    <p:sldLayoutId id="2147483735" r:id="rId3"/>
+    <p:sldLayoutId id="2147483736" r:id="rId4"/>
+    <p:sldLayoutId id="2147483737" r:id="rId5"/>
+    <p:sldLayoutId id="2147483738" r:id="rId6"/>
+    <p:sldLayoutId id="2147483739" r:id="rId7"/>
+    <p:sldLayoutId id="2147483740" r:id="rId8"/>
+    <p:sldLayoutId id="2147483741" r:id="rId9"/>
+    <p:sldLayoutId id="2147483742" r:id="rId10"/>
+    <p:sldLayoutId id="2147483743" r:id="rId11"/>
   </p:sldLayoutIdLst>
   <p:txStyles>
     <p:titleStyle>
@@ -3076,10 +4100,17 @@
           <a:spcPct val="0"/>
         </a:spcBef>
         <a:buNone/>
-        <a:defRPr sz="4400" kern="1200">
-          <a:solidFill>
-            <a:schemeClr val="tx1"/>
-          </a:solidFill>
+        <a:defRPr sz="5400" kern="1200" cap="all" baseline="0">
+          <a:blipFill>
+            <a:blip r:embed="rId15">
+              <a:extLst>
+                <a:ext uri="{28A0092B-C50C-407E-A947-70E740481C1C}">
+                  <a14:useLocalDpi xmlns:a14="http://schemas.microsoft.com/office/drawing/2010/main" val="0"/>
+                </a:ext>
+              </a:extLst>
+            </a:blip>
+            <a:tile tx="6350" ty="-127000" sx="65000" sy="64000" flip="none" algn="tl"/>
+          </a:blipFill>
           <a:latin typeface="+mj-lt"/>
           <a:ea typeface="+mj-ea"/>
           <a:cs typeface="+mj-cs"/>
@@ -3087,16 +4118,22 @@
       </a:lvl1pPr>
     </p:titleStyle>
     <p:bodyStyle>
-      <a:lvl1pPr marL="228600" indent="-228600" algn="l" defTabSz="914400" rtl="0" eaLnBrk="1" latinLnBrk="0" hangingPunct="1">
+      <a:lvl1pPr marL="182880" indent="-182880" algn="l" defTabSz="914400" rtl="0" eaLnBrk="1" latinLnBrk="0" hangingPunct="1">
         <a:lnSpc>
           <a:spcPct val="90000"/>
         </a:lnSpc>
         <a:spcBef>
-          <a:spcPts val="1000"/>
+          <a:spcPts val="1200"/>
         </a:spcBef>
-        <a:buFont typeface="Arial" panose="020B0604020202020204" pitchFamily="34" charset="0"/>
-        <a:buChar char="•"/>
-        <a:defRPr sz="2800" kern="1200">
+        <a:buClr>
+          <a:schemeClr val="accent1">
+            <a:lumMod val="75000"/>
+          </a:schemeClr>
+        </a:buClr>
+        <a:buSzPct val="85000"/>
+        <a:buFont typeface="Wingdings" pitchFamily="2" charset="2"/>
+        <a:buChar char="§"/>
+        <a:defRPr sz="2000" kern="1200">
           <a:solidFill>
             <a:schemeClr val="tx1"/>
           </a:solidFill>
@@ -3105,16 +4142,25 @@
           <a:cs typeface="+mn-cs"/>
         </a:defRPr>
       </a:lvl1pPr>
-      <a:lvl2pPr marL="685800" indent="-228600" algn="l" defTabSz="914400" rtl="0" eaLnBrk="1" latinLnBrk="0" hangingPunct="1">
+      <a:lvl2pPr marL="457200" indent="-182880" algn="l" defTabSz="914400" rtl="0" eaLnBrk="1" latinLnBrk="0" hangingPunct="1">
         <a:lnSpc>
           <a:spcPct val="90000"/>
         </a:lnSpc>
         <a:spcBef>
-          <a:spcPts val="500"/>
+          <a:spcPts val="400"/>
         </a:spcBef>
-        <a:buFont typeface="Arial" panose="020B0604020202020204" pitchFamily="34" charset="0"/>
-        <a:buChar char="•"/>
-        <a:defRPr sz="2400" kern="1200">
+        <a:spcAft>
+          <a:spcPts val="200"/>
+        </a:spcAft>
+        <a:buClr>
+          <a:schemeClr val="accent1">
+            <a:lumMod val="75000"/>
+          </a:schemeClr>
+        </a:buClr>
+        <a:buSzPct val="85000"/>
+        <a:buFont typeface="Wingdings" pitchFamily="2" charset="2"/>
+        <a:buChar char="§"/>
+        <a:defRPr sz="1800" kern="1200">
           <a:solidFill>
             <a:schemeClr val="tx1"/>
           </a:solidFill>
@@ -3123,16 +4169,25 @@
           <a:cs typeface="+mn-cs"/>
         </a:defRPr>
       </a:lvl2pPr>
-      <a:lvl3pPr marL="1143000" indent="-228600" algn="l" defTabSz="914400" rtl="0" eaLnBrk="1" latinLnBrk="0" hangingPunct="1">
+      <a:lvl3pPr marL="731520" indent="-182880" algn="l" defTabSz="914400" rtl="0" eaLnBrk="1" latinLnBrk="0" hangingPunct="1">
         <a:lnSpc>
           <a:spcPct val="90000"/>
         </a:lnSpc>
         <a:spcBef>
-          <a:spcPts val="500"/>
+          <a:spcPts val="400"/>
         </a:spcBef>
-        <a:buFont typeface="Arial" panose="020B0604020202020204" pitchFamily="34" charset="0"/>
-        <a:buChar char="•"/>
-        <a:defRPr sz="2000" kern="1200">
+        <a:spcAft>
+          <a:spcPts val="200"/>
+        </a:spcAft>
+        <a:buClr>
+          <a:schemeClr val="accent1">
+            <a:lumMod val="75000"/>
+          </a:schemeClr>
+        </a:buClr>
+        <a:buSzPct val="85000"/>
+        <a:buFont typeface="Wingdings" pitchFamily="2" charset="2"/>
+        <a:buChar char="§"/>
+        <a:defRPr sz="1600" kern="1200">
           <a:solidFill>
             <a:schemeClr val="tx1"/>
           </a:solidFill>
@@ -3141,16 +4196,25 @@
           <a:cs typeface="+mn-cs"/>
         </a:defRPr>
       </a:lvl3pPr>
-      <a:lvl4pPr marL="1600200" indent="-228600" algn="l" defTabSz="914400" rtl="0" eaLnBrk="1" latinLnBrk="0" hangingPunct="1">
+      <a:lvl4pPr marL="1005840" indent="-182880" algn="l" defTabSz="914400" rtl="0" eaLnBrk="1" latinLnBrk="0" hangingPunct="1">
         <a:lnSpc>
           <a:spcPct val="90000"/>
         </a:lnSpc>
         <a:spcBef>
-          <a:spcPts val="500"/>
+          <a:spcPts val="400"/>
         </a:spcBef>
-        <a:buFont typeface="Arial" panose="020B0604020202020204" pitchFamily="34" charset="0"/>
-        <a:buChar char="•"/>
-        <a:defRPr sz="1800" kern="1200">
+        <a:spcAft>
+          <a:spcPts val="200"/>
+        </a:spcAft>
+        <a:buClr>
+          <a:schemeClr val="accent1">
+            <a:lumMod val="75000"/>
+          </a:schemeClr>
+        </a:buClr>
+        <a:buSzPct val="85000"/>
+        <a:buFont typeface="Wingdings" pitchFamily="2" charset="2"/>
+        <a:buChar char="§"/>
+        <a:defRPr sz="1600" kern="1200">
           <a:solidFill>
             <a:schemeClr val="tx1"/>
           </a:solidFill>
@@ -3159,16 +4223,25 @@
           <a:cs typeface="+mn-cs"/>
         </a:defRPr>
       </a:lvl4pPr>
-      <a:lvl5pPr marL="2057400" indent="-228600" algn="l" defTabSz="914400" rtl="0" eaLnBrk="1" latinLnBrk="0" hangingPunct="1">
+      <a:lvl5pPr marL="1280160" indent="-182880" algn="l" defTabSz="914400" rtl="0" eaLnBrk="1" latinLnBrk="0" hangingPunct="1">
         <a:lnSpc>
           <a:spcPct val="90000"/>
         </a:lnSpc>
         <a:spcBef>
-          <a:spcPts val="500"/>
+          <a:spcPts val="400"/>
         </a:spcBef>
-        <a:buFont typeface="Arial" panose="020B0604020202020204" pitchFamily="34" charset="0"/>
-        <a:buChar char="•"/>
-        <a:defRPr sz="1800" kern="1200">
+        <a:spcAft>
+          <a:spcPts val="200"/>
+        </a:spcAft>
+        <a:buClr>
+          <a:schemeClr val="accent1">
+            <a:lumMod val="75000"/>
+          </a:schemeClr>
+        </a:buClr>
+        <a:buSzPct val="85000"/>
+        <a:buFont typeface="Wingdings" pitchFamily="2" charset="2"/>
+        <a:buChar char="§"/>
+        <a:defRPr sz="1600" kern="1200">
           <a:solidFill>
             <a:schemeClr val="tx1"/>
           </a:solidFill>
@@ -3177,16 +4250,25 @@
           <a:cs typeface="+mn-cs"/>
         </a:defRPr>
       </a:lvl5pPr>
-      <a:lvl6pPr marL="2514600" indent="-228600" algn="l" defTabSz="914400" rtl="0" eaLnBrk="1" latinLnBrk="0" hangingPunct="1">
+      <a:lvl6pPr marL="1600000" indent="-228600" algn="l" defTabSz="914400" rtl="0" eaLnBrk="1" latinLnBrk="0" hangingPunct="1">
         <a:lnSpc>
           <a:spcPct val="90000"/>
         </a:lnSpc>
         <a:spcBef>
-          <a:spcPts val="500"/>
+          <a:spcPts val="400"/>
         </a:spcBef>
-        <a:buFont typeface="Arial" panose="020B0604020202020204" pitchFamily="34" charset="0"/>
-        <a:buChar char="•"/>
-        <a:defRPr sz="1800" kern="1200">
+        <a:spcAft>
+          <a:spcPts val="200"/>
+        </a:spcAft>
+        <a:buClr>
+          <a:schemeClr val="accent1">
+            <a:lumMod val="75000"/>
+          </a:schemeClr>
+        </a:buClr>
+        <a:buSzPct val="85000"/>
+        <a:buFont typeface="Wingdings" pitchFamily="2" charset="2"/>
+        <a:buChar char="§"/>
+        <a:defRPr sz="1600" kern="1200">
           <a:solidFill>
             <a:schemeClr val="tx1"/>
           </a:solidFill>
@@ -3195,16 +4277,25 @@
           <a:cs typeface="+mn-cs"/>
         </a:defRPr>
       </a:lvl6pPr>
-      <a:lvl7pPr marL="2971800" indent="-228600" algn="l" defTabSz="914400" rtl="0" eaLnBrk="1" latinLnBrk="0" hangingPunct="1">
+      <a:lvl7pPr marL="1900000" indent="-228600" algn="l" defTabSz="914400" rtl="0" eaLnBrk="1" latinLnBrk="0" hangingPunct="1">
         <a:lnSpc>
           <a:spcPct val="90000"/>
         </a:lnSpc>
         <a:spcBef>
-          <a:spcPts val="500"/>
+          <a:spcPts val="400"/>
         </a:spcBef>
-        <a:buFont typeface="Arial" panose="020B0604020202020204" pitchFamily="34" charset="0"/>
-        <a:buChar char="•"/>
-        <a:defRPr sz="1800" kern="1200">
+        <a:spcAft>
+          <a:spcPts val="200"/>
+        </a:spcAft>
+        <a:buClr>
+          <a:schemeClr val="accent1">
+            <a:lumMod val="75000"/>
+          </a:schemeClr>
+        </a:buClr>
+        <a:buSzPct val="85000"/>
+        <a:buFont typeface="Wingdings" pitchFamily="2" charset="2"/>
+        <a:buChar char="§"/>
+        <a:defRPr sz="1600" kern="1200">
           <a:solidFill>
             <a:schemeClr val="tx1"/>
           </a:solidFill>
@@ -3213,16 +4304,25 @@
           <a:cs typeface="+mn-cs"/>
         </a:defRPr>
       </a:lvl7pPr>
-      <a:lvl8pPr marL="3429000" indent="-228600" algn="l" defTabSz="914400" rtl="0" eaLnBrk="1" latinLnBrk="0" hangingPunct="1">
+      <a:lvl8pPr marL="2200000" indent="-228600" algn="l" defTabSz="914400" rtl="0" eaLnBrk="1" latinLnBrk="0" hangingPunct="1">
         <a:lnSpc>
           <a:spcPct val="90000"/>
         </a:lnSpc>
         <a:spcBef>
-          <a:spcPts val="500"/>
+          <a:spcPts val="400"/>
         </a:spcBef>
-        <a:buFont typeface="Arial" panose="020B0604020202020204" pitchFamily="34" charset="0"/>
-        <a:buChar char="•"/>
-        <a:defRPr sz="1800" kern="1200">
+        <a:spcAft>
+          <a:spcPts val="200"/>
+        </a:spcAft>
+        <a:buClr>
+          <a:schemeClr val="accent1">
+            <a:lumMod val="75000"/>
+          </a:schemeClr>
+        </a:buClr>
+        <a:buSzPct val="85000"/>
+        <a:buFont typeface="Wingdings" pitchFamily="2" charset="2"/>
+        <a:buChar char="§"/>
+        <a:defRPr sz="1600" kern="1200">
           <a:solidFill>
             <a:schemeClr val="tx1"/>
           </a:solidFill>
@@ -3231,16 +4331,25 @@
           <a:cs typeface="+mn-cs"/>
         </a:defRPr>
       </a:lvl8pPr>
-      <a:lvl9pPr marL="3886200" indent="-228600" algn="l" defTabSz="914400" rtl="0" eaLnBrk="1" latinLnBrk="0" hangingPunct="1">
+      <a:lvl9pPr marL="2500000" indent="-228600" algn="l" defTabSz="914400" rtl="0" eaLnBrk="1" latinLnBrk="0" hangingPunct="1">
         <a:lnSpc>
           <a:spcPct val="90000"/>
         </a:lnSpc>
         <a:spcBef>
-          <a:spcPts val="500"/>
+          <a:spcPts val="400"/>
         </a:spcBef>
-        <a:buFont typeface="Arial" panose="020B0604020202020204" pitchFamily="34" charset="0"/>
-        <a:buChar char="•"/>
-        <a:defRPr sz="1800" kern="1200">
+        <a:spcAft>
+          <a:spcPts val="200"/>
+        </a:spcAft>
+        <a:buClr>
+          <a:schemeClr val="accent1">
+            <a:lumMod val="75000"/>
+          </a:schemeClr>
+        </a:buClr>
+        <a:buSzPct val="85000"/>
+        <a:buFont typeface="Wingdings" pitchFamily="2" charset="2"/>
+        <a:buChar char="§"/>
+        <a:defRPr sz="1600" kern="1200">
           <a:solidFill>
             <a:schemeClr val="tx1"/>
           </a:solidFill>
@@ -3374,12 +4483,41 @@
           <a:chExt cx="0" cy="0"/>
         </a:xfrm>
       </p:grpSpPr>
-      <p:sp useBgFill="1">
-        <p:nvSpPr>
-          <p:cNvPr id="9" name="Rectangle 8">
+      <p:pic>
+        <p:nvPicPr>
+          <p:cNvPr id="5" name="Picture 4">
             <a:extLst>
               <a:ext uri="{FF2B5EF4-FFF2-40B4-BE49-F238E27FC236}">
-                <a16:creationId xmlns:a16="http://schemas.microsoft.com/office/drawing/2014/main" id="{55666830-9A19-4E01-8505-D6C7F9AC5665}"/>
+                <a16:creationId xmlns:a16="http://schemas.microsoft.com/office/drawing/2014/main" id="{592550FF-3767-7E2E-04F0-DBE161142177}"/>
+              </a:ext>
+            </a:extLst>
+          </p:cNvPr>
+          <p:cNvPicPr>
+            <a:picLocks noChangeAspect="1"/>
+          </p:cNvPicPr>
+          <p:nvPr/>
+        </p:nvPicPr>
+        <p:blipFill rotWithShape="1">
+          <a:blip r:embed="rId2"/>
+          <a:srcRect t="29688"/>
+          <a:stretch/>
+        </p:blipFill>
+        <p:spPr>
+          <a:xfrm>
+            <a:off x="-1" y="10"/>
+            <a:ext cx="12191999" cy="6857990"/>
+          </a:xfrm>
+          <a:prstGeom prst="rect">
+            <a:avLst/>
+          </a:prstGeom>
+        </p:spPr>
+      </p:pic>
+      <p:sp>
+        <p:nvSpPr>
+          <p:cNvPr id="20" name="Rectangle 19">
+            <a:extLst>
+              <a:ext uri="{FF2B5EF4-FFF2-40B4-BE49-F238E27FC236}">
+                <a16:creationId xmlns:a16="http://schemas.microsoft.com/office/drawing/2014/main" id="{CD60390C-0E4C-4682-8246-AFA2E49856DA}"/>
               </a:ext>
               <a:ext uri="{C183D7F6-B498-43B3-948B-1728B52AA6E4}">
                 <adec:decorative xmlns:adec="http://schemas.microsoft.com/office/drawing/2017/decorative" val="1"/>
@@ -3399,12 +4537,34 @@
         </p:nvSpPr>
         <p:spPr>
           <a:xfrm>
-            <a:off x="0" y="0"/>
-            <a:ext cx="12192000" cy="6858000"/>
+            <a:off x="984504" y="3837459"/>
+            <a:ext cx="10222992" cy="80683"/>
           </a:xfrm>
           <a:prstGeom prst="rect">
             <a:avLst/>
           </a:prstGeom>
+          <a:blipFill dpi="0" rotWithShape="1">
+            <a:blip r:embed="rId3">
+              <a:alphaModFix amt="85000"/>
+              <a:lum bright="70000" contrast="-70000"/>
+              <a:extLst>
+                <a:ext uri="{BEBA8EAE-BF5A-486C-A8C5-ECC9F3942E4B}">
+                  <a14:imgProps xmlns:a14="http://schemas.microsoft.com/office/drawing/2010/main">
+                    <a14:imgLayer r:embed="rId4">
+                      <a14:imgEffect>
+                        <a14:sharpenSoften amount="61000"/>
+                      </a14:imgEffect>
+                    </a14:imgLayer>
+                  </a14:imgProps>
+                </a:ext>
+                <a:ext uri="{28A0092B-C50C-407E-A947-70E740481C1C}">
+                  <a14:useLocalDpi xmlns:a14="http://schemas.microsoft.com/office/drawing/2010/main" val="0"/>
+                </a:ext>
+              </a:extLst>
+            </a:blip>
+            <a:srcRect/>
+            <a:tile tx="0" ty="-762000" sx="92000" sy="89000" flip="xy" algn="ctr"/>
+          </a:blipFill>
           <a:ln>
             <a:noFill/>
           </a:ln>
@@ -3425,84 +4585,13 @@
             <a:schemeClr val="lt1"/>
           </a:fontRef>
         </p:style>
-        <p:txBody>
-          <a:bodyPr rtlCol="0" anchor="ctr"/>
-          <a:lstStyle/>
-          <a:p>
-            <a:pPr algn="ctr"/>
-            <a:endParaRPr lang="en-US"/>
-          </a:p>
-        </p:txBody>
-      </p:sp>
-      <p:pic>
-        <p:nvPicPr>
-          <p:cNvPr id="5" name="Picture 4" descr="A blue background with lines and dots&#10;&#10;Description automatically generated">
+      </p:sp>
+      <p:sp>
+        <p:nvSpPr>
+          <p:cNvPr id="22" name="Rectangle 21">
             <a:extLst>
               <a:ext uri="{FF2B5EF4-FFF2-40B4-BE49-F238E27FC236}">
-                <a16:creationId xmlns:a16="http://schemas.microsoft.com/office/drawing/2014/main" id="{3DC24303-979B-9903-6F8C-0A80731AE207}"/>
-              </a:ext>
-            </a:extLst>
-          </p:cNvPr>
-          <p:cNvPicPr>
-            <a:picLocks noChangeAspect="1"/>
-          </p:cNvPicPr>
-          <p:nvPr/>
-        </p:nvPicPr>
-        <p:blipFill rotWithShape="1">
-          <a:blip r:embed="rId2"/>
-          <a:srcRect t="11779" r="2" b="3366"/>
-          <a:stretch/>
-        </p:blipFill>
-        <p:spPr>
-          <a:xfrm>
-            <a:off x="4110127" y="10"/>
-            <a:ext cx="8081873" cy="6857990"/>
-          </a:xfrm>
-          <a:custGeom>
-            <a:avLst/>
-            <a:gdLst/>
-            <a:ahLst/>
-            <a:cxnLst/>
-            <a:rect l="l" t="t" r="r" b="b"/>
-            <a:pathLst>
-              <a:path w="8081873" h="6858000">
-                <a:moveTo>
-                  <a:pt x="0" y="0"/>
-                </a:moveTo>
-                <a:lnTo>
-                  <a:pt x="8081873" y="0"/>
-                </a:lnTo>
-                <a:lnTo>
-                  <a:pt x="8081873" y="6858000"/>
-                </a:lnTo>
-                <a:lnTo>
-                  <a:pt x="0" y="6858000"/>
-                </a:lnTo>
-                <a:lnTo>
-                  <a:pt x="68897" y="6734633"/>
-                </a:lnTo>
-                <a:cubicBezTo>
-                  <a:pt x="558802" y="5812845"/>
-                  <a:pt x="848920" y="4668597"/>
-                  <a:pt x="848920" y="3429000"/>
-                </a:cubicBezTo>
-                <a:cubicBezTo>
-                  <a:pt x="848920" y="2189404"/>
-                  <a:pt x="558802" y="1045156"/>
-                  <a:pt x="68897" y="123368"/>
-                </a:cubicBezTo>
-                <a:close/>
-              </a:path>
-            </a:pathLst>
-          </a:custGeom>
-        </p:spPr>
-      </p:pic>
-      <p:sp useBgFill="1">
-        <p:nvSpPr>
-          <p:cNvPr id="11" name="Freeform: Shape 10">
-            <a:extLst>
-              <a:ext uri="{FF2B5EF4-FFF2-40B4-BE49-F238E27FC236}">
-                <a16:creationId xmlns:a16="http://schemas.microsoft.com/office/drawing/2014/main" id="{AE9FC877-7FB6-4D22-9988-35420644E202}"/>
+                <a16:creationId xmlns:a16="http://schemas.microsoft.com/office/drawing/2014/main" id="{CEBA87F4-FB8A-4D91-B3F3-DFA78E0CC64D}"/>
               </a:ext>
               <a:ext uri="{C183D7F6-B498-43B3-948B-1728B52AA6E4}">
                 <adec:decorative xmlns:adec="http://schemas.microsoft.com/office/drawing/2017/decorative" val="1"/>
@@ -3522,439 +4611,34 @@
         </p:nvSpPr>
         <p:spPr>
           <a:xfrm>
-            <a:off x="0" y="0"/>
-            <a:ext cx="4959047" cy="6858000"/>
-          </a:xfrm>
-          <a:custGeom>
-            <a:avLst/>
-            <a:gdLst>
-              <a:gd name="connsiteX0" fmla="*/ 0 w 4959047"/>
-              <a:gd name="connsiteY0" fmla="*/ 0 h 6858000"/>
-              <a:gd name="connsiteX1" fmla="*/ 4110127 w 4959047"/>
-              <a:gd name="connsiteY1" fmla="*/ 0 h 6858000"/>
-              <a:gd name="connsiteX2" fmla="*/ 4179024 w 4959047"/>
-              <a:gd name="connsiteY2" fmla="*/ 123368 h 6858000"/>
-              <a:gd name="connsiteX3" fmla="*/ 4959047 w 4959047"/>
-              <a:gd name="connsiteY3" fmla="*/ 3429000 h 6858000"/>
-              <a:gd name="connsiteX4" fmla="*/ 4179024 w 4959047"/>
-              <a:gd name="connsiteY4" fmla="*/ 6734633 h 6858000"/>
-              <a:gd name="connsiteX5" fmla="*/ 4110127 w 4959047"/>
-              <a:gd name="connsiteY5" fmla="*/ 6858000 h 6858000"/>
-              <a:gd name="connsiteX6" fmla="*/ 0 w 4959047"/>
-              <a:gd name="connsiteY6" fmla="*/ 6858000 h 6858000"/>
-            </a:gdLst>
-            <a:ahLst/>
-            <a:cxnLst>
-              <a:cxn ang="0">
-                <a:pos x="connsiteX0" y="connsiteY0"/>
-              </a:cxn>
-              <a:cxn ang="0">
-                <a:pos x="connsiteX1" y="connsiteY1"/>
-              </a:cxn>
-              <a:cxn ang="0">
-                <a:pos x="connsiteX2" y="connsiteY2"/>
-              </a:cxn>
-              <a:cxn ang="0">
-                <a:pos x="connsiteX3" y="connsiteY3"/>
-              </a:cxn>
-              <a:cxn ang="0">
-                <a:pos x="connsiteX4" y="connsiteY4"/>
-              </a:cxn>
-              <a:cxn ang="0">
-                <a:pos x="connsiteX5" y="connsiteY5"/>
-              </a:cxn>
-              <a:cxn ang="0">
-                <a:pos x="connsiteX6" y="connsiteY6"/>
-              </a:cxn>
-            </a:cxnLst>
-            <a:rect l="l" t="t" r="r" b="b"/>
-            <a:pathLst>
-              <a:path w="4959047" h="6858000">
-                <a:moveTo>
-                  <a:pt x="0" y="0"/>
-                </a:moveTo>
-                <a:lnTo>
-                  <a:pt x="4110127" y="0"/>
-                </a:lnTo>
-                <a:lnTo>
-                  <a:pt x="4179024" y="123368"/>
-                </a:lnTo>
-                <a:cubicBezTo>
-                  <a:pt x="4668929" y="1045156"/>
-                  <a:pt x="4959047" y="2189404"/>
-                  <a:pt x="4959047" y="3429000"/>
-                </a:cubicBezTo>
-                <a:cubicBezTo>
-                  <a:pt x="4959047" y="4668597"/>
-                  <a:pt x="4668929" y="5812845"/>
-                  <a:pt x="4179024" y="6734633"/>
-                </a:cubicBezTo>
-                <a:lnTo>
-                  <a:pt x="4110127" y="6858000"/>
-                </a:lnTo>
-                <a:lnTo>
-                  <a:pt x="0" y="6858000"/>
-                </a:lnTo>
-                <a:close/>
-              </a:path>
-            </a:pathLst>
-          </a:custGeom>
-          <a:ln w="9525">
-            <a:solidFill>
-              <a:schemeClr val="tx2">
-                <a:lumMod val="10000"/>
-                <a:lumOff val="90000"/>
-              </a:schemeClr>
-            </a:solidFill>
-          </a:ln>
-          <a:effectLst>
-            <a:outerShdw blurRad="50800" dist="38100" algn="l" rotWithShape="0">
-              <a:schemeClr val="bg1">
-                <a:lumMod val="85000"/>
-                <a:alpha val="30000"/>
-              </a:schemeClr>
-            </a:outerShdw>
-          </a:effectLst>
-        </p:spPr>
-        <p:style>
-          <a:lnRef idx="2">
-            <a:schemeClr val="accent1">
-              <a:shade val="50000"/>
-            </a:schemeClr>
-          </a:lnRef>
-          <a:fillRef idx="1">
-            <a:schemeClr val="accent1"/>
-          </a:fillRef>
-          <a:effectRef idx="0">
-            <a:schemeClr val="accent1"/>
-          </a:effectRef>
-          <a:fontRef idx="minor">
-            <a:schemeClr val="lt1"/>
-          </a:fontRef>
-        </p:style>
-        <p:txBody>
-          <a:bodyPr wrap="square" rtlCol="0" anchor="ctr">
-            <a:noAutofit/>
-          </a:bodyPr>
-          <a:lstStyle/>
-          <a:p>
-            <a:pPr marL="0" marR="0" lvl="0" indent="0" algn="ctr" defTabSz="914400" rtl="0" eaLnBrk="1" fontAlgn="auto" latinLnBrk="0" hangingPunct="1">
-              <a:lnSpc>
-                <a:spcPct val="100000"/>
-              </a:lnSpc>
-              <a:spcBef>
-                <a:spcPts val="0"/>
-              </a:spcBef>
-              <a:spcAft>
-                <a:spcPts val="0"/>
-              </a:spcAft>
-              <a:buClrTx/>
-              <a:buSzTx/>
-              <a:buFontTx/>
-              <a:buNone/>
-              <a:tabLst/>
-              <a:defRPr/>
-            </a:pPr>
-            <a:endParaRPr kumimoji="0" lang="en-US" sz="1800" b="0" i="0" u="none" strike="noStrike" kern="1200" cap="none" spc="0" normalizeH="0" baseline="0" noProof="0">
-              <a:ln>
-                <a:noFill/>
-              </a:ln>
-              <a:solidFill>
-                <a:prstClr val="white"/>
-              </a:solidFill>
-              <a:effectLst/>
-              <a:uLnTx/>
-              <a:uFillTx/>
-              <a:latin typeface="Calibri" panose="020F0502020204030204"/>
-              <a:ea typeface="+mn-ea"/>
-              <a:cs typeface="+mn-cs"/>
-            </a:endParaRPr>
-          </a:p>
-        </p:txBody>
-      </p:sp>
-      <p:sp useBgFill="1">
-        <p:nvSpPr>
-          <p:cNvPr id="13" name="Freeform: Shape 12">
-            <a:extLst>
-              <a:ext uri="{FF2B5EF4-FFF2-40B4-BE49-F238E27FC236}">
-                <a16:creationId xmlns:a16="http://schemas.microsoft.com/office/drawing/2014/main" id="{E41809D1-F12E-46BB-B804-5F209D325E8B}"/>
-              </a:ext>
-              <a:ext uri="{C183D7F6-B498-43B3-948B-1728B52AA6E4}">
-                <adec:decorative xmlns:adec="http://schemas.microsoft.com/office/drawing/2017/decorative" val="1"/>
-              </a:ext>
-            </a:extLst>
-          </p:cNvPr>
-          <p:cNvSpPr>
-            <a:spLocks noGrp="1" noRot="1" noChangeAspect="1" noMove="1" noResize="1" noEditPoints="1" noAdjustHandles="1" noChangeArrowheads="1" noChangeShapeType="1" noTextEdit="1"/>
-          </p:cNvSpPr>
-          <p:nvPr>
-            <p:extLst>
-              <p:ext uri="{386F3935-93C4-4BCD-93E2-E3B085C9AB24}">
-                <p16:designElem xmlns:p16="http://schemas.microsoft.com/office/powerpoint/2015/main" val="1"/>
-              </p:ext>
-            </p:extLst>
-          </p:nvPr>
-        </p:nvSpPr>
-        <p:spPr>
-          <a:xfrm>
-            <a:off x="0" y="0"/>
-            <a:ext cx="4948887" cy="6858000"/>
-          </a:xfrm>
-          <a:custGeom>
-            <a:avLst/>
-            <a:gdLst>
-              <a:gd name="connsiteX0" fmla="*/ 0 w 4948887"/>
-              <a:gd name="connsiteY0" fmla="*/ 0 h 6858000"/>
-              <a:gd name="connsiteX1" fmla="*/ 4099967 w 4948887"/>
-              <a:gd name="connsiteY1" fmla="*/ 0 h 6858000"/>
-              <a:gd name="connsiteX2" fmla="*/ 4168864 w 4948887"/>
-              <a:gd name="connsiteY2" fmla="*/ 123368 h 6858000"/>
-              <a:gd name="connsiteX3" fmla="*/ 4948887 w 4948887"/>
-              <a:gd name="connsiteY3" fmla="*/ 3429000 h 6858000"/>
-              <a:gd name="connsiteX4" fmla="*/ 4168864 w 4948887"/>
-              <a:gd name="connsiteY4" fmla="*/ 6734633 h 6858000"/>
-              <a:gd name="connsiteX5" fmla="*/ 4099967 w 4948887"/>
-              <a:gd name="connsiteY5" fmla="*/ 6858000 h 6858000"/>
-              <a:gd name="connsiteX6" fmla="*/ 0 w 4948887"/>
-              <a:gd name="connsiteY6" fmla="*/ 6858000 h 6858000"/>
-            </a:gdLst>
-            <a:ahLst/>
-            <a:cxnLst>
-              <a:cxn ang="0">
-                <a:pos x="connsiteX0" y="connsiteY0"/>
-              </a:cxn>
-              <a:cxn ang="0">
-                <a:pos x="connsiteX1" y="connsiteY1"/>
-              </a:cxn>
-              <a:cxn ang="0">
-                <a:pos x="connsiteX2" y="connsiteY2"/>
-              </a:cxn>
-              <a:cxn ang="0">
-                <a:pos x="connsiteX3" y="connsiteY3"/>
-              </a:cxn>
-              <a:cxn ang="0">
-                <a:pos x="connsiteX4" y="connsiteY4"/>
-              </a:cxn>
-              <a:cxn ang="0">
-                <a:pos x="connsiteX5" y="connsiteY5"/>
-              </a:cxn>
-              <a:cxn ang="0">
-                <a:pos x="connsiteX6" y="connsiteY6"/>
-              </a:cxn>
-            </a:cxnLst>
-            <a:rect l="l" t="t" r="r" b="b"/>
-            <a:pathLst>
-              <a:path w="4948887" h="6858000">
-                <a:moveTo>
-                  <a:pt x="0" y="0"/>
-                </a:moveTo>
-                <a:lnTo>
-                  <a:pt x="4099967" y="0"/>
-                </a:lnTo>
-                <a:lnTo>
-                  <a:pt x="4168864" y="123368"/>
-                </a:lnTo>
-                <a:cubicBezTo>
-                  <a:pt x="4658769" y="1045156"/>
-                  <a:pt x="4948887" y="2189404"/>
-                  <a:pt x="4948887" y="3429000"/>
-                </a:cubicBezTo>
-                <a:cubicBezTo>
-                  <a:pt x="4948887" y="4668597"/>
-                  <a:pt x="4658769" y="5812845"/>
-                  <a:pt x="4168864" y="6734633"/>
-                </a:cubicBezTo>
-                <a:lnTo>
-                  <a:pt x="4099967" y="6858000"/>
-                </a:lnTo>
-                <a:lnTo>
-                  <a:pt x="0" y="6858000"/>
-                </a:lnTo>
-                <a:close/>
-              </a:path>
-            </a:pathLst>
-          </a:custGeom>
-          <a:ln w="9525">
-            <a:noFill/>
-          </a:ln>
-          <a:effectLst/>
-        </p:spPr>
-        <p:style>
-          <a:lnRef idx="2">
-            <a:schemeClr val="accent1">
-              <a:shade val="50000"/>
-            </a:schemeClr>
-          </a:lnRef>
-          <a:fillRef idx="1">
-            <a:schemeClr val="accent1"/>
-          </a:fillRef>
-          <a:effectRef idx="0">
-            <a:schemeClr val="accent1"/>
-          </a:effectRef>
-          <a:fontRef idx="minor">
-            <a:schemeClr val="lt1"/>
-          </a:fontRef>
-        </p:style>
-        <p:txBody>
-          <a:bodyPr wrap="square" rtlCol="0" anchor="ctr">
-            <a:noAutofit/>
-          </a:bodyPr>
-          <a:lstStyle/>
-          <a:p>
-            <a:pPr marL="0" marR="0" lvl="0" indent="0" algn="ctr" defTabSz="914400" rtl="0" eaLnBrk="1" fontAlgn="auto" latinLnBrk="0" hangingPunct="1">
-              <a:lnSpc>
-                <a:spcPct val="100000"/>
-              </a:lnSpc>
-              <a:spcBef>
-                <a:spcPts val="0"/>
-              </a:spcBef>
-              <a:spcAft>
-                <a:spcPts val="0"/>
-              </a:spcAft>
-              <a:buClrTx/>
-              <a:buSzTx/>
-              <a:buFontTx/>
-              <a:buNone/>
-              <a:tabLst/>
-              <a:defRPr/>
-            </a:pPr>
-            <a:endParaRPr kumimoji="0" lang="en-US" sz="1800" b="0" i="0" u="none" strike="noStrike" kern="1200" cap="none" spc="0" normalizeH="0" baseline="0" noProof="0">
-              <a:ln>
-                <a:noFill/>
-              </a:ln>
-              <a:solidFill>
-                <a:prstClr val="white"/>
-              </a:solidFill>
-              <a:effectLst/>
-              <a:uLnTx/>
-              <a:uFillTx/>
-              <a:latin typeface="Calibri" panose="020F0502020204030204"/>
-              <a:ea typeface="+mn-ea"/>
-              <a:cs typeface="+mn-cs"/>
-            </a:endParaRPr>
-          </a:p>
-        </p:txBody>
-      </p:sp>
-      <p:sp>
-        <p:nvSpPr>
-          <p:cNvPr id="2" name="Title 1">
-            <a:extLst>
-              <a:ext uri="{FF2B5EF4-FFF2-40B4-BE49-F238E27FC236}">
-                <a16:creationId xmlns:a16="http://schemas.microsoft.com/office/drawing/2014/main" id="{87512A2A-8F6D-2DE5-1F1F-A60B2151049D}"/>
-              </a:ext>
-            </a:extLst>
-          </p:cNvPr>
-          <p:cNvSpPr>
-            <a:spLocks noGrp="1"/>
-          </p:cNvSpPr>
-          <p:nvPr>
-            <p:ph type="ctrTitle"/>
-          </p:nvPr>
-        </p:nvSpPr>
-        <p:spPr>
-          <a:xfrm>
-            <a:off x="477981" y="1122363"/>
-            <a:ext cx="4023360" cy="3204134"/>
-          </a:xfrm>
-        </p:spPr>
-        <p:txBody>
-          <a:bodyPr anchor="b">
-            <a:normAutofit/>
-          </a:bodyPr>
-          <a:lstStyle/>
-          <a:p>
-            <a:pPr algn="l"/>
-            <a:r>
-              <a:rPr lang="en-US" sz="3000"/>
-              <a:t>LeandingClubCaseStudy</a:t>
-            </a:r>
-          </a:p>
-        </p:txBody>
-      </p:sp>
-      <p:sp>
-        <p:nvSpPr>
-          <p:cNvPr id="3" name="Subtitle 2">
-            <a:extLst>
-              <a:ext uri="{FF2B5EF4-FFF2-40B4-BE49-F238E27FC236}">
-                <a16:creationId xmlns:a16="http://schemas.microsoft.com/office/drawing/2014/main" id="{2C219900-1113-EBDB-5F74-20E5DD3B18CD}"/>
-              </a:ext>
-            </a:extLst>
-          </p:cNvPr>
-          <p:cNvSpPr>
-            <a:spLocks noGrp="1"/>
-          </p:cNvSpPr>
-          <p:nvPr>
-            <p:ph type="subTitle" idx="1"/>
-          </p:nvPr>
-        </p:nvSpPr>
-        <p:spPr>
-          <a:xfrm>
-            <a:off x="477981" y="4872922"/>
-            <a:ext cx="3933306" cy="1208141"/>
-          </a:xfrm>
-        </p:spPr>
-        <p:txBody>
-          <a:bodyPr>
-            <a:normAutofit/>
-          </a:bodyPr>
-          <a:lstStyle/>
-          <a:p>
-            <a:pPr algn="l"/>
-            <a:r>
-              <a:rPr lang="en-US" sz="2000"/>
-              <a:t>Group Members</a:t>
-            </a:r>
-          </a:p>
-          <a:p>
-            <a:pPr algn="l"/>
-            <a:r>
-              <a:rPr lang="en-US" sz="2000"/>
-              <a:t>- Shruti Wadhokar</a:t>
-            </a:r>
-          </a:p>
-          <a:p>
-            <a:pPr algn="l"/>
-            <a:r>
-              <a:rPr lang="en-US" sz="2000"/>
-              <a:t>- Razat Ranjan Singh</a:t>
-            </a:r>
-          </a:p>
-        </p:txBody>
-      </p:sp>
-      <p:sp>
-        <p:nvSpPr>
-          <p:cNvPr id="15" name="Rectangle 14">
-            <a:extLst>
-              <a:ext uri="{FF2B5EF4-FFF2-40B4-BE49-F238E27FC236}">
-                <a16:creationId xmlns:a16="http://schemas.microsoft.com/office/drawing/2014/main" id="{AF2F604E-43BE-4DC3-B983-E071523364F8}"/>
-              </a:ext>
-              <a:ext uri="{C183D7F6-B498-43B3-948B-1728B52AA6E4}">
-                <adec:decorative xmlns:adec="http://schemas.microsoft.com/office/drawing/2017/decorative" val="1"/>
-              </a:ext>
-            </a:extLst>
-          </p:cNvPr>
-          <p:cNvSpPr>
-            <a:spLocks noGrp="1" noRot="1" noChangeAspect="1" noMove="1" noResize="1" noEditPoints="1" noAdjustHandles="1" noChangeArrowheads="1" noChangeShapeType="1" noTextEdit="1"/>
-          </p:cNvSpPr>
-          <p:nvPr>
-            <p:extLst>
-              <p:ext uri="{386F3935-93C4-4BCD-93E2-E3B085C9AB24}">
-                <p16:designElem xmlns:p16="http://schemas.microsoft.com/office/powerpoint/2015/main" val="1"/>
-              </p:ext>
-            </p:extLst>
-          </p:nvPr>
-        </p:nvSpPr>
-        <p:spPr>
-          <a:xfrm rot="5400000">
-            <a:off x="759921" y="346791"/>
-            <a:ext cx="146304" cy="704088"/>
+            <a:off x="984504" y="3981573"/>
+            <a:ext cx="10222992" cy="2078335"/>
           </a:xfrm>
           <a:prstGeom prst="rect">
             <a:avLst/>
           </a:prstGeom>
-          <a:solidFill>
-            <a:schemeClr val="accent2"/>
-          </a:solidFill>
+          <a:blipFill dpi="0" rotWithShape="1">
+            <a:blip r:embed="rId3">
+              <a:alphaModFix amt="95000"/>
+              <a:lum bright="70000" contrast="-70000"/>
+              <a:extLst>
+                <a:ext uri="{BEBA8EAE-BF5A-486C-A8C5-ECC9F3942E4B}">
+                  <a14:imgProps xmlns:a14="http://schemas.microsoft.com/office/drawing/2010/main">
+                    <a14:imgLayer r:embed="rId4">
+                      <a14:imgEffect>
+                        <a14:sharpenSoften amount="61000"/>
+                      </a14:imgEffect>
+                    </a14:imgLayer>
+                  </a14:imgProps>
+                </a:ext>
+                <a:ext uri="{28A0092B-C50C-407E-A947-70E740481C1C}">
+                  <a14:useLocalDpi xmlns:a14="http://schemas.microsoft.com/office/drawing/2010/main" val="0"/>
+                </a:ext>
+              </a:extLst>
+            </a:blip>
+            <a:srcRect/>
+            <a:tile tx="0" ty="-704850" sx="92000" sy="89000" flip="xy" algn="ctr"/>
+          </a:blipFill>
           <a:ln>
             <a:noFill/>
           </a:ln>
@@ -3975,50 +4659,49 @@
             <a:schemeClr val="lt1"/>
           </a:fontRef>
         </p:style>
-        <p:txBody>
-          <a:bodyPr rtlCol="0" anchor="ctr"/>
-          <a:lstStyle/>
-          <a:p>
-            <a:pPr marL="0" marR="0" lvl="0" indent="0" algn="ctr" defTabSz="914400" rtl="0" eaLnBrk="1" fontAlgn="auto" latinLnBrk="0" hangingPunct="1">
-              <a:lnSpc>
-                <a:spcPct val="100000"/>
-              </a:lnSpc>
-              <a:spcBef>
-                <a:spcPts val="0"/>
-              </a:spcBef>
-              <a:spcAft>
-                <a:spcPts val="0"/>
-              </a:spcAft>
-              <a:buClrTx/>
-              <a:buSzTx/>
-              <a:buFontTx/>
-              <a:buNone/>
-              <a:tabLst/>
-              <a:defRPr/>
-            </a:pPr>
-            <a:endParaRPr kumimoji="0" lang="en-US" sz="1800" b="0" i="0" u="none" strike="noStrike" kern="1200" cap="none" spc="0" normalizeH="0" baseline="0" noProof="0">
-              <a:ln>
-                <a:noFill/>
-              </a:ln>
-              <a:solidFill>
-                <a:prstClr val="white"/>
-              </a:solidFill>
-              <a:effectLst/>
-              <a:uLnTx/>
-              <a:uFillTx/>
-              <a:latin typeface="Calibri" panose="020F0502020204030204"/>
-              <a:ea typeface="+mn-ea"/>
-              <a:cs typeface="+mn-cs"/>
-            </a:endParaRPr>
-          </a:p>
-        </p:txBody>
-      </p:sp>
-      <p:sp>
-        <p:nvSpPr>
-          <p:cNvPr id="21" name="Rectangle 20">
+      </p:sp>
+      <p:sp>
+        <p:nvSpPr>
+          <p:cNvPr id="2" name="Title 1">
             <a:extLst>
               <a:ext uri="{FF2B5EF4-FFF2-40B4-BE49-F238E27FC236}">
-                <a16:creationId xmlns:a16="http://schemas.microsoft.com/office/drawing/2014/main" id="{08C9B587-E65E-4B52-B37C-ABEBB6E87928}"/>
+                <a16:creationId xmlns:a16="http://schemas.microsoft.com/office/drawing/2014/main" id="{CB67A3F8-27A0-2E71-F652-CFB02FB2E500}"/>
+              </a:ext>
+            </a:extLst>
+          </p:cNvPr>
+          <p:cNvSpPr>
+            <a:spLocks noGrp="1"/>
+          </p:cNvSpPr>
+          <p:nvPr>
+            <p:ph type="ctrTitle"/>
+          </p:nvPr>
+        </p:nvSpPr>
+        <p:spPr>
+          <a:xfrm>
+            <a:off x="969514" y="4254484"/>
+            <a:ext cx="9124763" cy="1622451"/>
+          </a:xfrm>
+        </p:spPr>
+        <p:txBody>
+          <a:bodyPr>
+            <a:normAutofit/>
+          </a:bodyPr>
+          <a:lstStyle/>
+          <a:p>
+            <a:pPr algn="r"/>
+            <a:r>
+              <a:rPr lang="en-US" sz="6000" dirty="0"/>
+              <a:t>Lending Club Case Study</a:t>
+            </a:r>
+          </a:p>
+        </p:txBody>
+      </p:sp>
+      <p:sp>
+        <p:nvSpPr>
+          <p:cNvPr id="24" name="Rectangle 23">
+            <a:extLst>
+              <a:ext uri="{FF2B5EF4-FFF2-40B4-BE49-F238E27FC236}">
+                <a16:creationId xmlns:a16="http://schemas.microsoft.com/office/drawing/2014/main" id="{D012A90F-45C2-4C9B-BAF6-9CE1F546C7EA}"/>
               </a:ext>
               <a:ext uri="{C183D7F6-B498-43B3-948B-1728B52AA6E4}">
                 <adec:decorative xmlns:adec="http://schemas.microsoft.com/office/drawing/2017/decorative" val="1"/>
@@ -4038,19 +4721,37 @@
         </p:nvSpPr>
         <p:spPr>
           <a:xfrm>
-            <a:off x="481029" y="4546920"/>
-            <a:ext cx="4023360" cy="18288"/>
+            <a:off x="984504" y="6128670"/>
+            <a:ext cx="10222992" cy="80683"/>
           </a:xfrm>
           <a:prstGeom prst="rect">
             <a:avLst/>
           </a:prstGeom>
-          <a:solidFill>
-            <a:srgbClr val="D5D5D5"/>
-          </a:solidFill>
-          <a:ln w="3175">
+          <a:blipFill dpi="0" rotWithShape="1">
+            <a:blip r:embed="rId3">
+              <a:alphaModFix amt="85000"/>
+              <a:lum bright="70000" contrast="-70000"/>
+              <a:extLst>
+                <a:ext uri="{BEBA8EAE-BF5A-486C-A8C5-ECC9F3942E4B}">
+                  <a14:imgProps xmlns:a14="http://schemas.microsoft.com/office/drawing/2010/main">
+                    <a14:imgLayer r:embed="rId4">
+                      <a14:imgEffect>
+                        <a14:sharpenSoften amount="61000"/>
+                      </a14:imgEffect>
+                    </a14:imgLayer>
+                  </a14:imgProps>
+                </a:ext>
+                <a:ext uri="{28A0092B-C50C-407E-A947-70E740481C1C}">
+                  <a14:useLocalDpi xmlns:a14="http://schemas.microsoft.com/office/drawing/2010/main" val="0"/>
+                </a:ext>
+              </a:extLst>
+            </a:blip>
+            <a:srcRect/>
+            <a:tile tx="0" ty="-717550" sx="92000" sy="89000" flip="xy" algn="ctr"/>
+          </a:blipFill>
+          <a:ln>
             <a:noFill/>
           </a:ln>
-          <a:effectLst/>
         </p:spPr>
         <p:style>
           <a:lnRef idx="2">
@@ -4068,125 +4769,158 @@
             <a:schemeClr val="lt1"/>
           </a:fontRef>
         </p:style>
-        <p:txBody>
-          <a:bodyPr rtlCol="0" anchor="ctr"/>
-          <a:lstStyle/>
-          <a:p>
-            <a:pPr marL="0" marR="0" lvl="0" indent="0" algn="ctr" defTabSz="914400" rtl="0" eaLnBrk="1" fontAlgn="auto" latinLnBrk="0" hangingPunct="1">
-              <a:lnSpc>
-                <a:spcPct val="100000"/>
-              </a:lnSpc>
-              <a:spcBef>
-                <a:spcPts val="0"/>
-              </a:spcBef>
-              <a:spcAft>
-                <a:spcPts val="0"/>
-              </a:spcAft>
-              <a:buClrTx/>
-              <a:buSzTx/>
-              <a:buFontTx/>
-              <a:buNone/>
-              <a:tabLst/>
-              <a:defRPr/>
-            </a:pPr>
-            <a:endParaRPr kumimoji="0" lang="en-US" sz="1800" b="0" i="0" u="none" strike="noStrike" kern="1200" cap="none" spc="0" normalizeH="0" baseline="0" noProof="0">
-              <a:ln>
-                <a:noFill/>
-              </a:ln>
-              <a:solidFill>
-                <a:prstClr val="white"/>
-              </a:solidFill>
-              <a:effectLst/>
-              <a:uLnTx/>
-              <a:uFillTx/>
-              <a:latin typeface="Calibri" panose="020F0502020204030204"/>
-              <a:ea typeface="+mn-ea"/>
-              <a:cs typeface="+mn-cs"/>
-            </a:endParaRPr>
+      </p:sp>
+    </p:spTree>
+    <p:extLst>
+      <p:ext uri="{BB962C8B-B14F-4D97-AF65-F5344CB8AC3E}">
+        <p14:creationId xmlns:p14="http://schemas.microsoft.com/office/powerpoint/2010/main" val="2533724565"/>
+      </p:ext>
+    </p:extLst>
+  </p:cSld>
+  <p:clrMapOvr>
+    <a:masterClrMapping/>
+  </p:clrMapOvr>
+</p:sld>
+</file>
+
+<file path=ppt/slides/slide10.xml><?xml version="1.0" encoding="utf-8"?>
+<p:sld xmlns:a="http://schemas.openxmlformats.org/drawingml/2006/main" xmlns:r="http://schemas.openxmlformats.org/officeDocument/2006/relationships" xmlns:p="http://schemas.openxmlformats.org/presentationml/2006/main">
+  <p:cSld>
+    <p:spTree>
+      <p:nvGrpSpPr>
+        <p:cNvPr id="1" name=""/>
+        <p:cNvGrpSpPr/>
+        <p:nvPr/>
+      </p:nvGrpSpPr>
+      <p:grpSpPr>
+        <a:xfrm>
+          <a:off x="0" y="0"/>
+          <a:ext cx="0" cy="0"/>
+          <a:chOff x="0" y="0"/>
+          <a:chExt cx="0" cy="0"/>
+        </a:xfrm>
+      </p:grpSpPr>
+      <p:sp>
+        <p:nvSpPr>
+          <p:cNvPr id="2" name="Title 1">
+            <a:extLst>
+              <a:ext uri="{FF2B5EF4-FFF2-40B4-BE49-F238E27FC236}">
+                <a16:creationId xmlns:a16="http://schemas.microsoft.com/office/drawing/2014/main" id="{5E28134D-6B5F-5844-284E-FAD8B9F06950}"/>
+              </a:ext>
+            </a:extLst>
+          </p:cNvPr>
+          <p:cNvSpPr>
+            <a:spLocks noGrp="1"/>
+          </p:cNvSpPr>
+          <p:nvPr>
+            <p:ph type="title"/>
+          </p:nvPr>
+        </p:nvSpPr>
+        <p:spPr>
+          <a:xfrm>
+            <a:off x="8631836" y="918652"/>
+            <a:ext cx="3420256" cy="3733764"/>
+          </a:xfrm>
+        </p:spPr>
+        <p:txBody>
+          <a:bodyPr>
+            <a:normAutofit/>
+          </a:bodyPr>
+          <a:lstStyle/>
+          <a:p>
+            <a:r>
+              <a:rPr lang="en-US" dirty="0"/>
+              <a:t>Based on experience level, Mid level (3-6 years)	 applicants are likely to default more than the rest. </a:t>
+            </a:r>
+          </a:p>
+        </p:txBody>
+      </p:sp>
+      <p:sp>
+        <p:nvSpPr>
+          <p:cNvPr id="4" name="Content Placeholder 3">
+            <a:extLst>
+              <a:ext uri="{FF2B5EF4-FFF2-40B4-BE49-F238E27FC236}">
+                <a16:creationId xmlns:a16="http://schemas.microsoft.com/office/drawing/2014/main" id="{0DCB427B-AEC3-94A2-9F4D-3B43C74DA463}"/>
+              </a:ext>
+            </a:extLst>
+          </p:cNvPr>
+          <p:cNvSpPr>
+            <a:spLocks noGrp="1"/>
+          </p:cNvSpPr>
+          <p:nvPr>
+            <p:ph idx="1"/>
+          </p:nvPr>
+        </p:nvSpPr>
+        <p:spPr/>
+        <p:txBody>
+          <a:bodyPr/>
+          <a:lstStyle/>
+          <a:p>
+            <a:endParaRPr lang="en-US"/>
+          </a:p>
+        </p:txBody>
+      </p:sp>
+      <p:sp>
+        <p:nvSpPr>
+          <p:cNvPr id="5" name="TextBox 4">
+            <a:extLst>
+              <a:ext uri="{FF2B5EF4-FFF2-40B4-BE49-F238E27FC236}">
+                <a16:creationId xmlns:a16="http://schemas.microsoft.com/office/drawing/2014/main" id="{F9D8EC37-0652-4CB8-D329-4FAB280EF4D1}"/>
+              </a:ext>
+            </a:extLst>
+          </p:cNvPr>
+          <p:cNvSpPr txBox="1"/>
+          <p:nvPr/>
+        </p:nvSpPr>
+        <p:spPr>
+          <a:xfrm>
+            <a:off x="8610600" y="4931765"/>
+            <a:ext cx="3066738" cy="1477328"/>
+          </a:xfrm>
+          <a:prstGeom prst="rect">
+            <a:avLst/>
+          </a:prstGeom>
+          <a:noFill/>
+        </p:spPr>
+        <p:txBody>
+          <a:bodyPr wrap="square" rtlCol="0">
+            <a:spAutoFit/>
+          </a:bodyPr>
+          <a:lstStyle/>
+          <a:p>
+            <a:r>
+              <a:rPr lang="en-US" dirty="0"/>
+              <a:t>A bank  should consider more parameters before loan is sanctioned for Mid/Very High experience level candidates </a:t>
+            </a:r>
           </a:p>
         </p:txBody>
       </p:sp>
       <p:pic>
         <p:nvPicPr>
-          <p:cNvPr id="4" name="Camera 3">
+          <p:cNvPr id="6" name="Picture 5">
             <a:extLst>
               <a:ext uri="{FF2B5EF4-FFF2-40B4-BE49-F238E27FC236}">
-                <a16:creationId xmlns:a16="http://schemas.microsoft.com/office/drawing/2014/main" id="{99ABB396-297B-670C-B634-63074F74D97A}"/>
+                <a16:creationId xmlns:a16="http://schemas.microsoft.com/office/drawing/2014/main" id="{9A171FF8-BD1A-CEBA-AE26-D3AD8F501458}"/>
               </a:ext>
             </a:extLst>
           </p:cNvPr>
           <p:cNvPicPr>
             <a:picLocks noChangeAspect="1"/>
-            <a:extLst>
-              <a:ext uri="{51228E76-BA90-4043-B771-695A4F85340A}">
-                <alf:liveFeedProps xmlns:alf="http://schemas.microsoft.com/office/drawing/2021/livefeed"/>
-              </a:ext>
-            </a:extLst>
           </p:cNvPicPr>
           <p:nvPr/>
         </p:nvPicPr>
         <p:blipFill>
-          <a:blip r:embed="rId3">
-            <a:extLst>
-              <a:ext uri="{96DAC541-7B7A-43D3-8B79-37D633B846F1}">
-                <asvg:svgBlip xmlns:asvg="http://schemas.microsoft.com/office/drawing/2016/SVG/main" r:embed="rId4"/>
-              </a:ext>
-            </a:extLst>
-          </a:blip>
+          <a:blip r:embed="rId2"/>
           <a:stretch>
             <a:fillRect/>
           </a:stretch>
         </p:blipFill>
         <p:spPr>
           <a:xfrm>
-            <a:off x="10052304" y="4718304"/>
-            <a:ext cx="2057400" cy="2057400"/>
-          </a:xfrm>
-          <a:prstGeom prst="ellipse">
-            <a:avLst/>
-          </a:prstGeom>
-          <a:ln>
-            <a:noFill/>
-          </a:ln>
-        </p:spPr>
-      </p:pic>
-      <p:pic>
-        <p:nvPicPr>
-          <p:cNvPr id="6" name="Camera 5">
-            <a:extLst>
-              <a:ext uri="{FF2B5EF4-FFF2-40B4-BE49-F238E27FC236}">
-                <a16:creationId xmlns:a16="http://schemas.microsoft.com/office/drawing/2014/main" id="{02779029-219B-5029-E80C-345A368C9E3D}"/>
-              </a:ext>
-            </a:extLst>
-          </p:cNvPr>
-          <p:cNvPicPr>
-            <a:picLocks noChangeAspect="1"/>
-            <a:extLst>
-              <a:ext uri="{51228E76-BA90-4043-B771-695A4F85340A}">
-                <alf:liveFeedProps xmlns:alf="http://schemas.microsoft.com/office/drawing/2021/livefeed"/>
-              </a:ext>
-            </a:extLst>
-          </p:cNvPicPr>
-          <p:nvPr/>
-        </p:nvPicPr>
-        <p:blipFill>
-          <a:blip r:embed="rId3">
-            <a:extLst>
-              <a:ext uri="{96DAC541-7B7A-43D3-8B79-37D633B846F1}">
-                <asvg:svgBlip xmlns:asvg="http://schemas.microsoft.com/office/drawing/2016/SVG/main" r:embed="rId4"/>
-              </a:ext>
-            </a:extLst>
-          </a:blip>
-          <a:stretch>
-            <a:fillRect/>
-          </a:stretch>
-        </p:blipFill>
-        <p:spPr>
-          <a:xfrm>
-            <a:off x="10052304" y="4718304"/>
-            <a:ext cx="2057400" cy="2057400"/>
-          </a:xfrm>
-          <a:prstGeom prst="ellipse">
+            <a:off x="514662" y="264898"/>
+            <a:ext cx="7772400" cy="6328203"/>
+          </a:xfrm>
+          <a:prstGeom prst="rect">
             <a:avLst/>
           </a:prstGeom>
         </p:spPr>
@@ -4194,7 +4928,1356 @@
     </p:spTree>
     <p:extLst>
       <p:ext uri="{BB962C8B-B14F-4D97-AF65-F5344CB8AC3E}">
-        <p14:creationId xmlns:p14="http://schemas.microsoft.com/office/powerpoint/2010/main" val="3518051078"/>
+        <p14:creationId xmlns:p14="http://schemas.microsoft.com/office/powerpoint/2010/main" val="191909531"/>
+      </p:ext>
+    </p:extLst>
+  </p:cSld>
+  <p:clrMapOvr>
+    <a:masterClrMapping/>
+  </p:clrMapOvr>
+</p:sld>
+</file>
+
+<file path=ppt/slides/slide11.xml><?xml version="1.0" encoding="utf-8"?>
+<p:sld xmlns:a="http://schemas.openxmlformats.org/drawingml/2006/main" xmlns:r="http://schemas.openxmlformats.org/officeDocument/2006/relationships" xmlns:p="http://schemas.openxmlformats.org/presentationml/2006/main">
+  <p:cSld>
+    <p:spTree>
+      <p:nvGrpSpPr>
+        <p:cNvPr id="1" name=""/>
+        <p:cNvGrpSpPr/>
+        <p:nvPr/>
+      </p:nvGrpSpPr>
+      <p:grpSpPr>
+        <a:xfrm>
+          <a:off x="0" y="0"/>
+          <a:ext cx="0" cy="0"/>
+          <a:chOff x="0" y="0"/>
+          <a:chExt cx="0" cy="0"/>
+        </a:xfrm>
+      </p:grpSpPr>
+      <p:sp>
+        <p:nvSpPr>
+          <p:cNvPr id="2" name="Title 1">
+            <a:extLst>
+              <a:ext uri="{FF2B5EF4-FFF2-40B4-BE49-F238E27FC236}">
+                <a16:creationId xmlns:a16="http://schemas.microsoft.com/office/drawing/2014/main" id="{5E28134D-6B5F-5844-284E-FAD8B9F06950}"/>
+              </a:ext>
+            </a:extLst>
+          </p:cNvPr>
+          <p:cNvSpPr>
+            <a:spLocks noGrp="1"/>
+          </p:cNvSpPr>
+          <p:nvPr>
+            <p:ph type="title"/>
+          </p:nvPr>
+        </p:nvSpPr>
+        <p:spPr>
+          <a:xfrm>
+            <a:off x="8610600" y="1198001"/>
+            <a:ext cx="3420256" cy="3733764"/>
+          </a:xfrm>
+        </p:spPr>
+        <p:txBody>
+          <a:bodyPr>
+            <a:normAutofit fontScale="90000"/>
+          </a:bodyPr>
+          <a:lstStyle/>
+          <a:p>
+            <a:r>
+              <a:rPr lang="en-US" dirty="0"/>
+              <a:t>Based on the available data, applicants defaults the most in 2011 and fell almost by 50%. Though This is an interesting insight, doesn’t help conclude as it is one time spike</a:t>
+            </a:r>
+          </a:p>
+        </p:txBody>
+      </p:sp>
+      <p:sp>
+        <p:nvSpPr>
+          <p:cNvPr id="4" name="Content Placeholder 3">
+            <a:extLst>
+              <a:ext uri="{FF2B5EF4-FFF2-40B4-BE49-F238E27FC236}">
+                <a16:creationId xmlns:a16="http://schemas.microsoft.com/office/drawing/2014/main" id="{0DCB427B-AEC3-94A2-9F4D-3B43C74DA463}"/>
+              </a:ext>
+            </a:extLst>
+          </p:cNvPr>
+          <p:cNvSpPr>
+            <a:spLocks noGrp="1"/>
+          </p:cNvSpPr>
+          <p:nvPr>
+            <p:ph idx="1"/>
+          </p:nvPr>
+        </p:nvSpPr>
+        <p:spPr/>
+        <p:txBody>
+          <a:bodyPr/>
+          <a:lstStyle/>
+          <a:p>
+            <a:endParaRPr lang="en-US"/>
+          </a:p>
+        </p:txBody>
+      </p:sp>
+      <p:sp>
+        <p:nvSpPr>
+          <p:cNvPr id="5" name="TextBox 4">
+            <a:extLst>
+              <a:ext uri="{FF2B5EF4-FFF2-40B4-BE49-F238E27FC236}">
+                <a16:creationId xmlns:a16="http://schemas.microsoft.com/office/drawing/2014/main" id="{F9D8EC37-0652-4CB8-D329-4FAB280EF4D1}"/>
+              </a:ext>
+            </a:extLst>
+          </p:cNvPr>
+          <p:cNvSpPr txBox="1"/>
+          <p:nvPr/>
+        </p:nvSpPr>
+        <p:spPr>
+          <a:xfrm>
+            <a:off x="8610600" y="4931765"/>
+            <a:ext cx="3066738" cy="1754326"/>
+          </a:xfrm>
+          <a:prstGeom prst="rect">
+            <a:avLst/>
+          </a:prstGeom>
+          <a:noFill/>
+        </p:spPr>
+        <p:txBody>
+          <a:bodyPr wrap="square" rtlCol="0">
+            <a:spAutoFit/>
+          </a:bodyPr>
+          <a:lstStyle/>
+          <a:p>
+            <a:r>
+              <a:rPr lang="en-US" dirty="0"/>
+              <a:t>There may have been recession or natural calamity during 2011, because of which people couldn’t pay back and hence defaulted</a:t>
+            </a:r>
+          </a:p>
+        </p:txBody>
+      </p:sp>
+      <p:pic>
+        <p:nvPicPr>
+          <p:cNvPr id="3" name="Picture 2">
+            <a:extLst>
+              <a:ext uri="{FF2B5EF4-FFF2-40B4-BE49-F238E27FC236}">
+                <a16:creationId xmlns:a16="http://schemas.microsoft.com/office/drawing/2014/main" id="{AD9366E4-087B-A0A1-CAE0-8AA37B0157C8}"/>
+              </a:ext>
+            </a:extLst>
+          </p:cNvPr>
+          <p:cNvPicPr>
+            <a:picLocks noChangeAspect="1"/>
+          </p:cNvPicPr>
+          <p:nvPr/>
+        </p:nvPicPr>
+        <p:blipFill>
+          <a:blip r:embed="rId2"/>
+          <a:stretch>
+            <a:fillRect/>
+          </a:stretch>
+        </p:blipFill>
+        <p:spPr>
+          <a:xfrm>
+            <a:off x="318466" y="182710"/>
+            <a:ext cx="7772400" cy="6026236"/>
+          </a:xfrm>
+          <a:prstGeom prst="rect">
+            <a:avLst/>
+          </a:prstGeom>
+        </p:spPr>
+      </p:pic>
+    </p:spTree>
+    <p:extLst>
+      <p:ext uri="{BB962C8B-B14F-4D97-AF65-F5344CB8AC3E}">
+        <p14:creationId xmlns:p14="http://schemas.microsoft.com/office/powerpoint/2010/main" val="2589399364"/>
+      </p:ext>
+    </p:extLst>
+  </p:cSld>
+  <p:clrMapOvr>
+    <a:masterClrMapping/>
+  </p:clrMapOvr>
+</p:sld>
+</file>
+
+<file path=ppt/slides/slide12.xml><?xml version="1.0" encoding="utf-8"?>
+<p:sld xmlns:a="http://schemas.openxmlformats.org/drawingml/2006/main" xmlns:r="http://schemas.openxmlformats.org/officeDocument/2006/relationships" xmlns:p="http://schemas.openxmlformats.org/presentationml/2006/main">
+  <p:cSld>
+    <p:spTree>
+      <p:nvGrpSpPr>
+        <p:cNvPr id="1" name=""/>
+        <p:cNvGrpSpPr/>
+        <p:nvPr/>
+      </p:nvGrpSpPr>
+      <p:grpSpPr>
+        <a:xfrm>
+          <a:off x="0" y="0"/>
+          <a:ext cx="0" cy="0"/>
+          <a:chOff x="0" y="0"/>
+          <a:chExt cx="0" cy="0"/>
+        </a:xfrm>
+      </p:grpSpPr>
+      <p:sp>
+        <p:nvSpPr>
+          <p:cNvPr id="2" name="Title 1">
+            <a:extLst>
+              <a:ext uri="{FF2B5EF4-FFF2-40B4-BE49-F238E27FC236}">
+                <a16:creationId xmlns:a16="http://schemas.microsoft.com/office/drawing/2014/main" id="{5E28134D-6B5F-5844-284E-FAD8B9F06950}"/>
+              </a:ext>
+            </a:extLst>
+          </p:cNvPr>
+          <p:cNvSpPr>
+            <a:spLocks noGrp="1"/>
+          </p:cNvSpPr>
+          <p:nvPr>
+            <p:ph type="title"/>
+          </p:nvPr>
+        </p:nvSpPr>
+        <p:spPr>
+          <a:xfrm>
+            <a:off x="8610600" y="1198001"/>
+            <a:ext cx="3420256" cy="3733764"/>
+          </a:xfrm>
+        </p:spPr>
+        <p:txBody>
+          <a:bodyPr>
+            <a:normAutofit fontScale="90000"/>
+          </a:bodyPr>
+          <a:lstStyle/>
+          <a:p>
+            <a:r>
+              <a:rPr lang="en-US" dirty="0"/>
+              <a:t>Based on the data, if an applicant deliquated for 2 years in category 0 then he/she is likely to default more than anyone else</a:t>
+            </a:r>
+          </a:p>
+        </p:txBody>
+      </p:sp>
+      <p:sp>
+        <p:nvSpPr>
+          <p:cNvPr id="4" name="Content Placeholder 3">
+            <a:extLst>
+              <a:ext uri="{FF2B5EF4-FFF2-40B4-BE49-F238E27FC236}">
+                <a16:creationId xmlns:a16="http://schemas.microsoft.com/office/drawing/2014/main" id="{0DCB427B-AEC3-94A2-9F4D-3B43C74DA463}"/>
+              </a:ext>
+            </a:extLst>
+          </p:cNvPr>
+          <p:cNvSpPr>
+            <a:spLocks noGrp="1"/>
+          </p:cNvSpPr>
+          <p:nvPr>
+            <p:ph idx="1"/>
+          </p:nvPr>
+        </p:nvSpPr>
+        <p:spPr/>
+        <p:txBody>
+          <a:bodyPr/>
+          <a:lstStyle/>
+          <a:p>
+            <a:endParaRPr lang="en-US"/>
+          </a:p>
+        </p:txBody>
+      </p:sp>
+      <p:pic>
+        <p:nvPicPr>
+          <p:cNvPr id="6" name="Picture 5">
+            <a:extLst>
+              <a:ext uri="{FF2B5EF4-FFF2-40B4-BE49-F238E27FC236}">
+                <a16:creationId xmlns:a16="http://schemas.microsoft.com/office/drawing/2014/main" id="{2B18CD93-AF25-D459-A1ED-13AE74343893}"/>
+              </a:ext>
+            </a:extLst>
+          </p:cNvPr>
+          <p:cNvPicPr>
+            <a:picLocks noChangeAspect="1"/>
+          </p:cNvPicPr>
+          <p:nvPr/>
+        </p:nvPicPr>
+        <p:blipFill>
+          <a:blip r:embed="rId2"/>
+          <a:stretch>
+            <a:fillRect/>
+          </a:stretch>
+        </p:blipFill>
+        <p:spPr>
+          <a:xfrm>
+            <a:off x="307848" y="618610"/>
+            <a:ext cx="7772400" cy="5553590"/>
+          </a:xfrm>
+          <a:prstGeom prst="rect">
+            <a:avLst/>
+          </a:prstGeom>
+        </p:spPr>
+      </p:pic>
+    </p:spTree>
+    <p:extLst>
+      <p:ext uri="{BB962C8B-B14F-4D97-AF65-F5344CB8AC3E}">
+        <p14:creationId xmlns:p14="http://schemas.microsoft.com/office/powerpoint/2010/main" val="2937331465"/>
+      </p:ext>
+    </p:extLst>
+  </p:cSld>
+  <p:clrMapOvr>
+    <a:masterClrMapping/>
+  </p:clrMapOvr>
+</p:sld>
+</file>
+
+<file path=ppt/slides/slide2.xml><?xml version="1.0" encoding="utf-8"?>
+<p:sld xmlns:a="http://schemas.openxmlformats.org/drawingml/2006/main" xmlns:r="http://schemas.openxmlformats.org/officeDocument/2006/relationships" xmlns:p="http://schemas.openxmlformats.org/presentationml/2006/main">
+  <p:cSld>
+    <p:spTree>
+      <p:nvGrpSpPr>
+        <p:cNvPr id="1" name=""/>
+        <p:cNvGrpSpPr/>
+        <p:nvPr/>
+      </p:nvGrpSpPr>
+      <p:grpSpPr>
+        <a:xfrm>
+          <a:off x="0" y="0"/>
+          <a:ext cx="0" cy="0"/>
+          <a:chOff x="0" y="0"/>
+          <a:chExt cx="0" cy="0"/>
+        </a:xfrm>
+      </p:grpSpPr>
+      <p:sp>
+        <p:nvSpPr>
+          <p:cNvPr id="2" name="Title 1">
+            <a:extLst>
+              <a:ext uri="{FF2B5EF4-FFF2-40B4-BE49-F238E27FC236}">
+                <a16:creationId xmlns:a16="http://schemas.microsoft.com/office/drawing/2014/main" id="{9587873E-309C-EFBA-5A6B-336CECAC87F1}"/>
+              </a:ext>
+            </a:extLst>
+          </p:cNvPr>
+          <p:cNvSpPr>
+            <a:spLocks noGrp="1"/>
+          </p:cNvSpPr>
+          <p:nvPr>
+            <p:ph type="title"/>
+          </p:nvPr>
+        </p:nvSpPr>
+        <p:spPr/>
+        <p:txBody>
+          <a:bodyPr/>
+          <a:lstStyle/>
+          <a:p>
+            <a:r>
+              <a:rPr lang="en-US" dirty="0"/>
+              <a:t>Let us understand the factors which Influence Charged Off</a:t>
+            </a:r>
+          </a:p>
+        </p:txBody>
+      </p:sp>
+      <p:sp>
+        <p:nvSpPr>
+          <p:cNvPr id="3" name="Text Placeholder 2">
+            <a:extLst>
+              <a:ext uri="{FF2B5EF4-FFF2-40B4-BE49-F238E27FC236}">
+                <a16:creationId xmlns:a16="http://schemas.microsoft.com/office/drawing/2014/main" id="{E7ABF87F-D147-993C-4CC7-1FABDBAEC819}"/>
+              </a:ext>
+            </a:extLst>
+          </p:cNvPr>
+          <p:cNvSpPr>
+            <a:spLocks noGrp="1"/>
+          </p:cNvSpPr>
+          <p:nvPr>
+            <p:ph type="body" idx="1"/>
+          </p:nvPr>
+        </p:nvSpPr>
+        <p:spPr/>
+        <p:txBody>
+          <a:bodyPr/>
+          <a:lstStyle/>
+          <a:p>
+            <a:endParaRPr lang="en-US"/>
+          </a:p>
+        </p:txBody>
+      </p:sp>
+    </p:spTree>
+    <p:extLst>
+      <p:ext uri="{BB962C8B-B14F-4D97-AF65-F5344CB8AC3E}">
+        <p14:creationId xmlns:p14="http://schemas.microsoft.com/office/powerpoint/2010/main" val="2713953449"/>
+      </p:ext>
+    </p:extLst>
+  </p:cSld>
+  <p:clrMapOvr>
+    <a:masterClrMapping/>
+  </p:clrMapOvr>
+</p:sld>
+</file>
+
+<file path=ppt/slides/slide3.xml><?xml version="1.0" encoding="utf-8"?>
+<p:sld xmlns:a="http://schemas.openxmlformats.org/drawingml/2006/main" xmlns:r="http://schemas.openxmlformats.org/officeDocument/2006/relationships" xmlns:p="http://schemas.openxmlformats.org/presentationml/2006/main">
+  <p:cSld>
+    <p:spTree>
+      <p:nvGrpSpPr>
+        <p:cNvPr id="1" name=""/>
+        <p:cNvGrpSpPr/>
+        <p:nvPr/>
+      </p:nvGrpSpPr>
+      <p:grpSpPr>
+        <a:xfrm>
+          <a:off x="0" y="0"/>
+          <a:ext cx="0" cy="0"/>
+          <a:chOff x="0" y="0"/>
+          <a:chExt cx="0" cy="0"/>
+        </a:xfrm>
+      </p:grpSpPr>
+      <p:sp>
+        <p:nvSpPr>
+          <p:cNvPr id="2" name="Title 1">
+            <a:extLst>
+              <a:ext uri="{FF2B5EF4-FFF2-40B4-BE49-F238E27FC236}">
+                <a16:creationId xmlns:a16="http://schemas.microsoft.com/office/drawing/2014/main" id="{5E28134D-6B5F-5844-284E-FAD8B9F06950}"/>
+              </a:ext>
+            </a:extLst>
+          </p:cNvPr>
+          <p:cNvSpPr>
+            <a:spLocks noGrp="1"/>
+          </p:cNvSpPr>
+          <p:nvPr>
+            <p:ph type="title"/>
+          </p:nvPr>
+        </p:nvSpPr>
+        <p:spPr>
+          <a:xfrm>
+            <a:off x="8631836" y="918652"/>
+            <a:ext cx="3420256" cy="3733764"/>
+          </a:xfrm>
+        </p:spPr>
+        <p:txBody>
+          <a:bodyPr>
+            <a:normAutofit/>
+          </a:bodyPr>
+          <a:lstStyle/>
+          <a:p>
+            <a:r>
+              <a:rPr lang="en-US" dirty="0"/>
+              <a:t>Members in grade B are the ones who charged off the most, followed by Grade c and D</a:t>
+            </a:r>
+          </a:p>
+        </p:txBody>
+      </p:sp>
+      <p:pic>
+        <p:nvPicPr>
+          <p:cNvPr id="5" name="Content Placeholder 4">
+            <a:extLst>
+              <a:ext uri="{FF2B5EF4-FFF2-40B4-BE49-F238E27FC236}">
+                <a16:creationId xmlns:a16="http://schemas.microsoft.com/office/drawing/2014/main" id="{C9810604-1F47-BCA3-A2C3-F5FA21DB33EB}"/>
+              </a:ext>
+            </a:extLst>
+          </p:cNvPr>
+          <p:cNvPicPr>
+            <a:picLocks noGrp="1" noChangeAspect="1"/>
+          </p:cNvPicPr>
+          <p:nvPr>
+            <p:ph idx="1"/>
+          </p:nvPr>
+        </p:nvPicPr>
+        <p:blipFill>
+          <a:blip r:embed="rId2"/>
+          <a:stretch>
+            <a:fillRect/>
+          </a:stretch>
+        </p:blipFill>
+        <p:spPr>
+          <a:xfrm>
+            <a:off x="838200" y="768750"/>
+            <a:ext cx="6711950" cy="4853775"/>
+          </a:xfrm>
+          <a:prstGeom prst="rect">
+            <a:avLst/>
+          </a:prstGeom>
+        </p:spPr>
+      </p:pic>
+    </p:spTree>
+    <p:extLst>
+      <p:ext uri="{BB962C8B-B14F-4D97-AF65-F5344CB8AC3E}">
+        <p14:creationId xmlns:p14="http://schemas.microsoft.com/office/powerpoint/2010/main" val="3469900960"/>
+      </p:ext>
+    </p:extLst>
+  </p:cSld>
+  <p:clrMapOvr>
+    <a:masterClrMapping/>
+  </p:clrMapOvr>
+</p:sld>
+</file>
+
+<file path=ppt/slides/slide4.xml><?xml version="1.0" encoding="utf-8"?>
+<p:sld xmlns:a="http://schemas.openxmlformats.org/drawingml/2006/main" xmlns:r="http://schemas.openxmlformats.org/officeDocument/2006/relationships" xmlns:p="http://schemas.openxmlformats.org/presentationml/2006/main">
+  <p:cSld>
+    <p:spTree>
+      <p:nvGrpSpPr>
+        <p:cNvPr id="1" name=""/>
+        <p:cNvGrpSpPr/>
+        <p:nvPr/>
+      </p:nvGrpSpPr>
+      <p:grpSpPr>
+        <a:xfrm>
+          <a:off x="0" y="0"/>
+          <a:ext cx="0" cy="0"/>
+          <a:chOff x="0" y="0"/>
+          <a:chExt cx="0" cy="0"/>
+        </a:xfrm>
+      </p:grpSpPr>
+      <p:sp>
+        <p:nvSpPr>
+          <p:cNvPr id="2" name="Title 1">
+            <a:extLst>
+              <a:ext uri="{FF2B5EF4-FFF2-40B4-BE49-F238E27FC236}">
+                <a16:creationId xmlns:a16="http://schemas.microsoft.com/office/drawing/2014/main" id="{5E28134D-6B5F-5844-284E-FAD8B9F06950}"/>
+              </a:ext>
+            </a:extLst>
+          </p:cNvPr>
+          <p:cNvSpPr>
+            <a:spLocks noGrp="1"/>
+          </p:cNvSpPr>
+          <p:nvPr>
+            <p:ph type="title"/>
+          </p:nvPr>
+        </p:nvSpPr>
+        <p:spPr>
+          <a:xfrm>
+            <a:off x="8631836" y="918652"/>
+            <a:ext cx="3420256" cy="3733764"/>
+          </a:xfrm>
+        </p:spPr>
+        <p:txBody>
+          <a:bodyPr>
+            <a:normAutofit/>
+          </a:bodyPr>
+          <a:lstStyle/>
+          <a:p>
+            <a:r>
+              <a:rPr lang="en-US" dirty="0"/>
+              <a:t>Members with Sub-grade B5 are the ones who charged off the most, followed by sub-Grade b3, c1,b4, c2</a:t>
+            </a:r>
+          </a:p>
+        </p:txBody>
+      </p:sp>
+      <p:sp>
+        <p:nvSpPr>
+          <p:cNvPr id="4" name="Content Placeholder 3">
+            <a:extLst>
+              <a:ext uri="{FF2B5EF4-FFF2-40B4-BE49-F238E27FC236}">
+                <a16:creationId xmlns:a16="http://schemas.microsoft.com/office/drawing/2014/main" id="{0DCB427B-AEC3-94A2-9F4D-3B43C74DA463}"/>
+              </a:ext>
+            </a:extLst>
+          </p:cNvPr>
+          <p:cNvSpPr>
+            <a:spLocks noGrp="1"/>
+          </p:cNvSpPr>
+          <p:nvPr>
+            <p:ph idx="1"/>
+          </p:nvPr>
+        </p:nvSpPr>
+        <p:spPr/>
+        <p:txBody>
+          <a:bodyPr/>
+          <a:lstStyle/>
+          <a:p>
+            <a:endParaRPr lang="en-US"/>
+          </a:p>
+        </p:txBody>
+      </p:sp>
+      <p:pic>
+        <p:nvPicPr>
+          <p:cNvPr id="6" name="Picture 5">
+            <a:extLst>
+              <a:ext uri="{FF2B5EF4-FFF2-40B4-BE49-F238E27FC236}">
+                <a16:creationId xmlns:a16="http://schemas.microsoft.com/office/drawing/2014/main" id="{35F0D728-65DE-9985-6FD2-2A486CF53E1B}"/>
+              </a:ext>
+            </a:extLst>
+          </p:cNvPr>
+          <p:cNvPicPr>
+            <a:picLocks noChangeAspect="1"/>
+          </p:cNvPicPr>
+          <p:nvPr/>
+        </p:nvPicPr>
+        <p:blipFill>
+          <a:blip r:embed="rId2"/>
+          <a:stretch>
+            <a:fillRect/>
+          </a:stretch>
+        </p:blipFill>
+        <p:spPr>
+          <a:xfrm>
+            <a:off x="500921" y="427146"/>
+            <a:ext cx="7772400" cy="5537363"/>
+          </a:xfrm>
+          <a:prstGeom prst="rect">
+            <a:avLst/>
+          </a:prstGeom>
+        </p:spPr>
+      </p:pic>
+    </p:spTree>
+    <p:extLst>
+      <p:ext uri="{BB962C8B-B14F-4D97-AF65-F5344CB8AC3E}">
+        <p14:creationId xmlns:p14="http://schemas.microsoft.com/office/powerpoint/2010/main" val="4210236909"/>
+      </p:ext>
+    </p:extLst>
+  </p:cSld>
+  <p:clrMapOvr>
+    <a:masterClrMapping/>
+  </p:clrMapOvr>
+</p:sld>
+</file>
+
+<file path=ppt/slides/slide5.xml><?xml version="1.0" encoding="utf-8"?>
+<p:sld xmlns:a="http://schemas.openxmlformats.org/drawingml/2006/main" xmlns:r="http://schemas.openxmlformats.org/officeDocument/2006/relationships" xmlns:p="http://schemas.openxmlformats.org/presentationml/2006/main">
+  <p:cSld>
+    <p:spTree>
+      <p:nvGrpSpPr>
+        <p:cNvPr id="1" name=""/>
+        <p:cNvGrpSpPr/>
+        <p:nvPr/>
+      </p:nvGrpSpPr>
+      <p:grpSpPr>
+        <a:xfrm>
+          <a:off x="0" y="0"/>
+          <a:ext cx="0" cy="0"/>
+          <a:chOff x="0" y="0"/>
+          <a:chExt cx="0" cy="0"/>
+        </a:xfrm>
+      </p:grpSpPr>
+      <p:sp>
+        <p:nvSpPr>
+          <p:cNvPr id="2" name="Title 1">
+            <a:extLst>
+              <a:ext uri="{FF2B5EF4-FFF2-40B4-BE49-F238E27FC236}">
+                <a16:creationId xmlns:a16="http://schemas.microsoft.com/office/drawing/2014/main" id="{5E28134D-6B5F-5844-284E-FAD8B9F06950}"/>
+              </a:ext>
+            </a:extLst>
+          </p:cNvPr>
+          <p:cNvSpPr>
+            <a:spLocks noGrp="1"/>
+          </p:cNvSpPr>
+          <p:nvPr>
+            <p:ph type="title"/>
+          </p:nvPr>
+        </p:nvSpPr>
+        <p:spPr>
+          <a:xfrm>
+            <a:off x="8631836" y="918652"/>
+            <a:ext cx="3420256" cy="3733764"/>
+          </a:xfrm>
+        </p:spPr>
+        <p:txBody>
+          <a:bodyPr>
+            <a:normAutofit/>
+          </a:bodyPr>
+          <a:lstStyle/>
+          <a:p>
+            <a:r>
+              <a:rPr lang="en-US" dirty="0"/>
+              <a:t>People who thought to repay loan by 36 months defaulted more than the ones who took it for 60 months. </a:t>
+            </a:r>
+          </a:p>
+        </p:txBody>
+      </p:sp>
+      <p:sp>
+        <p:nvSpPr>
+          <p:cNvPr id="4" name="Content Placeholder 3">
+            <a:extLst>
+              <a:ext uri="{FF2B5EF4-FFF2-40B4-BE49-F238E27FC236}">
+                <a16:creationId xmlns:a16="http://schemas.microsoft.com/office/drawing/2014/main" id="{0DCB427B-AEC3-94A2-9F4D-3B43C74DA463}"/>
+              </a:ext>
+            </a:extLst>
+          </p:cNvPr>
+          <p:cNvSpPr>
+            <a:spLocks noGrp="1"/>
+          </p:cNvSpPr>
+          <p:nvPr>
+            <p:ph idx="1"/>
+          </p:nvPr>
+        </p:nvSpPr>
+        <p:spPr/>
+        <p:txBody>
+          <a:bodyPr/>
+          <a:lstStyle/>
+          <a:p>
+            <a:endParaRPr lang="en-US"/>
+          </a:p>
+        </p:txBody>
+      </p:sp>
+      <p:pic>
+        <p:nvPicPr>
+          <p:cNvPr id="3" name="Picture 2">
+            <a:extLst>
+              <a:ext uri="{FF2B5EF4-FFF2-40B4-BE49-F238E27FC236}">
+                <a16:creationId xmlns:a16="http://schemas.microsoft.com/office/drawing/2014/main" id="{3DBE07EF-6ACB-9A9B-5926-613B01785C1F}"/>
+              </a:ext>
+            </a:extLst>
+          </p:cNvPr>
+          <p:cNvPicPr>
+            <a:picLocks noChangeAspect="1"/>
+          </p:cNvPicPr>
+          <p:nvPr/>
+        </p:nvPicPr>
+        <p:blipFill>
+          <a:blip r:embed="rId2"/>
+          <a:stretch>
+            <a:fillRect/>
+          </a:stretch>
+        </p:blipFill>
+        <p:spPr>
+          <a:xfrm>
+            <a:off x="485931" y="496716"/>
+            <a:ext cx="7772400" cy="5675484"/>
+          </a:xfrm>
+          <a:prstGeom prst="rect">
+            <a:avLst/>
+          </a:prstGeom>
+        </p:spPr>
+      </p:pic>
+      <p:sp>
+        <p:nvSpPr>
+          <p:cNvPr id="5" name="TextBox 4">
+            <a:extLst>
+              <a:ext uri="{FF2B5EF4-FFF2-40B4-BE49-F238E27FC236}">
+                <a16:creationId xmlns:a16="http://schemas.microsoft.com/office/drawing/2014/main" id="{F9D8EC37-0652-4CB8-D329-4FAB280EF4D1}"/>
+              </a:ext>
+            </a:extLst>
+          </p:cNvPr>
+          <p:cNvSpPr txBox="1"/>
+          <p:nvPr/>
+        </p:nvSpPr>
+        <p:spPr>
+          <a:xfrm>
+            <a:off x="8610600" y="4931765"/>
+            <a:ext cx="3066738" cy="923330"/>
+          </a:xfrm>
+          <a:prstGeom prst="rect">
+            <a:avLst/>
+          </a:prstGeom>
+          <a:noFill/>
+        </p:spPr>
+        <p:txBody>
+          <a:bodyPr wrap="square" rtlCol="0">
+            <a:spAutoFit/>
+          </a:bodyPr>
+          <a:lstStyle/>
+          <a:p>
+            <a:r>
+              <a:rPr lang="en-US" dirty="0"/>
+              <a:t>A bank may consider to increase tenure to reduce the defaults</a:t>
+            </a:r>
+          </a:p>
+        </p:txBody>
+      </p:sp>
+    </p:spTree>
+    <p:extLst>
+      <p:ext uri="{BB962C8B-B14F-4D97-AF65-F5344CB8AC3E}">
+        <p14:creationId xmlns:p14="http://schemas.microsoft.com/office/powerpoint/2010/main" val="940246131"/>
+      </p:ext>
+    </p:extLst>
+  </p:cSld>
+  <p:clrMapOvr>
+    <a:masterClrMapping/>
+  </p:clrMapOvr>
+</p:sld>
+</file>
+
+<file path=ppt/slides/slide6.xml><?xml version="1.0" encoding="utf-8"?>
+<p:sld xmlns:a="http://schemas.openxmlformats.org/drawingml/2006/main" xmlns:r="http://schemas.openxmlformats.org/officeDocument/2006/relationships" xmlns:p="http://schemas.openxmlformats.org/presentationml/2006/main">
+  <p:cSld>
+    <p:spTree>
+      <p:nvGrpSpPr>
+        <p:cNvPr id="1" name=""/>
+        <p:cNvGrpSpPr/>
+        <p:nvPr/>
+      </p:nvGrpSpPr>
+      <p:grpSpPr>
+        <a:xfrm>
+          <a:off x="0" y="0"/>
+          <a:ext cx="0" cy="0"/>
+          <a:chOff x="0" y="0"/>
+          <a:chExt cx="0" cy="0"/>
+        </a:xfrm>
+      </p:grpSpPr>
+      <p:sp>
+        <p:nvSpPr>
+          <p:cNvPr id="2" name="Title 1">
+            <a:extLst>
+              <a:ext uri="{FF2B5EF4-FFF2-40B4-BE49-F238E27FC236}">
+                <a16:creationId xmlns:a16="http://schemas.microsoft.com/office/drawing/2014/main" id="{5E28134D-6B5F-5844-284E-FAD8B9F06950}"/>
+              </a:ext>
+            </a:extLst>
+          </p:cNvPr>
+          <p:cNvSpPr>
+            <a:spLocks noGrp="1"/>
+          </p:cNvSpPr>
+          <p:nvPr>
+            <p:ph type="title"/>
+          </p:nvPr>
+        </p:nvSpPr>
+        <p:spPr>
+          <a:xfrm>
+            <a:off x="8631836" y="918652"/>
+            <a:ext cx="3420256" cy="3733764"/>
+          </a:xfrm>
+        </p:spPr>
+        <p:txBody>
+          <a:bodyPr>
+            <a:normAutofit fontScale="90000"/>
+          </a:bodyPr>
+          <a:lstStyle/>
+          <a:p>
+            <a:r>
+              <a:rPr lang="en-US" dirty="0"/>
+              <a:t>People who were on rent seems to have defaulted the most while those who owned home were comparatively less in %</a:t>
+            </a:r>
+          </a:p>
+        </p:txBody>
+      </p:sp>
+      <p:sp>
+        <p:nvSpPr>
+          <p:cNvPr id="4" name="Content Placeholder 3">
+            <a:extLst>
+              <a:ext uri="{FF2B5EF4-FFF2-40B4-BE49-F238E27FC236}">
+                <a16:creationId xmlns:a16="http://schemas.microsoft.com/office/drawing/2014/main" id="{0DCB427B-AEC3-94A2-9F4D-3B43C74DA463}"/>
+              </a:ext>
+            </a:extLst>
+          </p:cNvPr>
+          <p:cNvSpPr>
+            <a:spLocks noGrp="1"/>
+          </p:cNvSpPr>
+          <p:nvPr>
+            <p:ph idx="1"/>
+          </p:nvPr>
+        </p:nvSpPr>
+        <p:spPr/>
+        <p:txBody>
+          <a:bodyPr/>
+          <a:lstStyle/>
+          <a:p>
+            <a:endParaRPr lang="en-US"/>
+          </a:p>
+        </p:txBody>
+      </p:sp>
+      <p:sp>
+        <p:nvSpPr>
+          <p:cNvPr id="5" name="TextBox 4">
+            <a:extLst>
+              <a:ext uri="{FF2B5EF4-FFF2-40B4-BE49-F238E27FC236}">
+                <a16:creationId xmlns:a16="http://schemas.microsoft.com/office/drawing/2014/main" id="{F9D8EC37-0652-4CB8-D329-4FAB280EF4D1}"/>
+              </a:ext>
+            </a:extLst>
+          </p:cNvPr>
+          <p:cNvSpPr txBox="1"/>
+          <p:nvPr/>
+        </p:nvSpPr>
+        <p:spPr>
+          <a:xfrm>
+            <a:off x="8610600" y="4931765"/>
+            <a:ext cx="3066738" cy="923330"/>
+          </a:xfrm>
+          <a:prstGeom prst="rect">
+            <a:avLst/>
+          </a:prstGeom>
+          <a:noFill/>
+        </p:spPr>
+        <p:txBody>
+          <a:bodyPr wrap="square" rtlCol="0">
+            <a:spAutoFit/>
+          </a:bodyPr>
+          <a:lstStyle/>
+          <a:p>
+            <a:r>
+              <a:rPr lang="en-US" dirty="0"/>
+              <a:t>A bank may consider home owning candidates over the ones living on rent </a:t>
+            </a:r>
+          </a:p>
+        </p:txBody>
+      </p:sp>
+      <p:pic>
+        <p:nvPicPr>
+          <p:cNvPr id="6" name="Picture 5">
+            <a:extLst>
+              <a:ext uri="{FF2B5EF4-FFF2-40B4-BE49-F238E27FC236}">
+                <a16:creationId xmlns:a16="http://schemas.microsoft.com/office/drawing/2014/main" id="{99339BBE-ABEA-838E-FB49-866811B6AB11}"/>
+              </a:ext>
+            </a:extLst>
+          </p:cNvPr>
+          <p:cNvPicPr>
+            <a:picLocks noChangeAspect="1"/>
+          </p:cNvPicPr>
+          <p:nvPr/>
+        </p:nvPicPr>
+        <p:blipFill>
+          <a:blip r:embed="rId2"/>
+          <a:stretch>
+            <a:fillRect/>
+          </a:stretch>
+        </p:blipFill>
+        <p:spPr>
+          <a:xfrm>
+            <a:off x="318466" y="378436"/>
+            <a:ext cx="7772400" cy="6340972"/>
+          </a:xfrm>
+          <a:prstGeom prst="rect">
+            <a:avLst/>
+          </a:prstGeom>
+        </p:spPr>
+      </p:pic>
+    </p:spTree>
+    <p:extLst>
+      <p:ext uri="{BB962C8B-B14F-4D97-AF65-F5344CB8AC3E}">
+        <p14:creationId xmlns:p14="http://schemas.microsoft.com/office/powerpoint/2010/main" val="40480305"/>
+      </p:ext>
+    </p:extLst>
+  </p:cSld>
+  <p:clrMapOvr>
+    <a:masterClrMapping/>
+  </p:clrMapOvr>
+</p:sld>
+</file>
+
+<file path=ppt/slides/slide7.xml><?xml version="1.0" encoding="utf-8"?>
+<p:sld xmlns:a="http://schemas.openxmlformats.org/drawingml/2006/main" xmlns:r="http://schemas.openxmlformats.org/officeDocument/2006/relationships" xmlns:p="http://schemas.openxmlformats.org/presentationml/2006/main">
+  <p:cSld>
+    <p:spTree>
+      <p:nvGrpSpPr>
+        <p:cNvPr id="1" name=""/>
+        <p:cNvGrpSpPr/>
+        <p:nvPr/>
+      </p:nvGrpSpPr>
+      <p:grpSpPr>
+        <a:xfrm>
+          <a:off x="0" y="0"/>
+          <a:ext cx="0" cy="0"/>
+          <a:chOff x="0" y="0"/>
+          <a:chExt cx="0" cy="0"/>
+        </a:xfrm>
+      </p:grpSpPr>
+      <p:sp>
+        <p:nvSpPr>
+          <p:cNvPr id="2" name="Title 1">
+            <a:extLst>
+              <a:ext uri="{FF2B5EF4-FFF2-40B4-BE49-F238E27FC236}">
+                <a16:creationId xmlns:a16="http://schemas.microsoft.com/office/drawing/2014/main" id="{5E28134D-6B5F-5844-284E-FAD8B9F06950}"/>
+              </a:ext>
+            </a:extLst>
+          </p:cNvPr>
+          <p:cNvSpPr>
+            <a:spLocks noGrp="1"/>
+          </p:cNvSpPr>
+          <p:nvPr>
+            <p:ph type="title"/>
+          </p:nvPr>
+        </p:nvSpPr>
+        <p:spPr>
+          <a:xfrm>
+            <a:off x="8631836" y="918652"/>
+            <a:ext cx="3420256" cy="3733764"/>
+          </a:xfrm>
+        </p:spPr>
+        <p:txBody>
+          <a:bodyPr>
+            <a:normAutofit/>
+          </a:bodyPr>
+          <a:lstStyle/>
+          <a:p>
+            <a:r>
+              <a:rPr lang="en-US" dirty="0"/>
+              <a:t>Loan seekers, whose purpose was det consolidation defaulted to the max</a:t>
+            </a:r>
+          </a:p>
+        </p:txBody>
+      </p:sp>
+      <p:sp>
+        <p:nvSpPr>
+          <p:cNvPr id="4" name="Content Placeholder 3">
+            <a:extLst>
+              <a:ext uri="{FF2B5EF4-FFF2-40B4-BE49-F238E27FC236}">
+                <a16:creationId xmlns:a16="http://schemas.microsoft.com/office/drawing/2014/main" id="{0DCB427B-AEC3-94A2-9F4D-3B43C74DA463}"/>
+              </a:ext>
+            </a:extLst>
+          </p:cNvPr>
+          <p:cNvSpPr>
+            <a:spLocks noGrp="1"/>
+          </p:cNvSpPr>
+          <p:nvPr>
+            <p:ph idx="1"/>
+          </p:nvPr>
+        </p:nvSpPr>
+        <p:spPr/>
+        <p:txBody>
+          <a:bodyPr/>
+          <a:lstStyle/>
+          <a:p>
+            <a:endParaRPr lang="en-US"/>
+          </a:p>
+        </p:txBody>
+      </p:sp>
+      <p:sp>
+        <p:nvSpPr>
+          <p:cNvPr id="5" name="TextBox 4">
+            <a:extLst>
+              <a:ext uri="{FF2B5EF4-FFF2-40B4-BE49-F238E27FC236}">
+                <a16:creationId xmlns:a16="http://schemas.microsoft.com/office/drawing/2014/main" id="{F9D8EC37-0652-4CB8-D329-4FAB280EF4D1}"/>
+              </a:ext>
+            </a:extLst>
+          </p:cNvPr>
+          <p:cNvSpPr txBox="1"/>
+          <p:nvPr/>
+        </p:nvSpPr>
+        <p:spPr>
+          <a:xfrm>
+            <a:off x="8610600" y="4931765"/>
+            <a:ext cx="3066738" cy="1477328"/>
+          </a:xfrm>
+          <a:prstGeom prst="rect">
+            <a:avLst/>
+          </a:prstGeom>
+          <a:noFill/>
+        </p:spPr>
+        <p:txBody>
+          <a:bodyPr wrap="square" rtlCol="0">
+            <a:spAutoFit/>
+          </a:bodyPr>
+          <a:lstStyle/>
+          <a:p>
+            <a:r>
+              <a:rPr lang="en-US" dirty="0"/>
+              <a:t>A bank should be very cautious while considering the  applicants who intend to take loan for debt consolidation</a:t>
+            </a:r>
+          </a:p>
+        </p:txBody>
+      </p:sp>
+      <p:pic>
+        <p:nvPicPr>
+          <p:cNvPr id="3" name="Picture 2">
+            <a:extLst>
+              <a:ext uri="{FF2B5EF4-FFF2-40B4-BE49-F238E27FC236}">
+                <a16:creationId xmlns:a16="http://schemas.microsoft.com/office/drawing/2014/main" id="{0F23F7B5-7A52-9740-E7AB-F84692877D86}"/>
+              </a:ext>
+            </a:extLst>
+          </p:cNvPr>
+          <p:cNvPicPr>
+            <a:picLocks noChangeAspect="1"/>
+          </p:cNvPicPr>
+          <p:nvPr/>
+        </p:nvPicPr>
+        <p:blipFill>
+          <a:blip r:embed="rId2"/>
+          <a:stretch>
+            <a:fillRect/>
+          </a:stretch>
+        </p:blipFill>
+        <p:spPr>
+          <a:xfrm>
+            <a:off x="389515" y="0"/>
+            <a:ext cx="7160381" cy="6858000"/>
+          </a:xfrm>
+          <a:prstGeom prst="rect">
+            <a:avLst/>
+          </a:prstGeom>
+        </p:spPr>
+      </p:pic>
+    </p:spTree>
+    <p:extLst>
+      <p:ext uri="{BB962C8B-B14F-4D97-AF65-F5344CB8AC3E}">
+        <p14:creationId xmlns:p14="http://schemas.microsoft.com/office/powerpoint/2010/main" val="1686610633"/>
+      </p:ext>
+    </p:extLst>
+  </p:cSld>
+  <p:clrMapOvr>
+    <a:masterClrMapping/>
+  </p:clrMapOvr>
+</p:sld>
+</file>
+
+<file path=ppt/slides/slide8.xml><?xml version="1.0" encoding="utf-8"?>
+<p:sld xmlns:a="http://schemas.openxmlformats.org/drawingml/2006/main" xmlns:r="http://schemas.openxmlformats.org/officeDocument/2006/relationships" xmlns:p="http://schemas.openxmlformats.org/presentationml/2006/main">
+  <p:cSld>
+    <p:spTree>
+      <p:nvGrpSpPr>
+        <p:cNvPr id="1" name=""/>
+        <p:cNvGrpSpPr/>
+        <p:nvPr/>
+      </p:nvGrpSpPr>
+      <p:grpSpPr>
+        <a:xfrm>
+          <a:off x="0" y="0"/>
+          <a:ext cx="0" cy="0"/>
+          <a:chOff x="0" y="0"/>
+          <a:chExt cx="0" cy="0"/>
+        </a:xfrm>
+      </p:grpSpPr>
+      <p:sp>
+        <p:nvSpPr>
+          <p:cNvPr id="2" name="Title 1">
+            <a:extLst>
+              <a:ext uri="{FF2B5EF4-FFF2-40B4-BE49-F238E27FC236}">
+                <a16:creationId xmlns:a16="http://schemas.microsoft.com/office/drawing/2014/main" id="{5E28134D-6B5F-5844-284E-FAD8B9F06950}"/>
+              </a:ext>
+            </a:extLst>
+          </p:cNvPr>
+          <p:cNvSpPr>
+            <a:spLocks noGrp="1"/>
+          </p:cNvSpPr>
+          <p:nvPr>
+            <p:ph type="title"/>
+          </p:nvPr>
+        </p:nvSpPr>
+        <p:spPr>
+          <a:xfrm>
+            <a:off x="8631836" y="918652"/>
+            <a:ext cx="3420256" cy="3733764"/>
+          </a:xfrm>
+        </p:spPr>
+        <p:txBody>
+          <a:bodyPr>
+            <a:normAutofit/>
+          </a:bodyPr>
+          <a:lstStyle/>
+          <a:p>
+            <a:r>
+              <a:rPr lang="en-US" dirty="0"/>
+              <a:t>Applicant’s verification status if Not verified, then most changes for defaulting</a:t>
+            </a:r>
+          </a:p>
+        </p:txBody>
+      </p:sp>
+      <p:sp>
+        <p:nvSpPr>
+          <p:cNvPr id="4" name="Content Placeholder 3">
+            <a:extLst>
+              <a:ext uri="{FF2B5EF4-FFF2-40B4-BE49-F238E27FC236}">
+                <a16:creationId xmlns:a16="http://schemas.microsoft.com/office/drawing/2014/main" id="{0DCB427B-AEC3-94A2-9F4D-3B43C74DA463}"/>
+              </a:ext>
+            </a:extLst>
+          </p:cNvPr>
+          <p:cNvSpPr>
+            <a:spLocks noGrp="1"/>
+          </p:cNvSpPr>
+          <p:nvPr>
+            <p:ph idx="1"/>
+          </p:nvPr>
+        </p:nvSpPr>
+        <p:spPr/>
+        <p:txBody>
+          <a:bodyPr/>
+          <a:lstStyle/>
+          <a:p>
+            <a:endParaRPr lang="en-US"/>
+          </a:p>
+        </p:txBody>
+      </p:sp>
+      <p:sp>
+        <p:nvSpPr>
+          <p:cNvPr id="5" name="TextBox 4">
+            <a:extLst>
+              <a:ext uri="{FF2B5EF4-FFF2-40B4-BE49-F238E27FC236}">
+                <a16:creationId xmlns:a16="http://schemas.microsoft.com/office/drawing/2014/main" id="{F9D8EC37-0652-4CB8-D329-4FAB280EF4D1}"/>
+              </a:ext>
+            </a:extLst>
+          </p:cNvPr>
+          <p:cNvSpPr txBox="1"/>
+          <p:nvPr/>
+        </p:nvSpPr>
+        <p:spPr>
+          <a:xfrm>
+            <a:off x="8610600" y="4931765"/>
+            <a:ext cx="3066738" cy="923330"/>
+          </a:xfrm>
+          <a:prstGeom prst="rect">
+            <a:avLst/>
+          </a:prstGeom>
+          <a:noFill/>
+        </p:spPr>
+        <p:txBody>
+          <a:bodyPr wrap="square" rtlCol="0">
+            <a:spAutoFit/>
+          </a:bodyPr>
+          <a:lstStyle/>
+          <a:p>
+            <a:r>
+              <a:rPr lang="en-US" dirty="0"/>
+              <a:t>A bank may consider Source Verified over Verified/Not Verified</a:t>
+            </a:r>
+          </a:p>
+        </p:txBody>
+      </p:sp>
+      <p:pic>
+        <p:nvPicPr>
+          <p:cNvPr id="6" name="Picture 5">
+            <a:extLst>
+              <a:ext uri="{FF2B5EF4-FFF2-40B4-BE49-F238E27FC236}">
+                <a16:creationId xmlns:a16="http://schemas.microsoft.com/office/drawing/2014/main" id="{555044DB-4823-BF43-FC73-3982E70D89F9}"/>
+              </a:ext>
+            </a:extLst>
+          </p:cNvPr>
+          <p:cNvPicPr>
+            <a:picLocks noChangeAspect="1"/>
+          </p:cNvPicPr>
+          <p:nvPr/>
+        </p:nvPicPr>
+        <p:blipFill>
+          <a:blip r:embed="rId2"/>
+          <a:stretch>
+            <a:fillRect/>
+          </a:stretch>
+        </p:blipFill>
+        <p:spPr>
+          <a:xfrm>
+            <a:off x="382927" y="172387"/>
+            <a:ext cx="7166969" cy="6513226"/>
+          </a:xfrm>
+          <a:prstGeom prst="rect">
+            <a:avLst/>
+          </a:prstGeom>
+        </p:spPr>
+      </p:pic>
+    </p:spTree>
+    <p:extLst>
+      <p:ext uri="{BB962C8B-B14F-4D97-AF65-F5344CB8AC3E}">
+        <p14:creationId xmlns:p14="http://schemas.microsoft.com/office/powerpoint/2010/main" val="3061500286"/>
+      </p:ext>
+    </p:extLst>
+  </p:cSld>
+  <p:clrMapOvr>
+    <a:masterClrMapping/>
+  </p:clrMapOvr>
+</p:sld>
+</file>
+
+<file path=ppt/slides/slide9.xml><?xml version="1.0" encoding="utf-8"?>
+<p:sld xmlns:a="http://schemas.openxmlformats.org/drawingml/2006/main" xmlns:r="http://schemas.openxmlformats.org/officeDocument/2006/relationships" xmlns:p="http://schemas.openxmlformats.org/presentationml/2006/main">
+  <p:cSld>
+    <p:spTree>
+      <p:nvGrpSpPr>
+        <p:cNvPr id="1" name=""/>
+        <p:cNvGrpSpPr/>
+        <p:nvPr/>
+      </p:nvGrpSpPr>
+      <p:grpSpPr>
+        <a:xfrm>
+          <a:off x="0" y="0"/>
+          <a:ext cx="0" cy="0"/>
+          <a:chOff x="0" y="0"/>
+          <a:chExt cx="0" cy="0"/>
+        </a:xfrm>
+      </p:grpSpPr>
+      <p:sp>
+        <p:nvSpPr>
+          <p:cNvPr id="2" name="Title 1">
+            <a:extLst>
+              <a:ext uri="{FF2B5EF4-FFF2-40B4-BE49-F238E27FC236}">
+                <a16:creationId xmlns:a16="http://schemas.microsoft.com/office/drawing/2014/main" id="{5E28134D-6B5F-5844-284E-FAD8B9F06950}"/>
+              </a:ext>
+            </a:extLst>
+          </p:cNvPr>
+          <p:cNvSpPr>
+            <a:spLocks noGrp="1"/>
+          </p:cNvSpPr>
+          <p:nvPr>
+            <p:ph type="title"/>
+          </p:nvPr>
+        </p:nvSpPr>
+        <p:spPr>
+          <a:xfrm>
+            <a:off x="8631836" y="918652"/>
+            <a:ext cx="3420256" cy="3733764"/>
+          </a:xfrm>
+        </p:spPr>
+        <p:txBody>
+          <a:bodyPr>
+            <a:normAutofit/>
+          </a:bodyPr>
+          <a:lstStyle/>
+          <a:p>
+            <a:r>
+              <a:rPr lang="en-US" dirty="0"/>
+              <a:t>Applicants’ probability of defaulting is high if he/she is from California state</a:t>
+            </a:r>
+          </a:p>
+        </p:txBody>
+      </p:sp>
+      <p:sp>
+        <p:nvSpPr>
+          <p:cNvPr id="4" name="Content Placeholder 3">
+            <a:extLst>
+              <a:ext uri="{FF2B5EF4-FFF2-40B4-BE49-F238E27FC236}">
+                <a16:creationId xmlns:a16="http://schemas.microsoft.com/office/drawing/2014/main" id="{0DCB427B-AEC3-94A2-9F4D-3B43C74DA463}"/>
+              </a:ext>
+            </a:extLst>
+          </p:cNvPr>
+          <p:cNvSpPr>
+            <a:spLocks noGrp="1"/>
+          </p:cNvSpPr>
+          <p:nvPr>
+            <p:ph idx="1"/>
+          </p:nvPr>
+        </p:nvSpPr>
+        <p:spPr/>
+        <p:txBody>
+          <a:bodyPr/>
+          <a:lstStyle/>
+          <a:p>
+            <a:endParaRPr lang="en-US"/>
+          </a:p>
+        </p:txBody>
+      </p:sp>
+      <p:sp>
+        <p:nvSpPr>
+          <p:cNvPr id="5" name="TextBox 4">
+            <a:extLst>
+              <a:ext uri="{FF2B5EF4-FFF2-40B4-BE49-F238E27FC236}">
+                <a16:creationId xmlns:a16="http://schemas.microsoft.com/office/drawing/2014/main" id="{F9D8EC37-0652-4CB8-D329-4FAB280EF4D1}"/>
+              </a:ext>
+            </a:extLst>
+          </p:cNvPr>
+          <p:cNvSpPr txBox="1"/>
+          <p:nvPr/>
+        </p:nvSpPr>
+        <p:spPr>
+          <a:xfrm>
+            <a:off x="8610600" y="4931765"/>
+            <a:ext cx="3066738" cy="923330"/>
+          </a:xfrm>
+          <a:prstGeom prst="rect">
+            <a:avLst/>
+          </a:prstGeom>
+          <a:noFill/>
+        </p:spPr>
+        <p:txBody>
+          <a:bodyPr wrap="square" rtlCol="0">
+            <a:spAutoFit/>
+          </a:bodyPr>
+          <a:lstStyle/>
+          <a:p>
+            <a:r>
+              <a:rPr lang="en-US" dirty="0"/>
+              <a:t>A bank can take extra steps/scrutiny before giving loan to CA residents</a:t>
+            </a:r>
+          </a:p>
+        </p:txBody>
+      </p:sp>
+      <p:pic>
+        <p:nvPicPr>
+          <p:cNvPr id="3" name="Picture 2">
+            <a:extLst>
+              <a:ext uri="{FF2B5EF4-FFF2-40B4-BE49-F238E27FC236}">
+                <a16:creationId xmlns:a16="http://schemas.microsoft.com/office/drawing/2014/main" id="{591AC3CA-73EE-9EDD-C1F1-39563517D0FE}"/>
+              </a:ext>
+            </a:extLst>
+          </p:cNvPr>
+          <p:cNvPicPr>
+            <a:picLocks noChangeAspect="1"/>
+          </p:cNvPicPr>
+          <p:nvPr/>
+        </p:nvPicPr>
+        <p:blipFill rotWithShape="1">
+          <a:blip r:embed="rId2"/>
+          <a:srcRect l="2483" t="3005"/>
+          <a:stretch/>
+        </p:blipFill>
+        <p:spPr>
+          <a:xfrm>
+            <a:off x="292158" y="292345"/>
+            <a:ext cx="7257738" cy="5806966"/>
+          </a:xfrm>
+          <a:prstGeom prst="rect">
+            <a:avLst/>
+          </a:prstGeom>
+        </p:spPr>
+      </p:pic>
+    </p:spTree>
+    <p:extLst>
+      <p:ext uri="{BB962C8B-B14F-4D97-AF65-F5344CB8AC3E}">
+        <p14:creationId xmlns:p14="http://schemas.microsoft.com/office/powerpoint/2010/main" val="742544243"/>
       </p:ext>
     </p:extLst>
   </p:cSld>
@@ -4205,9 +6288,9 @@
 </file>
 
 <file path=ppt/theme/theme1.xml><?xml version="1.0" encoding="utf-8"?>
-<a:theme xmlns:a="http://schemas.openxmlformats.org/drawingml/2006/main" name="Office Theme">
+<a:theme xmlns:a="http://schemas.openxmlformats.org/drawingml/2006/main" name="Wood Type">
   <a:themeElements>
-    <a:clrScheme name="Office">
+    <a:clrScheme name="Wood Type">
       <a:dk1>
         <a:sysClr val="windowText" lastClr="000000"/>
       </a:dk1>
@@ -4215,48 +6298,86 @@
         <a:sysClr val="window" lastClr="FFFFFF"/>
       </a:lt1>
       <a:dk2>
-        <a:srgbClr val="44546A"/>
+        <a:srgbClr val="696464"/>
       </a:dk2>
       <a:lt2>
-        <a:srgbClr val="E7E6E6"/>
+        <a:srgbClr val="E9E5DC"/>
       </a:lt2>
       <a:accent1>
-        <a:srgbClr val="4472C4"/>
+        <a:srgbClr val="D34817"/>
       </a:accent1>
       <a:accent2>
-        <a:srgbClr val="ED7D31"/>
+        <a:srgbClr val="9B2D1F"/>
       </a:accent2>
       <a:accent3>
-        <a:srgbClr val="A5A5A5"/>
+        <a:srgbClr val="A28E6A"/>
       </a:accent3>
       <a:accent4>
-        <a:srgbClr val="FFC000"/>
+        <a:srgbClr val="956251"/>
       </a:accent4>
       <a:accent5>
-        <a:srgbClr val="5B9BD5"/>
+        <a:srgbClr val="918485"/>
       </a:accent5>
       <a:accent6>
-        <a:srgbClr val="70AD47"/>
+        <a:srgbClr val="855D5D"/>
       </a:accent6>
       <a:hlink>
-        <a:srgbClr val="0563C1"/>
+        <a:srgbClr val="CC9900"/>
       </a:hlink>
       <a:folHlink>
-        <a:srgbClr val="954F72"/>
+        <a:srgbClr val="96A9A9"/>
       </a:folHlink>
     </a:clrScheme>
-    <a:fontScheme name="Office">
+    <a:fontScheme name="Wood Type">
       <a:majorFont>
-        <a:latin typeface="Calibri Light" panose="020F0302020204030204"/>
+        <a:latin typeface="Rockwell Condensed" panose="02060603050405020104"/>
         <a:ea typeface=""/>
         <a:cs typeface=""/>
-        <a:font script="Jpan" typeface="游ゴシック Light"/>
-        <a:font script="Hang" typeface="맑은 고딕"/>
-        <a:font script="Hans" typeface="等线 Light"/>
-        <a:font script="Hant" typeface="新細明體"/>
+        <a:font script="Grek" typeface="Cambria"/>
+        <a:font script="Cyrl" typeface="Cambria"/>
+        <a:font script="Jpan" typeface="HG明朝B"/>
+        <a:font script="Hang" typeface="바탕"/>
+        <a:font script="Hans" typeface="方正姚体"/>
+        <a:font script="Hant" typeface="微軟正黑體"/>
         <a:font script="Arab" typeface="Times New Roman"/>
-        <a:font script="Hebr" typeface="Times New Roman"/>
-        <a:font script="Thai" typeface="Angsana New"/>
+        <a:font script="Hebr" typeface="David"/>
+        <a:font script="Thai" typeface="JasmineUPC"/>
+        <a:font script="Ethi" typeface="Nyala"/>
+        <a:font script="Beng" typeface="Vrinda"/>
+        <a:font script="Gujr" typeface="Shruti"/>
+        <a:font script="Khmr" typeface="MoolBoran"/>
+        <a:font script="Knda" typeface="Tunga"/>
+        <a:font script="Guru" typeface="Raavi"/>
+        <a:font script="Cans" typeface="Euphemia"/>
+        <a:font script="Cher" typeface="Plantagenet Cherokee"/>
+        <a:font script="Yiii" typeface="Microsoft Yi Baiti"/>
+        <a:font script="Tibt" typeface="Microsoft Himalaya"/>
+        <a:font script="Thaa" typeface="MV Boli"/>
+        <a:font script="Deva" typeface="Mangal"/>
+        <a:font script="Telu" typeface="Gautami"/>
+        <a:font script="Taml" typeface="Latha"/>
+        <a:font script="Syrc" typeface="Estrangelo Edessa"/>
+        <a:font script="Orya" typeface="Kalinga"/>
+        <a:font script="Mlym" typeface="Kartika"/>
+        <a:font script="Laoo" typeface="DokChampa"/>
+        <a:font script="Sinh" typeface="Iskoola Pota"/>
+        <a:font script="Mong" typeface="Mongolian Baiti"/>
+        <a:font script="Viet" typeface="Arial"/>
+        <a:font script="Uigh" typeface="Microsoft Uighur"/>
+      </a:majorFont>
+      <a:minorFont>
+        <a:latin typeface="Rockwell" panose="02060603020205020403"/>
+        <a:ea typeface=""/>
+        <a:cs typeface=""/>
+        <a:font script="Grek" typeface="Cambria"/>
+        <a:font script="Cyrl" typeface="Cambria"/>
+        <a:font script="Jpan" typeface="HG明朝B"/>
+        <a:font script="Hang" typeface="바탕"/>
+        <a:font script="Hans" typeface="方正姚体"/>
+        <a:font script="Hant" typeface="標楷體"/>
+        <a:font script="Arab" typeface="Times New Roman"/>
+        <a:font script="Hebr" typeface="David"/>
+        <a:font script="Thai" typeface="JasmineUPC"/>
         <a:font script="Ethi" typeface="Nyala"/>
         <a:font script="Beng" typeface="Vrinda"/>
         <a:font script="Gujr" typeface="Shruti"/>
@@ -4279,135 +6400,42 @@
         <a:font script="Mong" typeface="Mongolian Baiti"/>
         <a:font script="Viet" typeface="Times New Roman"/>
         <a:font script="Uigh" typeface="Microsoft Uighur"/>
-        <a:font script="Geor" typeface="Sylfaen"/>
-        <a:font script="Armn" typeface="Arial"/>
-        <a:font script="Bugi" typeface="Leelawadee UI"/>
-        <a:font script="Bopo" typeface="Microsoft JhengHei"/>
-        <a:font script="Java" typeface="Javanese Text"/>
-        <a:font script="Lisu" typeface="Segoe UI"/>
-        <a:font script="Mymr" typeface="Myanmar Text"/>
-        <a:font script="Nkoo" typeface="Ebrima"/>
-        <a:font script="Olck" typeface="Nirmala UI"/>
-        <a:font script="Osma" typeface="Ebrima"/>
-        <a:font script="Phag" typeface="Phagspa"/>
-        <a:font script="Syrn" typeface="Estrangelo Edessa"/>
-        <a:font script="Syrj" typeface="Estrangelo Edessa"/>
-        <a:font script="Syre" typeface="Estrangelo Edessa"/>
-        <a:font script="Sora" typeface="Nirmala UI"/>
-        <a:font script="Tale" typeface="Microsoft Tai Le"/>
-        <a:font script="Talu" typeface="Microsoft New Tai Lue"/>
-        <a:font script="Tfng" typeface="Ebrima"/>
-      </a:majorFont>
-      <a:minorFont>
-        <a:latin typeface="Calibri" panose="020F0502020204030204"/>
-        <a:ea typeface=""/>
-        <a:cs typeface=""/>
-        <a:font script="Jpan" typeface="游ゴシック"/>
-        <a:font script="Hang" typeface="맑은 고딕"/>
-        <a:font script="Hans" typeface="等线"/>
-        <a:font script="Hant" typeface="新細明體"/>
-        <a:font script="Arab" typeface="Arial"/>
-        <a:font script="Hebr" typeface="Arial"/>
-        <a:font script="Thai" typeface="Cordia New"/>
-        <a:font script="Ethi" typeface="Nyala"/>
-        <a:font script="Beng" typeface="Vrinda"/>
-        <a:font script="Gujr" typeface="Shruti"/>
-        <a:font script="Khmr" typeface="DaunPenh"/>
-        <a:font script="Knda" typeface="Tunga"/>
-        <a:font script="Guru" typeface="Raavi"/>
-        <a:font script="Cans" typeface="Euphemia"/>
-        <a:font script="Cher" typeface="Plantagenet Cherokee"/>
-        <a:font script="Yiii" typeface="Microsoft Yi Baiti"/>
-        <a:font script="Tibt" typeface="Microsoft Himalaya"/>
-        <a:font script="Thaa" typeface="MV Boli"/>
-        <a:font script="Deva" typeface="Mangal"/>
-        <a:font script="Telu" typeface="Gautami"/>
-        <a:font script="Taml" typeface="Latha"/>
-        <a:font script="Syrc" typeface="Estrangelo Edessa"/>
-        <a:font script="Orya" typeface="Kalinga"/>
-        <a:font script="Mlym" typeface="Kartika"/>
-        <a:font script="Laoo" typeface="DokChampa"/>
-        <a:font script="Sinh" typeface="Iskoola Pota"/>
-        <a:font script="Mong" typeface="Mongolian Baiti"/>
-        <a:font script="Viet" typeface="Arial"/>
-        <a:font script="Uigh" typeface="Microsoft Uighur"/>
-        <a:font script="Geor" typeface="Sylfaen"/>
-        <a:font script="Armn" typeface="Arial"/>
-        <a:font script="Bugi" typeface="Leelawadee UI"/>
-        <a:font script="Bopo" typeface="Microsoft JhengHei"/>
-        <a:font script="Java" typeface="Javanese Text"/>
-        <a:font script="Lisu" typeface="Segoe UI"/>
-        <a:font script="Mymr" typeface="Myanmar Text"/>
-        <a:font script="Nkoo" typeface="Ebrima"/>
-        <a:font script="Olck" typeface="Nirmala UI"/>
-        <a:font script="Osma" typeface="Ebrima"/>
-        <a:font script="Phag" typeface="Phagspa"/>
-        <a:font script="Syrn" typeface="Estrangelo Edessa"/>
-        <a:font script="Syrj" typeface="Estrangelo Edessa"/>
-        <a:font script="Syre" typeface="Estrangelo Edessa"/>
-        <a:font script="Sora" typeface="Nirmala UI"/>
-        <a:font script="Tale" typeface="Microsoft Tai Le"/>
-        <a:font script="Talu" typeface="Microsoft New Tai Lue"/>
-        <a:font script="Tfng" typeface="Ebrima"/>
       </a:minorFont>
     </a:fontScheme>
-    <a:fmtScheme name="Office">
+    <a:fmtScheme name="Wood Type">
       <a:fillStyleLst>
         <a:solidFill>
           <a:schemeClr val="phClr"/>
         </a:solidFill>
-        <a:gradFill rotWithShape="1">
-          <a:gsLst>
-            <a:gs pos="0">
+        <a:blipFill rotWithShape="1">
+          <a:blip xmlns:r="http://schemas.openxmlformats.org/officeDocument/2006/relationships" r:embed="rId1">
+            <a:duotone>
               <a:schemeClr val="phClr">
-                <a:lumMod val="110000"/>
-                <a:satMod val="105000"/>
-                <a:tint val="67000"/>
+                <a:tint val="70000"/>
+                <a:shade val="63000"/>
               </a:schemeClr>
-            </a:gs>
-            <a:gs pos="50000">
               <a:schemeClr val="phClr">
-                <a:lumMod val="105000"/>
-                <a:satMod val="103000"/>
-                <a:tint val="73000"/>
+                <a:tint val="10000"/>
+                <a:satMod val="150000"/>
               </a:schemeClr>
-            </a:gs>
-            <a:gs pos="100000">
+            </a:duotone>
+          </a:blip>
+          <a:tile tx="0" ty="0" sx="60000" sy="59000" flip="none" algn="tl"/>
+        </a:blipFill>
+        <a:blipFill rotWithShape="1">
+          <a:blip xmlns:r="http://schemas.openxmlformats.org/officeDocument/2006/relationships" r:embed="rId1">
+            <a:duotone>
               <a:schemeClr val="phClr">
-                <a:lumMod val="105000"/>
-                <a:satMod val="109000"/>
-                <a:tint val="81000"/>
+                <a:shade val="36000"/>
+                <a:satMod val="120000"/>
               </a:schemeClr>
-            </a:gs>
-          </a:gsLst>
-          <a:lin ang="5400000" scaled="0"/>
-        </a:gradFill>
-        <a:gradFill rotWithShape="1">
-          <a:gsLst>
-            <a:gs pos="0">
               <a:schemeClr val="phClr">
-                <a:satMod val="103000"/>
-                <a:lumMod val="102000"/>
-                <a:tint val="94000"/>
+                <a:tint val="40000"/>
               </a:schemeClr>
-            </a:gs>
-            <a:gs pos="50000">
-              <a:schemeClr val="phClr">
-                <a:satMod val="110000"/>
-                <a:lumMod val="100000"/>
-                <a:shade val="100000"/>
-              </a:schemeClr>
-            </a:gs>
-            <a:gs pos="100000">
-              <a:schemeClr val="phClr">
-                <a:lumMod val="99000"/>
-                <a:satMod val="120000"/>
-                <a:shade val="78000"/>
-              </a:schemeClr>
-            </a:gs>
-          </a:gsLst>
-          <a:lin ang="5400000" scaled="0"/>
-        </a:gradFill>
+            </a:duotone>
+          </a:blip>
+          <a:tile tx="0" ty="0" sx="60000" sy="59000" flip="none" algn="tl"/>
+        </a:blipFill>
       </a:fillStyleLst>
       <a:lnStyleLst>
         <a:ln w="6350" cap="flat" cmpd="sng" algn="ctr">
@@ -4415,21 +6443,18 @@
             <a:schemeClr val="phClr"/>
           </a:solidFill>
           <a:prstDash val="solid"/>
-          <a:miter lim="800000"/>
         </a:ln>
         <a:ln w="12700" cap="flat" cmpd="sng" algn="ctr">
           <a:solidFill>
             <a:schemeClr val="phClr"/>
           </a:solidFill>
           <a:prstDash val="solid"/>
-          <a:miter lim="800000"/>
         </a:ln>
         <a:ln w="19050" cap="flat" cmpd="sng" algn="ctr">
           <a:solidFill>
             <a:schemeClr val="phClr"/>
           </a:solidFill>
           <a:prstDash val="solid"/>
-          <a:miter lim="800000"/>
         </a:ln>
       </a:lnStyleLst>
       <a:effectStyleLst>
@@ -4437,15 +6462,18 @@
           <a:effectLst/>
         </a:effectStyle>
         <a:effectStyle>
-          <a:effectLst/>
+          <a:effectLst>
+            <a:softEdge rad="12700"/>
+          </a:effectLst>
         </a:effectStyle>
         <a:effectStyle>
           <a:effectLst>
-            <a:outerShdw blurRad="57150" dist="19050" dir="5400000" algn="ctr" rotWithShape="0">
+            <a:outerShdw blurRad="50800" dist="19050" dir="5400000" algn="tl" rotWithShape="0">
               <a:srgbClr val="000000">
-                <a:alpha val="63000"/>
+                <a:alpha val="60000"/>
               </a:srgbClr>
             </a:outerShdw>
+            <a:softEdge rad="12700"/>
           </a:effectLst>
         </a:effectStyle>
       </a:effectStyleLst>
@@ -4455,37 +6483,26 @@
         </a:solidFill>
         <a:solidFill>
           <a:schemeClr val="phClr">
-            <a:tint val="95000"/>
-            <a:satMod val="170000"/>
+            <a:shade val="97000"/>
+            <a:satMod val="150000"/>
           </a:schemeClr>
         </a:solidFill>
-        <a:gradFill rotWithShape="1">
-          <a:gsLst>
-            <a:gs pos="0">
+        <a:blipFill rotWithShape="1">
+          <a:blip xmlns:r="http://schemas.openxmlformats.org/officeDocument/2006/relationships" r:embed="rId1">
+            <a:duotone>
               <a:schemeClr val="phClr">
-                <a:tint val="93000"/>
-                <a:satMod val="150000"/>
-                <a:shade val="98000"/>
-                <a:lumMod val="102000"/>
-              </a:schemeClr>
-            </a:gs>
-            <a:gs pos="50000">
-              <a:schemeClr val="phClr">
-                <a:tint val="98000"/>
-                <a:satMod val="130000"/>
-                <a:shade val="90000"/>
-                <a:lumMod val="103000"/>
-              </a:schemeClr>
-            </a:gs>
-            <a:gs pos="100000">
-              <a:schemeClr val="phClr">
-                <a:shade val="63000"/>
+                <a:tint val="75000"/>
+                <a:shade val="58000"/>
                 <a:satMod val="120000"/>
               </a:schemeClr>
-            </a:gs>
-          </a:gsLst>
-          <a:lin ang="5400000" scaled="0"/>
-        </a:gradFill>
+              <a:schemeClr val="phClr">
+                <a:tint val="50000"/>
+                <a:shade val="96000"/>
+              </a:schemeClr>
+            </a:duotone>
+          </a:blip>
+          <a:tile tx="0" ty="0" sx="100000" sy="100000" flip="none" algn="tl"/>
+        </a:blipFill>
       </a:bgFillStyleLst>
     </a:fmtScheme>
   </a:themeElements>
@@ -4493,7 +6510,7 @@
   <a:extraClrSchemeLst/>
   <a:extLst>
     <a:ext uri="{05A4C25C-085E-4340-85A3-A5531E510DB2}">
-      <thm15:themeFamily xmlns:thm15="http://schemas.microsoft.com/office/thememl/2012/main" name="Office Theme" id="{62F939B6-93AF-4DB8-9C6B-D6C7DFDC589F}" vid="{4A3C46E8-61CC-4603-A589-7422A47A8E4A}"/>
+      <thm15:themeFamily xmlns:thm15="http://schemas.microsoft.com/office/thememl/2012/main" name="Wood Type" id="{7ACABC62-BF99-48CF-A9DC-4DB89C7B13DC}" vid="{142A1326-48AB-42A9-8428-CB14AA30176D}"/>
     </a:ext>
   </a:extLst>
 </a:theme>

--- a/LendingClubCaseStudy.pptx
+++ b/LendingClubCaseStudy.pptx
@@ -17,6 +17,20 @@
     <p:sldId id="266" r:id="rId11"/>
     <p:sldId id="267" r:id="rId12"/>
     <p:sldId id="268" r:id="rId13"/>
+    <p:sldId id="269" r:id="rId14"/>
+    <p:sldId id="270" r:id="rId15"/>
+    <p:sldId id="271" r:id="rId16"/>
+    <p:sldId id="272" r:id="rId17"/>
+    <p:sldId id="273" r:id="rId18"/>
+    <p:sldId id="274" r:id="rId19"/>
+    <p:sldId id="275" r:id="rId20"/>
+    <p:sldId id="276" r:id="rId21"/>
+    <p:sldId id="277" r:id="rId22"/>
+    <p:sldId id="278" r:id="rId23"/>
+    <p:sldId id="279" r:id="rId24"/>
+    <p:sldId id="280" r:id="rId25"/>
+    <p:sldId id="281" r:id="rId26"/>
+    <p:sldId id="282" r:id="rId27"/>
   </p:sldIdLst>
   <p:sldSz cx="12192000" cy="6858000"/>
   <p:notesSz cx="6858000" cy="9144000"/>
@@ -5213,6 +5227,919 @@
 </p:sld>
 </file>
 
+<file path=ppt/slides/slide13.xml><?xml version="1.0" encoding="utf-8"?>
+<p:sld xmlns:a="http://schemas.openxmlformats.org/drawingml/2006/main" xmlns:r="http://schemas.openxmlformats.org/officeDocument/2006/relationships" xmlns:p="http://schemas.openxmlformats.org/presentationml/2006/main">
+  <p:cSld>
+    <p:spTree>
+      <p:nvGrpSpPr>
+        <p:cNvPr id="1" name=""/>
+        <p:cNvGrpSpPr/>
+        <p:nvPr/>
+      </p:nvGrpSpPr>
+      <p:grpSpPr>
+        <a:xfrm>
+          <a:off x="0" y="0"/>
+          <a:ext cx="0" cy="0"/>
+          <a:chOff x="0" y="0"/>
+          <a:chExt cx="0" cy="0"/>
+        </a:xfrm>
+      </p:grpSpPr>
+      <p:sp>
+        <p:nvSpPr>
+          <p:cNvPr id="2" name="Title 1">
+            <a:extLst>
+              <a:ext uri="{FF2B5EF4-FFF2-40B4-BE49-F238E27FC236}">
+                <a16:creationId xmlns:a16="http://schemas.microsoft.com/office/drawing/2014/main" id="{5E28134D-6B5F-5844-284E-FAD8B9F06950}"/>
+              </a:ext>
+            </a:extLst>
+          </p:cNvPr>
+          <p:cNvSpPr>
+            <a:spLocks noGrp="1"/>
+          </p:cNvSpPr>
+          <p:nvPr>
+            <p:ph type="title"/>
+          </p:nvPr>
+        </p:nvSpPr>
+        <p:spPr>
+          <a:xfrm>
+            <a:off x="8610600" y="1198001"/>
+            <a:ext cx="3420256" cy="3733764"/>
+          </a:xfrm>
+        </p:spPr>
+        <p:txBody>
+          <a:bodyPr>
+            <a:normAutofit/>
+          </a:bodyPr>
+          <a:lstStyle/>
+          <a:p>
+            <a:r>
+              <a:rPr lang="en-US" dirty="0"/>
+              <a:t>From Histogram we can see max people who took loan of amount ranging from 5k-10k charged off</a:t>
+            </a:r>
+          </a:p>
+        </p:txBody>
+      </p:sp>
+      <p:sp>
+        <p:nvSpPr>
+          <p:cNvPr id="4" name="Content Placeholder 3">
+            <a:extLst>
+              <a:ext uri="{FF2B5EF4-FFF2-40B4-BE49-F238E27FC236}">
+                <a16:creationId xmlns:a16="http://schemas.microsoft.com/office/drawing/2014/main" id="{0DCB427B-AEC3-94A2-9F4D-3B43C74DA463}"/>
+              </a:ext>
+            </a:extLst>
+          </p:cNvPr>
+          <p:cNvSpPr>
+            <a:spLocks noGrp="1"/>
+          </p:cNvSpPr>
+          <p:nvPr>
+            <p:ph idx="1"/>
+          </p:nvPr>
+        </p:nvSpPr>
+        <p:spPr/>
+        <p:txBody>
+          <a:bodyPr/>
+          <a:lstStyle/>
+          <a:p>
+            <a:endParaRPr lang="en-US"/>
+          </a:p>
+        </p:txBody>
+      </p:sp>
+      <p:pic>
+        <p:nvPicPr>
+          <p:cNvPr id="3" name="Picture 2">
+            <a:extLst>
+              <a:ext uri="{FF2B5EF4-FFF2-40B4-BE49-F238E27FC236}">
+                <a16:creationId xmlns:a16="http://schemas.microsoft.com/office/drawing/2014/main" id="{63505CB0-3849-FFD0-5DCF-96A6DEAA25CF}"/>
+              </a:ext>
+            </a:extLst>
+          </p:cNvPr>
+          <p:cNvPicPr>
+            <a:picLocks noChangeAspect="1"/>
+          </p:cNvPicPr>
+          <p:nvPr/>
+        </p:nvPicPr>
+        <p:blipFill>
+          <a:blip r:embed="rId2"/>
+          <a:stretch>
+            <a:fillRect/>
+          </a:stretch>
+        </p:blipFill>
+        <p:spPr>
+          <a:xfrm>
+            <a:off x="561848" y="685800"/>
+            <a:ext cx="7518400" cy="5372100"/>
+          </a:xfrm>
+          <a:prstGeom prst="rect">
+            <a:avLst/>
+          </a:prstGeom>
+        </p:spPr>
+      </p:pic>
+    </p:spTree>
+    <p:extLst>
+      <p:ext uri="{BB962C8B-B14F-4D97-AF65-F5344CB8AC3E}">
+        <p14:creationId xmlns:p14="http://schemas.microsoft.com/office/powerpoint/2010/main" val="3531863257"/>
+      </p:ext>
+    </p:extLst>
+  </p:cSld>
+  <p:clrMapOvr>
+    <a:masterClrMapping/>
+  </p:clrMapOvr>
+</p:sld>
+</file>
+
+<file path=ppt/slides/slide14.xml><?xml version="1.0" encoding="utf-8"?>
+<p:sld xmlns:a="http://schemas.openxmlformats.org/drawingml/2006/main" xmlns:r="http://schemas.openxmlformats.org/officeDocument/2006/relationships" xmlns:p="http://schemas.openxmlformats.org/presentationml/2006/main">
+  <p:cSld>
+    <p:spTree>
+      <p:nvGrpSpPr>
+        <p:cNvPr id="1" name=""/>
+        <p:cNvGrpSpPr/>
+        <p:nvPr/>
+      </p:nvGrpSpPr>
+      <p:grpSpPr>
+        <a:xfrm>
+          <a:off x="0" y="0"/>
+          <a:ext cx="0" cy="0"/>
+          <a:chOff x="0" y="0"/>
+          <a:chExt cx="0" cy="0"/>
+        </a:xfrm>
+      </p:grpSpPr>
+      <p:sp>
+        <p:nvSpPr>
+          <p:cNvPr id="2" name="Title 1">
+            <a:extLst>
+              <a:ext uri="{FF2B5EF4-FFF2-40B4-BE49-F238E27FC236}">
+                <a16:creationId xmlns:a16="http://schemas.microsoft.com/office/drawing/2014/main" id="{5E28134D-6B5F-5844-284E-FAD8B9F06950}"/>
+              </a:ext>
+            </a:extLst>
+          </p:cNvPr>
+          <p:cNvSpPr>
+            <a:spLocks noGrp="1"/>
+          </p:cNvSpPr>
+          <p:nvPr>
+            <p:ph type="title"/>
+          </p:nvPr>
+        </p:nvSpPr>
+        <p:spPr>
+          <a:xfrm>
+            <a:off x="8610600" y="1198001"/>
+            <a:ext cx="3420256" cy="3733764"/>
+          </a:xfrm>
+        </p:spPr>
+        <p:txBody>
+          <a:bodyPr>
+            <a:normAutofit/>
+          </a:bodyPr>
+          <a:lstStyle/>
+          <a:p>
+            <a:r>
+              <a:rPr lang="en-US" dirty="0"/>
+              <a:t>People who doesn't enquire in last 6 months have charged off around 90%</a:t>
+            </a:r>
+          </a:p>
+        </p:txBody>
+      </p:sp>
+      <p:sp>
+        <p:nvSpPr>
+          <p:cNvPr id="4" name="Content Placeholder 3">
+            <a:extLst>
+              <a:ext uri="{FF2B5EF4-FFF2-40B4-BE49-F238E27FC236}">
+                <a16:creationId xmlns:a16="http://schemas.microsoft.com/office/drawing/2014/main" id="{0DCB427B-AEC3-94A2-9F4D-3B43C74DA463}"/>
+              </a:ext>
+            </a:extLst>
+          </p:cNvPr>
+          <p:cNvSpPr>
+            <a:spLocks noGrp="1"/>
+          </p:cNvSpPr>
+          <p:nvPr>
+            <p:ph idx="1"/>
+          </p:nvPr>
+        </p:nvSpPr>
+        <p:spPr/>
+        <p:txBody>
+          <a:bodyPr/>
+          <a:lstStyle/>
+          <a:p>
+            <a:endParaRPr lang="en-US"/>
+          </a:p>
+        </p:txBody>
+      </p:sp>
+      <p:pic>
+        <p:nvPicPr>
+          <p:cNvPr id="5" name="Picture 4">
+            <a:extLst>
+              <a:ext uri="{FF2B5EF4-FFF2-40B4-BE49-F238E27FC236}">
+                <a16:creationId xmlns:a16="http://schemas.microsoft.com/office/drawing/2014/main" id="{9E236955-C86E-3A79-6F96-7545A1E810AF}"/>
+              </a:ext>
+            </a:extLst>
+          </p:cNvPr>
+          <p:cNvPicPr>
+            <a:picLocks noChangeAspect="1"/>
+          </p:cNvPicPr>
+          <p:nvPr/>
+        </p:nvPicPr>
+        <p:blipFill>
+          <a:blip r:embed="rId2"/>
+          <a:stretch>
+            <a:fillRect/>
+          </a:stretch>
+        </p:blipFill>
+        <p:spPr>
+          <a:xfrm>
+            <a:off x="561848" y="509778"/>
+            <a:ext cx="7518400" cy="5372100"/>
+          </a:xfrm>
+          <a:prstGeom prst="rect">
+            <a:avLst/>
+          </a:prstGeom>
+        </p:spPr>
+      </p:pic>
+    </p:spTree>
+    <p:extLst>
+      <p:ext uri="{BB962C8B-B14F-4D97-AF65-F5344CB8AC3E}">
+        <p14:creationId xmlns:p14="http://schemas.microsoft.com/office/powerpoint/2010/main" val="4263443712"/>
+      </p:ext>
+    </p:extLst>
+  </p:cSld>
+  <p:clrMapOvr>
+    <a:masterClrMapping/>
+  </p:clrMapOvr>
+</p:sld>
+</file>
+
+<file path=ppt/slides/slide15.xml><?xml version="1.0" encoding="utf-8"?>
+<p:sld xmlns:a="http://schemas.openxmlformats.org/drawingml/2006/main" xmlns:r="http://schemas.openxmlformats.org/officeDocument/2006/relationships" xmlns:p="http://schemas.openxmlformats.org/presentationml/2006/main">
+  <p:cSld>
+    <p:spTree>
+      <p:nvGrpSpPr>
+        <p:cNvPr id="1" name=""/>
+        <p:cNvGrpSpPr/>
+        <p:nvPr/>
+      </p:nvGrpSpPr>
+      <p:grpSpPr>
+        <a:xfrm>
+          <a:off x="0" y="0"/>
+          <a:ext cx="0" cy="0"/>
+          <a:chOff x="0" y="0"/>
+          <a:chExt cx="0" cy="0"/>
+        </a:xfrm>
+      </p:grpSpPr>
+      <p:sp>
+        <p:nvSpPr>
+          <p:cNvPr id="2" name="Title 1">
+            <a:extLst>
+              <a:ext uri="{FF2B5EF4-FFF2-40B4-BE49-F238E27FC236}">
+                <a16:creationId xmlns:a16="http://schemas.microsoft.com/office/drawing/2014/main" id="{5E28134D-6B5F-5844-284E-FAD8B9F06950}"/>
+              </a:ext>
+            </a:extLst>
+          </p:cNvPr>
+          <p:cNvSpPr>
+            <a:spLocks noGrp="1"/>
+          </p:cNvSpPr>
+          <p:nvPr>
+            <p:ph type="title"/>
+          </p:nvPr>
+        </p:nvSpPr>
+        <p:spPr>
+          <a:xfrm>
+            <a:off x="8556819" y="509778"/>
+            <a:ext cx="3420256" cy="3733764"/>
+          </a:xfrm>
+        </p:spPr>
+        <p:txBody>
+          <a:bodyPr>
+            <a:normAutofit/>
+          </a:bodyPr>
+          <a:lstStyle/>
+          <a:p>
+            <a:r>
+              <a:rPr lang="en-US" dirty="0"/>
+              <a:t>We can analyze that people in range of 30-60k are doing 50% charged off</a:t>
+            </a:r>
+          </a:p>
+        </p:txBody>
+      </p:sp>
+      <p:sp>
+        <p:nvSpPr>
+          <p:cNvPr id="4" name="Content Placeholder 3">
+            <a:extLst>
+              <a:ext uri="{FF2B5EF4-FFF2-40B4-BE49-F238E27FC236}">
+                <a16:creationId xmlns:a16="http://schemas.microsoft.com/office/drawing/2014/main" id="{0DCB427B-AEC3-94A2-9F4D-3B43C74DA463}"/>
+              </a:ext>
+            </a:extLst>
+          </p:cNvPr>
+          <p:cNvSpPr>
+            <a:spLocks noGrp="1"/>
+          </p:cNvSpPr>
+          <p:nvPr>
+            <p:ph idx="1"/>
+          </p:nvPr>
+        </p:nvSpPr>
+        <p:spPr/>
+        <p:txBody>
+          <a:bodyPr/>
+          <a:lstStyle/>
+          <a:p>
+            <a:endParaRPr lang="en-US"/>
+          </a:p>
+        </p:txBody>
+      </p:sp>
+      <p:sp>
+        <p:nvSpPr>
+          <p:cNvPr id="3" name="TextBox 2">
+            <a:extLst>
+              <a:ext uri="{FF2B5EF4-FFF2-40B4-BE49-F238E27FC236}">
+                <a16:creationId xmlns:a16="http://schemas.microsoft.com/office/drawing/2014/main" id="{25A007D4-41F6-A20D-5D4D-77330960F2BC}"/>
+              </a:ext>
+            </a:extLst>
+          </p:cNvPr>
+          <p:cNvSpPr txBox="1"/>
+          <p:nvPr/>
+        </p:nvSpPr>
+        <p:spPr>
+          <a:xfrm>
+            <a:off x="8626641" y="4593896"/>
+            <a:ext cx="3164305" cy="1754326"/>
+          </a:xfrm>
+          <a:prstGeom prst="rect">
+            <a:avLst/>
+          </a:prstGeom>
+          <a:noFill/>
+        </p:spPr>
+        <p:txBody>
+          <a:bodyPr wrap="square" rtlCol="0">
+            <a:spAutoFit/>
+          </a:bodyPr>
+          <a:lstStyle/>
+          <a:p>
+            <a:r>
+              <a:rPr lang="en-US" dirty="0"/>
+              <a:t>We can say annual income below 50k are doing 70% charged off .</a:t>
+            </a:r>
+            <a:br>
+              <a:rPr lang="en-US" dirty="0"/>
+            </a:br>
+            <a:r>
+              <a:rPr lang="en-US" dirty="0"/>
+              <a:t>So, Annual Income is an important parameter for the charged off </a:t>
+            </a:r>
+          </a:p>
+        </p:txBody>
+      </p:sp>
+      <p:pic>
+        <p:nvPicPr>
+          <p:cNvPr id="6" name="Picture 5">
+            <a:extLst>
+              <a:ext uri="{FF2B5EF4-FFF2-40B4-BE49-F238E27FC236}">
+                <a16:creationId xmlns:a16="http://schemas.microsoft.com/office/drawing/2014/main" id="{8C577CE5-03EA-02FE-87B4-19C876C590B7}"/>
+              </a:ext>
+            </a:extLst>
+          </p:cNvPr>
+          <p:cNvPicPr>
+            <a:picLocks noChangeAspect="1"/>
+          </p:cNvPicPr>
+          <p:nvPr/>
+        </p:nvPicPr>
+        <p:blipFill>
+          <a:blip r:embed="rId2"/>
+          <a:stretch>
+            <a:fillRect/>
+          </a:stretch>
+        </p:blipFill>
+        <p:spPr>
+          <a:xfrm>
+            <a:off x="282543" y="88900"/>
+            <a:ext cx="7277100" cy="6769100"/>
+          </a:xfrm>
+          <a:prstGeom prst="rect">
+            <a:avLst/>
+          </a:prstGeom>
+        </p:spPr>
+      </p:pic>
+    </p:spTree>
+    <p:extLst>
+      <p:ext uri="{BB962C8B-B14F-4D97-AF65-F5344CB8AC3E}">
+        <p14:creationId xmlns:p14="http://schemas.microsoft.com/office/powerpoint/2010/main" val="566051795"/>
+      </p:ext>
+    </p:extLst>
+  </p:cSld>
+  <p:clrMapOvr>
+    <a:masterClrMapping/>
+  </p:clrMapOvr>
+</p:sld>
+</file>
+
+<file path=ppt/slides/slide16.xml><?xml version="1.0" encoding="utf-8"?>
+<p:sld xmlns:a="http://schemas.openxmlformats.org/drawingml/2006/main" xmlns:r="http://schemas.openxmlformats.org/officeDocument/2006/relationships" xmlns:p="http://schemas.openxmlformats.org/presentationml/2006/main">
+  <p:cSld>
+    <p:spTree>
+      <p:nvGrpSpPr>
+        <p:cNvPr id="1" name=""/>
+        <p:cNvGrpSpPr/>
+        <p:nvPr/>
+      </p:nvGrpSpPr>
+      <p:grpSpPr>
+        <a:xfrm>
+          <a:off x="0" y="0"/>
+          <a:ext cx="0" cy="0"/>
+          <a:chOff x="0" y="0"/>
+          <a:chExt cx="0" cy="0"/>
+        </a:xfrm>
+      </p:grpSpPr>
+      <p:sp>
+        <p:nvSpPr>
+          <p:cNvPr id="2" name="Title 1">
+            <a:extLst>
+              <a:ext uri="{FF2B5EF4-FFF2-40B4-BE49-F238E27FC236}">
+                <a16:creationId xmlns:a16="http://schemas.microsoft.com/office/drawing/2014/main" id="{5E28134D-6B5F-5844-284E-FAD8B9F06950}"/>
+              </a:ext>
+            </a:extLst>
+          </p:cNvPr>
+          <p:cNvSpPr>
+            <a:spLocks noGrp="1"/>
+          </p:cNvSpPr>
+          <p:nvPr>
+            <p:ph type="title"/>
+          </p:nvPr>
+        </p:nvSpPr>
+        <p:spPr>
+          <a:xfrm>
+            <a:off x="8556819" y="509778"/>
+            <a:ext cx="3420256" cy="3733764"/>
+          </a:xfrm>
+        </p:spPr>
+        <p:txBody>
+          <a:bodyPr>
+            <a:normAutofit/>
+          </a:bodyPr>
+          <a:lstStyle/>
+          <a:p>
+            <a:r>
+              <a:rPr lang="en-US" dirty="0"/>
+              <a:t>One who doesn't have derogatory public records are doing &gt; 90% charged off</a:t>
+            </a:r>
+          </a:p>
+        </p:txBody>
+      </p:sp>
+      <p:sp>
+        <p:nvSpPr>
+          <p:cNvPr id="4" name="Content Placeholder 3">
+            <a:extLst>
+              <a:ext uri="{FF2B5EF4-FFF2-40B4-BE49-F238E27FC236}">
+                <a16:creationId xmlns:a16="http://schemas.microsoft.com/office/drawing/2014/main" id="{0DCB427B-AEC3-94A2-9F4D-3B43C74DA463}"/>
+              </a:ext>
+            </a:extLst>
+          </p:cNvPr>
+          <p:cNvSpPr>
+            <a:spLocks noGrp="1"/>
+          </p:cNvSpPr>
+          <p:nvPr>
+            <p:ph idx="1"/>
+          </p:nvPr>
+        </p:nvSpPr>
+        <p:spPr/>
+        <p:txBody>
+          <a:bodyPr/>
+          <a:lstStyle/>
+          <a:p>
+            <a:endParaRPr lang="en-US"/>
+          </a:p>
+        </p:txBody>
+      </p:sp>
+      <p:pic>
+        <p:nvPicPr>
+          <p:cNvPr id="5" name="Picture 4">
+            <a:extLst>
+              <a:ext uri="{FF2B5EF4-FFF2-40B4-BE49-F238E27FC236}">
+                <a16:creationId xmlns:a16="http://schemas.microsoft.com/office/drawing/2014/main" id="{02996914-045F-ECBB-2BF4-6985B0DD7BE1}"/>
+              </a:ext>
+            </a:extLst>
+          </p:cNvPr>
+          <p:cNvPicPr>
+            <a:picLocks noChangeAspect="1"/>
+          </p:cNvPicPr>
+          <p:nvPr/>
+        </p:nvPicPr>
+        <p:blipFill>
+          <a:blip r:embed="rId2"/>
+          <a:stretch>
+            <a:fillRect/>
+          </a:stretch>
+        </p:blipFill>
+        <p:spPr>
+          <a:xfrm>
+            <a:off x="401054" y="509778"/>
+            <a:ext cx="7277100" cy="5524500"/>
+          </a:xfrm>
+          <a:prstGeom prst="rect">
+            <a:avLst/>
+          </a:prstGeom>
+        </p:spPr>
+      </p:pic>
+    </p:spTree>
+    <p:extLst>
+      <p:ext uri="{BB962C8B-B14F-4D97-AF65-F5344CB8AC3E}">
+        <p14:creationId xmlns:p14="http://schemas.microsoft.com/office/powerpoint/2010/main" val="2847350636"/>
+      </p:ext>
+    </p:extLst>
+  </p:cSld>
+  <p:clrMapOvr>
+    <a:masterClrMapping/>
+  </p:clrMapOvr>
+</p:sld>
+</file>
+
+<file path=ppt/slides/slide17.xml><?xml version="1.0" encoding="utf-8"?>
+<p:sld xmlns:a="http://schemas.openxmlformats.org/drawingml/2006/main" xmlns:r="http://schemas.openxmlformats.org/officeDocument/2006/relationships" xmlns:p="http://schemas.openxmlformats.org/presentationml/2006/main">
+  <p:cSld>
+    <p:spTree>
+      <p:nvGrpSpPr>
+        <p:cNvPr id="1" name=""/>
+        <p:cNvGrpSpPr/>
+        <p:nvPr/>
+      </p:nvGrpSpPr>
+      <p:grpSpPr>
+        <a:xfrm>
+          <a:off x="0" y="0"/>
+          <a:ext cx="0" cy="0"/>
+          <a:chOff x="0" y="0"/>
+          <a:chExt cx="0" cy="0"/>
+        </a:xfrm>
+      </p:grpSpPr>
+      <p:sp>
+        <p:nvSpPr>
+          <p:cNvPr id="2" name="Title 1">
+            <a:extLst>
+              <a:ext uri="{FF2B5EF4-FFF2-40B4-BE49-F238E27FC236}">
+                <a16:creationId xmlns:a16="http://schemas.microsoft.com/office/drawing/2014/main" id="{5E28134D-6B5F-5844-284E-FAD8B9F06950}"/>
+              </a:ext>
+            </a:extLst>
+          </p:cNvPr>
+          <p:cNvSpPr>
+            <a:spLocks noGrp="1"/>
+          </p:cNvSpPr>
+          <p:nvPr>
+            <p:ph type="title"/>
+          </p:nvPr>
+        </p:nvSpPr>
+        <p:spPr>
+          <a:xfrm>
+            <a:off x="8556819" y="509778"/>
+            <a:ext cx="3420256" cy="3733764"/>
+          </a:xfrm>
+        </p:spPr>
+        <p:txBody>
+          <a:bodyPr>
+            <a:normAutofit/>
+          </a:bodyPr>
+          <a:lstStyle/>
+          <a:p>
+            <a:r>
+              <a:rPr lang="en-US" dirty="0"/>
+              <a:t>People who have around 1-12 open accounts are doing more charged off</a:t>
+            </a:r>
+          </a:p>
+        </p:txBody>
+      </p:sp>
+      <p:sp>
+        <p:nvSpPr>
+          <p:cNvPr id="4" name="Content Placeholder 3">
+            <a:extLst>
+              <a:ext uri="{FF2B5EF4-FFF2-40B4-BE49-F238E27FC236}">
+                <a16:creationId xmlns:a16="http://schemas.microsoft.com/office/drawing/2014/main" id="{0DCB427B-AEC3-94A2-9F4D-3B43C74DA463}"/>
+              </a:ext>
+            </a:extLst>
+          </p:cNvPr>
+          <p:cNvSpPr>
+            <a:spLocks noGrp="1"/>
+          </p:cNvSpPr>
+          <p:nvPr>
+            <p:ph idx="1"/>
+          </p:nvPr>
+        </p:nvSpPr>
+        <p:spPr/>
+        <p:txBody>
+          <a:bodyPr/>
+          <a:lstStyle/>
+          <a:p>
+            <a:endParaRPr lang="en-US"/>
+          </a:p>
+        </p:txBody>
+      </p:sp>
+      <p:pic>
+        <p:nvPicPr>
+          <p:cNvPr id="3" name="Picture 2">
+            <a:extLst>
+              <a:ext uri="{FF2B5EF4-FFF2-40B4-BE49-F238E27FC236}">
+                <a16:creationId xmlns:a16="http://schemas.microsoft.com/office/drawing/2014/main" id="{C0DF7A9E-96DA-2E44-B4EE-DCE73B618CE2}"/>
+              </a:ext>
+            </a:extLst>
+          </p:cNvPr>
+          <p:cNvPicPr>
+            <a:picLocks noChangeAspect="1"/>
+          </p:cNvPicPr>
+          <p:nvPr/>
+        </p:nvPicPr>
+        <p:blipFill>
+          <a:blip r:embed="rId2"/>
+          <a:stretch>
+            <a:fillRect/>
+          </a:stretch>
+        </p:blipFill>
+        <p:spPr>
+          <a:xfrm>
+            <a:off x="838200" y="566331"/>
+            <a:ext cx="7277100" cy="5524500"/>
+          </a:xfrm>
+          <a:prstGeom prst="rect">
+            <a:avLst/>
+          </a:prstGeom>
+        </p:spPr>
+      </p:pic>
+    </p:spTree>
+    <p:extLst>
+      <p:ext uri="{BB962C8B-B14F-4D97-AF65-F5344CB8AC3E}">
+        <p14:creationId xmlns:p14="http://schemas.microsoft.com/office/powerpoint/2010/main" val="224774222"/>
+      </p:ext>
+    </p:extLst>
+  </p:cSld>
+  <p:clrMapOvr>
+    <a:masterClrMapping/>
+  </p:clrMapOvr>
+</p:sld>
+</file>
+
+<file path=ppt/slides/slide18.xml><?xml version="1.0" encoding="utf-8"?>
+<p:sld xmlns:a="http://schemas.openxmlformats.org/drawingml/2006/main" xmlns:r="http://schemas.openxmlformats.org/officeDocument/2006/relationships" xmlns:p="http://schemas.openxmlformats.org/presentationml/2006/main">
+  <p:cSld>
+    <p:spTree>
+      <p:nvGrpSpPr>
+        <p:cNvPr id="1" name=""/>
+        <p:cNvGrpSpPr/>
+        <p:nvPr/>
+      </p:nvGrpSpPr>
+      <p:grpSpPr>
+        <a:xfrm>
+          <a:off x="0" y="0"/>
+          <a:ext cx="0" cy="0"/>
+          <a:chOff x="0" y="0"/>
+          <a:chExt cx="0" cy="0"/>
+        </a:xfrm>
+      </p:grpSpPr>
+      <p:sp>
+        <p:nvSpPr>
+          <p:cNvPr id="2" name="Title 1">
+            <a:extLst>
+              <a:ext uri="{FF2B5EF4-FFF2-40B4-BE49-F238E27FC236}">
+                <a16:creationId xmlns:a16="http://schemas.microsoft.com/office/drawing/2014/main" id="{5E28134D-6B5F-5844-284E-FAD8B9F06950}"/>
+              </a:ext>
+            </a:extLst>
+          </p:cNvPr>
+          <p:cNvSpPr>
+            <a:spLocks noGrp="1"/>
+          </p:cNvSpPr>
+          <p:nvPr>
+            <p:ph type="title"/>
+          </p:nvPr>
+        </p:nvSpPr>
+        <p:spPr>
+          <a:xfrm>
+            <a:off x="8556819" y="509778"/>
+            <a:ext cx="3420256" cy="3733764"/>
+          </a:xfrm>
+        </p:spPr>
+        <p:txBody>
+          <a:bodyPr>
+            <a:normAutofit fontScale="90000"/>
+          </a:bodyPr>
+          <a:lstStyle/>
+          <a:p>
+            <a:r>
+              <a:rPr lang="en-US" dirty="0"/>
+              <a:t>As </a:t>
+            </a:r>
+            <a:r>
+              <a:rPr lang="en-US" dirty="0" err="1"/>
+              <a:t>Revol</a:t>
+            </a:r>
+            <a:r>
+              <a:rPr lang="en-US" dirty="0"/>
+              <a:t> Balance increases , Charged off percent deceases </a:t>
+            </a:r>
+            <a:r>
+              <a:rPr lang="en-US" dirty="0" err="1"/>
+              <a:t>i.e</a:t>
+            </a:r>
+            <a:r>
+              <a:rPr lang="en-US" dirty="0"/>
+              <a:t> Charged off is more when rev balance is low </a:t>
+            </a:r>
+            <a:r>
+              <a:rPr lang="en-US" dirty="0" err="1"/>
+              <a:t>i.e</a:t>
+            </a:r>
+            <a:r>
+              <a:rPr lang="en-US" dirty="0"/>
+              <a:t> </a:t>
+            </a:r>
+            <a:br>
+              <a:rPr lang="en-US" dirty="0"/>
+            </a:br>
+            <a:r>
+              <a:rPr lang="en-US" dirty="0"/>
+              <a:t>in range of 0-4000 and 4000-8000</a:t>
+            </a:r>
+          </a:p>
+        </p:txBody>
+      </p:sp>
+      <p:sp>
+        <p:nvSpPr>
+          <p:cNvPr id="4" name="Content Placeholder 3">
+            <a:extLst>
+              <a:ext uri="{FF2B5EF4-FFF2-40B4-BE49-F238E27FC236}">
+                <a16:creationId xmlns:a16="http://schemas.microsoft.com/office/drawing/2014/main" id="{0DCB427B-AEC3-94A2-9F4D-3B43C74DA463}"/>
+              </a:ext>
+            </a:extLst>
+          </p:cNvPr>
+          <p:cNvSpPr>
+            <a:spLocks noGrp="1"/>
+          </p:cNvSpPr>
+          <p:nvPr>
+            <p:ph idx="1"/>
+          </p:nvPr>
+        </p:nvSpPr>
+        <p:spPr/>
+        <p:txBody>
+          <a:bodyPr/>
+          <a:lstStyle/>
+          <a:p>
+            <a:endParaRPr lang="en-US" dirty="0"/>
+          </a:p>
+        </p:txBody>
+      </p:sp>
+      <p:pic>
+        <p:nvPicPr>
+          <p:cNvPr id="6" name="Picture 5">
+            <a:extLst>
+              <a:ext uri="{FF2B5EF4-FFF2-40B4-BE49-F238E27FC236}">
+                <a16:creationId xmlns:a16="http://schemas.microsoft.com/office/drawing/2014/main" id="{29A898C4-D36C-E88F-AD77-B34E45235B9C}"/>
+              </a:ext>
+            </a:extLst>
+          </p:cNvPr>
+          <p:cNvPicPr>
+            <a:picLocks noChangeAspect="1"/>
+          </p:cNvPicPr>
+          <p:nvPr/>
+        </p:nvPicPr>
+        <p:blipFill>
+          <a:blip r:embed="rId2"/>
+          <a:stretch>
+            <a:fillRect/>
+          </a:stretch>
+        </p:blipFill>
+        <p:spPr>
+          <a:xfrm>
+            <a:off x="214925" y="69850"/>
+            <a:ext cx="7277100" cy="6718300"/>
+          </a:xfrm>
+          <a:prstGeom prst="rect">
+            <a:avLst/>
+          </a:prstGeom>
+        </p:spPr>
+      </p:pic>
+    </p:spTree>
+    <p:extLst>
+      <p:ext uri="{BB962C8B-B14F-4D97-AF65-F5344CB8AC3E}">
+        <p14:creationId xmlns:p14="http://schemas.microsoft.com/office/powerpoint/2010/main" val="2926121545"/>
+      </p:ext>
+    </p:extLst>
+  </p:cSld>
+  <p:clrMapOvr>
+    <a:masterClrMapping/>
+  </p:clrMapOvr>
+</p:sld>
+</file>
+
+<file path=ppt/slides/slide19.xml><?xml version="1.0" encoding="utf-8"?>
+<p:sld xmlns:a="http://schemas.openxmlformats.org/drawingml/2006/main" xmlns:r="http://schemas.openxmlformats.org/officeDocument/2006/relationships" xmlns:p="http://schemas.openxmlformats.org/presentationml/2006/main">
+  <p:cSld>
+    <p:spTree>
+      <p:nvGrpSpPr>
+        <p:cNvPr id="1" name=""/>
+        <p:cNvGrpSpPr/>
+        <p:nvPr/>
+      </p:nvGrpSpPr>
+      <p:grpSpPr>
+        <a:xfrm>
+          <a:off x="0" y="0"/>
+          <a:ext cx="0" cy="0"/>
+          <a:chOff x="0" y="0"/>
+          <a:chExt cx="0" cy="0"/>
+        </a:xfrm>
+      </p:grpSpPr>
+      <p:sp>
+        <p:nvSpPr>
+          <p:cNvPr id="2" name="Title 1">
+            <a:extLst>
+              <a:ext uri="{FF2B5EF4-FFF2-40B4-BE49-F238E27FC236}">
+                <a16:creationId xmlns:a16="http://schemas.microsoft.com/office/drawing/2014/main" id="{5E28134D-6B5F-5844-284E-FAD8B9F06950}"/>
+              </a:ext>
+            </a:extLst>
+          </p:cNvPr>
+          <p:cNvSpPr>
+            <a:spLocks noGrp="1"/>
+          </p:cNvSpPr>
+          <p:nvPr>
+            <p:ph type="title"/>
+          </p:nvPr>
+        </p:nvSpPr>
+        <p:spPr>
+          <a:xfrm>
+            <a:off x="8556819" y="509778"/>
+            <a:ext cx="3420256" cy="3733764"/>
+          </a:xfrm>
+        </p:spPr>
+        <p:txBody>
+          <a:bodyPr>
+            <a:normAutofit fontScale="90000"/>
+          </a:bodyPr>
+          <a:lstStyle/>
+          <a:p>
+            <a:r>
+              <a:rPr lang="en-US" dirty="0"/>
+              <a:t>As Total Payment is increasing charged off  is decreasing . For low total payment (0-5000) charged off is more</a:t>
+            </a:r>
+          </a:p>
+        </p:txBody>
+      </p:sp>
+      <p:sp>
+        <p:nvSpPr>
+          <p:cNvPr id="4" name="Content Placeholder 3">
+            <a:extLst>
+              <a:ext uri="{FF2B5EF4-FFF2-40B4-BE49-F238E27FC236}">
+                <a16:creationId xmlns:a16="http://schemas.microsoft.com/office/drawing/2014/main" id="{0DCB427B-AEC3-94A2-9F4D-3B43C74DA463}"/>
+              </a:ext>
+            </a:extLst>
+          </p:cNvPr>
+          <p:cNvSpPr>
+            <a:spLocks noGrp="1"/>
+          </p:cNvSpPr>
+          <p:nvPr>
+            <p:ph idx="1"/>
+          </p:nvPr>
+        </p:nvSpPr>
+        <p:spPr/>
+        <p:txBody>
+          <a:bodyPr/>
+          <a:lstStyle/>
+          <a:p>
+            <a:endParaRPr lang="en-US" dirty="0"/>
+          </a:p>
+        </p:txBody>
+      </p:sp>
+      <p:pic>
+        <p:nvPicPr>
+          <p:cNvPr id="3" name="Picture 2">
+            <a:extLst>
+              <a:ext uri="{FF2B5EF4-FFF2-40B4-BE49-F238E27FC236}">
+                <a16:creationId xmlns:a16="http://schemas.microsoft.com/office/drawing/2014/main" id="{06515ED0-8303-8A03-5613-330B7F392EFA}"/>
+              </a:ext>
+            </a:extLst>
+          </p:cNvPr>
+          <p:cNvPicPr>
+            <a:picLocks noChangeAspect="1"/>
+          </p:cNvPicPr>
+          <p:nvPr/>
+        </p:nvPicPr>
+        <p:blipFill>
+          <a:blip r:embed="rId2"/>
+          <a:stretch>
+            <a:fillRect/>
+          </a:stretch>
+        </p:blipFill>
+        <p:spPr>
+          <a:xfrm>
+            <a:off x="420102" y="617621"/>
+            <a:ext cx="7277100" cy="5486400"/>
+          </a:xfrm>
+          <a:prstGeom prst="rect">
+            <a:avLst/>
+          </a:prstGeom>
+        </p:spPr>
+      </p:pic>
+    </p:spTree>
+    <p:extLst>
+      <p:ext uri="{BB962C8B-B14F-4D97-AF65-F5344CB8AC3E}">
+        <p14:creationId xmlns:p14="http://schemas.microsoft.com/office/powerpoint/2010/main" val="2976376830"/>
+      </p:ext>
+    </p:extLst>
+  </p:cSld>
+  <p:clrMapOvr>
+    <a:masterClrMapping/>
+  </p:clrMapOvr>
+</p:sld>
+</file>
+
 <file path=ppt/slides/slide2.xml><?xml version="1.0" encoding="utf-8"?>
 <p:sld xmlns:a="http://schemas.openxmlformats.org/drawingml/2006/main" xmlns:r="http://schemas.openxmlformats.org/officeDocument/2006/relationships" xmlns:p="http://schemas.openxmlformats.org/presentationml/2006/main">
   <p:cSld>
@@ -5287,6 +6214,876 @@
     <p:extLst>
       <p:ext uri="{BB962C8B-B14F-4D97-AF65-F5344CB8AC3E}">
         <p14:creationId xmlns:p14="http://schemas.microsoft.com/office/powerpoint/2010/main" val="2713953449"/>
+      </p:ext>
+    </p:extLst>
+  </p:cSld>
+  <p:clrMapOvr>
+    <a:masterClrMapping/>
+  </p:clrMapOvr>
+</p:sld>
+</file>
+
+<file path=ppt/slides/slide20.xml><?xml version="1.0" encoding="utf-8"?>
+<p:sld xmlns:a="http://schemas.openxmlformats.org/drawingml/2006/main" xmlns:r="http://schemas.openxmlformats.org/officeDocument/2006/relationships" xmlns:p="http://schemas.openxmlformats.org/presentationml/2006/main">
+  <p:cSld>
+    <p:spTree>
+      <p:nvGrpSpPr>
+        <p:cNvPr id="1" name=""/>
+        <p:cNvGrpSpPr/>
+        <p:nvPr/>
+      </p:nvGrpSpPr>
+      <p:grpSpPr>
+        <a:xfrm>
+          <a:off x="0" y="0"/>
+          <a:ext cx="0" cy="0"/>
+          <a:chOff x="0" y="0"/>
+          <a:chExt cx="0" cy="0"/>
+        </a:xfrm>
+      </p:grpSpPr>
+      <p:sp>
+        <p:nvSpPr>
+          <p:cNvPr id="2" name="Title 1">
+            <a:extLst>
+              <a:ext uri="{FF2B5EF4-FFF2-40B4-BE49-F238E27FC236}">
+                <a16:creationId xmlns:a16="http://schemas.microsoft.com/office/drawing/2014/main" id="{5E28134D-6B5F-5844-284E-FAD8B9F06950}"/>
+              </a:ext>
+            </a:extLst>
+          </p:cNvPr>
+          <p:cNvSpPr>
+            <a:spLocks noGrp="1"/>
+          </p:cNvSpPr>
+          <p:nvPr>
+            <p:ph type="title"/>
+          </p:nvPr>
+        </p:nvSpPr>
+        <p:spPr>
+          <a:xfrm>
+            <a:off x="8556819" y="509778"/>
+            <a:ext cx="3420256" cy="3733764"/>
+          </a:xfrm>
+        </p:spPr>
+        <p:txBody>
+          <a:bodyPr>
+            <a:normAutofit/>
+          </a:bodyPr>
+          <a:lstStyle/>
+          <a:p>
+            <a:r>
+              <a:rPr lang="en-US" dirty="0"/>
+              <a:t>People who have 0 public record bankruptcies have done the most charged off</a:t>
+            </a:r>
+          </a:p>
+        </p:txBody>
+      </p:sp>
+      <p:sp>
+        <p:nvSpPr>
+          <p:cNvPr id="4" name="Content Placeholder 3">
+            <a:extLst>
+              <a:ext uri="{FF2B5EF4-FFF2-40B4-BE49-F238E27FC236}">
+                <a16:creationId xmlns:a16="http://schemas.microsoft.com/office/drawing/2014/main" id="{0DCB427B-AEC3-94A2-9F4D-3B43C74DA463}"/>
+              </a:ext>
+            </a:extLst>
+          </p:cNvPr>
+          <p:cNvSpPr>
+            <a:spLocks noGrp="1"/>
+          </p:cNvSpPr>
+          <p:nvPr>
+            <p:ph idx="1"/>
+          </p:nvPr>
+        </p:nvSpPr>
+        <p:spPr/>
+        <p:txBody>
+          <a:bodyPr/>
+          <a:lstStyle/>
+          <a:p>
+            <a:endParaRPr lang="en-US" dirty="0"/>
+          </a:p>
+        </p:txBody>
+      </p:sp>
+      <p:pic>
+        <p:nvPicPr>
+          <p:cNvPr id="5" name="Picture 4">
+            <a:extLst>
+              <a:ext uri="{FF2B5EF4-FFF2-40B4-BE49-F238E27FC236}">
+                <a16:creationId xmlns:a16="http://schemas.microsoft.com/office/drawing/2014/main" id="{648A29AC-A869-EEDB-257F-1EF703FAE284}"/>
+              </a:ext>
+            </a:extLst>
+          </p:cNvPr>
+          <p:cNvPicPr>
+            <a:picLocks noChangeAspect="1"/>
+          </p:cNvPicPr>
+          <p:nvPr/>
+        </p:nvPicPr>
+        <p:blipFill>
+          <a:blip r:embed="rId2"/>
+          <a:stretch>
+            <a:fillRect/>
+          </a:stretch>
+        </p:blipFill>
+        <p:spPr>
+          <a:xfrm>
+            <a:off x="272796" y="452628"/>
+            <a:ext cx="7277100" cy="5486400"/>
+          </a:xfrm>
+          <a:prstGeom prst="rect">
+            <a:avLst/>
+          </a:prstGeom>
+        </p:spPr>
+      </p:pic>
+    </p:spTree>
+    <p:extLst>
+      <p:ext uri="{BB962C8B-B14F-4D97-AF65-F5344CB8AC3E}">
+        <p14:creationId xmlns:p14="http://schemas.microsoft.com/office/powerpoint/2010/main" val="3750370422"/>
+      </p:ext>
+    </p:extLst>
+  </p:cSld>
+  <p:clrMapOvr>
+    <a:masterClrMapping/>
+  </p:clrMapOvr>
+</p:sld>
+</file>
+
+<file path=ppt/slides/slide21.xml><?xml version="1.0" encoding="utf-8"?>
+<p:sld xmlns:a="http://schemas.openxmlformats.org/drawingml/2006/main" xmlns:r="http://schemas.openxmlformats.org/officeDocument/2006/relationships" xmlns:p="http://schemas.openxmlformats.org/presentationml/2006/main">
+  <p:cSld>
+    <p:spTree>
+      <p:nvGrpSpPr>
+        <p:cNvPr id="1" name=""/>
+        <p:cNvGrpSpPr/>
+        <p:nvPr/>
+      </p:nvGrpSpPr>
+      <p:grpSpPr>
+        <a:xfrm>
+          <a:off x="0" y="0"/>
+          <a:ext cx="0" cy="0"/>
+          <a:chOff x="0" y="0"/>
+          <a:chExt cx="0" cy="0"/>
+        </a:xfrm>
+      </p:grpSpPr>
+      <p:sp>
+        <p:nvSpPr>
+          <p:cNvPr id="2" name="Title 1">
+            <a:extLst>
+              <a:ext uri="{FF2B5EF4-FFF2-40B4-BE49-F238E27FC236}">
+                <a16:creationId xmlns:a16="http://schemas.microsoft.com/office/drawing/2014/main" id="{5E28134D-6B5F-5844-284E-FAD8B9F06950}"/>
+              </a:ext>
+            </a:extLst>
+          </p:cNvPr>
+          <p:cNvSpPr>
+            <a:spLocks noGrp="1"/>
+          </p:cNvSpPr>
+          <p:nvPr>
+            <p:ph type="title"/>
+          </p:nvPr>
+        </p:nvSpPr>
+        <p:spPr>
+          <a:xfrm>
+            <a:off x="8604945" y="2466915"/>
+            <a:ext cx="3420256" cy="3733764"/>
+          </a:xfrm>
+        </p:spPr>
+        <p:txBody>
+          <a:bodyPr>
+            <a:normAutofit fontScale="90000"/>
+          </a:bodyPr>
+          <a:lstStyle/>
+          <a:p>
+            <a:r>
+              <a:rPr lang="en-US" dirty="0"/>
+              <a:t>We can observe from this that As Last payment is done close to issue date then there is more chances of charged off</a:t>
+            </a:r>
+            <a:br>
+              <a:rPr lang="en-US" dirty="0"/>
+            </a:br>
+            <a:r>
+              <a:rPr lang="en-US" dirty="0"/>
+              <a:t>Last payment date is within 2 years of issue date then there is more chances of default .</a:t>
+            </a:r>
+          </a:p>
+        </p:txBody>
+      </p:sp>
+      <p:sp>
+        <p:nvSpPr>
+          <p:cNvPr id="4" name="Content Placeholder 3">
+            <a:extLst>
+              <a:ext uri="{FF2B5EF4-FFF2-40B4-BE49-F238E27FC236}">
+                <a16:creationId xmlns:a16="http://schemas.microsoft.com/office/drawing/2014/main" id="{0DCB427B-AEC3-94A2-9F4D-3B43C74DA463}"/>
+              </a:ext>
+            </a:extLst>
+          </p:cNvPr>
+          <p:cNvSpPr>
+            <a:spLocks noGrp="1"/>
+          </p:cNvSpPr>
+          <p:nvPr>
+            <p:ph idx="1"/>
+          </p:nvPr>
+        </p:nvSpPr>
+        <p:spPr/>
+        <p:txBody>
+          <a:bodyPr/>
+          <a:lstStyle/>
+          <a:p>
+            <a:endParaRPr lang="en-US" dirty="0"/>
+          </a:p>
+        </p:txBody>
+      </p:sp>
+      <p:pic>
+        <p:nvPicPr>
+          <p:cNvPr id="3" name="Picture 2">
+            <a:extLst>
+              <a:ext uri="{FF2B5EF4-FFF2-40B4-BE49-F238E27FC236}">
+                <a16:creationId xmlns:a16="http://schemas.microsoft.com/office/drawing/2014/main" id="{2A1ADBF4-F9B6-1DA0-72FE-1EA8AB048B3D}"/>
+              </a:ext>
+            </a:extLst>
+          </p:cNvPr>
+          <p:cNvPicPr>
+            <a:picLocks noChangeAspect="1"/>
+          </p:cNvPicPr>
+          <p:nvPr/>
+        </p:nvPicPr>
+        <p:blipFill>
+          <a:blip r:embed="rId2"/>
+          <a:stretch>
+            <a:fillRect/>
+          </a:stretch>
+        </p:blipFill>
+        <p:spPr>
+          <a:xfrm rot="5400000">
+            <a:off x="1214973" y="-646515"/>
+            <a:ext cx="5958150" cy="7736237"/>
+          </a:xfrm>
+          <a:prstGeom prst="rect">
+            <a:avLst/>
+          </a:prstGeom>
+        </p:spPr>
+      </p:pic>
+    </p:spTree>
+    <p:extLst>
+      <p:ext uri="{BB962C8B-B14F-4D97-AF65-F5344CB8AC3E}">
+        <p14:creationId xmlns:p14="http://schemas.microsoft.com/office/powerpoint/2010/main" val="3024043619"/>
+      </p:ext>
+    </p:extLst>
+  </p:cSld>
+  <p:clrMapOvr>
+    <a:masterClrMapping/>
+  </p:clrMapOvr>
+</p:sld>
+</file>
+
+<file path=ppt/slides/slide22.xml><?xml version="1.0" encoding="utf-8"?>
+<p:sld xmlns:a="http://schemas.openxmlformats.org/drawingml/2006/main" xmlns:r="http://schemas.openxmlformats.org/officeDocument/2006/relationships" xmlns:p="http://schemas.openxmlformats.org/presentationml/2006/main">
+  <p:cSld>
+    <p:spTree>
+      <p:nvGrpSpPr>
+        <p:cNvPr id="1" name=""/>
+        <p:cNvGrpSpPr/>
+        <p:nvPr/>
+      </p:nvGrpSpPr>
+      <p:grpSpPr>
+        <a:xfrm>
+          <a:off x="0" y="0"/>
+          <a:ext cx="0" cy="0"/>
+          <a:chOff x="0" y="0"/>
+          <a:chExt cx="0" cy="0"/>
+        </a:xfrm>
+      </p:grpSpPr>
+      <p:sp>
+        <p:nvSpPr>
+          <p:cNvPr id="2" name="Title 1">
+            <a:extLst>
+              <a:ext uri="{FF2B5EF4-FFF2-40B4-BE49-F238E27FC236}">
+                <a16:creationId xmlns:a16="http://schemas.microsoft.com/office/drawing/2014/main" id="{5E28134D-6B5F-5844-284E-FAD8B9F06950}"/>
+              </a:ext>
+            </a:extLst>
+          </p:cNvPr>
+          <p:cNvSpPr>
+            <a:spLocks noGrp="1"/>
+          </p:cNvSpPr>
+          <p:nvPr>
+            <p:ph type="title"/>
+          </p:nvPr>
+        </p:nvSpPr>
+        <p:spPr>
+          <a:xfrm>
+            <a:off x="8604945" y="2466915"/>
+            <a:ext cx="3420256" cy="3733764"/>
+          </a:xfrm>
+        </p:spPr>
+        <p:txBody>
+          <a:bodyPr>
+            <a:normAutofit fontScale="90000"/>
+          </a:bodyPr>
+          <a:lstStyle/>
+          <a:p>
+            <a:r>
+              <a:rPr lang="en-US" dirty="0"/>
+              <a:t>As the number of months since the borrower's last delinquency increases the charged off percent decreases . So, If borrower's has done delinquency recently then charged off chance is more .</a:t>
+            </a:r>
+          </a:p>
+        </p:txBody>
+      </p:sp>
+      <p:sp>
+        <p:nvSpPr>
+          <p:cNvPr id="4" name="Content Placeholder 3">
+            <a:extLst>
+              <a:ext uri="{FF2B5EF4-FFF2-40B4-BE49-F238E27FC236}">
+                <a16:creationId xmlns:a16="http://schemas.microsoft.com/office/drawing/2014/main" id="{0DCB427B-AEC3-94A2-9F4D-3B43C74DA463}"/>
+              </a:ext>
+            </a:extLst>
+          </p:cNvPr>
+          <p:cNvSpPr>
+            <a:spLocks noGrp="1"/>
+          </p:cNvSpPr>
+          <p:nvPr>
+            <p:ph idx="1"/>
+          </p:nvPr>
+        </p:nvSpPr>
+        <p:spPr/>
+        <p:txBody>
+          <a:bodyPr/>
+          <a:lstStyle/>
+          <a:p>
+            <a:endParaRPr lang="en-US" dirty="0"/>
+          </a:p>
+        </p:txBody>
+      </p:sp>
+      <p:pic>
+        <p:nvPicPr>
+          <p:cNvPr id="5" name="Picture 4">
+            <a:extLst>
+              <a:ext uri="{FF2B5EF4-FFF2-40B4-BE49-F238E27FC236}">
+                <a16:creationId xmlns:a16="http://schemas.microsoft.com/office/drawing/2014/main" id="{F7C5A3B6-F647-978D-59AF-F0834896F8BA}"/>
+              </a:ext>
+            </a:extLst>
+          </p:cNvPr>
+          <p:cNvPicPr>
+            <a:picLocks noChangeAspect="1"/>
+          </p:cNvPicPr>
+          <p:nvPr/>
+        </p:nvPicPr>
+        <p:blipFill>
+          <a:blip r:embed="rId2"/>
+          <a:stretch>
+            <a:fillRect/>
+          </a:stretch>
+        </p:blipFill>
+        <p:spPr>
+          <a:xfrm>
+            <a:off x="800321" y="393700"/>
+            <a:ext cx="7277100" cy="6070600"/>
+          </a:xfrm>
+          <a:prstGeom prst="rect">
+            <a:avLst/>
+          </a:prstGeom>
+        </p:spPr>
+      </p:pic>
+    </p:spTree>
+    <p:extLst>
+      <p:ext uri="{BB962C8B-B14F-4D97-AF65-F5344CB8AC3E}">
+        <p14:creationId xmlns:p14="http://schemas.microsoft.com/office/powerpoint/2010/main" val="259479881"/>
+      </p:ext>
+    </p:extLst>
+  </p:cSld>
+  <p:clrMapOvr>
+    <a:masterClrMapping/>
+  </p:clrMapOvr>
+</p:sld>
+</file>
+
+<file path=ppt/slides/slide23.xml><?xml version="1.0" encoding="utf-8"?>
+<p:sld xmlns:a="http://schemas.openxmlformats.org/drawingml/2006/main" xmlns:r="http://schemas.openxmlformats.org/officeDocument/2006/relationships" xmlns:p="http://schemas.openxmlformats.org/presentationml/2006/main">
+  <p:cSld>
+    <p:spTree>
+      <p:nvGrpSpPr>
+        <p:cNvPr id="1" name=""/>
+        <p:cNvGrpSpPr/>
+        <p:nvPr/>
+      </p:nvGrpSpPr>
+      <p:grpSpPr>
+        <a:xfrm>
+          <a:off x="0" y="0"/>
+          <a:ext cx="0" cy="0"/>
+          <a:chOff x="0" y="0"/>
+          <a:chExt cx="0" cy="0"/>
+        </a:xfrm>
+      </p:grpSpPr>
+      <p:sp>
+        <p:nvSpPr>
+          <p:cNvPr id="2" name="Title 1">
+            <a:extLst>
+              <a:ext uri="{FF2B5EF4-FFF2-40B4-BE49-F238E27FC236}">
+                <a16:creationId xmlns:a16="http://schemas.microsoft.com/office/drawing/2014/main" id="{5E28134D-6B5F-5844-284E-FAD8B9F06950}"/>
+              </a:ext>
+            </a:extLst>
+          </p:cNvPr>
+          <p:cNvSpPr>
+            <a:spLocks noGrp="1"/>
+          </p:cNvSpPr>
+          <p:nvPr>
+            <p:ph type="title"/>
+          </p:nvPr>
+        </p:nvSpPr>
+        <p:spPr>
+          <a:xfrm>
+            <a:off x="8604945" y="1215631"/>
+            <a:ext cx="3420256" cy="3733764"/>
+          </a:xfrm>
+        </p:spPr>
+        <p:txBody>
+          <a:bodyPr>
+            <a:normAutofit fontScale="90000"/>
+          </a:bodyPr>
+          <a:lstStyle/>
+          <a:p>
+            <a:r>
+              <a:rPr lang="en-US" dirty="0"/>
+              <a:t>As recoveries decreases charged off percent decreases . Recoveries in range of (0, 100 ) has the max charged off .</a:t>
+            </a:r>
+          </a:p>
+        </p:txBody>
+      </p:sp>
+      <p:sp>
+        <p:nvSpPr>
+          <p:cNvPr id="4" name="Content Placeholder 3">
+            <a:extLst>
+              <a:ext uri="{FF2B5EF4-FFF2-40B4-BE49-F238E27FC236}">
+                <a16:creationId xmlns:a16="http://schemas.microsoft.com/office/drawing/2014/main" id="{0DCB427B-AEC3-94A2-9F4D-3B43C74DA463}"/>
+              </a:ext>
+            </a:extLst>
+          </p:cNvPr>
+          <p:cNvSpPr>
+            <a:spLocks noGrp="1"/>
+          </p:cNvSpPr>
+          <p:nvPr>
+            <p:ph idx="1"/>
+          </p:nvPr>
+        </p:nvSpPr>
+        <p:spPr/>
+        <p:txBody>
+          <a:bodyPr/>
+          <a:lstStyle/>
+          <a:p>
+            <a:endParaRPr lang="en-US" dirty="0"/>
+          </a:p>
+        </p:txBody>
+      </p:sp>
+      <p:pic>
+        <p:nvPicPr>
+          <p:cNvPr id="3" name="Picture 2">
+            <a:extLst>
+              <a:ext uri="{FF2B5EF4-FFF2-40B4-BE49-F238E27FC236}">
+                <a16:creationId xmlns:a16="http://schemas.microsoft.com/office/drawing/2014/main" id="{936267C9-9971-55E9-BE1C-63B25D4A4204}"/>
+              </a:ext>
+            </a:extLst>
+          </p:cNvPr>
+          <p:cNvPicPr>
+            <a:picLocks noChangeAspect="1"/>
+          </p:cNvPicPr>
+          <p:nvPr/>
+        </p:nvPicPr>
+        <p:blipFill>
+          <a:blip r:embed="rId2"/>
+          <a:stretch>
+            <a:fillRect/>
+          </a:stretch>
+        </p:blipFill>
+        <p:spPr>
+          <a:xfrm>
+            <a:off x="555498" y="139700"/>
+            <a:ext cx="7277100" cy="6578600"/>
+          </a:xfrm>
+          <a:prstGeom prst="rect">
+            <a:avLst/>
+          </a:prstGeom>
+        </p:spPr>
+      </p:pic>
+    </p:spTree>
+    <p:extLst>
+      <p:ext uri="{BB962C8B-B14F-4D97-AF65-F5344CB8AC3E}">
+        <p14:creationId xmlns:p14="http://schemas.microsoft.com/office/powerpoint/2010/main" val="2988843931"/>
+      </p:ext>
+    </p:extLst>
+  </p:cSld>
+  <p:clrMapOvr>
+    <a:masterClrMapping/>
+  </p:clrMapOvr>
+</p:sld>
+</file>
+
+<file path=ppt/slides/slide24.xml><?xml version="1.0" encoding="utf-8"?>
+<p:sld xmlns:a="http://schemas.openxmlformats.org/drawingml/2006/main" xmlns:r="http://schemas.openxmlformats.org/officeDocument/2006/relationships" xmlns:p="http://schemas.openxmlformats.org/presentationml/2006/main">
+  <p:cSld>
+    <p:spTree>
+      <p:nvGrpSpPr>
+        <p:cNvPr id="1" name=""/>
+        <p:cNvGrpSpPr/>
+        <p:nvPr/>
+      </p:nvGrpSpPr>
+      <p:grpSpPr>
+        <a:xfrm>
+          <a:off x="0" y="0"/>
+          <a:ext cx="0" cy="0"/>
+          <a:chOff x="0" y="0"/>
+          <a:chExt cx="0" cy="0"/>
+        </a:xfrm>
+      </p:grpSpPr>
+      <p:sp>
+        <p:nvSpPr>
+          <p:cNvPr id="2" name="Title 1">
+            <a:extLst>
+              <a:ext uri="{FF2B5EF4-FFF2-40B4-BE49-F238E27FC236}">
+                <a16:creationId xmlns:a16="http://schemas.microsoft.com/office/drawing/2014/main" id="{5E28134D-6B5F-5844-284E-FAD8B9F06950}"/>
+              </a:ext>
+            </a:extLst>
+          </p:cNvPr>
+          <p:cNvSpPr>
+            <a:spLocks noGrp="1"/>
+          </p:cNvSpPr>
+          <p:nvPr>
+            <p:ph type="title"/>
+          </p:nvPr>
+        </p:nvSpPr>
+        <p:spPr>
+          <a:xfrm>
+            <a:off x="8604945" y="1215631"/>
+            <a:ext cx="3420256" cy="3733764"/>
+          </a:xfrm>
+        </p:spPr>
+        <p:txBody>
+          <a:bodyPr>
+            <a:normAutofit/>
+          </a:bodyPr>
+          <a:lstStyle/>
+          <a:p>
+            <a:r>
+              <a:rPr lang="en-US" dirty="0"/>
+              <a:t>In 2016 last credit pull date year charged off is maximum . Will find out patterns in month</a:t>
+            </a:r>
+          </a:p>
+        </p:txBody>
+      </p:sp>
+      <p:sp>
+        <p:nvSpPr>
+          <p:cNvPr id="4" name="Content Placeholder 3">
+            <a:extLst>
+              <a:ext uri="{FF2B5EF4-FFF2-40B4-BE49-F238E27FC236}">
+                <a16:creationId xmlns:a16="http://schemas.microsoft.com/office/drawing/2014/main" id="{0DCB427B-AEC3-94A2-9F4D-3B43C74DA463}"/>
+              </a:ext>
+            </a:extLst>
+          </p:cNvPr>
+          <p:cNvSpPr>
+            <a:spLocks noGrp="1"/>
+          </p:cNvSpPr>
+          <p:nvPr>
+            <p:ph idx="1"/>
+          </p:nvPr>
+        </p:nvSpPr>
+        <p:spPr/>
+        <p:txBody>
+          <a:bodyPr/>
+          <a:lstStyle/>
+          <a:p>
+            <a:endParaRPr lang="en-US" dirty="0"/>
+          </a:p>
+        </p:txBody>
+      </p:sp>
+      <p:pic>
+        <p:nvPicPr>
+          <p:cNvPr id="5" name="Picture 4">
+            <a:extLst>
+              <a:ext uri="{FF2B5EF4-FFF2-40B4-BE49-F238E27FC236}">
+                <a16:creationId xmlns:a16="http://schemas.microsoft.com/office/drawing/2014/main" id="{71E8757E-6F44-9BF3-08FB-59BA6F31AF88}"/>
+              </a:ext>
+            </a:extLst>
+          </p:cNvPr>
+          <p:cNvPicPr>
+            <a:picLocks noChangeAspect="1"/>
+          </p:cNvPicPr>
+          <p:nvPr/>
+        </p:nvPicPr>
+        <p:blipFill>
+          <a:blip r:embed="rId2"/>
+          <a:stretch>
+            <a:fillRect/>
+          </a:stretch>
+        </p:blipFill>
+        <p:spPr>
+          <a:xfrm>
+            <a:off x="631698" y="444500"/>
+            <a:ext cx="7124700" cy="5969000"/>
+          </a:xfrm>
+          <a:prstGeom prst="rect">
+            <a:avLst/>
+          </a:prstGeom>
+        </p:spPr>
+      </p:pic>
+    </p:spTree>
+    <p:extLst>
+      <p:ext uri="{BB962C8B-B14F-4D97-AF65-F5344CB8AC3E}">
+        <p14:creationId xmlns:p14="http://schemas.microsoft.com/office/powerpoint/2010/main" val="2420173072"/>
+      </p:ext>
+    </p:extLst>
+  </p:cSld>
+  <p:clrMapOvr>
+    <a:masterClrMapping/>
+  </p:clrMapOvr>
+</p:sld>
+</file>
+
+<file path=ppt/slides/slide25.xml><?xml version="1.0" encoding="utf-8"?>
+<p:sld xmlns:a="http://schemas.openxmlformats.org/drawingml/2006/main" xmlns:r="http://schemas.openxmlformats.org/officeDocument/2006/relationships" xmlns:p="http://schemas.openxmlformats.org/presentationml/2006/main">
+  <p:cSld>
+    <p:spTree>
+      <p:nvGrpSpPr>
+        <p:cNvPr id="1" name=""/>
+        <p:cNvGrpSpPr/>
+        <p:nvPr/>
+      </p:nvGrpSpPr>
+      <p:grpSpPr>
+        <a:xfrm>
+          <a:off x="0" y="0"/>
+          <a:ext cx="0" cy="0"/>
+          <a:chOff x="0" y="0"/>
+          <a:chExt cx="0" cy="0"/>
+        </a:xfrm>
+      </p:grpSpPr>
+      <p:sp>
+        <p:nvSpPr>
+          <p:cNvPr id="2" name="Title 1">
+            <a:extLst>
+              <a:ext uri="{FF2B5EF4-FFF2-40B4-BE49-F238E27FC236}">
+                <a16:creationId xmlns:a16="http://schemas.microsoft.com/office/drawing/2014/main" id="{5E28134D-6B5F-5844-284E-FAD8B9F06950}"/>
+              </a:ext>
+            </a:extLst>
+          </p:cNvPr>
+          <p:cNvSpPr>
+            <a:spLocks noGrp="1"/>
+          </p:cNvSpPr>
+          <p:nvPr>
+            <p:ph type="title"/>
+          </p:nvPr>
+        </p:nvSpPr>
+        <p:spPr>
+          <a:xfrm>
+            <a:off x="8604945" y="1215631"/>
+            <a:ext cx="3420256" cy="3733764"/>
+          </a:xfrm>
+        </p:spPr>
+        <p:txBody>
+          <a:bodyPr>
+            <a:normAutofit/>
+          </a:bodyPr>
+          <a:lstStyle/>
+          <a:p>
+            <a:r>
+              <a:rPr lang="en-US" dirty="0"/>
+              <a:t>In Month 5 </a:t>
+            </a:r>
+            <a:r>
+              <a:rPr lang="en-US" dirty="0" err="1"/>
+              <a:t>i.e</a:t>
+            </a:r>
+            <a:r>
+              <a:rPr lang="en-US" dirty="0"/>
+              <a:t> May </a:t>
+            </a:r>
+            <a:r>
+              <a:rPr lang="en-US" dirty="0" err="1"/>
+              <a:t>last_credit_pull_date</a:t>
+            </a:r>
+            <a:r>
+              <a:rPr lang="en-US" dirty="0"/>
+              <a:t> maximum charged off</a:t>
+            </a:r>
+          </a:p>
+        </p:txBody>
+      </p:sp>
+      <p:sp>
+        <p:nvSpPr>
+          <p:cNvPr id="4" name="Content Placeholder 3">
+            <a:extLst>
+              <a:ext uri="{FF2B5EF4-FFF2-40B4-BE49-F238E27FC236}">
+                <a16:creationId xmlns:a16="http://schemas.microsoft.com/office/drawing/2014/main" id="{0DCB427B-AEC3-94A2-9F4D-3B43C74DA463}"/>
+              </a:ext>
+            </a:extLst>
+          </p:cNvPr>
+          <p:cNvSpPr>
+            <a:spLocks noGrp="1"/>
+          </p:cNvSpPr>
+          <p:nvPr>
+            <p:ph idx="1"/>
+          </p:nvPr>
+        </p:nvSpPr>
+        <p:spPr/>
+        <p:txBody>
+          <a:bodyPr/>
+          <a:lstStyle/>
+          <a:p>
+            <a:endParaRPr lang="en-US" dirty="0"/>
+          </a:p>
+        </p:txBody>
+      </p:sp>
+      <p:pic>
+        <p:nvPicPr>
+          <p:cNvPr id="3" name="Picture 2">
+            <a:extLst>
+              <a:ext uri="{FF2B5EF4-FFF2-40B4-BE49-F238E27FC236}">
+                <a16:creationId xmlns:a16="http://schemas.microsoft.com/office/drawing/2014/main" id="{4B886B6A-D42C-5C19-19E2-B5BDDA92E07E}"/>
+              </a:ext>
+            </a:extLst>
+          </p:cNvPr>
+          <p:cNvPicPr>
+            <a:picLocks noChangeAspect="1"/>
+          </p:cNvPicPr>
+          <p:nvPr/>
+        </p:nvPicPr>
+        <p:blipFill>
+          <a:blip r:embed="rId2"/>
+          <a:stretch>
+            <a:fillRect/>
+          </a:stretch>
+        </p:blipFill>
+        <p:spPr>
+          <a:xfrm>
+            <a:off x="631698" y="331978"/>
+            <a:ext cx="7124700" cy="5727700"/>
+          </a:xfrm>
+          <a:prstGeom prst="rect">
+            <a:avLst/>
+          </a:prstGeom>
+        </p:spPr>
+      </p:pic>
+    </p:spTree>
+    <p:extLst>
+      <p:ext uri="{BB962C8B-B14F-4D97-AF65-F5344CB8AC3E}">
+        <p14:creationId xmlns:p14="http://schemas.microsoft.com/office/powerpoint/2010/main" val="964013599"/>
+      </p:ext>
+    </p:extLst>
+  </p:cSld>
+  <p:clrMapOvr>
+    <a:masterClrMapping/>
+  </p:clrMapOvr>
+</p:sld>
+</file>
+
+<file path=ppt/slides/slide26.xml><?xml version="1.0" encoding="utf-8"?>
+<p:sld xmlns:a="http://schemas.openxmlformats.org/drawingml/2006/main" xmlns:r="http://schemas.openxmlformats.org/officeDocument/2006/relationships" xmlns:p="http://schemas.openxmlformats.org/presentationml/2006/main">
+  <p:cSld>
+    <p:spTree>
+      <p:nvGrpSpPr>
+        <p:cNvPr id="1" name=""/>
+        <p:cNvGrpSpPr/>
+        <p:nvPr/>
+      </p:nvGrpSpPr>
+      <p:grpSpPr>
+        <a:xfrm>
+          <a:off x="0" y="0"/>
+          <a:ext cx="0" cy="0"/>
+          <a:chOff x="0" y="0"/>
+          <a:chExt cx="0" cy="0"/>
+        </a:xfrm>
+      </p:grpSpPr>
+      <p:sp>
+        <p:nvSpPr>
+          <p:cNvPr id="2" name="Title 1">
+            <a:extLst>
+              <a:ext uri="{FF2B5EF4-FFF2-40B4-BE49-F238E27FC236}">
+                <a16:creationId xmlns:a16="http://schemas.microsoft.com/office/drawing/2014/main" id="{5E28134D-6B5F-5844-284E-FAD8B9F06950}"/>
+              </a:ext>
+            </a:extLst>
+          </p:cNvPr>
+          <p:cNvSpPr>
+            <a:spLocks noGrp="1"/>
+          </p:cNvSpPr>
+          <p:nvPr>
+            <p:ph type="title"/>
+          </p:nvPr>
+        </p:nvSpPr>
+        <p:spPr>
+          <a:xfrm>
+            <a:off x="8588903" y="1972092"/>
+            <a:ext cx="3420256" cy="3733764"/>
+          </a:xfrm>
+        </p:spPr>
+        <p:txBody>
+          <a:bodyPr>
+            <a:normAutofit fontScale="90000"/>
+          </a:bodyPr>
+          <a:lstStyle/>
+          <a:p>
+            <a:r>
+              <a:rPr lang="en-US" dirty="0"/>
+              <a:t>As last payment amount increases charged off percent decreases.</a:t>
+            </a:r>
+            <a:br>
+              <a:rPr lang="en-US" dirty="0"/>
+            </a:br>
+            <a:r>
+              <a:rPr lang="en-US" dirty="0"/>
+              <a:t>Last Payment Amount &lt;200 means very high chances of charged off . &lt;400 chances of charged off is high</a:t>
+            </a:r>
+          </a:p>
+        </p:txBody>
+      </p:sp>
+      <p:sp>
+        <p:nvSpPr>
+          <p:cNvPr id="4" name="Content Placeholder 3">
+            <a:extLst>
+              <a:ext uri="{FF2B5EF4-FFF2-40B4-BE49-F238E27FC236}">
+                <a16:creationId xmlns:a16="http://schemas.microsoft.com/office/drawing/2014/main" id="{0DCB427B-AEC3-94A2-9F4D-3B43C74DA463}"/>
+              </a:ext>
+            </a:extLst>
+          </p:cNvPr>
+          <p:cNvSpPr>
+            <a:spLocks noGrp="1"/>
+          </p:cNvSpPr>
+          <p:nvPr>
+            <p:ph idx="1"/>
+          </p:nvPr>
+        </p:nvSpPr>
+        <p:spPr/>
+        <p:txBody>
+          <a:bodyPr/>
+          <a:lstStyle/>
+          <a:p>
+            <a:endParaRPr lang="en-US" dirty="0"/>
+          </a:p>
+        </p:txBody>
+      </p:sp>
+      <p:pic>
+        <p:nvPicPr>
+          <p:cNvPr id="5" name="Picture 4">
+            <a:extLst>
+              <a:ext uri="{FF2B5EF4-FFF2-40B4-BE49-F238E27FC236}">
+                <a16:creationId xmlns:a16="http://schemas.microsoft.com/office/drawing/2014/main" id="{76C392AC-B917-4EA4-978D-AB1E9BFF39B6}"/>
+              </a:ext>
+            </a:extLst>
+          </p:cNvPr>
+          <p:cNvPicPr>
+            <a:picLocks noChangeAspect="1"/>
+          </p:cNvPicPr>
+          <p:nvPr/>
+        </p:nvPicPr>
+        <p:blipFill>
+          <a:blip r:embed="rId2"/>
+          <a:stretch>
+            <a:fillRect/>
+          </a:stretch>
+        </p:blipFill>
+        <p:spPr>
+          <a:xfrm>
+            <a:off x="816222" y="374650"/>
+            <a:ext cx="7124700" cy="6108700"/>
+          </a:xfrm>
+          <a:prstGeom prst="rect">
+            <a:avLst/>
+          </a:prstGeom>
+        </p:spPr>
+      </p:pic>
+    </p:spTree>
+    <p:extLst>
+      <p:ext uri="{BB962C8B-B14F-4D97-AF65-F5344CB8AC3E}">
+        <p14:creationId xmlns:p14="http://schemas.microsoft.com/office/powerpoint/2010/main" val="455428232"/>
       </p:ext>
     </p:extLst>
   </p:cSld>

--- a/LendingClubCaseStudy.pptx
+++ b/LendingClubCaseStudy.pptx
@@ -6,31 +6,33 @@
   </p:sldMasterIdLst>
   <p:sldIdLst>
     <p:sldId id="257" r:id="rId2"/>
-    <p:sldId id="259" r:id="rId3"/>
-    <p:sldId id="258" r:id="rId4"/>
-    <p:sldId id="260" r:id="rId5"/>
-    <p:sldId id="261" r:id="rId6"/>
-    <p:sldId id="262" r:id="rId7"/>
-    <p:sldId id="263" r:id="rId8"/>
-    <p:sldId id="264" r:id="rId9"/>
-    <p:sldId id="265" r:id="rId10"/>
-    <p:sldId id="266" r:id="rId11"/>
-    <p:sldId id="267" r:id="rId12"/>
-    <p:sldId id="268" r:id="rId13"/>
-    <p:sldId id="269" r:id="rId14"/>
-    <p:sldId id="270" r:id="rId15"/>
-    <p:sldId id="271" r:id="rId16"/>
-    <p:sldId id="272" r:id="rId17"/>
-    <p:sldId id="273" r:id="rId18"/>
-    <p:sldId id="274" r:id="rId19"/>
-    <p:sldId id="275" r:id="rId20"/>
-    <p:sldId id="276" r:id="rId21"/>
-    <p:sldId id="277" r:id="rId22"/>
-    <p:sldId id="278" r:id="rId23"/>
-    <p:sldId id="279" r:id="rId24"/>
-    <p:sldId id="280" r:id="rId25"/>
-    <p:sldId id="281" r:id="rId26"/>
-    <p:sldId id="282" r:id="rId27"/>
+    <p:sldId id="283" r:id="rId3"/>
+    <p:sldId id="284" r:id="rId4"/>
+    <p:sldId id="259" r:id="rId5"/>
+    <p:sldId id="258" r:id="rId6"/>
+    <p:sldId id="260" r:id="rId7"/>
+    <p:sldId id="261" r:id="rId8"/>
+    <p:sldId id="262" r:id="rId9"/>
+    <p:sldId id="263" r:id="rId10"/>
+    <p:sldId id="264" r:id="rId11"/>
+    <p:sldId id="265" r:id="rId12"/>
+    <p:sldId id="266" r:id="rId13"/>
+    <p:sldId id="267" r:id="rId14"/>
+    <p:sldId id="268" r:id="rId15"/>
+    <p:sldId id="269" r:id="rId16"/>
+    <p:sldId id="270" r:id="rId17"/>
+    <p:sldId id="271" r:id="rId18"/>
+    <p:sldId id="272" r:id="rId19"/>
+    <p:sldId id="273" r:id="rId20"/>
+    <p:sldId id="274" r:id="rId21"/>
+    <p:sldId id="275" r:id="rId22"/>
+    <p:sldId id="276" r:id="rId23"/>
+    <p:sldId id="277" r:id="rId24"/>
+    <p:sldId id="278" r:id="rId25"/>
+    <p:sldId id="279" r:id="rId26"/>
+    <p:sldId id="280" r:id="rId27"/>
+    <p:sldId id="281" r:id="rId28"/>
+    <p:sldId id="282" r:id="rId29"/>
   </p:sldIdLst>
   <p:sldSz cx="12192000" cy="6858000"/>
   <p:notesSz cx="6858000" cy="9144000"/>
@@ -135,6 +137,3120 @@
     </p:ext>
   </p:extLst>
 </p:presentation>
+</file>
+
+<file path=ppt/diagrams/colors1.xml><?xml version="1.0" encoding="utf-8"?>
+<dgm:colorsDef xmlns:dgm="http://schemas.openxmlformats.org/drawingml/2006/diagram" xmlns:a="http://schemas.openxmlformats.org/drawingml/2006/main" uniqueId="urn:microsoft.com/office/officeart/2005/8/colors/accent1_2">
+  <dgm:title val=""/>
+  <dgm:desc val=""/>
+  <dgm:catLst>
+    <dgm:cat type="accent1" pri="11200"/>
+  </dgm:catLst>
+  <dgm:styleLbl name="node0">
+    <dgm:fillClrLst meth="repeat">
+      <a:schemeClr val="accent1"/>
+    </dgm:fillClrLst>
+    <dgm:linClrLst meth="repeat">
+      <a:schemeClr val="lt1"/>
+    </dgm:linClrLst>
+    <dgm:effectClrLst/>
+    <dgm:txLinClrLst/>
+    <dgm:txFillClrLst/>
+    <dgm:txEffectClrLst/>
+  </dgm:styleLbl>
+  <dgm:styleLbl name="alignNode1">
+    <dgm:fillClrLst meth="repeat">
+      <a:schemeClr val="accent1"/>
+    </dgm:fillClrLst>
+    <dgm:linClrLst meth="repeat">
+      <a:schemeClr val="accent1"/>
+    </dgm:linClrLst>
+    <dgm:effectClrLst/>
+    <dgm:txLinClrLst/>
+    <dgm:txFillClrLst/>
+    <dgm:txEffectClrLst/>
+  </dgm:styleLbl>
+  <dgm:styleLbl name="node1">
+    <dgm:fillClrLst meth="repeat">
+      <a:schemeClr val="accent1"/>
+    </dgm:fillClrLst>
+    <dgm:linClrLst meth="repeat">
+      <a:schemeClr val="lt1"/>
+    </dgm:linClrLst>
+    <dgm:effectClrLst/>
+    <dgm:txLinClrLst/>
+    <dgm:txFillClrLst/>
+    <dgm:txEffectClrLst/>
+  </dgm:styleLbl>
+  <dgm:styleLbl name="lnNode1">
+    <dgm:fillClrLst meth="repeat">
+      <a:schemeClr val="accent1"/>
+    </dgm:fillClrLst>
+    <dgm:linClrLst meth="repeat">
+      <a:schemeClr val="lt1"/>
+    </dgm:linClrLst>
+    <dgm:effectClrLst/>
+    <dgm:txLinClrLst/>
+    <dgm:txFillClrLst/>
+    <dgm:txEffectClrLst/>
+  </dgm:styleLbl>
+  <dgm:styleLbl name="vennNode1">
+    <dgm:fillClrLst meth="repeat">
+      <a:schemeClr val="accent1">
+        <a:alpha val="50000"/>
+      </a:schemeClr>
+    </dgm:fillClrLst>
+    <dgm:linClrLst meth="repeat">
+      <a:schemeClr val="lt1"/>
+    </dgm:linClrLst>
+    <dgm:effectClrLst/>
+    <dgm:txLinClrLst/>
+    <dgm:txFillClrLst/>
+    <dgm:txEffectClrLst/>
+  </dgm:styleLbl>
+  <dgm:styleLbl name="node2">
+    <dgm:fillClrLst meth="repeat">
+      <a:schemeClr val="accent1"/>
+    </dgm:fillClrLst>
+    <dgm:linClrLst meth="repeat">
+      <a:schemeClr val="lt1"/>
+    </dgm:linClrLst>
+    <dgm:effectClrLst/>
+    <dgm:txLinClrLst/>
+    <dgm:txFillClrLst/>
+    <dgm:txEffectClrLst/>
+  </dgm:styleLbl>
+  <dgm:styleLbl name="node3">
+    <dgm:fillClrLst meth="repeat">
+      <a:schemeClr val="accent1"/>
+    </dgm:fillClrLst>
+    <dgm:linClrLst meth="repeat">
+      <a:schemeClr val="lt1"/>
+    </dgm:linClrLst>
+    <dgm:effectClrLst/>
+    <dgm:txLinClrLst/>
+    <dgm:txFillClrLst/>
+    <dgm:txEffectClrLst/>
+  </dgm:styleLbl>
+  <dgm:styleLbl name="node4">
+    <dgm:fillClrLst meth="repeat">
+      <a:schemeClr val="accent1"/>
+    </dgm:fillClrLst>
+    <dgm:linClrLst meth="repeat">
+      <a:schemeClr val="lt1"/>
+    </dgm:linClrLst>
+    <dgm:effectClrLst/>
+    <dgm:txLinClrLst/>
+    <dgm:txFillClrLst/>
+    <dgm:txEffectClrLst/>
+  </dgm:styleLbl>
+  <dgm:styleLbl name="fgImgPlace1">
+    <dgm:fillClrLst meth="repeat">
+      <a:schemeClr val="accent1">
+        <a:tint val="50000"/>
+      </a:schemeClr>
+    </dgm:fillClrLst>
+    <dgm:linClrLst meth="repeat">
+      <a:schemeClr val="lt1"/>
+    </dgm:linClrLst>
+    <dgm:effectClrLst/>
+    <dgm:txLinClrLst/>
+    <dgm:txFillClrLst meth="repeat">
+      <a:schemeClr val="lt1"/>
+    </dgm:txFillClrLst>
+    <dgm:txEffectClrLst/>
+  </dgm:styleLbl>
+  <dgm:styleLbl name="alignImgPlace1">
+    <dgm:fillClrLst meth="repeat">
+      <a:schemeClr val="accent1">
+        <a:tint val="50000"/>
+      </a:schemeClr>
+    </dgm:fillClrLst>
+    <dgm:linClrLst meth="repeat">
+      <a:schemeClr val="lt1"/>
+    </dgm:linClrLst>
+    <dgm:effectClrLst/>
+    <dgm:txLinClrLst/>
+    <dgm:txFillClrLst meth="repeat">
+      <a:schemeClr val="lt1"/>
+    </dgm:txFillClrLst>
+    <dgm:txEffectClrLst/>
+  </dgm:styleLbl>
+  <dgm:styleLbl name="bgImgPlace1">
+    <dgm:fillClrLst meth="repeat">
+      <a:schemeClr val="accent1">
+        <a:tint val="50000"/>
+      </a:schemeClr>
+    </dgm:fillClrLst>
+    <dgm:linClrLst meth="repeat">
+      <a:schemeClr val="lt1"/>
+    </dgm:linClrLst>
+    <dgm:effectClrLst/>
+    <dgm:txLinClrLst/>
+    <dgm:txFillClrLst meth="repeat">
+      <a:schemeClr val="lt1"/>
+    </dgm:txFillClrLst>
+    <dgm:txEffectClrLst/>
+  </dgm:styleLbl>
+  <dgm:styleLbl name="sibTrans2D1">
+    <dgm:fillClrLst meth="repeat">
+      <a:schemeClr val="accent1">
+        <a:tint val="60000"/>
+      </a:schemeClr>
+    </dgm:fillClrLst>
+    <dgm:linClrLst meth="repeat">
+      <a:schemeClr val="accent1">
+        <a:tint val="60000"/>
+      </a:schemeClr>
+    </dgm:linClrLst>
+    <dgm:effectClrLst/>
+    <dgm:txLinClrLst/>
+    <dgm:txFillClrLst/>
+    <dgm:txEffectClrLst/>
+  </dgm:styleLbl>
+  <dgm:styleLbl name="fgSibTrans2D1">
+    <dgm:fillClrLst meth="repeat">
+      <a:schemeClr val="accent1">
+        <a:tint val="60000"/>
+      </a:schemeClr>
+    </dgm:fillClrLst>
+    <dgm:linClrLst meth="repeat">
+      <a:schemeClr val="accent1">
+        <a:tint val="60000"/>
+      </a:schemeClr>
+    </dgm:linClrLst>
+    <dgm:effectClrLst/>
+    <dgm:txLinClrLst/>
+    <dgm:txFillClrLst/>
+    <dgm:txEffectClrLst/>
+  </dgm:styleLbl>
+  <dgm:styleLbl name="bgSibTrans2D1">
+    <dgm:fillClrLst meth="repeat">
+      <a:schemeClr val="accent1">
+        <a:tint val="60000"/>
+      </a:schemeClr>
+    </dgm:fillClrLst>
+    <dgm:linClrLst meth="repeat">
+      <a:schemeClr val="accent1">
+        <a:tint val="60000"/>
+      </a:schemeClr>
+    </dgm:linClrLst>
+    <dgm:effectClrLst/>
+    <dgm:txLinClrLst/>
+    <dgm:txFillClrLst/>
+    <dgm:txEffectClrLst/>
+  </dgm:styleLbl>
+  <dgm:styleLbl name="sibTrans1D1">
+    <dgm:fillClrLst meth="repeat">
+      <a:schemeClr val="accent1"/>
+    </dgm:fillClrLst>
+    <dgm:linClrLst meth="repeat">
+      <a:schemeClr val="accent1"/>
+    </dgm:linClrLst>
+    <dgm:effectClrLst/>
+    <dgm:txLinClrLst/>
+    <dgm:txFillClrLst meth="repeat">
+      <a:schemeClr val="tx1"/>
+    </dgm:txFillClrLst>
+    <dgm:txEffectClrLst/>
+  </dgm:styleLbl>
+  <dgm:styleLbl name="callout">
+    <dgm:fillClrLst meth="repeat">
+      <a:schemeClr val="accent1"/>
+    </dgm:fillClrLst>
+    <dgm:linClrLst meth="repeat">
+      <a:schemeClr val="accent1">
+        <a:tint val="50000"/>
+      </a:schemeClr>
+    </dgm:linClrLst>
+    <dgm:effectClrLst/>
+    <dgm:txLinClrLst/>
+    <dgm:txFillClrLst meth="repeat">
+      <a:schemeClr val="tx1"/>
+    </dgm:txFillClrLst>
+    <dgm:txEffectClrLst/>
+  </dgm:styleLbl>
+  <dgm:styleLbl name="asst0">
+    <dgm:fillClrLst meth="repeat">
+      <a:schemeClr val="accent1"/>
+    </dgm:fillClrLst>
+    <dgm:linClrLst meth="repeat">
+      <a:schemeClr val="lt1"/>
+    </dgm:linClrLst>
+    <dgm:effectClrLst/>
+    <dgm:txLinClrLst/>
+    <dgm:txFillClrLst/>
+    <dgm:txEffectClrLst/>
+  </dgm:styleLbl>
+  <dgm:styleLbl name="asst1">
+    <dgm:fillClrLst meth="repeat">
+      <a:schemeClr val="accent1"/>
+    </dgm:fillClrLst>
+    <dgm:linClrLst meth="repeat">
+      <a:schemeClr val="lt1"/>
+    </dgm:linClrLst>
+    <dgm:effectClrLst/>
+    <dgm:txLinClrLst/>
+    <dgm:txFillClrLst/>
+    <dgm:txEffectClrLst/>
+  </dgm:styleLbl>
+  <dgm:styleLbl name="asst2">
+    <dgm:fillClrLst meth="repeat">
+      <a:schemeClr val="accent1"/>
+    </dgm:fillClrLst>
+    <dgm:linClrLst meth="repeat">
+      <a:schemeClr val="lt1"/>
+    </dgm:linClrLst>
+    <dgm:effectClrLst/>
+    <dgm:txLinClrLst/>
+    <dgm:txFillClrLst/>
+    <dgm:txEffectClrLst/>
+  </dgm:styleLbl>
+  <dgm:styleLbl name="asst3">
+    <dgm:fillClrLst meth="repeat">
+      <a:schemeClr val="accent1"/>
+    </dgm:fillClrLst>
+    <dgm:linClrLst meth="repeat">
+      <a:schemeClr val="lt1"/>
+    </dgm:linClrLst>
+    <dgm:effectClrLst/>
+    <dgm:txLinClrLst/>
+    <dgm:txFillClrLst/>
+    <dgm:txEffectClrLst/>
+  </dgm:styleLbl>
+  <dgm:styleLbl name="asst4">
+    <dgm:fillClrLst meth="repeat">
+      <a:schemeClr val="accent1"/>
+    </dgm:fillClrLst>
+    <dgm:linClrLst meth="repeat">
+      <a:schemeClr val="lt1"/>
+    </dgm:linClrLst>
+    <dgm:effectClrLst/>
+    <dgm:txLinClrLst/>
+    <dgm:txFillClrLst/>
+    <dgm:txEffectClrLst/>
+  </dgm:styleLbl>
+  <dgm:styleLbl name="parChTrans2D1">
+    <dgm:fillClrLst meth="repeat">
+      <a:schemeClr val="accent1">
+        <a:tint val="60000"/>
+      </a:schemeClr>
+    </dgm:fillClrLst>
+    <dgm:linClrLst meth="repeat">
+      <a:schemeClr val="accent1">
+        <a:tint val="60000"/>
+      </a:schemeClr>
+    </dgm:linClrLst>
+    <dgm:effectClrLst/>
+    <dgm:txLinClrLst/>
+    <dgm:txFillClrLst meth="repeat">
+      <a:schemeClr val="lt1"/>
+    </dgm:txFillClrLst>
+    <dgm:txEffectClrLst/>
+  </dgm:styleLbl>
+  <dgm:styleLbl name="parChTrans2D2">
+    <dgm:fillClrLst meth="repeat">
+      <a:schemeClr val="accent1"/>
+    </dgm:fillClrLst>
+    <dgm:linClrLst meth="repeat">
+      <a:schemeClr val="accent1"/>
+    </dgm:linClrLst>
+    <dgm:effectClrLst/>
+    <dgm:txLinClrLst/>
+    <dgm:txFillClrLst meth="repeat">
+      <a:schemeClr val="lt1"/>
+    </dgm:txFillClrLst>
+    <dgm:txEffectClrLst/>
+  </dgm:styleLbl>
+  <dgm:styleLbl name="parChTrans2D3">
+    <dgm:fillClrLst meth="repeat">
+      <a:schemeClr val="accent1"/>
+    </dgm:fillClrLst>
+    <dgm:linClrLst meth="repeat">
+      <a:schemeClr val="accent1"/>
+    </dgm:linClrLst>
+    <dgm:effectClrLst/>
+    <dgm:txLinClrLst/>
+    <dgm:txFillClrLst meth="repeat">
+      <a:schemeClr val="lt1"/>
+    </dgm:txFillClrLst>
+    <dgm:txEffectClrLst/>
+  </dgm:styleLbl>
+  <dgm:styleLbl name="parChTrans2D4">
+    <dgm:fillClrLst meth="repeat">
+      <a:schemeClr val="accent1"/>
+    </dgm:fillClrLst>
+    <dgm:linClrLst meth="repeat">
+      <a:schemeClr val="accent1"/>
+    </dgm:linClrLst>
+    <dgm:effectClrLst/>
+    <dgm:txLinClrLst/>
+    <dgm:txFillClrLst meth="repeat">
+      <a:schemeClr val="lt1"/>
+    </dgm:txFillClrLst>
+    <dgm:txEffectClrLst/>
+  </dgm:styleLbl>
+  <dgm:styleLbl name="parChTrans1D1">
+    <dgm:fillClrLst meth="repeat">
+      <a:schemeClr val="accent1"/>
+    </dgm:fillClrLst>
+    <dgm:linClrLst meth="repeat">
+      <a:schemeClr val="accent1">
+        <a:shade val="60000"/>
+      </a:schemeClr>
+    </dgm:linClrLst>
+    <dgm:effectClrLst/>
+    <dgm:txLinClrLst/>
+    <dgm:txFillClrLst meth="repeat">
+      <a:schemeClr val="tx1"/>
+    </dgm:txFillClrLst>
+    <dgm:txEffectClrLst/>
+  </dgm:styleLbl>
+  <dgm:styleLbl name="parChTrans1D2">
+    <dgm:fillClrLst meth="repeat">
+      <a:schemeClr val="accent1"/>
+    </dgm:fillClrLst>
+    <dgm:linClrLst meth="repeat">
+      <a:schemeClr val="accent1">
+        <a:shade val="60000"/>
+      </a:schemeClr>
+    </dgm:linClrLst>
+    <dgm:effectClrLst/>
+    <dgm:txLinClrLst/>
+    <dgm:txFillClrLst meth="repeat">
+      <a:schemeClr val="tx1"/>
+    </dgm:txFillClrLst>
+    <dgm:txEffectClrLst/>
+  </dgm:styleLbl>
+  <dgm:styleLbl name="parChTrans1D3">
+    <dgm:fillClrLst meth="repeat">
+      <a:schemeClr val="accent1"/>
+    </dgm:fillClrLst>
+    <dgm:linClrLst meth="repeat">
+      <a:schemeClr val="accent1">
+        <a:shade val="80000"/>
+      </a:schemeClr>
+    </dgm:linClrLst>
+    <dgm:effectClrLst/>
+    <dgm:txLinClrLst/>
+    <dgm:txFillClrLst meth="repeat">
+      <a:schemeClr val="tx1"/>
+    </dgm:txFillClrLst>
+    <dgm:txEffectClrLst/>
+  </dgm:styleLbl>
+  <dgm:styleLbl name="parChTrans1D4">
+    <dgm:fillClrLst meth="repeat">
+      <a:schemeClr val="accent1"/>
+    </dgm:fillClrLst>
+    <dgm:linClrLst meth="repeat">
+      <a:schemeClr val="accent1">
+        <a:shade val="80000"/>
+      </a:schemeClr>
+    </dgm:linClrLst>
+    <dgm:effectClrLst/>
+    <dgm:txLinClrLst/>
+    <dgm:txFillClrLst meth="repeat">
+      <a:schemeClr val="tx1"/>
+    </dgm:txFillClrLst>
+    <dgm:txEffectClrLst/>
+  </dgm:styleLbl>
+  <dgm:styleLbl name="fgAcc1">
+    <dgm:fillClrLst meth="repeat">
+      <a:schemeClr val="lt1">
+        <a:alpha val="90000"/>
+      </a:schemeClr>
+    </dgm:fillClrLst>
+    <dgm:linClrLst meth="repeat">
+      <a:schemeClr val="accent1"/>
+    </dgm:linClrLst>
+    <dgm:effectClrLst/>
+    <dgm:txLinClrLst/>
+    <dgm:txFillClrLst meth="repeat">
+      <a:schemeClr val="dk1"/>
+    </dgm:txFillClrLst>
+    <dgm:txEffectClrLst/>
+  </dgm:styleLbl>
+  <dgm:styleLbl name="conFgAcc1">
+    <dgm:fillClrLst meth="repeat">
+      <a:schemeClr val="lt1">
+        <a:alpha val="90000"/>
+      </a:schemeClr>
+    </dgm:fillClrLst>
+    <dgm:linClrLst meth="repeat">
+      <a:schemeClr val="accent1"/>
+    </dgm:linClrLst>
+    <dgm:effectClrLst/>
+    <dgm:txLinClrLst/>
+    <dgm:txFillClrLst meth="repeat">
+      <a:schemeClr val="dk1"/>
+    </dgm:txFillClrLst>
+    <dgm:txEffectClrLst/>
+  </dgm:styleLbl>
+  <dgm:styleLbl name="alignAcc1">
+    <dgm:fillClrLst meth="repeat">
+      <a:schemeClr val="lt1">
+        <a:alpha val="90000"/>
+      </a:schemeClr>
+    </dgm:fillClrLst>
+    <dgm:linClrLst meth="repeat">
+      <a:schemeClr val="accent1"/>
+    </dgm:linClrLst>
+    <dgm:effectClrLst/>
+    <dgm:txLinClrLst/>
+    <dgm:txFillClrLst meth="repeat">
+      <a:schemeClr val="dk1"/>
+    </dgm:txFillClrLst>
+    <dgm:txEffectClrLst/>
+  </dgm:styleLbl>
+  <dgm:styleLbl name="trAlignAcc1">
+    <dgm:fillClrLst meth="repeat">
+      <a:schemeClr val="lt1">
+        <a:alpha val="40000"/>
+      </a:schemeClr>
+    </dgm:fillClrLst>
+    <dgm:linClrLst meth="repeat">
+      <a:schemeClr val="accent1"/>
+    </dgm:linClrLst>
+    <dgm:effectClrLst/>
+    <dgm:txLinClrLst/>
+    <dgm:txFillClrLst meth="repeat">
+      <a:schemeClr val="dk1"/>
+    </dgm:txFillClrLst>
+    <dgm:txEffectClrLst/>
+  </dgm:styleLbl>
+  <dgm:styleLbl name="bgAcc1">
+    <dgm:fillClrLst meth="repeat">
+      <a:schemeClr val="lt1">
+        <a:alpha val="90000"/>
+      </a:schemeClr>
+    </dgm:fillClrLst>
+    <dgm:linClrLst meth="repeat">
+      <a:schemeClr val="accent1"/>
+    </dgm:linClrLst>
+    <dgm:effectClrLst/>
+    <dgm:txLinClrLst/>
+    <dgm:txFillClrLst meth="repeat">
+      <a:schemeClr val="dk1"/>
+    </dgm:txFillClrLst>
+    <dgm:txEffectClrLst/>
+  </dgm:styleLbl>
+  <dgm:styleLbl name="solidFgAcc1">
+    <dgm:fillClrLst meth="repeat">
+      <a:schemeClr val="lt1"/>
+    </dgm:fillClrLst>
+    <dgm:linClrLst meth="repeat">
+      <a:schemeClr val="accent1"/>
+    </dgm:linClrLst>
+    <dgm:effectClrLst/>
+    <dgm:txLinClrLst/>
+    <dgm:txFillClrLst meth="repeat">
+      <a:schemeClr val="dk1"/>
+    </dgm:txFillClrLst>
+    <dgm:txEffectClrLst/>
+  </dgm:styleLbl>
+  <dgm:styleLbl name="solidAlignAcc1">
+    <dgm:fillClrLst meth="repeat">
+      <a:schemeClr val="lt1"/>
+    </dgm:fillClrLst>
+    <dgm:linClrLst meth="repeat">
+      <a:schemeClr val="accent1"/>
+    </dgm:linClrLst>
+    <dgm:effectClrLst/>
+    <dgm:txLinClrLst/>
+    <dgm:txFillClrLst meth="repeat">
+      <a:schemeClr val="dk1"/>
+    </dgm:txFillClrLst>
+    <dgm:txEffectClrLst/>
+  </dgm:styleLbl>
+  <dgm:styleLbl name="solidBgAcc1">
+    <dgm:fillClrLst meth="repeat">
+      <a:schemeClr val="lt1"/>
+    </dgm:fillClrLst>
+    <dgm:linClrLst meth="repeat">
+      <a:schemeClr val="accent1"/>
+    </dgm:linClrLst>
+    <dgm:effectClrLst/>
+    <dgm:txLinClrLst/>
+    <dgm:txFillClrLst meth="repeat">
+      <a:schemeClr val="dk1"/>
+    </dgm:txFillClrLst>
+    <dgm:txEffectClrLst/>
+  </dgm:styleLbl>
+  <dgm:styleLbl name="fgAccFollowNode1">
+    <dgm:fillClrLst meth="repeat">
+      <a:schemeClr val="accent1">
+        <a:alpha val="90000"/>
+        <a:tint val="40000"/>
+      </a:schemeClr>
+    </dgm:fillClrLst>
+    <dgm:linClrLst meth="repeat">
+      <a:schemeClr val="accent1">
+        <a:alpha val="90000"/>
+        <a:tint val="40000"/>
+      </a:schemeClr>
+    </dgm:linClrLst>
+    <dgm:effectClrLst/>
+    <dgm:txLinClrLst/>
+    <dgm:txFillClrLst meth="repeat">
+      <a:schemeClr val="dk1"/>
+    </dgm:txFillClrLst>
+    <dgm:txEffectClrLst/>
+  </dgm:styleLbl>
+  <dgm:styleLbl name="alignAccFollowNode1">
+    <dgm:fillClrLst meth="repeat">
+      <a:schemeClr val="accent1">
+        <a:alpha val="90000"/>
+        <a:tint val="40000"/>
+      </a:schemeClr>
+    </dgm:fillClrLst>
+    <dgm:linClrLst meth="repeat">
+      <a:schemeClr val="accent1">
+        <a:alpha val="90000"/>
+        <a:tint val="40000"/>
+      </a:schemeClr>
+    </dgm:linClrLst>
+    <dgm:effectClrLst/>
+    <dgm:txLinClrLst/>
+    <dgm:txFillClrLst meth="repeat">
+      <a:schemeClr val="dk1"/>
+    </dgm:txFillClrLst>
+    <dgm:txEffectClrLst/>
+  </dgm:styleLbl>
+  <dgm:styleLbl name="bgAccFollowNode1">
+    <dgm:fillClrLst meth="repeat">
+      <a:schemeClr val="accent1">
+        <a:alpha val="90000"/>
+        <a:tint val="40000"/>
+      </a:schemeClr>
+    </dgm:fillClrLst>
+    <dgm:linClrLst meth="repeat">
+      <a:schemeClr val="accent1">
+        <a:alpha val="90000"/>
+        <a:tint val="40000"/>
+      </a:schemeClr>
+    </dgm:linClrLst>
+    <dgm:effectClrLst/>
+    <dgm:txLinClrLst/>
+    <dgm:txFillClrLst meth="repeat">
+      <a:schemeClr val="dk1"/>
+    </dgm:txFillClrLst>
+    <dgm:txEffectClrLst/>
+  </dgm:styleLbl>
+  <dgm:styleLbl name="fgAcc0">
+    <dgm:fillClrLst meth="repeat">
+      <a:schemeClr val="lt1">
+        <a:alpha val="90000"/>
+      </a:schemeClr>
+    </dgm:fillClrLst>
+    <dgm:linClrLst meth="repeat">
+      <a:schemeClr val="accent1"/>
+    </dgm:linClrLst>
+    <dgm:effectClrLst/>
+    <dgm:txLinClrLst/>
+    <dgm:txFillClrLst meth="repeat">
+      <a:schemeClr val="dk1"/>
+    </dgm:txFillClrLst>
+    <dgm:txEffectClrLst/>
+  </dgm:styleLbl>
+  <dgm:styleLbl name="fgAcc2">
+    <dgm:fillClrLst meth="repeat">
+      <a:schemeClr val="lt1">
+        <a:alpha val="90000"/>
+      </a:schemeClr>
+    </dgm:fillClrLst>
+    <dgm:linClrLst meth="repeat">
+      <a:schemeClr val="accent1"/>
+    </dgm:linClrLst>
+    <dgm:effectClrLst/>
+    <dgm:txLinClrLst/>
+    <dgm:txFillClrLst meth="repeat">
+      <a:schemeClr val="dk1"/>
+    </dgm:txFillClrLst>
+    <dgm:txEffectClrLst/>
+  </dgm:styleLbl>
+  <dgm:styleLbl name="fgAcc3">
+    <dgm:fillClrLst meth="repeat">
+      <a:schemeClr val="lt1">
+        <a:alpha val="90000"/>
+      </a:schemeClr>
+    </dgm:fillClrLst>
+    <dgm:linClrLst meth="repeat">
+      <a:schemeClr val="accent1"/>
+    </dgm:linClrLst>
+    <dgm:effectClrLst/>
+    <dgm:txLinClrLst/>
+    <dgm:txFillClrLst meth="repeat">
+      <a:schemeClr val="dk1"/>
+    </dgm:txFillClrLst>
+    <dgm:txEffectClrLst/>
+  </dgm:styleLbl>
+  <dgm:styleLbl name="fgAcc4">
+    <dgm:fillClrLst meth="repeat">
+      <a:schemeClr val="lt1">
+        <a:alpha val="90000"/>
+      </a:schemeClr>
+    </dgm:fillClrLst>
+    <dgm:linClrLst meth="repeat">
+      <a:schemeClr val="accent1"/>
+    </dgm:linClrLst>
+    <dgm:effectClrLst/>
+    <dgm:txLinClrLst/>
+    <dgm:txFillClrLst meth="repeat">
+      <a:schemeClr val="dk1"/>
+    </dgm:txFillClrLst>
+    <dgm:txEffectClrLst/>
+  </dgm:styleLbl>
+  <dgm:styleLbl name="bgShp">
+    <dgm:fillClrLst meth="repeat">
+      <a:schemeClr val="accent1">
+        <a:tint val="40000"/>
+      </a:schemeClr>
+    </dgm:fillClrLst>
+    <dgm:linClrLst meth="repeat">
+      <a:schemeClr val="accent1"/>
+    </dgm:linClrLst>
+    <dgm:effectClrLst/>
+    <dgm:txLinClrLst/>
+    <dgm:txFillClrLst meth="repeat">
+      <a:schemeClr val="dk1"/>
+    </dgm:txFillClrLst>
+    <dgm:txEffectClrLst/>
+  </dgm:styleLbl>
+  <dgm:styleLbl name="dkBgShp">
+    <dgm:fillClrLst meth="repeat">
+      <a:schemeClr val="accent1">
+        <a:shade val="80000"/>
+      </a:schemeClr>
+    </dgm:fillClrLst>
+    <dgm:linClrLst meth="repeat">
+      <a:schemeClr val="accent1"/>
+    </dgm:linClrLst>
+    <dgm:effectClrLst/>
+    <dgm:txLinClrLst/>
+    <dgm:txFillClrLst meth="repeat">
+      <a:schemeClr val="lt1"/>
+    </dgm:txFillClrLst>
+    <dgm:txEffectClrLst/>
+  </dgm:styleLbl>
+  <dgm:styleLbl name="trBgShp">
+    <dgm:fillClrLst meth="repeat">
+      <a:schemeClr val="accent1">
+        <a:tint val="50000"/>
+        <a:alpha val="40000"/>
+      </a:schemeClr>
+    </dgm:fillClrLst>
+    <dgm:linClrLst meth="repeat">
+      <a:schemeClr val="accent1"/>
+    </dgm:linClrLst>
+    <dgm:effectClrLst/>
+    <dgm:txLinClrLst/>
+    <dgm:txFillClrLst meth="repeat">
+      <a:schemeClr val="lt1"/>
+    </dgm:txFillClrLst>
+    <dgm:txEffectClrLst/>
+  </dgm:styleLbl>
+  <dgm:styleLbl name="fgShp">
+    <dgm:fillClrLst meth="repeat">
+      <a:schemeClr val="accent1">
+        <a:tint val="60000"/>
+      </a:schemeClr>
+    </dgm:fillClrLst>
+    <dgm:linClrLst meth="repeat">
+      <a:schemeClr val="lt1"/>
+    </dgm:linClrLst>
+    <dgm:effectClrLst/>
+    <dgm:txLinClrLst/>
+    <dgm:txFillClrLst meth="repeat">
+      <a:schemeClr val="dk1"/>
+    </dgm:txFillClrLst>
+    <dgm:txEffectClrLst/>
+  </dgm:styleLbl>
+  <dgm:styleLbl name="revTx">
+    <dgm:fillClrLst meth="repeat">
+      <a:schemeClr val="lt1">
+        <a:alpha val="0"/>
+      </a:schemeClr>
+    </dgm:fillClrLst>
+    <dgm:linClrLst meth="repeat">
+      <a:schemeClr val="dk1">
+        <a:alpha val="0"/>
+      </a:schemeClr>
+    </dgm:linClrLst>
+    <dgm:effectClrLst/>
+    <dgm:txLinClrLst/>
+    <dgm:txFillClrLst meth="repeat">
+      <a:schemeClr val="tx1"/>
+    </dgm:txFillClrLst>
+    <dgm:txEffectClrLst/>
+  </dgm:styleLbl>
+</dgm:colorsDef>
+</file>
+
+<file path=ppt/diagrams/data1.xml><?xml version="1.0" encoding="utf-8"?>
+<dgm:dataModel xmlns:dgm="http://schemas.openxmlformats.org/drawingml/2006/diagram" xmlns:a="http://schemas.openxmlformats.org/drawingml/2006/main">
+  <dgm:ptLst>
+    <dgm:pt modelId="{7B387CE5-37AB-3446-9F9C-AEEDF56223A0}" type="doc">
+      <dgm:prSet loTypeId="urn:microsoft.com/office/officeart/2005/8/layout/process3" loCatId="" qsTypeId="urn:microsoft.com/office/officeart/2005/8/quickstyle/simple1" qsCatId="simple" csTypeId="urn:microsoft.com/office/officeart/2005/8/colors/accent1_2" csCatId="accent1" phldr="1"/>
+      <dgm:spPr/>
+      <dgm:t>
+        <a:bodyPr/>
+        <a:lstStyle/>
+        <a:p>
+          <a:endParaRPr lang="en-GB"/>
+        </a:p>
+      </dgm:t>
+    </dgm:pt>
+    <dgm:pt modelId="{45BA8630-E9F5-864C-A7A2-8234F0DB15F6}">
+      <dgm:prSet phldrT="[Text]"/>
+      <dgm:spPr/>
+      <dgm:t>
+        <a:bodyPr/>
+        <a:lstStyle/>
+        <a:p>
+          <a:r>
+            <a:rPr lang="en-GB" dirty="0"/>
+            <a:t>Data Understanding</a:t>
+          </a:r>
+        </a:p>
+      </dgm:t>
+    </dgm:pt>
+    <dgm:pt modelId="{39937D44-F614-7E48-B3A0-BF63D0C0FF30}" type="parTrans" cxnId="{2570EB36-41B4-7042-8377-60AEA35F5D39}">
+      <dgm:prSet/>
+      <dgm:spPr/>
+      <dgm:t>
+        <a:bodyPr/>
+        <a:lstStyle/>
+        <a:p>
+          <a:endParaRPr lang="en-GB"/>
+        </a:p>
+      </dgm:t>
+    </dgm:pt>
+    <dgm:pt modelId="{6C8661BC-EC78-EE4C-B218-C58E7510FE9F}" type="sibTrans" cxnId="{2570EB36-41B4-7042-8377-60AEA35F5D39}">
+      <dgm:prSet/>
+      <dgm:spPr/>
+      <dgm:t>
+        <a:bodyPr/>
+        <a:lstStyle/>
+        <a:p>
+          <a:endParaRPr lang="en-GB"/>
+        </a:p>
+      </dgm:t>
+    </dgm:pt>
+    <dgm:pt modelId="{C6ACA521-14E7-1941-ACC6-F67CEE3CFE5E}">
+      <dgm:prSet phldrT="[Text]"/>
+      <dgm:spPr/>
+      <dgm:t>
+        <a:bodyPr/>
+        <a:lstStyle/>
+        <a:p>
+          <a:r>
+            <a:rPr lang="en-GB" dirty="0"/>
+            <a:t>Using given dictionary and excel understand data in </a:t>
+          </a:r>
+          <a:r>
+            <a:rPr lang="en-GB" dirty="0" err="1"/>
+            <a:t>loan.csv</a:t>
+          </a:r>
+          <a:endParaRPr lang="en-GB" dirty="0"/>
+        </a:p>
+      </dgm:t>
+    </dgm:pt>
+    <dgm:pt modelId="{1A2FF7B8-839A-A14A-A2B8-D501E9574800}" type="parTrans" cxnId="{C6D6AF6F-F66E-B845-BB33-C3D0EEE3C24B}">
+      <dgm:prSet/>
+      <dgm:spPr/>
+      <dgm:t>
+        <a:bodyPr/>
+        <a:lstStyle/>
+        <a:p>
+          <a:endParaRPr lang="en-GB"/>
+        </a:p>
+      </dgm:t>
+    </dgm:pt>
+    <dgm:pt modelId="{F3524A3E-7DE4-BB43-99C2-47FBB8B66E5F}" type="sibTrans" cxnId="{C6D6AF6F-F66E-B845-BB33-C3D0EEE3C24B}">
+      <dgm:prSet/>
+      <dgm:spPr/>
+      <dgm:t>
+        <a:bodyPr/>
+        <a:lstStyle/>
+        <a:p>
+          <a:endParaRPr lang="en-GB"/>
+        </a:p>
+      </dgm:t>
+    </dgm:pt>
+    <dgm:pt modelId="{B3EE89E4-23F1-C24F-856A-826ED7776BF6}">
+      <dgm:prSet phldrT="[Text]"/>
+      <dgm:spPr/>
+      <dgm:t>
+        <a:bodyPr/>
+        <a:lstStyle/>
+        <a:p>
+          <a:r>
+            <a:rPr lang="en-GB" dirty="0"/>
+            <a:t>Data Cleaning</a:t>
+          </a:r>
+        </a:p>
+      </dgm:t>
+    </dgm:pt>
+    <dgm:pt modelId="{3F39EB21-EE47-F541-B214-B4673B81706A}" type="parTrans" cxnId="{A019BBBD-E058-F446-940C-960BB165477A}">
+      <dgm:prSet/>
+      <dgm:spPr/>
+      <dgm:t>
+        <a:bodyPr/>
+        <a:lstStyle/>
+        <a:p>
+          <a:endParaRPr lang="en-GB"/>
+        </a:p>
+      </dgm:t>
+    </dgm:pt>
+    <dgm:pt modelId="{F1718F98-BE7D-EF4A-9B01-88B1ED6E99B0}" type="sibTrans" cxnId="{A019BBBD-E058-F446-940C-960BB165477A}">
+      <dgm:prSet/>
+      <dgm:spPr/>
+      <dgm:t>
+        <a:bodyPr/>
+        <a:lstStyle/>
+        <a:p>
+          <a:endParaRPr lang="en-GB"/>
+        </a:p>
+      </dgm:t>
+    </dgm:pt>
+    <dgm:pt modelId="{19119E97-0306-8E47-8B01-49A75A7F97D9}">
+      <dgm:prSet phldrT="[Text]"/>
+      <dgm:spPr/>
+      <dgm:t>
+        <a:bodyPr/>
+        <a:lstStyle/>
+        <a:p>
+          <a:r>
+            <a:rPr lang="en-GB" dirty="0"/>
+            <a:t>Based on understanding, using </a:t>
+          </a:r>
+          <a:r>
+            <a:rPr lang="en-GB" dirty="0" err="1"/>
+            <a:t>klib</a:t>
+          </a:r>
+          <a:r>
+            <a:rPr lang="en-GB" dirty="0"/>
+            <a:t> library or pandas performing cleaning operation</a:t>
+          </a:r>
+        </a:p>
+      </dgm:t>
+    </dgm:pt>
+    <dgm:pt modelId="{4448D23B-ED96-5B4E-B770-5438E1FDE7B0}" type="parTrans" cxnId="{795CF874-E8A3-4C41-9E9A-6E994106365E}">
+      <dgm:prSet/>
+      <dgm:spPr/>
+      <dgm:t>
+        <a:bodyPr/>
+        <a:lstStyle/>
+        <a:p>
+          <a:endParaRPr lang="en-GB"/>
+        </a:p>
+      </dgm:t>
+    </dgm:pt>
+    <dgm:pt modelId="{56AE7CB2-5030-A74C-A06F-F752F8242841}" type="sibTrans" cxnId="{795CF874-E8A3-4C41-9E9A-6E994106365E}">
+      <dgm:prSet/>
+      <dgm:spPr/>
+      <dgm:t>
+        <a:bodyPr/>
+        <a:lstStyle/>
+        <a:p>
+          <a:endParaRPr lang="en-GB"/>
+        </a:p>
+      </dgm:t>
+    </dgm:pt>
+    <dgm:pt modelId="{2903D961-4540-9543-90DC-7C8BF73E34FE}">
+      <dgm:prSet phldrT="[Text]"/>
+      <dgm:spPr/>
+      <dgm:t>
+        <a:bodyPr/>
+        <a:lstStyle/>
+        <a:p>
+          <a:r>
+            <a:rPr lang="en-GB" dirty="0"/>
+            <a:t>Data Interpretation</a:t>
+          </a:r>
+        </a:p>
+      </dgm:t>
+    </dgm:pt>
+    <dgm:pt modelId="{06B65BE0-B841-1C4D-BA35-527D87B3CAA7}" type="parTrans" cxnId="{056EE00E-1196-0145-A199-66D19D82F799}">
+      <dgm:prSet/>
+      <dgm:spPr/>
+      <dgm:t>
+        <a:bodyPr/>
+        <a:lstStyle/>
+        <a:p>
+          <a:endParaRPr lang="en-GB"/>
+        </a:p>
+      </dgm:t>
+    </dgm:pt>
+    <dgm:pt modelId="{D246DD25-1F43-2C40-AD13-02491AD29FED}" type="sibTrans" cxnId="{056EE00E-1196-0145-A199-66D19D82F799}">
+      <dgm:prSet/>
+      <dgm:spPr/>
+      <dgm:t>
+        <a:bodyPr/>
+        <a:lstStyle/>
+        <a:p>
+          <a:endParaRPr lang="en-GB"/>
+        </a:p>
+      </dgm:t>
+    </dgm:pt>
+    <dgm:pt modelId="{7CEF5C6B-F9EC-5F42-A78B-4B713618802C}">
+      <dgm:prSet phldrT="[Text]"/>
+      <dgm:spPr/>
+      <dgm:t>
+        <a:bodyPr/>
+        <a:lstStyle/>
+        <a:p>
+          <a:r>
+            <a:rPr lang="en-GB" dirty="0"/>
+            <a:t>With the cleaned data plot graphs to mention the observations</a:t>
+          </a:r>
+        </a:p>
+      </dgm:t>
+    </dgm:pt>
+    <dgm:pt modelId="{952F1CC6-A572-9F4F-9DC5-DBD84C7DB6AB}" type="parTrans" cxnId="{9932A7CE-E712-AC45-8B9F-4A109863DEDD}">
+      <dgm:prSet/>
+      <dgm:spPr/>
+      <dgm:t>
+        <a:bodyPr/>
+        <a:lstStyle/>
+        <a:p>
+          <a:endParaRPr lang="en-GB"/>
+        </a:p>
+      </dgm:t>
+    </dgm:pt>
+    <dgm:pt modelId="{046FDE65-8C39-D84D-9189-EE9FC79E4BC4}" type="sibTrans" cxnId="{9932A7CE-E712-AC45-8B9F-4A109863DEDD}">
+      <dgm:prSet/>
+      <dgm:spPr/>
+      <dgm:t>
+        <a:bodyPr/>
+        <a:lstStyle/>
+        <a:p>
+          <a:endParaRPr lang="en-GB"/>
+        </a:p>
+      </dgm:t>
+    </dgm:pt>
+    <dgm:pt modelId="{52EB3B27-DA9D-D640-B946-0D9414684B73}" type="pres">
+      <dgm:prSet presAssocID="{7B387CE5-37AB-3446-9F9C-AEEDF56223A0}" presName="linearFlow" presStyleCnt="0">
+        <dgm:presLayoutVars>
+          <dgm:dir/>
+          <dgm:animLvl val="lvl"/>
+          <dgm:resizeHandles val="exact"/>
+        </dgm:presLayoutVars>
+      </dgm:prSet>
+      <dgm:spPr/>
+    </dgm:pt>
+    <dgm:pt modelId="{B50D2C95-00AD-7145-9603-CA694F7CF786}" type="pres">
+      <dgm:prSet presAssocID="{45BA8630-E9F5-864C-A7A2-8234F0DB15F6}" presName="composite" presStyleCnt="0"/>
+      <dgm:spPr/>
+    </dgm:pt>
+    <dgm:pt modelId="{B3F3421B-16D1-9949-AE3C-8BFD9B7A2D7B}" type="pres">
+      <dgm:prSet presAssocID="{45BA8630-E9F5-864C-A7A2-8234F0DB15F6}" presName="parTx" presStyleLbl="node1" presStyleIdx="0" presStyleCnt="3">
+        <dgm:presLayoutVars>
+          <dgm:chMax val="0"/>
+          <dgm:chPref val="0"/>
+          <dgm:bulletEnabled val="1"/>
+        </dgm:presLayoutVars>
+      </dgm:prSet>
+      <dgm:spPr/>
+    </dgm:pt>
+    <dgm:pt modelId="{1E4D6DCD-3766-6740-9B59-85A73695690A}" type="pres">
+      <dgm:prSet presAssocID="{45BA8630-E9F5-864C-A7A2-8234F0DB15F6}" presName="parSh" presStyleLbl="node1" presStyleIdx="0" presStyleCnt="3"/>
+      <dgm:spPr/>
+    </dgm:pt>
+    <dgm:pt modelId="{17DFF97F-18A5-8F42-B3A6-D43BCFC8E29A}" type="pres">
+      <dgm:prSet presAssocID="{45BA8630-E9F5-864C-A7A2-8234F0DB15F6}" presName="desTx" presStyleLbl="fgAcc1" presStyleIdx="0" presStyleCnt="3">
+        <dgm:presLayoutVars>
+          <dgm:bulletEnabled val="1"/>
+        </dgm:presLayoutVars>
+      </dgm:prSet>
+      <dgm:spPr/>
+    </dgm:pt>
+    <dgm:pt modelId="{51576D48-C32E-E249-B872-94B44B2B0550}" type="pres">
+      <dgm:prSet presAssocID="{6C8661BC-EC78-EE4C-B218-C58E7510FE9F}" presName="sibTrans" presStyleLbl="sibTrans2D1" presStyleIdx="0" presStyleCnt="2"/>
+      <dgm:spPr/>
+    </dgm:pt>
+    <dgm:pt modelId="{3B0677CA-36D5-6240-919A-3A9EF728343D}" type="pres">
+      <dgm:prSet presAssocID="{6C8661BC-EC78-EE4C-B218-C58E7510FE9F}" presName="connTx" presStyleLbl="sibTrans2D1" presStyleIdx="0" presStyleCnt="2"/>
+      <dgm:spPr/>
+    </dgm:pt>
+    <dgm:pt modelId="{CA426BE5-39B5-244E-83F2-184FCB9E4006}" type="pres">
+      <dgm:prSet presAssocID="{B3EE89E4-23F1-C24F-856A-826ED7776BF6}" presName="composite" presStyleCnt="0"/>
+      <dgm:spPr/>
+    </dgm:pt>
+    <dgm:pt modelId="{A5E1DF10-AD69-6D4A-8DDC-12A7A3E4BB22}" type="pres">
+      <dgm:prSet presAssocID="{B3EE89E4-23F1-C24F-856A-826ED7776BF6}" presName="parTx" presStyleLbl="node1" presStyleIdx="0" presStyleCnt="3">
+        <dgm:presLayoutVars>
+          <dgm:chMax val="0"/>
+          <dgm:chPref val="0"/>
+          <dgm:bulletEnabled val="1"/>
+        </dgm:presLayoutVars>
+      </dgm:prSet>
+      <dgm:spPr/>
+    </dgm:pt>
+    <dgm:pt modelId="{31285CEB-07F1-AC44-B334-000DB7F6840A}" type="pres">
+      <dgm:prSet presAssocID="{B3EE89E4-23F1-C24F-856A-826ED7776BF6}" presName="parSh" presStyleLbl="node1" presStyleIdx="1" presStyleCnt="3"/>
+      <dgm:spPr/>
+    </dgm:pt>
+    <dgm:pt modelId="{CB48A112-564A-474D-9470-B44834AC9A30}" type="pres">
+      <dgm:prSet presAssocID="{B3EE89E4-23F1-C24F-856A-826ED7776BF6}" presName="desTx" presStyleLbl="fgAcc1" presStyleIdx="1" presStyleCnt="3">
+        <dgm:presLayoutVars>
+          <dgm:bulletEnabled val="1"/>
+        </dgm:presLayoutVars>
+      </dgm:prSet>
+      <dgm:spPr/>
+    </dgm:pt>
+    <dgm:pt modelId="{612E0E29-30C9-DE44-A45B-699928D062FC}" type="pres">
+      <dgm:prSet presAssocID="{F1718F98-BE7D-EF4A-9B01-88B1ED6E99B0}" presName="sibTrans" presStyleLbl="sibTrans2D1" presStyleIdx="1" presStyleCnt="2"/>
+      <dgm:spPr/>
+    </dgm:pt>
+    <dgm:pt modelId="{F1F2AA72-F900-094A-9CF7-8A7CB1471CE1}" type="pres">
+      <dgm:prSet presAssocID="{F1718F98-BE7D-EF4A-9B01-88B1ED6E99B0}" presName="connTx" presStyleLbl="sibTrans2D1" presStyleIdx="1" presStyleCnt="2"/>
+      <dgm:spPr/>
+    </dgm:pt>
+    <dgm:pt modelId="{759F5B96-23BD-234E-98DA-B4E9CB132EF8}" type="pres">
+      <dgm:prSet presAssocID="{2903D961-4540-9543-90DC-7C8BF73E34FE}" presName="composite" presStyleCnt="0"/>
+      <dgm:spPr/>
+    </dgm:pt>
+    <dgm:pt modelId="{FC396D6E-9E8F-C949-B7A3-D4AE8EE8B0F1}" type="pres">
+      <dgm:prSet presAssocID="{2903D961-4540-9543-90DC-7C8BF73E34FE}" presName="parTx" presStyleLbl="node1" presStyleIdx="1" presStyleCnt="3">
+        <dgm:presLayoutVars>
+          <dgm:chMax val="0"/>
+          <dgm:chPref val="0"/>
+          <dgm:bulletEnabled val="1"/>
+        </dgm:presLayoutVars>
+      </dgm:prSet>
+      <dgm:spPr/>
+    </dgm:pt>
+    <dgm:pt modelId="{D28E7AE1-B38D-7A4B-AF05-34BB595DFCAE}" type="pres">
+      <dgm:prSet presAssocID="{2903D961-4540-9543-90DC-7C8BF73E34FE}" presName="parSh" presStyleLbl="node1" presStyleIdx="2" presStyleCnt="3"/>
+      <dgm:spPr/>
+    </dgm:pt>
+    <dgm:pt modelId="{4E61D208-4CBD-284A-9D71-A81369B1BB53}" type="pres">
+      <dgm:prSet presAssocID="{2903D961-4540-9543-90DC-7C8BF73E34FE}" presName="desTx" presStyleLbl="fgAcc1" presStyleIdx="2" presStyleCnt="3">
+        <dgm:presLayoutVars>
+          <dgm:bulletEnabled val="1"/>
+        </dgm:presLayoutVars>
+      </dgm:prSet>
+      <dgm:spPr/>
+    </dgm:pt>
+  </dgm:ptLst>
+  <dgm:cxnLst>
+    <dgm:cxn modelId="{8FF8650E-BCE1-8E44-891E-7488EF4C1B5B}" type="presOf" srcId="{F1718F98-BE7D-EF4A-9B01-88B1ED6E99B0}" destId="{612E0E29-30C9-DE44-A45B-699928D062FC}" srcOrd="0" destOrd="0" presId="urn:microsoft.com/office/officeart/2005/8/layout/process3"/>
+    <dgm:cxn modelId="{056EE00E-1196-0145-A199-66D19D82F799}" srcId="{7B387CE5-37AB-3446-9F9C-AEEDF56223A0}" destId="{2903D961-4540-9543-90DC-7C8BF73E34FE}" srcOrd="2" destOrd="0" parTransId="{06B65BE0-B841-1C4D-BA35-527D87B3CAA7}" sibTransId="{D246DD25-1F43-2C40-AD13-02491AD29FED}"/>
+    <dgm:cxn modelId="{7B112611-9280-AB4E-9B6A-7A17DC6F82BD}" type="presOf" srcId="{6C8661BC-EC78-EE4C-B218-C58E7510FE9F}" destId="{51576D48-C32E-E249-B872-94B44B2B0550}" srcOrd="0" destOrd="0" presId="urn:microsoft.com/office/officeart/2005/8/layout/process3"/>
+    <dgm:cxn modelId="{D9825E13-E2F0-8B43-8C29-7647FB7E5428}" type="presOf" srcId="{2903D961-4540-9543-90DC-7C8BF73E34FE}" destId="{D28E7AE1-B38D-7A4B-AF05-34BB595DFCAE}" srcOrd="1" destOrd="0" presId="urn:microsoft.com/office/officeart/2005/8/layout/process3"/>
+    <dgm:cxn modelId="{A0F52817-EDC1-354F-8323-2911DC32906D}" type="presOf" srcId="{F1718F98-BE7D-EF4A-9B01-88B1ED6E99B0}" destId="{F1F2AA72-F900-094A-9CF7-8A7CB1471CE1}" srcOrd="1" destOrd="0" presId="urn:microsoft.com/office/officeart/2005/8/layout/process3"/>
+    <dgm:cxn modelId="{47B44D21-310B-E84A-8329-DDC4502717A4}" type="presOf" srcId="{B3EE89E4-23F1-C24F-856A-826ED7776BF6}" destId="{A5E1DF10-AD69-6D4A-8DDC-12A7A3E4BB22}" srcOrd="0" destOrd="0" presId="urn:microsoft.com/office/officeart/2005/8/layout/process3"/>
+    <dgm:cxn modelId="{78D75722-1184-6341-8706-72C29E4B1F60}" type="presOf" srcId="{6C8661BC-EC78-EE4C-B218-C58E7510FE9F}" destId="{3B0677CA-36D5-6240-919A-3A9EF728343D}" srcOrd="1" destOrd="0" presId="urn:microsoft.com/office/officeart/2005/8/layout/process3"/>
+    <dgm:cxn modelId="{2570EB36-41B4-7042-8377-60AEA35F5D39}" srcId="{7B387CE5-37AB-3446-9F9C-AEEDF56223A0}" destId="{45BA8630-E9F5-864C-A7A2-8234F0DB15F6}" srcOrd="0" destOrd="0" parTransId="{39937D44-F614-7E48-B3A0-BF63D0C0FF30}" sibTransId="{6C8661BC-EC78-EE4C-B218-C58E7510FE9F}"/>
+    <dgm:cxn modelId="{E5F0E046-50FA-0643-8546-2014BD9FBDC4}" type="presOf" srcId="{45BA8630-E9F5-864C-A7A2-8234F0DB15F6}" destId="{1E4D6DCD-3766-6740-9B59-85A73695690A}" srcOrd="1" destOrd="0" presId="urn:microsoft.com/office/officeart/2005/8/layout/process3"/>
+    <dgm:cxn modelId="{0536ED53-6B63-1549-8D0C-9F933E88FE84}" type="presOf" srcId="{19119E97-0306-8E47-8B01-49A75A7F97D9}" destId="{CB48A112-564A-474D-9470-B44834AC9A30}" srcOrd="0" destOrd="0" presId="urn:microsoft.com/office/officeart/2005/8/layout/process3"/>
+    <dgm:cxn modelId="{C6D6AF6F-F66E-B845-BB33-C3D0EEE3C24B}" srcId="{45BA8630-E9F5-864C-A7A2-8234F0DB15F6}" destId="{C6ACA521-14E7-1941-ACC6-F67CEE3CFE5E}" srcOrd="0" destOrd="0" parTransId="{1A2FF7B8-839A-A14A-A2B8-D501E9574800}" sibTransId="{F3524A3E-7DE4-BB43-99C2-47FBB8B66E5F}"/>
+    <dgm:cxn modelId="{795CF874-E8A3-4C41-9E9A-6E994106365E}" srcId="{B3EE89E4-23F1-C24F-856A-826ED7776BF6}" destId="{19119E97-0306-8E47-8B01-49A75A7F97D9}" srcOrd="0" destOrd="0" parTransId="{4448D23B-ED96-5B4E-B770-5438E1FDE7B0}" sibTransId="{56AE7CB2-5030-A74C-A06F-F752F8242841}"/>
+    <dgm:cxn modelId="{CB847E76-84C9-8A40-A1A9-19F267F24424}" type="presOf" srcId="{2903D961-4540-9543-90DC-7C8BF73E34FE}" destId="{FC396D6E-9E8F-C949-B7A3-D4AE8EE8B0F1}" srcOrd="0" destOrd="0" presId="urn:microsoft.com/office/officeart/2005/8/layout/process3"/>
+    <dgm:cxn modelId="{78887A97-FDF7-2A48-8755-269B16BD7D78}" type="presOf" srcId="{7CEF5C6B-F9EC-5F42-A78B-4B713618802C}" destId="{4E61D208-4CBD-284A-9D71-A81369B1BB53}" srcOrd="0" destOrd="0" presId="urn:microsoft.com/office/officeart/2005/8/layout/process3"/>
+    <dgm:cxn modelId="{8350EAA2-F9F7-654A-8DD6-B5006C221C20}" type="presOf" srcId="{45BA8630-E9F5-864C-A7A2-8234F0DB15F6}" destId="{B3F3421B-16D1-9949-AE3C-8BFD9B7A2D7B}" srcOrd="0" destOrd="0" presId="urn:microsoft.com/office/officeart/2005/8/layout/process3"/>
+    <dgm:cxn modelId="{2D660AA8-25E6-734E-AA57-9981CEBFB3F7}" type="presOf" srcId="{C6ACA521-14E7-1941-ACC6-F67CEE3CFE5E}" destId="{17DFF97F-18A5-8F42-B3A6-D43BCFC8E29A}" srcOrd="0" destOrd="0" presId="urn:microsoft.com/office/officeart/2005/8/layout/process3"/>
+    <dgm:cxn modelId="{A019BBBD-E058-F446-940C-960BB165477A}" srcId="{7B387CE5-37AB-3446-9F9C-AEEDF56223A0}" destId="{B3EE89E4-23F1-C24F-856A-826ED7776BF6}" srcOrd="1" destOrd="0" parTransId="{3F39EB21-EE47-F541-B214-B4673B81706A}" sibTransId="{F1718F98-BE7D-EF4A-9B01-88B1ED6E99B0}"/>
+    <dgm:cxn modelId="{9932A7CE-E712-AC45-8B9F-4A109863DEDD}" srcId="{2903D961-4540-9543-90DC-7C8BF73E34FE}" destId="{7CEF5C6B-F9EC-5F42-A78B-4B713618802C}" srcOrd="0" destOrd="0" parTransId="{952F1CC6-A572-9F4F-9DC5-DBD84C7DB6AB}" sibTransId="{046FDE65-8C39-D84D-9189-EE9FC79E4BC4}"/>
+    <dgm:cxn modelId="{CB91E7D7-44F8-2E4A-A8D3-B5DF83138372}" type="presOf" srcId="{7B387CE5-37AB-3446-9F9C-AEEDF56223A0}" destId="{52EB3B27-DA9D-D640-B946-0D9414684B73}" srcOrd="0" destOrd="0" presId="urn:microsoft.com/office/officeart/2005/8/layout/process3"/>
+    <dgm:cxn modelId="{95B58DEB-2DE0-7742-A33C-9023731B3F99}" type="presOf" srcId="{B3EE89E4-23F1-C24F-856A-826ED7776BF6}" destId="{31285CEB-07F1-AC44-B334-000DB7F6840A}" srcOrd="1" destOrd="0" presId="urn:microsoft.com/office/officeart/2005/8/layout/process3"/>
+    <dgm:cxn modelId="{ECC5BC7B-AAC7-4C47-AB78-7840EE5894A2}" type="presParOf" srcId="{52EB3B27-DA9D-D640-B946-0D9414684B73}" destId="{B50D2C95-00AD-7145-9603-CA694F7CF786}" srcOrd="0" destOrd="0" presId="urn:microsoft.com/office/officeart/2005/8/layout/process3"/>
+    <dgm:cxn modelId="{16ABD9C8-09F3-DD46-A3E5-81F5633B54C6}" type="presParOf" srcId="{B50D2C95-00AD-7145-9603-CA694F7CF786}" destId="{B3F3421B-16D1-9949-AE3C-8BFD9B7A2D7B}" srcOrd="0" destOrd="0" presId="urn:microsoft.com/office/officeart/2005/8/layout/process3"/>
+    <dgm:cxn modelId="{E0676C1B-A700-994E-B083-71B2EF0D68D8}" type="presParOf" srcId="{B50D2C95-00AD-7145-9603-CA694F7CF786}" destId="{1E4D6DCD-3766-6740-9B59-85A73695690A}" srcOrd="1" destOrd="0" presId="urn:microsoft.com/office/officeart/2005/8/layout/process3"/>
+    <dgm:cxn modelId="{106E649F-DFDF-B348-981B-B8667846B232}" type="presParOf" srcId="{B50D2C95-00AD-7145-9603-CA694F7CF786}" destId="{17DFF97F-18A5-8F42-B3A6-D43BCFC8E29A}" srcOrd="2" destOrd="0" presId="urn:microsoft.com/office/officeart/2005/8/layout/process3"/>
+    <dgm:cxn modelId="{8098FD2E-C5E6-BC4B-83D5-FA01C84F332F}" type="presParOf" srcId="{52EB3B27-DA9D-D640-B946-0D9414684B73}" destId="{51576D48-C32E-E249-B872-94B44B2B0550}" srcOrd="1" destOrd="0" presId="urn:microsoft.com/office/officeart/2005/8/layout/process3"/>
+    <dgm:cxn modelId="{F9D84902-0B67-2049-81E9-4F9FEE6ADE9A}" type="presParOf" srcId="{51576D48-C32E-E249-B872-94B44B2B0550}" destId="{3B0677CA-36D5-6240-919A-3A9EF728343D}" srcOrd="0" destOrd="0" presId="urn:microsoft.com/office/officeart/2005/8/layout/process3"/>
+    <dgm:cxn modelId="{FA17E75B-CB1A-8F4D-B3CB-4536CA372A8B}" type="presParOf" srcId="{52EB3B27-DA9D-D640-B946-0D9414684B73}" destId="{CA426BE5-39B5-244E-83F2-184FCB9E4006}" srcOrd="2" destOrd="0" presId="urn:microsoft.com/office/officeart/2005/8/layout/process3"/>
+    <dgm:cxn modelId="{7820867F-DD76-FE4B-B406-4DE596A84081}" type="presParOf" srcId="{CA426BE5-39B5-244E-83F2-184FCB9E4006}" destId="{A5E1DF10-AD69-6D4A-8DDC-12A7A3E4BB22}" srcOrd="0" destOrd="0" presId="urn:microsoft.com/office/officeart/2005/8/layout/process3"/>
+    <dgm:cxn modelId="{245D92D7-8998-E445-926C-55836E19D695}" type="presParOf" srcId="{CA426BE5-39B5-244E-83F2-184FCB9E4006}" destId="{31285CEB-07F1-AC44-B334-000DB7F6840A}" srcOrd="1" destOrd="0" presId="urn:microsoft.com/office/officeart/2005/8/layout/process3"/>
+    <dgm:cxn modelId="{A3C7BE3E-59A3-104B-80B3-1913EB9C1357}" type="presParOf" srcId="{CA426BE5-39B5-244E-83F2-184FCB9E4006}" destId="{CB48A112-564A-474D-9470-B44834AC9A30}" srcOrd="2" destOrd="0" presId="urn:microsoft.com/office/officeart/2005/8/layout/process3"/>
+    <dgm:cxn modelId="{EACB599B-D42C-0741-BB30-BC11A54BD266}" type="presParOf" srcId="{52EB3B27-DA9D-D640-B946-0D9414684B73}" destId="{612E0E29-30C9-DE44-A45B-699928D062FC}" srcOrd="3" destOrd="0" presId="urn:microsoft.com/office/officeart/2005/8/layout/process3"/>
+    <dgm:cxn modelId="{9D062309-15B4-5B42-B2DD-457FAC214B77}" type="presParOf" srcId="{612E0E29-30C9-DE44-A45B-699928D062FC}" destId="{F1F2AA72-F900-094A-9CF7-8A7CB1471CE1}" srcOrd="0" destOrd="0" presId="urn:microsoft.com/office/officeart/2005/8/layout/process3"/>
+    <dgm:cxn modelId="{BB4C6BE1-6B87-FF44-889B-FA78DACCE80F}" type="presParOf" srcId="{52EB3B27-DA9D-D640-B946-0D9414684B73}" destId="{759F5B96-23BD-234E-98DA-B4E9CB132EF8}" srcOrd="4" destOrd="0" presId="urn:microsoft.com/office/officeart/2005/8/layout/process3"/>
+    <dgm:cxn modelId="{C4C402C0-6298-E14C-91F6-91E921BACD8D}" type="presParOf" srcId="{759F5B96-23BD-234E-98DA-B4E9CB132EF8}" destId="{FC396D6E-9E8F-C949-B7A3-D4AE8EE8B0F1}" srcOrd="0" destOrd="0" presId="urn:microsoft.com/office/officeart/2005/8/layout/process3"/>
+    <dgm:cxn modelId="{FCFC318D-9DBB-B545-B690-64AF20EE6DD4}" type="presParOf" srcId="{759F5B96-23BD-234E-98DA-B4E9CB132EF8}" destId="{D28E7AE1-B38D-7A4B-AF05-34BB595DFCAE}" srcOrd="1" destOrd="0" presId="urn:microsoft.com/office/officeart/2005/8/layout/process3"/>
+    <dgm:cxn modelId="{7912CC17-A55D-684A-811A-7182DA937715}" type="presParOf" srcId="{759F5B96-23BD-234E-98DA-B4E9CB132EF8}" destId="{4E61D208-4CBD-284A-9D71-A81369B1BB53}" srcOrd="2" destOrd="0" presId="urn:microsoft.com/office/officeart/2005/8/layout/process3"/>
+  </dgm:cxnLst>
+  <dgm:bg/>
+  <dgm:whole/>
+  <dgm:extLst>
+    <a:ext uri="http://schemas.microsoft.com/office/drawing/2008/diagram">
+      <dsp:dataModelExt xmlns:dsp="http://schemas.microsoft.com/office/drawing/2008/diagram" relId="rId6" minVer="http://schemas.openxmlformats.org/drawingml/2006/diagram"/>
+    </a:ext>
+  </dgm:extLst>
+</dgm:dataModel>
+</file>
+
+<file path=ppt/diagrams/drawing1.xml><?xml version="1.0" encoding="utf-8"?>
+<dsp:drawing xmlns:dgm="http://schemas.openxmlformats.org/drawingml/2006/diagram" xmlns:dsp="http://schemas.microsoft.com/office/drawing/2008/diagram" xmlns:a="http://schemas.openxmlformats.org/drawingml/2006/main">
+  <dsp:spTree>
+    <dsp:nvGrpSpPr>
+      <dsp:cNvPr id="0" name=""/>
+      <dsp:cNvGrpSpPr/>
+    </dsp:nvGrpSpPr>
+    <dsp:grpSpPr/>
+    <dsp:sp modelId="{1E4D6DCD-3766-6740-9B59-85A73695690A}">
+      <dsp:nvSpPr>
+        <dsp:cNvPr id="0" name=""/>
+        <dsp:cNvSpPr/>
+      </dsp:nvSpPr>
+      <dsp:spPr>
+        <a:xfrm>
+          <a:off x="5002" y="430186"/>
+          <a:ext cx="2274632" cy="1092789"/>
+        </a:xfrm>
+        <a:prstGeom prst="roundRect">
+          <a:avLst>
+            <a:gd name="adj" fmla="val 10000"/>
+          </a:avLst>
+        </a:prstGeom>
+        <a:solidFill>
+          <a:schemeClr val="accent1">
+            <a:hueOff val="0"/>
+            <a:satOff val="0"/>
+            <a:lumOff val="0"/>
+            <a:alphaOff val="0"/>
+          </a:schemeClr>
+        </a:solidFill>
+        <a:ln w="12700" cap="flat" cmpd="sng" algn="ctr">
+          <a:solidFill>
+            <a:schemeClr val="lt1">
+              <a:hueOff val="0"/>
+              <a:satOff val="0"/>
+              <a:lumOff val="0"/>
+              <a:alphaOff val="0"/>
+            </a:schemeClr>
+          </a:solidFill>
+          <a:prstDash val="solid"/>
+        </a:ln>
+        <a:effectLst/>
+      </dsp:spPr>
+      <dsp:style>
+        <a:lnRef idx="2">
+          <a:scrgbClr r="0" g="0" b="0"/>
+        </a:lnRef>
+        <a:fillRef idx="1">
+          <a:scrgbClr r="0" g="0" b="0"/>
+        </a:fillRef>
+        <a:effectRef idx="0">
+          <a:scrgbClr r="0" g="0" b="0"/>
+        </a:effectRef>
+        <a:fontRef idx="minor">
+          <a:schemeClr val="lt1"/>
+        </a:fontRef>
+      </dsp:style>
+      <dsp:txBody>
+        <a:bodyPr spcFirstLastPara="0" vert="horz" wrap="square" lIns="135128" tIns="135128" rIns="135128" bIns="72390" numCol="1" spcCol="1270" anchor="t" anchorCtr="0">
+          <a:noAutofit/>
+        </a:bodyPr>
+        <a:lstStyle/>
+        <a:p>
+          <a:pPr marL="0" lvl="0" indent="0" algn="l" defTabSz="844550">
+            <a:lnSpc>
+              <a:spcPct val="90000"/>
+            </a:lnSpc>
+            <a:spcBef>
+              <a:spcPct val="0"/>
+            </a:spcBef>
+            <a:spcAft>
+              <a:spcPct val="35000"/>
+            </a:spcAft>
+            <a:buNone/>
+          </a:pPr>
+          <a:r>
+            <a:rPr lang="en-GB" sz="1900" kern="1200" dirty="0"/>
+            <a:t>Data Understanding</a:t>
+          </a:r>
+        </a:p>
+      </dsp:txBody>
+      <dsp:txXfrm>
+        <a:off x="5002" y="430186"/>
+        <a:ext cx="2274632" cy="728526"/>
+      </dsp:txXfrm>
+    </dsp:sp>
+    <dsp:sp modelId="{17DFF97F-18A5-8F42-B3A6-D43BCFC8E29A}">
+      <dsp:nvSpPr>
+        <dsp:cNvPr id="0" name=""/>
+        <dsp:cNvSpPr/>
+      </dsp:nvSpPr>
+      <dsp:spPr>
+        <a:xfrm>
+          <a:off x="470891" y="1158713"/>
+          <a:ext cx="2274632" cy="2462400"/>
+        </a:xfrm>
+        <a:prstGeom prst="roundRect">
+          <a:avLst>
+            <a:gd name="adj" fmla="val 10000"/>
+          </a:avLst>
+        </a:prstGeom>
+        <a:solidFill>
+          <a:schemeClr val="lt1">
+            <a:alpha val="90000"/>
+            <a:hueOff val="0"/>
+            <a:satOff val="0"/>
+            <a:lumOff val="0"/>
+            <a:alphaOff val="0"/>
+          </a:schemeClr>
+        </a:solidFill>
+        <a:ln w="12700" cap="flat" cmpd="sng" algn="ctr">
+          <a:solidFill>
+            <a:schemeClr val="accent1">
+              <a:hueOff val="0"/>
+              <a:satOff val="0"/>
+              <a:lumOff val="0"/>
+              <a:alphaOff val="0"/>
+            </a:schemeClr>
+          </a:solidFill>
+          <a:prstDash val="solid"/>
+        </a:ln>
+        <a:effectLst/>
+      </dsp:spPr>
+      <dsp:style>
+        <a:lnRef idx="2">
+          <a:scrgbClr r="0" g="0" b="0"/>
+        </a:lnRef>
+        <a:fillRef idx="1">
+          <a:scrgbClr r="0" g="0" b="0"/>
+        </a:fillRef>
+        <a:effectRef idx="0">
+          <a:scrgbClr r="0" g="0" b="0"/>
+        </a:effectRef>
+        <a:fontRef idx="minor"/>
+      </dsp:style>
+      <dsp:txBody>
+        <a:bodyPr spcFirstLastPara="0" vert="horz" wrap="square" lIns="135128" tIns="135128" rIns="135128" bIns="135128" numCol="1" spcCol="1270" anchor="t" anchorCtr="0">
+          <a:noAutofit/>
+        </a:bodyPr>
+        <a:lstStyle/>
+        <a:p>
+          <a:pPr marL="171450" lvl="1" indent="-171450" algn="l" defTabSz="844550">
+            <a:lnSpc>
+              <a:spcPct val="90000"/>
+            </a:lnSpc>
+            <a:spcBef>
+              <a:spcPct val="0"/>
+            </a:spcBef>
+            <a:spcAft>
+              <a:spcPct val="15000"/>
+            </a:spcAft>
+            <a:buChar char="•"/>
+          </a:pPr>
+          <a:r>
+            <a:rPr lang="en-GB" sz="1900" kern="1200" dirty="0"/>
+            <a:t>Using given dictionary and excel understand data in </a:t>
+          </a:r>
+          <a:r>
+            <a:rPr lang="en-GB" sz="1900" kern="1200" dirty="0" err="1"/>
+            <a:t>loan.csv</a:t>
+          </a:r>
+          <a:endParaRPr lang="en-GB" sz="1900" kern="1200" dirty="0"/>
+        </a:p>
+      </dsp:txBody>
+      <dsp:txXfrm>
+        <a:off x="537513" y="1225335"/>
+        <a:ext cx="2141388" cy="2329156"/>
+      </dsp:txXfrm>
+    </dsp:sp>
+    <dsp:sp modelId="{51576D48-C32E-E249-B872-94B44B2B0550}">
+      <dsp:nvSpPr>
+        <dsp:cNvPr id="0" name=""/>
+        <dsp:cNvSpPr/>
+      </dsp:nvSpPr>
+      <dsp:spPr>
+        <a:xfrm>
+          <a:off x="2624461" y="511291"/>
+          <a:ext cx="731031" cy="566317"/>
+        </a:xfrm>
+        <a:prstGeom prst="rightArrow">
+          <a:avLst>
+            <a:gd name="adj1" fmla="val 60000"/>
+            <a:gd name="adj2" fmla="val 50000"/>
+          </a:avLst>
+        </a:prstGeom>
+        <a:solidFill>
+          <a:schemeClr val="accent1">
+            <a:tint val="60000"/>
+            <a:hueOff val="0"/>
+            <a:satOff val="0"/>
+            <a:lumOff val="0"/>
+            <a:alphaOff val="0"/>
+          </a:schemeClr>
+        </a:solidFill>
+        <a:ln>
+          <a:noFill/>
+        </a:ln>
+        <a:effectLst/>
+      </dsp:spPr>
+      <dsp:style>
+        <a:lnRef idx="0">
+          <a:scrgbClr r="0" g="0" b="0"/>
+        </a:lnRef>
+        <a:fillRef idx="1">
+          <a:scrgbClr r="0" g="0" b="0"/>
+        </a:fillRef>
+        <a:effectRef idx="0">
+          <a:scrgbClr r="0" g="0" b="0"/>
+        </a:effectRef>
+        <a:fontRef idx="minor">
+          <a:schemeClr val="lt1"/>
+        </a:fontRef>
+      </dsp:style>
+      <dsp:txBody>
+        <a:bodyPr spcFirstLastPara="0" vert="horz" wrap="square" lIns="0" tIns="0" rIns="0" bIns="0" numCol="1" spcCol="1270" anchor="ctr" anchorCtr="0">
+          <a:noAutofit/>
+        </a:bodyPr>
+        <a:lstStyle/>
+        <a:p>
+          <a:pPr marL="0" lvl="0" indent="0" algn="ctr" defTabSz="666750">
+            <a:lnSpc>
+              <a:spcPct val="90000"/>
+            </a:lnSpc>
+            <a:spcBef>
+              <a:spcPct val="0"/>
+            </a:spcBef>
+            <a:spcAft>
+              <a:spcPct val="35000"/>
+            </a:spcAft>
+            <a:buNone/>
+          </a:pPr>
+          <a:endParaRPr lang="en-GB" sz="1500" kern="1200"/>
+        </a:p>
+      </dsp:txBody>
+      <dsp:txXfrm>
+        <a:off x="2624461" y="624554"/>
+        <a:ext cx="561136" cy="339791"/>
+      </dsp:txXfrm>
+    </dsp:sp>
+    <dsp:sp modelId="{31285CEB-07F1-AC44-B334-000DB7F6840A}">
+      <dsp:nvSpPr>
+        <dsp:cNvPr id="0" name=""/>
+        <dsp:cNvSpPr/>
+      </dsp:nvSpPr>
+      <dsp:spPr>
+        <a:xfrm>
+          <a:off x="3658939" y="430186"/>
+          <a:ext cx="2274632" cy="1092789"/>
+        </a:xfrm>
+        <a:prstGeom prst="roundRect">
+          <a:avLst>
+            <a:gd name="adj" fmla="val 10000"/>
+          </a:avLst>
+        </a:prstGeom>
+        <a:solidFill>
+          <a:schemeClr val="accent1">
+            <a:hueOff val="0"/>
+            <a:satOff val="0"/>
+            <a:lumOff val="0"/>
+            <a:alphaOff val="0"/>
+          </a:schemeClr>
+        </a:solidFill>
+        <a:ln w="12700" cap="flat" cmpd="sng" algn="ctr">
+          <a:solidFill>
+            <a:schemeClr val="lt1">
+              <a:hueOff val="0"/>
+              <a:satOff val="0"/>
+              <a:lumOff val="0"/>
+              <a:alphaOff val="0"/>
+            </a:schemeClr>
+          </a:solidFill>
+          <a:prstDash val="solid"/>
+        </a:ln>
+        <a:effectLst/>
+      </dsp:spPr>
+      <dsp:style>
+        <a:lnRef idx="2">
+          <a:scrgbClr r="0" g="0" b="0"/>
+        </a:lnRef>
+        <a:fillRef idx="1">
+          <a:scrgbClr r="0" g="0" b="0"/>
+        </a:fillRef>
+        <a:effectRef idx="0">
+          <a:scrgbClr r="0" g="0" b="0"/>
+        </a:effectRef>
+        <a:fontRef idx="minor">
+          <a:schemeClr val="lt1"/>
+        </a:fontRef>
+      </dsp:style>
+      <dsp:txBody>
+        <a:bodyPr spcFirstLastPara="0" vert="horz" wrap="square" lIns="135128" tIns="135128" rIns="135128" bIns="72390" numCol="1" spcCol="1270" anchor="t" anchorCtr="0">
+          <a:noAutofit/>
+        </a:bodyPr>
+        <a:lstStyle/>
+        <a:p>
+          <a:pPr marL="0" lvl="0" indent="0" algn="l" defTabSz="844550">
+            <a:lnSpc>
+              <a:spcPct val="90000"/>
+            </a:lnSpc>
+            <a:spcBef>
+              <a:spcPct val="0"/>
+            </a:spcBef>
+            <a:spcAft>
+              <a:spcPct val="35000"/>
+            </a:spcAft>
+            <a:buNone/>
+          </a:pPr>
+          <a:r>
+            <a:rPr lang="en-GB" sz="1900" kern="1200" dirty="0"/>
+            <a:t>Data Cleaning</a:t>
+          </a:r>
+        </a:p>
+      </dsp:txBody>
+      <dsp:txXfrm>
+        <a:off x="3658939" y="430186"/>
+        <a:ext cx="2274632" cy="728526"/>
+      </dsp:txXfrm>
+    </dsp:sp>
+    <dsp:sp modelId="{CB48A112-564A-474D-9470-B44834AC9A30}">
+      <dsp:nvSpPr>
+        <dsp:cNvPr id="0" name=""/>
+        <dsp:cNvSpPr/>
+      </dsp:nvSpPr>
+      <dsp:spPr>
+        <a:xfrm>
+          <a:off x="4124828" y="1158713"/>
+          <a:ext cx="2274632" cy="2462400"/>
+        </a:xfrm>
+        <a:prstGeom prst="roundRect">
+          <a:avLst>
+            <a:gd name="adj" fmla="val 10000"/>
+          </a:avLst>
+        </a:prstGeom>
+        <a:solidFill>
+          <a:schemeClr val="lt1">
+            <a:alpha val="90000"/>
+            <a:hueOff val="0"/>
+            <a:satOff val="0"/>
+            <a:lumOff val="0"/>
+            <a:alphaOff val="0"/>
+          </a:schemeClr>
+        </a:solidFill>
+        <a:ln w="12700" cap="flat" cmpd="sng" algn="ctr">
+          <a:solidFill>
+            <a:schemeClr val="accent1">
+              <a:hueOff val="0"/>
+              <a:satOff val="0"/>
+              <a:lumOff val="0"/>
+              <a:alphaOff val="0"/>
+            </a:schemeClr>
+          </a:solidFill>
+          <a:prstDash val="solid"/>
+        </a:ln>
+        <a:effectLst/>
+      </dsp:spPr>
+      <dsp:style>
+        <a:lnRef idx="2">
+          <a:scrgbClr r="0" g="0" b="0"/>
+        </a:lnRef>
+        <a:fillRef idx="1">
+          <a:scrgbClr r="0" g="0" b="0"/>
+        </a:fillRef>
+        <a:effectRef idx="0">
+          <a:scrgbClr r="0" g="0" b="0"/>
+        </a:effectRef>
+        <a:fontRef idx="minor"/>
+      </dsp:style>
+      <dsp:txBody>
+        <a:bodyPr spcFirstLastPara="0" vert="horz" wrap="square" lIns="135128" tIns="135128" rIns="135128" bIns="135128" numCol="1" spcCol="1270" anchor="t" anchorCtr="0">
+          <a:noAutofit/>
+        </a:bodyPr>
+        <a:lstStyle/>
+        <a:p>
+          <a:pPr marL="171450" lvl="1" indent="-171450" algn="l" defTabSz="844550">
+            <a:lnSpc>
+              <a:spcPct val="90000"/>
+            </a:lnSpc>
+            <a:spcBef>
+              <a:spcPct val="0"/>
+            </a:spcBef>
+            <a:spcAft>
+              <a:spcPct val="15000"/>
+            </a:spcAft>
+            <a:buChar char="•"/>
+          </a:pPr>
+          <a:r>
+            <a:rPr lang="en-GB" sz="1900" kern="1200" dirty="0"/>
+            <a:t>Based on understanding, using </a:t>
+          </a:r>
+          <a:r>
+            <a:rPr lang="en-GB" sz="1900" kern="1200" dirty="0" err="1"/>
+            <a:t>klib</a:t>
+          </a:r>
+          <a:r>
+            <a:rPr lang="en-GB" sz="1900" kern="1200" dirty="0"/>
+            <a:t> library or pandas performing cleaning operation</a:t>
+          </a:r>
+        </a:p>
+      </dsp:txBody>
+      <dsp:txXfrm>
+        <a:off x="4191450" y="1225335"/>
+        <a:ext cx="2141388" cy="2329156"/>
+      </dsp:txXfrm>
+    </dsp:sp>
+    <dsp:sp modelId="{612E0E29-30C9-DE44-A45B-699928D062FC}">
+      <dsp:nvSpPr>
+        <dsp:cNvPr id="0" name=""/>
+        <dsp:cNvSpPr/>
+      </dsp:nvSpPr>
+      <dsp:spPr>
+        <a:xfrm>
+          <a:off x="6278398" y="511291"/>
+          <a:ext cx="731031" cy="566317"/>
+        </a:xfrm>
+        <a:prstGeom prst="rightArrow">
+          <a:avLst>
+            <a:gd name="adj1" fmla="val 60000"/>
+            <a:gd name="adj2" fmla="val 50000"/>
+          </a:avLst>
+        </a:prstGeom>
+        <a:solidFill>
+          <a:schemeClr val="accent1">
+            <a:tint val="60000"/>
+            <a:hueOff val="0"/>
+            <a:satOff val="0"/>
+            <a:lumOff val="0"/>
+            <a:alphaOff val="0"/>
+          </a:schemeClr>
+        </a:solidFill>
+        <a:ln>
+          <a:noFill/>
+        </a:ln>
+        <a:effectLst/>
+      </dsp:spPr>
+      <dsp:style>
+        <a:lnRef idx="0">
+          <a:scrgbClr r="0" g="0" b="0"/>
+        </a:lnRef>
+        <a:fillRef idx="1">
+          <a:scrgbClr r="0" g="0" b="0"/>
+        </a:fillRef>
+        <a:effectRef idx="0">
+          <a:scrgbClr r="0" g="0" b="0"/>
+        </a:effectRef>
+        <a:fontRef idx="minor">
+          <a:schemeClr val="lt1"/>
+        </a:fontRef>
+      </dsp:style>
+      <dsp:txBody>
+        <a:bodyPr spcFirstLastPara="0" vert="horz" wrap="square" lIns="0" tIns="0" rIns="0" bIns="0" numCol="1" spcCol="1270" anchor="ctr" anchorCtr="0">
+          <a:noAutofit/>
+        </a:bodyPr>
+        <a:lstStyle/>
+        <a:p>
+          <a:pPr marL="0" lvl="0" indent="0" algn="ctr" defTabSz="666750">
+            <a:lnSpc>
+              <a:spcPct val="90000"/>
+            </a:lnSpc>
+            <a:spcBef>
+              <a:spcPct val="0"/>
+            </a:spcBef>
+            <a:spcAft>
+              <a:spcPct val="35000"/>
+            </a:spcAft>
+            <a:buNone/>
+          </a:pPr>
+          <a:endParaRPr lang="en-GB" sz="1500" kern="1200"/>
+        </a:p>
+      </dsp:txBody>
+      <dsp:txXfrm>
+        <a:off x="6278398" y="624554"/>
+        <a:ext cx="561136" cy="339791"/>
+      </dsp:txXfrm>
+    </dsp:sp>
+    <dsp:sp modelId="{D28E7AE1-B38D-7A4B-AF05-34BB595DFCAE}">
+      <dsp:nvSpPr>
+        <dsp:cNvPr id="0" name=""/>
+        <dsp:cNvSpPr/>
+      </dsp:nvSpPr>
+      <dsp:spPr>
+        <a:xfrm>
+          <a:off x="7312876" y="430186"/>
+          <a:ext cx="2274632" cy="1092789"/>
+        </a:xfrm>
+        <a:prstGeom prst="roundRect">
+          <a:avLst>
+            <a:gd name="adj" fmla="val 10000"/>
+          </a:avLst>
+        </a:prstGeom>
+        <a:solidFill>
+          <a:schemeClr val="accent1">
+            <a:hueOff val="0"/>
+            <a:satOff val="0"/>
+            <a:lumOff val="0"/>
+            <a:alphaOff val="0"/>
+          </a:schemeClr>
+        </a:solidFill>
+        <a:ln w="12700" cap="flat" cmpd="sng" algn="ctr">
+          <a:solidFill>
+            <a:schemeClr val="lt1">
+              <a:hueOff val="0"/>
+              <a:satOff val="0"/>
+              <a:lumOff val="0"/>
+              <a:alphaOff val="0"/>
+            </a:schemeClr>
+          </a:solidFill>
+          <a:prstDash val="solid"/>
+        </a:ln>
+        <a:effectLst/>
+      </dsp:spPr>
+      <dsp:style>
+        <a:lnRef idx="2">
+          <a:scrgbClr r="0" g="0" b="0"/>
+        </a:lnRef>
+        <a:fillRef idx="1">
+          <a:scrgbClr r="0" g="0" b="0"/>
+        </a:fillRef>
+        <a:effectRef idx="0">
+          <a:scrgbClr r="0" g="0" b="0"/>
+        </a:effectRef>
+        <a:fontRef idx="minor">
+          <a:schemeClr val="lt1"/>
+        </a:fontRef>
+      </dsp:style>
+      <dsp:txBody>
+        <a:bodyPr spcFirstLastPara="0" vert="horz" wrap="square" lIns="135128" tIns="135128" rIns="135128" bIns="72390" numCol="1" spcCol="1270" anchor="t" anchorCtr="0">
+          <a:noAutofit/>
+        </a:bodyPr>
+        <a:lstStyle/>
+        <a:p>
+          <a:pPr marL="0" lvl="0" indent="0" algn="l" defTabSz="844550">
+            <a:lnSpc>
+              <a:spcPct val="90000"/>
+            </a:lnSpc>
+            <a:spcBef>
+              <a:spcPct val="0"/>
+            </a:spcBef>
+            <a:spcAft>
+              <a:spcPct val="35000"/>
+            </a:spcAft>
+            <a:buNone/>
+          </a:pPr>
+          <a:r>
+            <a:rPr lang="en-GB" sz="1900" kern="1200" dirty="0"/>
+            <a:t>Data Interpretation</a:t>
+          </a:r>
+        </a:p>
+      </dsp:txBody>
+      <dsp:txXfrm>
+        <a:off x="7312876" y="430186"/>
+        <a:ext cx="2274632" cy="728526"/>
+      </dsp:txXfrm>
+    </dsp:sp>
+    <dsp:sp modelId="{4E61D208-4CBD-284A-9D71-A81369B1BB53}">
+      <dsp:nvSpPr>
+        <dsp:cNvPr id="0" name=""/>
+        <dsp:cNvSpPr/>
+      </dsp:nvSpPr>
+      <dsp:spPr>
+        <a:xfrm>
+          <a:off x="7778764" y="1158713"/>
+          <a:ext cx="2274632" cy="2462400"/>
+        </a:xfrm>
+        <a:prstGeom prst="roundRect">
+          <a:avLst>
+            <a:gd name="adj" fmla="val 10000"/>
+          </a:avLst>
+        </a:prstGeom>
+        <a:solidFill>
+          <a:schemeClr val="lt1">
+            <a:alpha val="90000"/>
+            <a:hueOff val="0"/>
+            <a:satOff val="0"/>
+            <a:lumOff val="0"/>
+            <a:alphaOff val="0"/>
+          </a:schemeClr>
+        </a:solidFill>
+        <a:ln w="12700" cap="flat" cmpd="sng" algn="ctr">
+          <a:solidFill>
+            <a:schemeClr val="accent1">
+              <a:hueOff val="0"/>
+              <a:satOff val="0"/>
+              <a:lumOff val="0"/>
+              <a:alphaOff val="0"/>
+            </a:schemeClr>
+          </a:solidFill>
+          <a:prstDash val="solid"/>
+        </a:ln>
+        <a:effectLst/>
+      </dsp:spPr>
+      <dsp:style>
+        <a:lnRef idx="2">
+          <a:scrgbClr r="0" g="0" b="0"/>
+        </a:lnRef>
+        <a:fillRef idx="1">
+          <a:scrgbClr r="0" g="0" b="0"/>
+        </a:fillRef>
+        <a:effectRef idx="0">
+          <a:scrgbClr r="0" g="0" b="0"/>
+        </a:effectRef>
+        <a:fontRef idx="minor"/>
+      </dsp:style>
+      <dsp:txBody>
+        <a:bodyPr spcFirstLastPara="0" vert="horz" wrap="square" lIns="135128" tIns="135128" rIns="135128" bIns="135128" numCol="1" spcCol="1270" anchor="t" anchorCtr="0">
+          <a:noAutofit/>
+        </a:bodyPr>
+        <a:lstStyle/>
+        <a:p>
+          <a:pPr marL="171450" lvl="1" indent="-171450" algn="l" defTabSz="844550">
+            <a:lnSpc>
+              <a:spcPct val="90000"/>
+            </a:lnSpc>
+            <a:spcBef>
+              <a:spcPct val="0"/>
+            </a:spcBef>
+            <a:spcAft>
+              <a:spcPct val="15000"/>
+            </a:spcAft>
+            <a:buChar char="•"/>
+          </a:pPr>
+          <a:r>
+            <a:rPr lang="en-GB" sz="1900" kern="1200" dirty="0"/>
+            <a:t>With the cleaned data plot graphs to mention the observations</a:t>
+          </a:r>
+        </a:p>
+      </dsp:txBody>
+      <dsp:txXfrm>
+        <a:off x="7845386" y="1225335"/>
+        <a:ext cx="2141388" cy="2329156"/>
+      </dsp:txXfrm>
+    </dsp:sp>
+  </dsp:spTree>
+</dsp:drawing>
+</file>
+
+<file path=ppt/diagrams/layout1.xml><?xml version="1.0" encoding="utf-8"?>
+<dgm:layoutDef xmlns:dgm="http://schemas.openxmlformats.org/drawingml/2006/diagram" xmlns:a="http://schemas.openxmlformats.org/drawingml/2006/main" uniqueId="urn:microsoft.com/office/officeart/2005/8/layout/process3">
+  <dgm:title val=""/>
+  <dgm:desc val=""/>
+  <dgm:catLst>
+    <dgm:cat type="process" pri="2000"/>
+  </dgm:catLst>
+  <dgm:sampData>
+    <dgm:dataModel>
+      <dgm:ptLst>
+        <dgm:pt modelId="0" type="doc"/>
+        <dgm:pt modelId="1">
+          <dgm:prSet phldr="1"/>
+        </dgm:pt>
+        <dgm:pt modelId="11">
+          <dgm:prSet phldr="1"/>
+        </dgm:pt>
+        <dgm:pt modelId="2">
+          <dgm:prSet phldr="1"/>
+        </dgm:pt>
+        <dgm:pt modelId="21">
+          <dgm:prSet phldr="1"/>
+        </dgm:pt>
+        <dgm:pt modelId="3">
+          <dgm:prSet phldr="1"/>
+        </dgm:pt>
+        <dgm:pt modelId="31">
+          <dgm:prSet phldr="1"/>
+        </dgm:pt>
+      </dgm:ptLst>
+      <dgm:cxnLst>
+        <dgm:cxn modelId="4" srcId="0" destId="1" srcOrd="0" destOrd="0"/>
+        <dgm:cxn modelId="5" srcId="0" destId="2" srcOrd="1" destOrd="0"/>
+        <dgm:cxn modelId="6" srcId="0" destId="3" srcOrd="3" destOrd="0"/>
+        <dgm:cxn modelId="12" srcId="1" destId="11" srcOrd="0" destOrd="0"/>
+        <dgm:cxn modelId="23" srcId="2" destId="21" srcOrd="0" destOrd="0"/>
+        <dgm:cxn modelId="34" srcId="3" destId="31" srcOrd="0" destOrd="0"/>
+      </dgm:cxnLst>
+      <dgm:bg/>
+      <dgm:whole/>
+    </dgm:dataModel>
+  </dgm:sampData>
+  <dgm:styleData>
+    <dgm:dataModel>
+      <dgm:ptLst>
+        <dgm:pt modelId="0" type="doc"/>
+        <dgm:pt modelId="1">
+          <dgm:prSet phldr="1"/>
+        </dgm:pt>
+        <dgm:pt modelId="11">
+          <dgm:prSet phldr="1"/>
+        </dgm:pt>
+        <dgm:pt modelId="2">
+          <dgm:prSet phldr="1"/>
+        </dgm:pt>
+        <dgm:pt modelId="21">
+          <dgm:prSet phldr="1"/>
+        </dgm:pt>
+      </dgm:ptLst>
+      <dgm:cxnLst>
+        <dgm:cxn modelId="4" srcId="0" destId="1" srcOrd="0" destOrd="0"/>
+        <dgm:cxn modelId="5" srcId="0" destId="2" srcOrd="1" destOrd="0"/>
+        <dgm:cxn modelId="13" srcId="1" destId="11" srcOrd="0" destOrd="0"/>
+        <dgm:cxn modelId="23" srcId="2" destId="21" srcOrd="0" destOrd="0"/>
+      </dgm:cxnLst>
+      <dgm:bg/>
+      <dgm:whole/>
+    </dgm:dataModel>
+  </dgm:styleData>
+  <dgm:clrData>
+    <dgm:dataModel>
+      <dgm:ptLst>
+        <dgm:pt modelId="0" type="doc"/>
+        <dgm:pt modelId="1">
+          <dgm:prSet phldr="1"/>
+        </dgm:pt>
+        <dgm:pt modelId="11">
+          <dgm:prSet phldr="1"/>
+        </dgm:pt>
+        <dgm:pt modelId="2">
+          <dgm:prSet phldr="1"/>
+        </dgm:pt>
+        <dgm:pt modelId="21">
+          <dgm:prSet phldr="1"/>
+        </dgm:pt>
+        <dgm:pt modelId="3">
+          <dgm:prSet phldr="1"/>
+        </dgm:pt>
+        <dgm:pt modelId="31">
+          <dgm:prSet phldr="1"/>
+        </dgm:pt>
+        <dgm:pt modelId="4">
+          <dgm:prSet phldr="1"/>
+        </dgm:pt>
+        <dgm:pt modelId="41">
+          <dgm:prSet phldr="1"/>
+        </dgm:pt>
+      </dgm:ptLst>
+      <dgm:cxnLst>
+        <dgm:cxn modelId="5" srcId="0" destId="1" srcOrd="0" destOrd="0"/>
+        <dgm:cxn modelId="6" srcId="0" destId="2" srcOrd="1" destOrd="0"/>
+        <dgm:cxn modelId="7" srcId="0" destId="3" srcOrd="2" destOrd="0"/>
+        <dgm:cxn modelId="8" srcId="0" destId="4" srcOrd="3" destOrd="0"/>
+        <dgm:cxn modelId="13" srcId="1" destId="11" srcOrd="0" destOrd="0"/>
+        <dgm:cxn modelId="23" srcId="2" destId="21" srcOrd="0" destOrd="0"/>
+        <dgm:cxn modelId="33" srcId="3" destId="31" srcOrd="0" destOrd="0"/>
+        <dgm:cxn modelId="43" srcId="4" destId="41" srcOrd="0" destOrd="0"/>
+      </dgm:cxnLst>
+      <dgm:bg/>
+      <dgm:whole/>
+    </dgm:dataModel>
+  </dgm:clrData>
+  <dgm:layoutNode name="linearFlow">
+    <dgm:varLst>
+      <dgm:dir/>
+      <dgm:animLvl val="lvl"/>
+      <dgm:resizeHandles val="exact"/>
+    </dgm:varLst>
+    <dgm:choose name="Name0">
+      <dgm:if name="Name1" func="var" arg="dir" op="equ" val="norm">
+        <dgm:alg type="lin"/>
+      </dgm:if>
+      <dgm:else name="Name2">
+        <dgm:alg type="lin">
+          <dgm:param type="linDir" val="fromR"/>
+        </dgm:alg>
+      </dgm:else>
+    </dgm:choose>
+    <dgm:shape xmlns:r="http://schemas.openxmlformats.org/officeDocument/2006/relationships" r:blip="">
+      <dgm:adjLst/>
+    </dgm:shape>
+    <dgm:presOf/>
+    <dgm:constrLst>
+      <dgm:constr type="w" for="ch" forName="composite" refType="w"/>
+      <dgm:constr type="w" for="ch" ptType="sibTrans" refType="w" refFor="ch" refForName="composite" fact="0.3333"/>
+      <dgm:constr type="w" for="des" forName="parTx"/>
+      <dgm:constr type="h" for="des" forName="parTx" op="equ"/>
+      <dgm:constr type="h" for="des" forName="parSh" op="equ"/>
+      <dgm:constr type="w" for="des" forName="desTx"/>
+      <dgm:constr type="h" for="des" forName="desTx" op="equ"/>
+      <dgm:constr type="w" for="des" forName="parSh"/>
+      <dgm:constr type="primFontSz" for="des" forName="parTx" val="65"/>
+      <dgm:constr type="secFontSz" for="des" forName="desTx" refType="primFontSz" refFor="des" refForName="parTx" op="equ"/>
+      <dgm:constr type="primFontSz" for="des" forName="connTx" refType="primFontSz" refFor="des" refForName="parTx" fact="0.8"/>
+      <dgm:constr type="primFontSz" for="des" forName="connTx" refType="primFontSz" refFor="des" refForName="parTx" op="lte" fact="0.8"/>
+      <dgm:constr type="h" for="des" forName="parTx" refType="primFontSz" refFor="des" refForName="parTx" fact="0.8"/>
+      <dgm:constr type="h" for="des" forName="parSh" refType="primFontSz" refFor="des" refForName="parTx" fact="1.2"/>
+      <dgm:constr type="h" for="des" forName="desTx" refType="primFontSz" refFor="des" refForName="parTx" fact="1.6"/>
+      <dgm:constr type="h" for="des" forName="parSh" refType="h" refFor="des" refForName="parTx" op="lte" fact="1.5"/>
+      <dgm:constr type="h" for="des" forName="parSh" refType="h" refFor="des" refForName="parTx" op="gte" fact="1.5"/>
+    </dgm:constrLst>
+    <dgm:ruleLst>
+      <dgm:rule type="w" for="ch" forName="composite" val="0" fact="NaN" max="NaN"/>
+      <dgm:rule type="primFontSz" for="des" forName="parTx" val="5" fact="NaN" max="NaN"/>
+    </dgm:ruleLst>
+    <dgm:forEach name="Name3" axis="ch" ptType="node">
+      <dgm:layoutNode name="composite">
+        <dgm:alg type="composite"/>
+        <dgm:shape xmlns:r="http://schemas.openxmlformats.org/officeDocument/2006/relationships" r:blip="">
+          <dgm:adjLst/>
+        </dgm:shape>
+        <dgm:presOf/>
+        <dgm:choose name="Name4">
+          <dgm:if name="Name5" func="var" arg="dir" op="equ" val="norm">
+            <dgm:constrLst>
+              <dgm:constr type="h" refType="w" fact="1000"/>
+              <dgm:constr type="l" for="ch" forName="parTx"/>
+              <dgm:constr type="w" for="ch" forName="parTx" refType="w" fact="0.83"/>
+              <dgm:constr type="t" for="ch" forName="parTx"/>
+              <dgm:constr type="l" for="ch" forName="parSh"/>
+              <dgm:constr type="w" for="ch" forName="parSh" refType="w" refFor="ch" refForName="parTx"/>
+              <dgm:constr type="t" for="ch" forName="parSh"/>
+              <dgm:constr type="l" for="ch" forName="desTx" refType="w" fact="0.17"/>
+              <dgm:constr type="w" for="ch" forName="desTx" refType="w" refFor="ch" refForName="parTx"/>
+              <dgm:constr type="t" for="ch" forName="desTx" refType="h" refFor="ch" refForName="parTx"/>
+            </dgm:constrLst>
+          </dgm:if>
+          <dgm:else name="Name6">
+            <dgm:constrLst>
+              <dgm:constr type="h" refType="w" fact="1000"/>
+              <dgm:constr type="l" for="ch" forName="parTx" refType="w" fact="0.17"/>
+              <dgm:constr type="w" for="ch" forName="parTx" refType="w" fact="0.83"/>
+              <dgm:constr type="t" for="ch" forName="parTx"/>
+              <dgm:constr type="l" for="ch" forName="parSh" refType="w" fact="0.15"/>
+              <dgm:constr type="w" for="ch" forName="parSh" refType="w" refFor="ch" refForName="parTx"/>
+              <dgm:constr type="t" for="ch" forName="parSh"/>
+              <dgm:constr type="l" for="ch" forName="desTx"/>
+              <dgm:constr type="w" for="ch" forName="desTx" refType="w" refFor="ch" refForName="parTx"/>
+              <dgm:constr type="t" for="ch" forName="desTx" refType="h" refFor="ch" refForName="parTx"/>
+            </dgm:constrLst>
+          </dgm:else>
+        </dgm:choose>
+        <dgm:ruleLst>
+          <dgm:rule type="h" val="INF" fact="NaN" max="NaN"/>
+        </dgm:ruleLst>
+        <dgm:layoutNode name="parTx">
+          <dgm:varLst>
+            <dgm:chMax val="0"/>
+            <dgm:chPref val="0"/>
+            <dgm:bulletEnabled val="1"/>
+          </dgm:varLst>
+          <dgm:alg type="tx">
+            <dgm:param type="parTxLTRAlign" val="l"/>
+            <dgm:param type="parTxRTLAlign" val="r"/>
+            <dgm:param type="txAnchorVert" val="t"/>
+          </dgm:alg>
+          <dgm:shape xmlns:r="http://schemas.openxmlformats.org/officeDocument/2006/relationships" type="rect" r:blip="" zOrderOff="1" hideGeom="1">
+            <dgm:adjLst>
+              <dgm:adj idx="1" val="0.1"/>
+            </dgm:adjLst>
+          </dgm:shape>
+          <dgm:presOf axis="self" ptType="node"/>
+          <dgm:constrLst>
+            <dgm:constr type="h" refType="w" op="lte" fact="0.4"/>
+            <dgm:constr type="bMarg" refType="primFontSz" fact="0.3"/>
+            <dgm:constr type="h"/>
+          </dgm:constrLst>
+          <dgm:ruleLst>
+            <dgm:rule type="h" val="INF" fact="NaN" max="NaN"/>
+          </dgm:ruleLst>
+        </dgm:layoutNode>
+        <dgm:layoutNode name="parSh">
+          <dgm:alg type="sp"/>
+          <dgm:shape xmlns:r="http://schemas.openxmlformats.org/officeDocument/2006/relationships" type="roundRect" r:blip="">
+            <dgm:adjLst>
+              <dgm:adj idx="1" val="0.1"/>
+            </dgm:adjLst>
+          </dgm:shape>
+          <dgm:presOf axis="self" ptType="node"/>
+          <dgm:constrLst>
+            <dgm:constr type="h"/>
+          </dgm:constrLst>
+          <dgm:ruleLst/>
+        </dgm:layoutNode>
+        <dgm:layoutNode name="desTx" styleLbl="fgAcc1">
+          <dgm:varLst>
+            <dgm:bulletEnabled val="1"/>
+          </dgm:varLst>
+          <dgm:alg type="tx">
+            <dgm:param type="stBulletLvl" val="1"/>
+          </dgm:alg>
+          <dgm:shape xmlns:r="http://schemas.openxmlformats.org/officeDocument/2006/relationships" type="roundRect" r:blip="">
+            <dgm:adjLst>
+              <dgm:adj idx="1" val="0.1"/>
+            </dgm:adjLst>
+          </dgm:shape>
+          <dgm:presOf axis="des" ptType="node"/>
+          <dgm:constrLst>
+            <dgm:constr type="secFontSz" val="65"/>
+            <dgm:constr type="primFontSz" refType="secFontSz"/>
+            <dgm:constr type="h"/>
+          </dgm:constrLst>
+          <dgm:ruleLst>
+            <dgm:rule type="h" val="INF" fact="NaN" max="NaN"/>
+          </dgm:ruleLst>
+        </dgm:layoutNode>
+      </dgm:layoutNode>
+      <dgm:forEach name="sibTransForEach" axis="followSib" ptType="sibTrans" cnt="1">
+        <dgm:layoutNode name="sibTrans">
+          <dgm:alg type="conn">
+            <dgm:param type="begPts" val="auto"/>
+            <dgm:param type="endPts" val="auto"/>
+            <dgm:param type="srcNode" val="parTx"/>
+            <dgm:param type="dstNode" val="parTx"/>
+          </dgm:alg>
+          <dgm:shape xmlns:r="http://schemas.openxmlformats.org/officeDocument/2006/relationships" type="conn" r:blip="">
+            <dgm:adjLst/>
+          </dgm:shape>
+          <dgm:presOf axis="self"/>
+          <dgm:constrLst>
+            <dgm:constr type="h" refType="w" fact="0.62"/>
+            <dgm:constr type="connDist"/>
+            <dgm:constr type="begPad" refType="connDist" fact="0.25"/>
+            <dgm:constr type="endPad" refType="connDist" fact="0.22"/>
+          </dgm:constrLst>
+          <dgm:ruleLst/>
+          <dgm:layoutNode name="connTx">
+            <dgm:alg type="tx">
+              <dgm:param type="autoTxRot" val="grav"/>
+            </dgm:alg>
+            <dgm:shape xmlns:r="http://schemas.openxmlformats.org/officeDocument/2006/relationships" type="conn" r:blip="" hideGeom="1">
+              <dgm:adjLst/>
+            </dgm:shape>
+            <dgm:presOf axis="self"/>
+            <dgm:constrLst>
+              <dgm:constr type="lMarg"/>
+              <dgm:constr type="rMarg"/>
+              <dgm:constr type="tMarg"/>
+              <dgm:constr type="bMarg"/>
+            </dgm:constrLst>
+            <dgm:ruleLst>
+              <dgm:rule type="primFontSz" val="5" fact="NaN" max="NaN"/>
+            </dgm:ruleLst>
+          </dgm:layoutNode>
+        </dgm:layoutNode>
+      </dgm:forEach>
+    </dgm:forEach>
+  </dgm:layoutNode>
+</dgm:layoutDef>
+</file>
+
+<file path=ppt/diagrams/quickStyle1.xml><?xml version="1.0" encoding="utf-8"?>
+<dgm:styleDef xmlns:dgm="http://schemas.openxmlformats.org/drawingml/2006/diagram" xmlns:a="http://schemas.openxmlformats.org/drawingml/2006/main" uniqueId="urn:microsoft.com/office/officeart/2005/8/quickstyle/simple1">
+  <dgm:title val=""/>
+  <dgm:desc val=""/>
+  <dgm:catLst>
+    <dgm:cat type="simple" pri="10100"/>
+  </dgm:catLst>
+  <dgm:scene3d>
+    <a:camera prst="orthographicFront"/>
+    <a:lightRig rig="threePt" dir="t"/>
+  </dgm:scene3d>
+  <dgm:styleLbl name="node0">
+    <dgm:scene3d>
+      <a:camera prst="orthographicFront"/>
+      <a:lightRig rig="threePt" dir="t"/>
+    </dgm:scene3d>
+    <dgm:sp3d/>
+    <dgm:txPr/>
+    <dgm:style>
+      <a:lnRef idx="2">
+        <a:scrgbClr r="0" g="0" b="0"/>
+      </a:lnRef>
+      <a:fillRef idx="1">
+        <a:scrgbClr r="0" g="0" b="0"/>
+      </a:fillRef>
+      <a:effectRef idx="0">
+        <a:scrgbClr r="0" g="0" b="0"/>
+      </a:effectRef>
+      <a:fontRef idx="minor">
+        <a:schemeClr val="lt1"/>
+      </a:fontRef>
+    </dgm:style>
+  </dgm:styleLbl>
+  <dgm:styleLbl name="lnNode1">
+    <dgm:scene3d>
+      <a:camera prst="orthographicFront"/>
+      <a:lightRig rig="threePt" dir="t"/>
+    </dgm:scene3d>
+    <dgm:sp3d/>
+    <dgm:txPr/>
+    <dgm:style>
+      <a:lnRef idx="2">
+        <a:scrgbClr r="0" g="0" b="0"/>
+      </a:lnRef>
+      <a:fillRef idx="1">
+        <a:scrgbClr r="0" g="0" b="0"/>
+      </a:fillRef>
+      <a:effectRef idx="0">
+        <a:scrgbClr r="0" g="0" b="0"/>
+      </a:effectRef>
+      <a:fontRef idx="minor">
+        <a:schemeClr val="lt1"/>
+      </a:fontRef>
+    </dgm:style>
+  </dgm:styleLbl>
+  <dgm:styleLbl name="vennNode1">
+    <dgm:scene3d>
+      <a:camera prst="orthographicFront"/>
+      <a:lightRig rig="threePt" dir="t"/>
+    </dgm:scene3d>
+    <dgm:sp3d/>
+    <dgm:txPr/>
+    <dgm:style>
+      <a:lnRef idx="2">
+        <a:scrgbClr r="0" g="0" b="0"/>
+      </a:lnRef>
+      <a:fillRef idx="1">
+        <a:scrgbClr r="0" g="0" b="0"/>
+      </a:fillRef>
+      <a:effectRef idx="0">
+        <a:scrgbClr r="0" g="0" b="0"/>
+      </a:effectRef>
+      <a:fontRef idx="minor">
+        <a:schemeClr val="tx1"/>
+      </a:fontRef>
+    </dgm:style>
+  </dgm:styleLbl>
+  <dgm:styleLbl name="alignNode1">
+    <dgm:scene3d>
+      <a:camera prst="orthographicFront"/>
+      <a:lightRig rig="threePt" dir="t"/>
+    </dgm:scene3d>
+    <dgm:sp3d/>
+    <dgm:txPr/>
+    <dgm:style>
+      <a:lnRef idx="2">
+        <a:scrgbClr r="0" g="0" b="0"/>
+      </a:lnRef>
+      <a:fillRef idx="1">
+        <a:scrgbClr r="0" g="0" b="0"/>
+      </a:fillRef>
+      <a:effectRef idx="0">
+        <a:scrgbClr r="0" g="0" b="0"/>
+      </a:effectRef>
+      <a:fontRef idx="minor">
+        <a:schemeClr val="lt1"/>
+      </a:fontRef>
+    </dgm:style>
+  </dgm:styleLbl>
+  <dgm:styleLbl name="node1">
+    <dgm:scene3d>
+      <a:camera prst="orthographicFront"/>
+      <a:lightRig rig="threePt" dir="t"/>
+    </dgm:scene3d>
+    <dgm:sp3d/>
+    <dgm:txPr/>
+    <dgm:style>
+      <a:lnRef idx="2">
+        <a:scrgbClr r="0" g="0" b="0"/>
+      </a:lnRef>
+      <a:fillRef idx="1">
+        <a:scrgbClr r="0" g="0" b="0"/>
+      </a:fillRef>
+      <a:effectRef idx="0">
+        <a:scrgbClr r="0" g="0" b="0"/>
+      </a:effectRef>
+      <a:fontRef idx="minor">
+        <a:schemeClr val="lt1"/>
+      </a:fontRef>
+    </dgm:style>
+  </dgm:styleLbl>
+  <dgm:styleLbl name="node2">
+    <dgm:scene3d>
+      <a:camera prst="orthographicFront"/>
+      <a:lightRig rig="threePt" dir="t"/>
+    </dgm:scene3d>
+    <dgm:sp3d/>
+    <dgm:txPr/>
+    <dgm:style>
+      <a:lnRef idx="2">
+        <a:scrgbClr r="0" g="0" b="0"/>
+      </a:lnRef>
+      <a:fillRef idx="1">
+        <a:scrgbClr r="0" g="0" b="0"/>
+      </a:fillRef>
+      <a:effectRef idx="0">
+        <a:scrgbClr r="0" g="0" b="0"/>
+      </a:effectRef>
+      <a:fontRef idx="minor">
+        <a:schemeClr val="lt1"/>
+      </a:fontRef>
+    </dgm:style>
+  </dgm:styleLbl>
+  <dgm:styleLbl name="node3">
+    <dgm:scene3d>
+      <a:camera prst="orthographicFront"/>
+      <a:lightRig rig="threePt" dir="t"/>
+    </dgm:scene3d>
+    <dgm:sp3d/>
+    <dgm:txPr/>
+    <dgm:style>
+      <a:lnRef idx="2">
+        <a:scrgbClr r="0" g="0" b="0"/>
+      </a:lnRef>
+      <a:fillRef idx="1">
+        <a:scrgbClr r="0" g="0" b="0"/>
+      </a:fillRef>
+      <a:effectRef idx="0">
+        <a:scrgbClr r="0" g="0" b="0"/>
+      </a:effectRef>
+      <a:fontRef idx="minor">
+        <a:schemeClr val="lt1"/>
+      </a:fontRef>
+    </dgm:style>
+  </dgm:styleLbl>
+  <dgm:styleLbl name="node4">
+    <dgm:scene3d>
+      <a:camera prst="orthographicFront"/>
+      <a:lightRig rig="threePt" dir="t"/>
+    </dgm:scene3d>
+    <dgm:sp3d/>
+    <dgm:txPr/>
+    <dgm:style>
+      <a:lnRef idx="2">
+        <a:scrgbClr r="0" g="0" b="0"/>
+      </a:lnRef>
+      <a:fillRef idx="1">
+        <a:scrgbClr r="0" g="0" b="0"/>
+      </a:fillRef>
+      <a:effectRef idx="0">
+        <a:scrgbClr r="0" g="0" b="0"/>
+      </a:effectRef>
+      <a:fontRef idx="minor">
+        <a:schemeClr val="lt1"/>
+      </a:fontRef>
+    </dgm:style>
+  </dgm:styleLbl>
+  <dgm:styleLbl name="fgImgPlace1">
+    <dgm:scene3d>
+      <a:camera prst="orthographicFront"/>
+      <a:lightRig rig="threePt" dir="t"/>
+    </dgm:scene3d>
+    <dgm:sp3d/>
+    <dgm:txPr/>
+    <dgm:style>
+      <a:lnRef idx="2">
+        <a:scrgbClr r="0" g="0" b="0"/>
+      </a:lnRef>
+      <a:fillRef idx="1">
+        <a:scrgbClr r="0" g="0" b="0"/>
+      </a:fillRef>
+      <a:effectRef idx="0">
+        <a:scrgbClr r="0" g="0" b="0"/>
+      </a:effectRef>
+      <a:fontRef idx="minor"/>
+    </dgm:style>
+  </dgm:styleLbl>
+  <dgm:styleLbl name="alignImgPlace1">
+    <dgm:scene3d>
+      <a:camera prst="orthographicFront"/>
+      <a:lightRig rig="threePt" dir="t"/>
+    </dgm:scene3d>
+    <dgm:sp3d/>
+    <dgm:txPr/>
+    <dgm:style>
+      <a:lnRef idx="2">
+        <a:scrgbClr r="0" g="0" b="0"/>
+      </a:lnRef>
+      <a:fillRef idx="1">
+        <a:scrgbClr r="0" g="0" b="0"/>
+      </a:fillRef>
+      <a:effectRef idx="0">
+        <a:scrgbClr r="0" g="0" b="0"/>
+      </a:effectRef>
+      <a:fontRef idx="minor"/>
+    </dgm:style>
+  </dgm:styleLbl>
+  <dgm:styleLbl name="bgImgPlace1">
+    <dgm:scene3d>
+      <a:camera prst="orthographicFront"/>
+      <a:lightRig rig="threePt" dir="t"/>
+    </dgm:scene3d>
+    <dgm:sp3d/>
+    <dgm:txPr/>
+    <dgm:style>
+      <a:lnRef idx="2">
+        <a:scrgbClr r="0" g="0" b="0"/>
+      </a:lnRef>
+      <a:fillRef idx="1">
+        <a:scrgbClr r="0" g="0" b="0"/>
+      </a:fillRef>
+      <a:effectRef idx="0">
+        <a:scrgbClr r="0" g="0" b="0"/>
+      </a:effectRef>
+      <a:fontRef idx="minor"/>
+    </dgm:style>
+  </dgm:styleLbl>
+  <dgm:styleLbl name="sibTrans2D1">
+    <dgm:scene3d>
+      <a:camera prst="orthographicFront"/>
+      <a:lightRig rig="threePt" dir="t"/>
+    </dgm:scene3d>
+    <dgm:sp3d/>
+    <dgm:txPr/>
+    <dgm:style>
+      <a:lnRef idx="0">
+        <a:scrgbClr r="0" g="0" b="0"/>
+      </a:lnRef>
+      <a:fillRef idx="1">
+        <a:scrgbClr r="0" g="0" b="0"/>
+      </a:fillRef>
+      <a:effectRef idx="0">
+        <a:scrgbClr r="0" g="0" b="0"/>
+      </a:effectRef>
+      <a:fontRef idx="minor">
+        <a:schemeClr val="lt1"/>
+      </a:fontRef>
+    </dgm:style>
+  </dgm:styleLbl>
+  <dgm:styleLbl name="fgSibTrans2D1">
+    <dgm:scene3d>
+      <a:camera prst="orthographicFront"/>
+      <a:lightRig rig="threePt" dir="t"/>
+    </dgm:scene3d>
+    <dgm:sp3d/>
+    <dgm:txPr/>
+    <dgm:style>
+      <a:lnRef idx="0">
+        <a:scrgbClr r="0" g="0" b="0"/>
+      </a:lnRef>
+      <a:fillRef idx="1">
+        <a:scrgbClr r="0" g="0" b="0"/>
+      </a:fillRef>
+      <a:effectRef idx="0">
+        <a:scrgbClr r="0" g="0" b="0"/>
+      </a:effectRef>
+      <a:fontRef idx="minor">
+        <a:schemeClr val="lt1"/>
+      </a:fontRef>
+    </dgm:style>
+  </dgm:styleLbl>
+  <dgm:styleLbl name="bgSibTrans2D1">
+    <dgm:scene3d>
+      <a:camera prst="orthographicFront"/>
+      <a:lightRig rig="threePt" dir="t"/>
+    </dgm:scene3d>
+    <dgm:sp3d/>
+    <dgm:txPr/>
+    <dgm:style>
+      <a:lnRef idx="0">
+        <a:scrgbClr r="0" g="0" b="0"/>
+      </a:lnRef>
+      <a:fillRef idx="1">
+        <a:scrgbClr r="0" g="0" b="0"/>
+      </a:fillRef>
+      <a:effectRef idx="0">
+        <a:scrgbClr r="0" g="0" b="0"/>
+      </a:effectRef>
+      <a:fontRef idx="minor">
+        <a:schemeClr val="lt1"/>
+      </a:fontRef>
+    </dgm:style>
+  </dgm:styleLbl>
+  <dgm:styleLbl name="sibTrans1D1">
+    <dgm:scene3d>
+      <a:camera prst="orthographicFront"/>
+      <a:lightRig rig="threePt" dir="t"/>
+    </dgm:scene3d>
+    <dgm:sp3d/>
+    <dgm:txPr/>
+    <dgm:style>
+      <a:lnRef idx="1">
+        <a:scrgbClr r="0" g="0" b="0"/>
+      </a:lnRef>
+      <a:fillRef idx="0">
+        <a:scrgbClr r="0" g="0" b="0"/>
+      </a:fillRef>
+      <a:effectRef idx="0">
+        <a:scrgbClr r="0" g="0" b="0"/>
+      </a:effectRef>
+      <a:fontRef idx="minor"/>
+    </dgm:style>
+  </dgm:styleLbl>
+  <dgm:styleLbl name="callout">
+    <dgm:scene3d>
+      <a:camera prst="orthographicFront"/>
+      <a:lightRig rig="threePt" dir="t"/>
+    </dgm:scene3d>
+    <dgm:sp3d/>
+    <dgm:txPr/>
+    <dgm:style>
+      <a:lnRef idx="2">
+        <a:scrgbClr r="0" g="0" b="0"/>
+      </a:lnRef>
+      <a:fillRef idx="1">
+        <a:scrgbClr r="0" g="0" b="0"/>
+      </a:fillRef>
+      <a:effectRef idx="0">
+        <a:scrgbClr r="0" g="0" b="0"/>
+      </a:effectRef>
+      <a:fontRef idx="minor"/>
+    </dgm:style>
+  </dgm:styleLbl>
+  <dgm:styleLbl name="asst0">
+    <dgm:scene3d>
+      <a:camera prst="orthographicFront"/>
+      <a:lightRig rig="threePt" dir="t"/>
+    </dgm:scene3d>
+    <dgm:sp3d/>
+    <dgm:txPr/>
+    <dgm:style>
+      <a:lnRef idx="2">
+        <a:scrgbClr r="0" g="0" b="0"/>
+      </a:lnRef>
+      <a:fillRef idx="1">
+        <a:scrgbClr r="0" g="0" b="0"/>
+      </a:fillRef>
+      <a:effectRef idx="0">
+        <a:scrgbClr r="0" g="0" b="0"/>
+      </a:effectRef>
+      <a:fontRef idx="minor">
+        <a:schemeClr val="lt1"/>
+      </a:fontRef>
+    </dgm:style>
+  </dgm:styleLbl>
+  <dgm:styleLbl name="asst1">
+    <dgm:scene3d>
+      <a:camera prst="orthographicFront"/>
+      <a:lightRig rig="threePt" dir="t"/>
+    </dgm:scene3d>
+    <dgm:sp3d/>
+    <dgm:txPr/>
+    <dgm:style>
+      <a:lnRef idx="2">
+        <a:scrgbClr r="0" g="0" b="0"/>
+      </a:lnRef>
+      <a:fillRef idx="1">
+        <a:scrgbClr r="0" g="0" b="0"/>
+      </a:fillRef>
+      <a:effectRef idx="0">
+        <a:scrgbClr r="0" g="0" b="0"/>
+      </a:effectRef>
+      <a:fontRef idx="minor">
+        <a:schemeClr val="lt1"/>
+      </a:fontRef>
+    </dgm:style>
+  </dgm:styleLbl>
+  <dgm:styleLbl name="asst2">
+    <dgm:scene3d>
+      <a:camera prst="orthographicFront"/>
+      <a:lightRig rig="threePt" dir="t"/>
+    </dgm:scene3d>
+    <dgm:sp3d/>
+    <dgm:txPr/>
+    <dgm:style>
+      <a:lnRef idx="2">
+        <a:scrgbClr r="0" g="0" b="0"/>
+      </a:lnRef>
+      <a:fillRef idx="1">
+        <a:scrgbClr r="0" g="0" b="0"/>
+      </a:fillRef>
+      <a:effectRef idx="0">
+        <a:scrgbClr r="0" g="0" b="0"/>
+      </a:effectRef>
+      <a:fontRef idx="minor">
+        <a:schemeClr val="lt1"/>
+      </a:fontRef>
+    </dgm:style>
+  </dgm:styleLbl>
+  <dgm:styleLbl name="asst3">
+    <dgm:scene3d>
+      <a:camera prst="orthographicFront"/>
+      <a:lightRig rig="threePt" dir="t"/>
+    </dgm:scene3d>
+    <dgm:sp3d/>
+    <dgm:txPr/>
+    <dgm:style>
+      <a:lnRef idx="2">
+        <a:scrgbClr r="0" g="0" b="0"/>
+      </a:lnRef>
+      <a:fillRef idx="1">
+        <a:scrgbClr r="0" g="0" b="0"/>
+      </a:fillRef>
+      <a:effectRef idx="0">
+        <a:scrgbClr r="0" g="0" b="0"/>
+      </a:effectRef>
+      <a:fontRef idx="minor">
+        <a:schemeClr val="lt1"/>
+      </a:fontRef>
+    </dgm:style>
+  </dgm:styleLbl>
+  <dgm:styleLbl name="asst4">
+    <dgm:scene3d>
+      <a:camera prst="orthographicFront"/>
+      <a:lightRig rig="threePt" dir="t"/>
+    </dgm:scene3d>
+    <dgm:sp3d/>
+    <dgm:txPr/>
+    <dgm:style>
+      <a:lnRef idx="2">
+        <a:scrgbClr r="0" g="0" b="0"/>
+      </a:lnRef>
+      <a:fillRef idx="1">
+        <a:scrgbClr r="0" g="0" b="0"/>
+      </a:fillRef>
+      <a:effectRef idx="0">
+        <a:scrgbClr r="0" g="0" b="0"/>
+      </a:effectRef>
+      <a:fontRef idx="minor">
+        <a:schemeClr val="lt1"/>
+      </a:fontRef>
+    </dgm:style>
+  </dgm:styleLbl>
+  <dgm:styleLbl name="parChTrans2D1">
+    <dgm:scene3d>
+      <a:camera prst="orthographicFront"/>
+      <a:lightRig rig="threePt" dir="t"/>
+    </dgm:scene3d>
+    <dgm:sp3d/>
+    <dgm:txPr/>
+    <dgm:style>
+      <a:lnRef idx="2">
+        <a:scrgbClr r="0" g="0" b="0"/>
+      </a:lnRef>
+      <a:fillRef idx="1">
+        <a:scrgbClr r="0" g="0" b="0"/>
+      </a:fillRef>
+      <a:effectRef idx="0">
+        <a:scrgbClr r="0" g="0" b="0"/>
+      </a:effectRef>
+      <a:fontRef idx="minor">
+        <a:schemeClr val="lt1"/>
+      </a:fontRef>
+    </dgm:style>
+  </dgm:styleLbl>
+  <dgm:styleLbl name="parChTrans2D2">
+    <dgm:scene3d>
+      <a:camera prst="orthographicFront"/>
+      <a:lightRig rig="threePt" dir="t"/>
+    </dgm:scene3d>
+    <dgm:sp3d/>
+    <dgm:txPr/>
+    <dgm:style>
+      <a:lnRef idx="2">
+        <a:scrgbClr r="0" g="0" b="0"/>
+      </a:lnRef>
+      <a:fillRef idx="1">
+        <a:scrgbClr r="0" g="0" b="0"/>
+      </a:fillRef>
+      <a:effectRef idx="0">
+        <a:scrgbClr r="0" g="0" b="0"/>
+      </a:effectRef>
+      <a:fontRef idx="minor">
+        <a:schemeClr val="lt1"/>
+      </a:fontRef>
+    </dgm:style>
+  </dgm:styleLbl>
+  <dgm:styleLbl name="parChTrans2D3">
+    <dgm:scene3d>
+      <a:camera prst="orthographicFront"/>
+      <a:lightRig rig="threePt" dir="t"/>
+    </dgm:scene3d>
+    <dgm:sp3d/>
+    <dgm:txPr/>
+    <dgm:style>
+      <a:lnRef idx="2">
+        <a:scrgbClr r="0" g="0" b="0"/>
+      </a:lnRef>
+      <a:fillRef idx="1">
+        <a:scrgbClr r="0" g="0" b="0"/>
+      </a:fillRef>
+      <a:effectRef idx="0">
+        <a:scrgbClr r="0" g="0" b="0"/>
+      </a:effectRef>
+      <a:fontRef idx="minor">
+        <a:schemeClr val="lt1"/>
+      </a:fontRef>
+    </dgm:style>
+  </dgm:styleLbl>
+  <dgm:styleLbl name="parChTrans2D4">
+    <dgm:scene3d>
+      <a:camera prst="orthographicFront"/>
+      <a:lightRig rig="threePt" dir="t"/>
+    </dgm:scene3d>
+    <dgm:sp3d/>
+    <dgm:txPr/>
+    <dgm:style>
+      <a:lnRef idx="2">
+        <a:scrgbClr r="0" g="0" b="0"/>
+      </a:lnRef>
+      <a:fillRef idx="1">
+        <a:scrgbClr r="0" g="0" b="0"/>
+      </a:fillRef>
+      <a:effectRef idx="0">
+        <a:scrgbClr r="0" g="0" b="0"/>
+      </a:effectRef>
+      <a:fontRef idx="minor">
+        <a:schemeClr val="lt1"/>
+      </a:fontRef>
+    </dgm:style>
+  </dgm:styleLbl>
+  <dgm:styleLbl name="parChTrans1D1">
+    <dgm:scene3d>
+      <a:camera prst="orthographicFront"/>
+      <a:lightRig rig="threePt" dir="t"/>
+    </dgm:scene3d>
+    <dgm:sp3d/>
+    <dgm:txPr/>
+    <dgm:style>
+      <a:lnRef idx="2">
+        <a:scrgbClr r="0" g="0" b="0"/>
+      </a:lnRef>
+      <a:fillRef idx="0">
+        <a:scrgbClr r="0" g="0" b="0"/>
+      </a:fillRef>
+      <a:effectRef idx="0">
+        <a:scrgbClr r="0" g="0" b="0"/>
+      </a:effectRef>
+      <a:fontRef idx="minor"/>
+    </dgm:style>
+  </dgm:styleLbl>
+  <dgm:styleLbl name="parChTrans1D2">
+    <dgm:scene3d>
+      <a:camera prst="orthographicFront"/>
+      <a:lightRig rig="threePt" dir="t"/>
+    </dgm:scene3d>
+    <dgm:sp3d/>
+    <dgm:txPr/>
+    <dgm:style>
+      <a:lnRef idx="2">
+        <a:scrgbClr r="0" g="0" b="0"/>
+      </a:lnRef>
+      <a:fillRef idx="0">
+        <a:scrgbClr r="0" g="0" b="0"/>
+      </a:fillRef>
+      <a:effectRef idx="0">
+        <a:scrgbClr r="0" g="0" b="0"/>
+      </a:effectRef>
+      <a:fontRef idx="minor"/>
+    </dgm:style>
+  </dgm:styleLbl>
+  <dgm:styleLbl name="parChTrans1D3">
+    <dgm:scene3d>
+      <a:camera prst="orthographicFront"/>
+      <a:lightRig rig="threePt" dir="t"/>
+    </dgm:scene3d>
+    <dgm:sp3d/>
+    <dgm:txPr/>
+    <dgm:style>
+      <a:lnRef idx="2">
+        <a:scrgbClr r="0" g="0" b="0"/>
+      </a:lnRef>
+      <a:fillRef idx="0">
+        <a:scrgbClr r="0" g="0" b="0"/>
+      </a:fillRef>
+      <a:effectRef idx="0">
+        <a:scrgbClr r="0" g="0" b="0"/>
+      </a:effectRef>
+      <a:fontRef idx="minor"/>
+    </dgm:style>
+  </dgm:styleLbl>
+  <dgm:styleLbl name="parChTrans1D4">
+    <dgm:scene3d>
+      <a:camera prst="orthographicFront"/>
+      <a:lightRig rig="threePt" dir="t"/>
+    </dgm:scene3d>
+    <dgm:sp3d/>
+    <dgm:txPr/>
+    <dgm:style>
+      <a:lnRef idx="2">
+        <a:scrgbClr r="0" g="0" b="0"/>
+      </a:lnRef>
+      <a:fillRef idx="0">
+        <a:scrgbClr r="0" g="0" b="0"/>
+      </a:fillRef>
+      <a:effectRef idx="0">
+        <a:scrgbClr r="0" g="0" b="0"/>
+      </a:effectRef>
+      <a:fontRef idx="minor"/>
+    </dgm:style>
+  </dgm:styleLbl>
+  <dgm:styleLbl name="fgAcc1">
+    <dgm:scene3d>
+      <a:camera prst="orthographicFront"/>
+      <a:lightRig rig="threePt" dir="t"/>
+    </dgm:scene3d>
+    <dgm:sp3d/>
+    <dgm:txPr/>
+    <dgm:style>
+      <a:lnRef idx="2">
+        <a:scrgbClr r="0" g="0" b="0"/>
+      </a:lnRef>
+      <a:fillRef idx="1">
+        <a:scrgbClr r="0" g="0" b="0"/>
+      </a:fillRef>
+      <a:effectRef idx="0">
+        <a:scrgbClr r="0" g="0" b="0"/>
+      </a:effectRef>
+      <a:fontRef idx="minor"/>
+    </dgm:style>
+  </dgm:styleLbl>
+  <dgm:styleLbl name="conFgAcc1">
+    <dgm:scene3d>
+      <a:camera prst="orthographicFront"/>
+      <a:lightRig rig="threePt" dir="t"/>
+    </dgm:scene3d>
+    <dgm:sp3d/>
+    <dgm:txPr/>
+    <dgm:style>
+      <a:lnRef idx="2">
+        <a:scrgbClr r="0" g="0" b="0"/>
+      </a:lnRef>
+      <a:fillRef idx="1">
+        <a:scrgbClr r="0" g="0" b="0"/>
+      </a:fillRef>
+      <a:effectRef idx="0">
+        <a:scrgbClr r="0" g="0" b="0"/>
+      </a:effectRef>
+      <a:fontRef idx="minor"/>
+    </dgm:style>
+  </dgm:styleLbl>
+  <dgm:styleLbl name="alignAcc1">
+    <dgm:scene3d>
+      <a:camera prst="orthographicFront"/>
+      <a:lightRig rig="threePt" dir="t"/>
+    </dgm:scene3d>
+    <dgm:sp3d/>
+    <dgm:txPr/>
+    <dgm:style>
+      <a:lnRef idx="2">
+        <a:scrgbClr r="0" g="0" b="0"/>
+      </a:lnRef>
+      <a:fillRef idx="1">
+        <a:scrgbClr r="0" g="0" b="0"/>
+      </a:fillRef>
+      <a:effectRef idx="0">
+        <a:scrgbClr r="0" g="0" b="0"/>
+      </a:effectRef>
+      <a:fontRef idx="minor"/>
+    </dgm:style>
+  </dgm:styleLbl>
+  <dgm:styleLbl name="trAlignAcc1">
+    <dgm:scene3d>
+      <a:camera prst="orthographicFront"/>
+      <a:lightRig rig="threePt" dir="t"/>
+    </dgm:scene3d>
+    <dgm:sp3d/>
+    <dgm:txPr/>
+    <dgm:style>
+      <a:lnRef idx="1">
+        <a:scrgbClr r="0" g="0" b="0"/>
+      </a:lnRef>
+      <a:fillRef idx="1">
+        <a:scrgbClr r="0" g="0" b="0"/>
+      </a:fillRef>
+      <a:effectRef idx="0">
+        <a:scrgbClr r="0" g="0" b="0"/>
+      </a:effectRef>
+      <a:fontRef idx="minor"/>
+    </dgm:style>
+  </dgm:styleLbl>
+  <dgm:styleLbl name="bgAcc1">
+    <dgm:scene3d>
+      <a:camera prst="orthographicFront"/>
+      <a:lightRig rig="threePt" dir="t"/>
+    </dgm:scene3d>
+    <dgm:sp3d/>
+    <dgm:txPr/>
+    <dgm:style>
+      <a:lnRef idx="2">
+        <a:scrgbClr r="0" g="0" b="0"/>
+      </a:lnRef>
+      <a:fillRef idx="1">
+        <a:scrgbClr r="0" g="0" b="0"/>
+      </a:fillRef>
+      <a:effectRef idx="0">
+        <a:scrgbClr r="0" g="0" b="0"/>
+      </a:effectRef>
+      <a:fontRef idx="minor"/>
+    </dgm:style>
+  </dgm:styleLbl>
+  <dgm:styleLbl name="solidFgAcc1">
+    <dgm:scene3d>
+      <a:camera prst="orthographicFront"/>
+      <a:lightRig rig="threePt" dir="t"/>
+    </dgm:scene3d>
+    <dgm:sp3d/>
+    <dgm:txPr/>
+    <dgm:style>
+      <a:lnRef idx="2">
+        <a:scrgbClr r="0" g="0" b="0"/>
+      </a:lnRef>
+      <a:fillRef idx="1">
+        <a:scrgbClr r="0" g="0" b="0"/>
+      </a:fillRef>
+      <a:effectRef idx="0">
+        <a:scrgbClr r="0" g="0" b="0"/>
+      </a:effectRef>
+      <a:fontRef idx="minor"/>
+    </dgm:style>
+  </dgm:styleLbl>
+  <dgm:styleLbl name="solidAlignAcc1">
+    <dgm:scene3d>
+      <a:camera prst="orthographicFront"/>
+      <a:lightRig rig="threePt" dir="t"/>
+    </dgm:scene3d>
+    <dgm:sp3d/>
+    <dgm:txPr/>
+    <dgm:style>
+      <a:lnRef idx="2">
+        <a:scrgbClr r="0" g="0" b="0"/>
+      </a:lnRef>
+      <a:fillRef idx="1">
+        <a:scrgbClr r="0" g="0" b="0"/>
+      </a:fillRef>
+      <a:effectRef idx="0">
+        <a:scrgbClr r="0" g="0" b="0"/>
+      </a:effectRef>
+      <a:fontRef idx="minor"/>
+    </dgm:style>
+  </dgm:styleLbl>
+  <dgm:styleLbl name="solidBgAcc1">
+    <dgm:scene3d>
+      <a:camera prst="orthographicFront"/>
+      <a:lightRig rig="threePt" dir="t"/>
+    </dgm:scene3d>
+    <dgm:sp3d/>
+    <dgm:txPr/>
+    <dgm:style>
+      <a:lnRef idx="2">
+        <a:scrgbClr r="0" g="0" b="0"/>
+      </a:lnRef>
+      <a:fillRef idx="1">
+        <a:scrgbClr r="0" g="0" b="0"/>
+      </a:fillRef>
+      <a:effectRef idx="0">
+        <a:scrgbClr r="0" g="0" b="0"/>
+      </a:effectRef>
+      <a:fontRef idx="minor"/>
+    </dgm:style>
+  </dgm:styleLbl>
+  <dgm:styleLbl name="fgAccFollowNode1">
+    <dgm:scene3d>
+      <a:camera prst="orthographicFront"/>
+      <a:lightRig rig="threePt" dir="t"/>
+    </dgm:scene3d>
+    <dgm:sp3d/>
+    <dgm:txPr/>
+    <dgm:style>
+      <a:lnRef idx="2">
+        <a:scrgbClr r="0" g="0" b="0"/>
+      </a:lnRef>
+      <a:fillRef idx="1">
+        <a:scrgbClr r="0" g="0" b="0"/>
+      </a:fillRef>
+      <a:effectRef idx="0">
+        <a:scrgbClr r="0" g="0" b="0"/>
+      </a:effectRef>
+      <a:fontRef idx="minor"/>
+    </dgm:style>
+  </dgm:styleLbl>
+  <dgm:styleLbl name="alignAccFollowNode1">
+    <dgm:scene3d>
+      <a:camera prst="orthographicFront"/>
+      <a:lightRig rig="threePt" dir="t"/>
+    </dgm:scene3d>
+    <dgm:sp3d/>
+    <dgm:txPr/>
+    <dgm:style>
+      <a:lnRef idx="2">
+        <a:scrgbClr r="0" g="0" b="0"/>
+      </a:lnRef>
+      <a:fillRef idx="1">
+        <a:scrgbClr r="0" g="0" b="0"/>
+      </a:fillRef>
+      <a:effectRef idx="0">
+        <a:scrgbClr r="0" g="0" b="0"/>
+      </a:effectRef>
+      <a:fontRef idx="minor"/>
+    </dgm:style>
+  </dgm:styleLbl>
+  <dgm:styleLbl name="bgAccFollowNode1">
+    <dgm:scene3d>
+      <a:camera prst="orthographicFront"/>
+      <a:lightRig rig="threePt" dir="t"/>
+    </dgm:scene3d>
+    <dgm:sp3d/>
+    <dgm:txPr/>
+    <dgm:style>
+      <a:lnRef idx="2">
+        <a:scrgbClr r="0" g="0" b="0"/>
+      </a:lnRef>
+      <a:fillRef idx="1">
+        <a:scrgbClr r="0" g="0" b="0"/>
+      </a:fillRef>
+      <a:effectRef idx="0">
+        <a:scrgbClr r="0" g="0" b="0"/>
+      </a:effectRef>
+      <a:fontRef idx="minor"/>
+    </dgm:style>
+  </dgm:styleLbl>
+  <dgm:styleLbl name="fgAcc0">
+    <dgm:scene3d>
+      <a:camera prst="orthographicFront"/>
+      <a:lightRig rig="threePt" dir="t"/>
+    </dgm:scene3d>
+    <dgm:sp3d/>
+    <dgm:txPr/>
+    <dgm:style>
+      <a:lnRef idx="2">
+        <a:scrgbClr r="0" g="0" b="0"/>
+      </a:lnRef>
+      <a:fillRef idx="1">
+        <a:scrgbClr r="0" g="0" b="0"/>
+      </a:fillRef>
+      <a:effectRef idx="0">
+        <a:scrgbClr r="0" g="0" b="0"/>
+      </a:effectRef>
+      <a:fontRef idx="minor"/>
+    </dgm:style>
+  </dgm:styleLbl>
+  <dgm:styleLbl name="fgAcc2">
+    <dgm:scene3d>
+      <a:camera prst="orthographicFront"/>
+      <a:lightRig rig="threePt" dir="t"/>
+    </dgm:scene3d>
+    <dgm:sp3d/>
+    <dgm:txPr/>
+    <dgm:style>
+      <a:lnRef idx="2">
+        <a:scrgbClr r="0" g="0" b="0"/>
+      </a:lnRef>
+      <a:fillRef idx="1">
+        <a:scrgbClr r="0" g="0" b="0"/>
+      </a:fillRef>
+      <a:effectRef idx="0">
+        <a:scrgbClr r="0" g="0" b="0"/>
+      </a:effectRef>
+      <a:fontRef idx="minor"/>
+    </dgm:style>
+  </dgm:styleLbl>
+  <dgm:styleLbl name="fgAcc3">
+    <dgm:scene3d>
+      <a:camera prst="orthographicFront"/>
+      <a:lightRig rig="threePt" dir="t"/>
+    </dgm:scene3d>
+    <dgm:sp3d/>
+    <dgm:txPr/>
+    <dgm:style>
+      <a:lnRef idx="2">
+        <a:scrgbClr r="0" g="0" b="0"/>
+      </a:lnRef>
+      <a:fillRef idx="1">
+        <a:scrgbClr r="0" g="0" b="0"/>
+      </a:fillRef>
+      <a:effectRef idx="0">
+        <a:scrgbClr r="0" g="0" b="0"/>
+      </a:effectRef>
+      <a:fontRef idx="minor"/>
+    </dgm:style>
+  </dgm:styleLbl>
+  <dgm:styleLbl name="fgAcc4">
+    <dgm:scene3d>
+      <a:camera prst="orthographicFront"/>
+      <a:lightRig rig="threePt" dir="t"/>
+    </dgm:scene3d>
+    <dgm:sp3d/>
+    <dgm:txPr/>
+    <dgm:style>
+      <a:lnRef idx="2">
+        <a:scrgbClr r="0" g="0" b="0"/>
+      </a:lnRef>
+      <a:fillRef idx="1">
+        <a:scrgbClr r="0" g="0" b="0"/>
+      </a:fillRef>
+      <a:effectRef idx="0">
+        <a:scrgbClr r="0" g="0" b="0"/>
+      </a:effectRef>
+      <a:fontRef idx="minor"/>
+    </dgm:style>
+  </dgm:styleLbl>
+  <dgm:styleLbl name="bgShp">
+    <dgm:scene3d>
+      <a:camera prst="orthographicFront"/>
+      <a:lightRig rig="threePt" dir="t"/>
+    </dgm:scene3d>
+    <dgm:sp3d/>
+    <dgm:txPr/>
+    <dgm:style>
+      <a:lnRef idx="0">
+        <a:scrgbClr r="0" g="0" b="0"/>
+      </a:lnRef>
+      <a:fillRef idx="1">
+        <a:scrgbClr r="0" g="0" b="0"/>
+      </a:fillRef>
+      <a:effectRef idx="0">
+        <a:scrgbClr r="0" g="0" b="0"/>
+      </a:effectRef>
+      <a:fontRef idx="minor"/>
+    </dgm:style>
+  </dgm:styleLbl>
+  <dgm:styleLbl name="dkBgShp">
+    <dgm:scene3d>
+      <a:camera prst="orthographicFront"/>
+      <a:lightRig rig="threePt" dir="t"/>
+    </dgm:scene3d>
+    <dgm:sp3d/>
+    <dgm:txPr/>
+    <dgm:style>
+      <a:lnRef idx="0">
+        <a:scrgbClr r="0" g="0" b="0"/>
+      </a:lnRef>
+      <a:fillRef idx="1">
+        <a:scrgbClr r="0" g="0" b="0"/>
+      </a:fillRef>
+      <a:effectRef idx="0">
+        <a:scrgbClr r="0" g="0" b="0"/>
+      </a:effectRef>
+      <a:fontRef idx="minor"/>
+    </dgm:style>
+  </dgm:styleLbl>
+  <dgm:styleLbl name="trBgShp">
+    <dgm:scene3d>
+      <a:camera prst="orthographicFront"/>
+      <a:lightRig rig="threePt" dir="t"/>
+    </dgm:scene3d>
+    <dgm:sp3d/>
+    <dgm:txPr/>
+    <dgm:style>
+      <a:lnRef idx="0">
+        <a:scrgbClr r="0" g="0" b="0"/>
+      </a:lnRef>
+      <a:fillRef idx="1">
+        <a:scrgbClr r="0" g="0" b="0"/>
+      </a:fillRef>
+      <a:effectRef idx="0">
+        <a:scrgbClr r="0" g="0" b="0"/>
+      </a:effectRef>
+      <a:fontRef idx="minor"/>
+    </dgm:style>
+  </dgm:styleLbl>
+  <dgm:styleLbl name="fgShp">
+    <dgm:scene3d>
+      <a:camera prst="orthographicFront"/>
+      <a:lightRig rig="threePt" dir="t"/>
+    </dgm:scene3d>
+    <dgm:sp3d/>
+    <dgm:txPr/>
+    <dgm:style>
+      <a:lnRef idx="2">
+        <a:scrgbClr r="0" g="0" b="0"/>
+      </a:lnRef>
+      <a:fillRef idx="1">
+        <a:scrgbClr r="0" g="0" b="0"/>
+      </a:fillRef>
+      <a:effectRef idx="0">
+        <a:scrgbClr r="0" g="0" b="0"/>
+      </a:effectRef>
+      <a:fontRef idx="minor"/>
+    </dgm:style>
+  </dgm:styleLbl>
+  <dgm:styleLbl name="revTx">
+    <dgm:scene3d>
+      <a:camera prst="orthographicFront"/>
+      <a:lightRig rig="threePt" dir="t"/>
+    </dgm:scene3d>
+    <dgm:sp3d/>
+    <dgm:txPr/>
+    <dgm:style>
+      <a:lnRef idx="0">
+        <a:scrgbClr r="0" g="0" b="0"/>
+      </a:lnRef>
+      <a:fillRef idx="0">
+        <a:scrgbClr r="0" g="0" b="0"/>
+      </a:fillRef>
+      <a:effectRef idx="0">
+        <a:scrgbClr r="0" g="0" b="0"/>
+      </a:effectRef>
+      <a:fontRef idx="minor"/>
+    </dgm:style>
+  </dgm:styleLbl>
+</dgm:styleDef>
 </file>
 
 <file path=ppt/slideLayouts/slideLayout1.xml><?xml version="1.0" encoding="utf-8"?>
@@ -4844,6 +7960,315 @@
           <a:p>
             <a:r>
               <a:rPr lang="en-US" dirty="0"/>
+              <a:t>Applicant’s verification status if Not verified, then most changes for defaulting</a:t>
+            </a:r>
+          </a:p>
+        </p:txBody>
+      </p:sp>
+      <p:sp>
+        <p:nvSpPr>
+          <p:cNvPr id="4" name="Content Placeholder 3">
+            <a:extLst>
+              <a:ext uri="{FF2B5EF4-FFF2-40B4-BE49-F238E27FC236}">
+                <a16:creationId xmlns:a16="http://schemas.microsoft.com/office/drawing/2014/main" id="{0DCB427B-AEC3-94A2-9F4D-3B43C74DA463}"/>
+              </a:ext>
+            </a:extLst>
+          </p:cNvPr>
+          <p:cNvSpPr>
+            <a:spLocks noGrp="1"/>
+          </p:cNvSpPr>
+          <p:nvPr>
+            <p:ph idx="1"/>
+          </p:nvPr>
+        </p:nvSpPr>
+        <p:spPr/>
+        <p:txBody>
+          <a:bodyPr/>
+          <a:lstStyle/>
+          <a:p>
+            <a:endParaRPr lang="en-US"/>
+          </a:p>
+        </p:txBody>
+      </p:sp>
+      <p:sp>
+        <p:nvSpPr>
+          <p:cNvPr id="5" name="TextBox 4">
+            <a:extLst>
+              <a:ext uri="{FF2B5EF4-FFF2-40B4-BE49-F238E27FC236}">
+                <a16:creationId xmlns:a16="http://schemas.microsoft.com/office/drawing/2014/main" id="{F9D8EC37-0652-4CB8-D329-4FAB280EF4D1}"/>
+              </a:ext>
+            </a:extLst>
+          </p:cNvPr>
+          <p:cNvSpPr txBox="1"/>
+          <p:nvPr/>
+        </p:nvSpPr>
+        <p:spPr>
+          <a:xfrm>
+            <a:off x="8610600" y="4931765"/>
+            <a:ext cx="3066738" cy="923330"/>
+          </a:xfrm>
+          <a:prstGeom prst="rect">
+            <a:avLst/>
+          </a:prstGeom>
+          <a:noFill/>
+        </p:spPr>
+        <p:txBody>
+          <a:bodyPr wrap="square" rtlCol="0">
+            <a:spAutoFit/>
+          </a:bodyPr>
+          <a:lstStyle/>
+          <a:p>
+            <a:r>
+              <a:rPr lang="en-US" dirty="0"/>
+              <a:t>A bank may consider Source Verified over Verified/Not Verified</a:t>
+            </a:r>
+          </a:p>
+        </p:txBody>
+      </p:sp>
+      <p:pic>
+        <p:nvPicPr>
+          <p:cNvPr id="6" name="Picture 5">
+            <a:extLst>
+              <a:ext uri="{FF2B5EF4-FFF2-40B4-BE49-F238E27FC236}">
+                <a16:creationId xmlns:a16="http://schemas.microsoft.com/office/drawing/2014/main" id="{555044DB-4823-BF43-FC73-3982E70D89F9}"/>
+              </a:ext>
+            </a:extLst>
+          </p:cNvPr>
+          <p:cNvPicPr>
+            <a:picLocks noChangeAspect="1"/>
+          </p:cNvPicPr>
+          <p:nvPr/>
+        </p:nvPicPr>
+        <p:blipFill>
+          <a:blip r:embed="rId2"/>
+          <a:stretch>
+            <a:fillRect/>
+          </a:stretch>
+        </p:blipFill>
+        <p:spPr>
+          <a:xfrm>
+            <a:off x="382927" y="172387"/>
+            <a:ext cx="7166969" cy="6513226"/>
+          </a:xfrm>
+          <a:prstGeom prst="rect">
+            <a:avLst/>
+          </a:prstGeom>
+        </p:spPr>
+      </p:pic>
+    </p:spTree>
+    <p:extLst>
+      <p:ext uri="{BB962C8B-B14F-4D97-AF65-F5344CB8AC3E}">
+        <p14:creationId xmlns:p14="http://schemas.microsoft.com/office/powerpoint/2010/main" val="3061500286"/>
+      </p:ext>
+    </p:extLst>
+  </p:cSld>
+  <p:clrMapOvr>
+    <a:masterClrMapping/>
+  </p:clrMapOvr>
+</p:sld>
+</file>
+
+<file path=ppt/slides/slide11.xml><?xml version="1.0" encoding="utf-8"?>
+<p:sld xmlns:a="http://schemas.openxmlformats.org/drawingml/2006/main" xmlns:r="http://schemas.openxmlformats.org/officeDocument/2006/relationships" xmlns:p="http://schemas.openxmlformats.org/presentationml/2006/main">
+  <p:cSld>
+    <p:spTree>
+      <p:nvGrpSpPr>
+        <p:cNvPr id="1" name=""/>
+        <p:cNvGrpSpPr/>
+        <p:nvPr/>
+      </p:nvGrpSpPr>
+      <p:grpSpPr>
+        <a:xfrm>
+          <a:off x="0" y="0"/>
+          <a:ext cx="0" cy="0"/>
+          <a:chOff x="0" y="0"/>
+          <a:chExt cx="0" cy="0"/>
+        </a:xfrm>
+      </p:grpSpPr>
+      <p:sp>
+        <p:nvSpPr>
+          <p:cNvPr id="2" name="Title 1">
+            <a:extLst>
+              <a:ext uri="{FF2B5EF4-FFF2-40B4-BE49-F238E27FC236}">
+                <a16:creationId xmlns:a16="http://schemas.microsoft.com/office/drawing/2014/main" id="{5E28134D-6B5F-5844-284E-FAD8B9F06950}"/>
+              </a:ext>
+            </a:extLst>
+          </p:cNvPr>
+          <p:cNvSpPr>
+            <a:spLocks noGrp="1"/>
+          </p:cNvSpPr>
+          <p:nvPr>
+            <p:ph type="title"/>
+          </p:nvPr>
+        </p:nvSpPr>
+        <p:spPr>
+          <a:xfrm>
+            <a:off x="8631836" y="918652"/>
+            <a:ext cx="3420256" cy="3733764"/>
+          </a:xfrm>
+        </p:spPr>
+        <p:txBody>
+          <a:bodyPr>
+            <a:normAutofit/>
+          </a:bodyPr>
+          <a:lstStyle/>
+          <a:p>
+            <a:r>
+              <a:rPr lang="en-US" dirty="0"/>
+              <a:t>Applicants’ probability of defaulting is high if he/she is from California state</a:t>
+            </a:r>
+          </a:p>
+        </p:txBody>
+      </p:sp>
+      <p:sp>
+        <p:nvSpPr>
+          <p:cNvPr id="4" name="Content Placeholder 3">
+            <a:extLst>
+              <a:ext uri="{FF2B5EF4-FFF2-40B4-BE49-F238E27FC236}">
+                <a16:creationId xmlns:a16="http://schemas.microsoft.com/office/drawing/2014/main" id="{0DCB427B-AEC3-94A2-9F4D-3B43C74DA463}"/>
+              </a:ext>
+            </a:extLst>
+          </p:cNvPr>
+          <p:cNvSpPr>
+            <a:spLocks noGrp="1"/>
+          </p:cNvSpPr>
+          <p:nvPr>
+            <p:ph idx="1"/>
+          </p:nvPr>
+        </p:nvSpPr>
+        <p:spPr/>
+        <p:txBody>
+          <a:bodyPr/>
+          <a:lstStyle/>
+          <a:p>
+            <a:endParaRPr lang="en-US"/>
+          </a:p>
+        </p:txBody>
+      </p:sp>
+      <p:sp>
+        <p:nvSpPr>
+          <p:cNvPr id="5" name="TextBox 4">
+            <a:extLst>
+              <a:ext uri="{FF2B5EF4-FFF2-40B4-BE49-F238E27FC236}">
+                <a16:creationId xmlns:a16="http://schemas.microsoft.com/office/drawing/2014/main" id="{F9D8EC37-0652-4CB8-D329-4FAB280EF4D1}"/>
+              </a:ext>
+            </a:extLst>
+          </p:cNvPr>
+          <p:cNvSpPr txBox="1"/>
+          <p:nvPr/>
+        </p:nvSpPr>
+        <p:spPr>
+          <a:xfrm>
+            <a:off x="8610600" y="4931765"/>
+            <a:ext cx="3066738" cy="923330"/>
+          </a:xfrm>
+          <a:prstGeom prst="rect">
+            <a:avLst/>
+          </a:prstGeom>
+          <a:noFill/>
+        </p:spPr>
+        <p:txBody>
+          <a:bodyPr wrap="square" rtlCol="0">
+            <a:spAutoFit/>
+          </a:bodyPr>
+          <a:lstStyle/>
+          <a:p>
+            <a:r>
+              <a:rPr lang="en-US" dirty="0"/>
+              <a:t>A bank can take extra steps/scrutiny before giving loan to CA residents</a:t>
+            </a:r>
+          </a:p>
+        </p:txBody>
+      </p:sp>
+      <p:pic>
+        <p:nvPicPr>
+          <p:cNvPr id="3" name="Picture 2">
+            <a:extLst>
+              <a:ext uri="{FF2B5EF4-FFF2-40B4-BE49-F238E27FC236}">
+                <a16:creationId xmlns:a16="http://schemas.microsoft.com/office/drawing/2014/main" id="{591AC3CA-73EE-9EDD-C1F1-39563517D0FE}"/>
+              </a:ext>
+            </a:extLst>
+          </p:cNvPr>
+          <p:cNvPicPr>
+            <a:picLocks noChangeAspect="1"/>
+          </p:cNvPicPr>
+          <p:nvPr/>
+        </p:nvPicPr>
+        <p:blipFill rotWithShape="1">
+          <a:blip r:embed="rId2"/>
+          <a:srcRect l="2483" t="3005"/>
+          <a:stretch/>
+        </p:blipFill>
+        <p:spPr>
+          <a:xfrm>
+            <a:off x="292158" y="292345"/>
+            <a:ext cx="7257738" cy="5806966"/>
+          </a:xfrm>
+          <a:prstGeom prst="rect">
+            <a:avLst/>
+          </a:prstGeom>
+        </p:spPr>
+      </p:pic>
+    </p:spTree>
+    <p:extLst>
+      <p:ext uri="{BB962C8B-B14F-4D97-AF65-F5344CB8AC3E}">
+        <p14:creationId xmlns:p14="http://schemas.microsoft.com/office/powerpoint/2010/main" val="742544243"/>
+      </p:ext>
+    </p:extLst>
+  </p:cSld>
+  <p:clrMapOvr>
+    <a:masterClrMapping/>
+  </p:clrMapOvr>
+</p:sld>
+</file>
+
+<file path=ppt/slides/slide12.xml><?xml version="1.0" encoding="utf-8"?>
+<p:sld xmlns:a="http://schemas.openxmlformats.org/drawingml/2006/main" xmlns:r="http://schemas.openxmlformats.org/officeDocument/2006/relationships" xmlns:p="http://schemas.openxmlformats.org/presentationml/2006/main">
+  <p:cSld>
+    <p:spTree>
+      <p:nvGrpSpPr>
+        <p:cNvPr id="1" name=""/>
+        <p:cNvGrpSpPr/>
+        <p:nvPr/>
+      </p:nvGrpSpPr>
+      <p:grpSpPr>
+        <a:xfrm>
+          <a:off x="0" y="0"/>
+          <a:ext cx="0" cy="0"/>
+          <a:chOff x="0" y="0"/>
+          <a:chExt cx="0" cy="0"/>
+        </a:xfrm>
+      </p:grpSpPr>
+      <p:sp>
+        <p:nvSpPr>
+          <p:cNvPr id="2" name="Title 1">
+            <a:extLst>
+              <a:ext uri="{FF2B5EF4-FFF2-40B4-BE49-F238E27FC236}">
+                <a16:creationId xmlns:a16="http://schemas.microsoft.com/office/drawing/2014/main" id="{5E28134D-6B5F-5844-284E-FAD8B9F06950}"/>
+              </a:ext>
+            </a:extLst>
+          </p:cNvPr>
+          <p:cNvSpPr>
+            <a:spLocks noGrp="1"/>
+          </p:cNvSpPr>
+          <p:nvPr>
+            <p:ph type="title"/>
+          </p:nvPr>
+        </p:nvSpPr>
+        <p:spPr>
+          <a:xfrm>
+            <a:off x="8631836" y="918652"/>
+            <a:ext cx="3420256" cy="3733764"/>
+          </a:xfrm>
+        </p:spPr>
+        <p:txBody>
+          <a:bodyPr>
+            <a:normAutofit/>
+          </a:bodyPr>
+          <a:lstStyle/>
+          <a:p>
+            <a:r>
+              <a:rPr lang="en-US" dirty="0"/>
               <a:t>Based on experience level, Mid level (3-6 years)	 applicants are likely to default more than the rest. </a:t>
             </a:r>
           </a:p>
@@ -4952,7 +8377,7 @@
 </p:sld>
 </file>
 
-<file path=ppt/slides/slide11.xml><?xml version="1.0" encoding="utf-8"?>
+<file path=ppt/slides/slide13.xml><?xml version="1.0" encoding="utf-8"?>
 <p:sld xmlns:a="http://schemas.openxmlformats.org/drawingml/2006/main" xmlns:r="http://schemas.openxmlformats.org/officeDocument/2006/relationships" xmlns:p="http://schemas.openxmlformats.org/presentationml/2006/main">
   <p:cSld>
     <p:spTree>
@@ -5107,7 +8532,7 @@
 </p:sld>
 </file>
 
-<file path=ppt/slides/slide12.xml><?xml version="1.0" encoding="utf-8"?>
+<file path=ppt/slides/slide14.xml><?xml version="1.0" encoding="utf-8"?>
 <p:sld xmlns:a="http://schemas.openxmlformats.org/drawingml/2006/main" xmlns:r="http://schemas.openxmlformats.org/officeDocument/2006/relationships" xmlns:p="http://schemas.openxmlformats.org/presentationml/2006/main">
   <p:cSld>
     <p:spTree>
@@ -5227,7 +8652,7 @@
 </p:sld>
 </file>
 
-<file path=ppt/slides/slide13.xml><?xml version="1.0" encoding="utf-8"?>
+<file path=ppt/slides/slide15.xml><?xml version="1.0" encoding="utf-8"?>
 <p:sld xmlns:a="http://schemas.openxmlformats.org/drawingml/2006/main" xmlns:r="http://schemas.openxmlformats.org/officeDocument/2006/relationships" xmlns:p="http://schemas.openxmlformats.org/presentationml/2006/main">
   <p:cSld>
     <p:spTree>
@@ -5347,7 +8772,7 @@
 </p:sld>
 </file>
 
-<file path=ppt/slides/slide14.xml><?xml version="1.0" encoding="utf-8"?>
+<file path=ppt/slides/slide16.xml><?xml version="1.0" encoding="utf-8"?>
 <p:sld xmlns:a="http://schemas.openxmlformats.org/drawingml/2006/main" xmlns:r="http://schemas.openxmlformats.org/officeDocument/2006/relationships" xmlns:p="http://schemas.openxmlformats.org/presentationml/2006/main">
   <p:cSld>
     <p:spTree>
@@ -5467,7 +8892,7 @@
 </p:sld>
 </file>
 
-<file path=ppt/slides/slide15.xml><?xml version="1.0" encoding="utf-8"?>
+<file path=ppt/slides/slide17.xml><?xml version="1.0" encoding="utf-8"?>
 <p:sld xmlns:a="http://schemas.openxmlformats.org/drawingml/2006/main" xmlns:r="http://schemas.openxmlformats.org/officeDocument/2006/relationships" xmlns:p="http://schemas.openxmlformats.org/presentationml/2006/main">
   <p:cSld>
     <p:spTree>
@@ -5629,7 +9054,7 @@
 </p:sld>
 </file>
 
-<file path=ppt/slides/slide16.xml><?xml version="1.0" encoding="utf-8"?>
+<file path=ppt/slides/slide18.xml><?xml version="1.0" encoding="utf-8"?>
 <p:sld xmlns:a="http://schemas.openxmlformats.org/drawingml/2006/main" xmlns:r="http://schemas.openxmlformats.org/officeDocument/2006/relationships" xmlns:p="http://schemas.openxmlformats.org/presentationml/2006/main">
   <p:cSld>
     <p:spTree>
@@ -5749,7 +9174,7 @@
 </p:sld>
 </file>
 
-<file path=ppt/slides/slide17.xml><?xml version="1.0" encoding="utf-8"?>
+<file path=ppt/slides/slide19.xml><?xml version="1.0" encoding="utf-8"?>
 <p:sld xmlns:a="http://schemas.openxmlformats.org/drawingml/2006/main" xmlns:r="http://schemas.openxmlformats.org/officeDocument/2006/relationships" xmlns:p="http://schemas.openxmlformats.org/presentationml/2006/main">
   <p:cSld>
     <p:spTree>
@@ -5869,7 +9294,244 @@
 </p:sld>
 </file>
 
-<file path=ppt/slides/slide18.xml><?xml version="1.0" encoding="utf-8"?>
+<file path=ppt/slides/slide2.xml><?xml version="1.0" encoding="utf-8"?>
+<p:sld xmlns:a="http://schemas.openxmlformats.org/drawingml/2006/main" xmlns:r="http://schemas.openxmlformats.org/officeDocument/2006/relationships" xmlns:p="http://schemas.openxmlformats.org/presentationml/2006/main">
+  <p:cSld>
+    <p:spTree>
+      <p:nvGrpSpPr>
+        <p:cNvPr id="1" name=""/>
+        <p:cNvGrpSpPr/>
+        <p:nvPr/>
+      </p:nvGrpSpPr>
+      <p:grpSpPr>
+        <a:xfrm>
+          <a:off x="0" y="0"/>
+          <a:ext cx="0" cy="0"/>
+          <a:chOff x="0" y="0"/>
+          <a:chExt cx="0" cy="0"/>
+        </a:xfrm>
+      </p:grpSpPr>
+      <p:sp>
+        <p:nvSpPr>
+          <p:cNvPr id="2" name="Title 1">
+            <a:extLst>
+              <a:ext uri="{FF2B5EF4-FFF2-40B4-BE49-F238E27FC236}">
+                <a16:creationId xmlns:a16="http://schemas.microsoft.com/office/drawing/2014/main" id="{B864CA2A-B001-E918-1549-5C7B52CDBB15}"/>
+              </a:ext>
+            </a:extLst>
+          </p:cNvPr>
+          <p:cNvSpPr>
+            <a:spLocks noGrp="1"/>
+          </p:cNvSpPr>
+          <p:nvPr>
+            <p:ph type="title"/>
+          </p:nvPr>
+        </p:nvSpPr>
+        <p:spPr/>
+        <p:txBody>
+          <a:bodyPr/>
+          <a:lstStyle/>
+          <a:p>
+            <a:r>
+              <a:rPr lang="en-US" dirty="0"/>
+              <a:t>Problem Statement</a:t>
+            </a:r>
+          </a:p>
+        </p:txBody>
+      </p:sp>
+      <p:sp>
+        <p:nvSpPr>
+          <p:cNvPr id="3" name="Content Placeholder 2">
+            <a:extLst>
+              <a:ext uri="{FF2B5EF4-FFF2-40B4-BE49-F238E27FC236}">
+                <a16:creationId xmlns:a16="http://schemas.microsoft.com/office/drawing/2014/main" id="{501DD7EB-AB34-8F7A-045A-2AA4E6027954}"/>
+              </a:ext>
+            </a:extLst>
+          </p:cNvPr>
+          <p:cNvSpPr>
+            <a:spLocks noGrp="1"/>
+          </p:cNvSpPr>
+          <p:nvPr>
+            <p:ph idx="1"/>
+          </p:nvPr>
+        </p:nvSpPr>
+        <p:spPr>
+          <a:xfrm>
+            <a:off x="1069848" y="2121408"/>
+            <a:ext cx="5876384" cy="4050792"/>
+          </a:xfrm>
+        </p:spPr>
+        <p:txBody>
+          <a:bodyPr/>
+          <a:lstStyle/>
+          <a:p>
+            <a:pPr marL="0" indent="0">
+              <a:buNone/>
+            </a:pPr>
+            <a:r>
+              <a:rPr lang="en-IN" i="0" dirty="0">
+                <a:solidFill>
+                  <a:srgbClr val="091E42"/>
+                </a:solidFill>
+                <a:effectLst/>
+                <a:latin typeface="freight-text-pro"/>
+              </a:rPr>
+              <a:t>For a </a:t>
+            </a:r>
+            <a:r>
+              <a:rPr lang="en-IN" b="1" i="0" dirty="0">
+                <a:solidFill>
+                  <a:srgbClr val="091E42"/>
+                </a:solidFill>
+                <a:effectLst/>
+                <a:latin typeface="freight-text-pro"/>
+              </a:rPr>
+              <a:t>consumer finance company </a:t>
+            </a:r>
+            <a:r>
+              <a:rPr lang="en-IN" b="0" i="0" dirty="0">
+                <a:solidFill>
+                  <a:srgbClr val="091E42"/>
+                </a:solidFill>
+                <a:effectLst/>
+                <a:latin typeface="freight-text-pro"/>
+              </a:rPr>
+              <a:t>understand the </a:t>
+            </a:r>
+            <a:r>
+              <a:rPr lang="en-IN" b="1" i="0" dirty="0">
+                <a:solidFill>
+                  <a:srgbClr val="091E42"/>
+                </a:solidFill>
+                <a:effectLst/>
+                <a:latin typeface="freight-text-pro"/>
+              </a:rPr>
+              <a:t>driving factors (or driver variables) </a:t>
+            </a:r>
+            <a:r>
+              <a:rPr lang="en-IN" b="0" i="0" dirty="0">
+                <a:solidFill>
+                  <a:srgbClr val="091E42"/>
+                </a:solidFill>
+                <a:effectLst/>
+                <a:latin typeface="freight-text-pro"/>
+              </a:rPr>
+              <a:t>behind loan default | loan charged off.</a:t>
+            </a:r>
+          </a:p>
+          <a:p>
+            <a:pPr marL="0" indent="0">
+              <a:buNone/>
+            </a:pPr>
+            <a:endParaRPr lang="en-IN" dirty="0">
+              <a:solidFill>
+                <a:srgbClr val="091E42"/>
+              </a:solidFill>
+              <a:latin typeface="freight-text-pro"/>
+            </a:endParaRPr>
+          </a:p>
+          <a:p>
+            <a:pPr marL="0" indent="0">
+              <a:buNone/>
+            </a:pPr>
+            <a:r>
+              <a:rPr lang="en-IN" dirty="0">
+                <a:solidFill>
+                  <a:srgbClr val="091E42"/>
+                </a:solidFill>
+                <a:latin typeface="freight-text-pro"/>
+              </a:rPr>
+              <a:t>Given d</a:t>
+            </a:r>
+            <a:r>
+              <a:rPr lang="en-IN" b="0" i="0" dirty="0">
+                <a:solidFill>
+                  <a:srgbClr val="091E42"/>
+                </a:solidFill>
+                <a:effectLst/>
+                <a:latin typeface="freight-text-pro"/>
+              </a:rPr>
+              <a:t>ataset which contains the complete loan data for all loans issued through the time period 2007 to 2011.</a:t>
+            </a:r>
+          </a:p>
+          <a:p>
+            <a:pPr marL="0" indent="0">
+              <a:buNone/>
+            </a:pPr>
+            <a:r>
+              <a:rPr lang="en-IN" dirty="0">
+                <a:solidFill>
+                  <a:srgbClr val="091E42"/>
+                </a:solidFill>
+                <a:latin typeface="freight-text-pro"/>
+              </a:rPr>
+              <a:t>Each column meanings are defined a given data dictionary.</a:t>
+            </a:r>
+            <a:endParaRPr lang="en-US" dirty="0"/>
+          </a:p>
+        </p:txBody>
+      </p:sp>
+      <p:pic>
+        <p:nvPicPr>
+          <p:cNvPr id="1026" name="Picture 2" descr="300 Credit Score Loans - Saral Credit">
+            <a:extLst>
+              <a:ext uri="{FF2B5EF4-FFF2-40B4-BE49-F238E27FC236}">
+                <a16:creationId xmlns:a16="http://schemas.microsoft.com/office/drawing/2014/main" id="{50B33AAA-2567-CE9D-FF2E-F65B2FAAB528}"/>
+              </a:ext>
+            </a:extLst>
+          </p:cNvPr>
+          <p:cNvPicPr>
+            <a:picLocks noChangeAspect="1" noChangeArrowheads="1"/>
+          </p:cNvPicPr>
+          <p:nvPr/>
+        </p:nvPicPr>
+        <p:blipFill>
+          <a:blip r:embed="rId2">
+            <a:extLst>
+              <a:ext uri="{28A0092B-C50C-407E-A947-70E740481C1C}">
+                <a14:useLocalDpi xmlns:a14="http://schemas.microsoft.com/office/drawing/2010/main" val="0"/>
+              </a:ext>
+            </a:extLst>
+          </a:blip>
+          <a:srcRect/>
+          <a:stretch>
+            <a:fillRect/>
+          </a:stretch>
+        </p:blipFill>
+        <p:spPr bwMode="auto">
+          <a:xfrm>
+            <a:off x="6946232" y="1950975"/>
+            <a:ext cx="5087072" cy="2813050"/>
+          </a:xfrm>
+          <a:prstGeom prst="rect">
+            <a:avLst/>
+          </a:prstGeom>
+          <a:noFill/>
+          <a:extLst>
+            <a:ext uri="{909E8E84-426E-40DD-AFC4-6F175D3DCCD1}">
+              <a14:hiddenFill xmlns:a14="http://schemas.microsoft.com/office/drawing/2010/main">
+                <a:solidFill>
+                  <a:srgbClr val="FFFFFF"/>
+                </a:solidFill>
+              </a14:hiddenFill>
+            </a:ext>
+          </a:extLst>
+        </p:spPr>
+      </p:pic>
+    </p:spTree>
+    <p:extLst>
+      <p:ext uri="{BB962C8B-B14F-4D97-AF65-F5344CB8AC3E}">
+        <p14:creationId xmlns:p14="http://schemas.microsoft.com/office/powerpoint/2010/main" val="851788632"/>
+      </p:ext>
+    </p:extLst>
+  </p:cSld>
+  <p:clrMapOvr>
+    <a:masterClrMapping/>
+  </p:clrMapOvr>
+</p:sld>
+</file>
+
+<file path=ppt/slides/slide20.xml><?xml version="1.0" encoding="utf-8"?>
 <p:sld xmlns:a="http://schemas.openxmlformats.org/drawingml/2006/main" xmlns:r="http://schemas.openxmlformats.org/officeDocument/2006/relationships" xmlns:p="http://schemas.openxmlformats.org/presentationml/2006/main">
   <p:cSld>
     <p:spTree>
@@ -6020,7 +9682,7 @@
 </p:sld>
 </file>
 
-<file path=ppt/slides/slide19.xml><?xml version="1.0" encoding="utf-8"?>
+<file path=ppt/slides/slide21.xml><?xml version="1.0" encoding="utf-8"?>
 <p:sld xmlns:a="http://schemas.openxmlformats.org/drawingml/2006/main" xmlns:r="http://schemas.openxmlformats.org/officeDocument/2006/relationships" xmlns:p="http://schemas.openxmlformats.org/presentationml/2006/main">
   <p:cSld>
     <p:spTree>
@@ -6140,90 +9802,7 @@
 </p:sld>
 </file>
 
-<file path=ppt/slides/slide2.xml><?xml version="1.0" encoding="utf-8"?>
-<p:sld xmlns:a="http://schemas.openxmlformats.org/drawingml/2006/main" xmlns:r="http://schemas.openxmlformats.org/officeDocument/2006/relationships" xmlns:p="http://schemas.openxmlformats.org/presentationml/2006/main">
-  <p:cSld>
-    <p:spTree>
-      <p:nvGrpSpPr>
-        <p:cNvPr id="1" name=""/>
-        <p:cNvGrpSpPr/>
-        <p:nvPr/>
-      </p:nvGrpSpPr>
-      <p:grpSpPr>
-        <a:xfrm>
-          <a:off x="0" y="0"/>
-          <a:ext cx="0" cy="0"/>
-          <a:chOff x="0" y="0"/>
-          <a:chExt cx="0" cy="0"/>
-        </a:xfrm>
-      </p:grpSpPr>
-      <p:sp>
-        <p:nvSpPr>
-          <p:cNvPr id="2" name="Title 1">
-            <a:extLst>
-              <a:ext uri="{FF2B5EF4-FFF2-40B4-BE49-F238E27FC236}">
-                <a16:creationId xmlns:a16="http://schemas.microsoft.com/office/drawing/2014/main" id="{9587873E-309C-EFBA-5A6B-336CECAC87F1}"/>
-              </a:ext>
-            </a:extLst>
-          </p:cNvPr>
-          <p:cNvSpPr>
-            <a:spLocks noGrp="1"/>
-          </p:cNvSpPr>
-          <p:nvPr>
-            <p:ph type="title"/>
-          </p:nvPr>
-        </p:nvSpPr>
-        <p:spPr/>
-        <p:txBody>
-          <a:bodyPr/>
-          <a:lstStyle/>
-          <a:p>
-            <a:r>
-              <a:rPr lang="en-US" dirty="0"/>
-              <a:t>Let us understand the factors which Influence Charged Off</a:t>
-            </a:r>
-          </a:p>
-        </p:txBody>
-      </p:sp>
-      <p:sp>
-        <p:nvSpPr>
-          <p:cNvPr id="3" name="Text Placeholder 2">
-            <a:extLst>
-              <a:ext uri="{FF2B5EF4-FFF2-40B4-BE49-F238E27FC236}">
-                <a16:creationId xmlns:a16="http://schemas.microsoft.com/office/drawing/2014/main" id="{E7ABF87F-D147-993C-4CC7-1FABDBAEC819}"/>
-              </a:ext>
-            </a:extLst>
-          </p:cNvPr>
-          <p:cNvSpPr>
-            <a:spLocks noGrp="1"/>
-          </p:cNvSpPr>
-          <p:nvPr>
-            <p:ph type="body" idx="1"/>
-          </p:nvPr>
-        </p:nvSpPr>
-        <p:spPr/>
-        <p:txBody>
-          <a:bodyPr/>
-          <a:lstStyle/>
-          <a:p>
-            <a:endParaRPr lang="en-US"/>
-          </a:p>
-        </p:txBody>
-      </p:sp>
-    </p:spTree>
-    <p:extLst>
-      <p:ext uri="{BB962C8B-B14F-4D97-AF65-F5344CB8AC3E}">
-        <p14:creationId xmlns:p14="http://schemas.microsoft.com/office/powerpoint/2010/main" val="2713953449"/>
-      </p:ext>
-    </p:extLst>
-  </p:cSld>
-  <p:clrMapOvr>
-    <a:masterClrMapping/>
-  </p:clrMapOvr>
-</p:sld>
-</file>
-
-<file path=ppt/slides/slide20.xml><?xml version="1.0" encoding="utf-8"?>
+<file path=ppt/slides/slide22.xml><?xml version="1.0" encoding="utf-8"?>
 <p:sld xmlns:a="http://schemas.openxmlformats.org/drawingml/2006/main" xmlns:r="http://schemas.openxmlformats.org/officeDocument/2006/relationships" xmlns:p="http://schemas.openxmlformats.org/presentationml/2006/main">
   <p:cSld>
     <p:spTree>
@@ -6343,7 +9922,7 @@
 </p:sld>
 </file>
 
-<file path=ppt/slides/slide21.xml><?xml version="1.0" encoding="utf-8"?>
+<file path=ppt/slides/slide23.xml><?xml version="1.0" encoding="utf-8"?>
 <p:sld xmlns:a="http://schemas.openxmlformats.org/drawingml/2006/main" xmlns:r="http://schemas.openxmlformats.org/officeDocument/2006/relationships" xmlns:p="http://schemas.openxmlformats.org/presentationml/2006/main">
   <p:cSld>
     <p:spTree>
@@ -6470,7 +10049,7 @@
 </p:sld>
 </file>
 
-<file path=ppt/slides/slide22.xml><?xml version="1.0" encoding="utf-8"?>
+<file path=ppt/slides/slide24.xml><?xml version="1.0" encoding="utf-8"?>
 <p:sld xmlns:a="http://schemas.openxmlformats.org/drawingml/2006/main" xmlns:r="http://schemas.openxmlformats.org/officeDocument/2006/relationships" xmlns:p="http://schemas.openxmlformats.org/presentationml/2006/main">
   <p:cSld>
     <p:spTree>
@@ -6590,7 +10169,7 @@
 </p:sld>
 </file>
 
-<file path=ppt/slides/slide23.xml><?xml version="1.0" encoding="utf-8"?>
+<file path=ppt/slides/slide25.xml><?xml version="1.0" encoding="utf-8"?>
 <p:sld xmlns:a="http://schemas.openxmlformats.org/drawingml/2006/main" xmlns:r="http://schemas.openxmlformats.org/officeDocument/2006/relationships" xmlns:p="http://schemas.openxmlformats.org/presentationml/2006/main">
   <p:cSld>
     <p:spTree>
@@ -6710,7 +10289,7 @@
 </p:sld>
 </file>
 
-<file path=ppt/slides/slide24.xml><?xml version="1.0" encoding="utf-8"?>
+<file path=ppt/slides/slide26.xml><?xml version="1.0" encoding="utf-8"?>
 <p:sld xmlns:a="http://schemas.openxmlformats.org/drawingml/2006/main" xmlns:r="http://schemas.openxmlformats.org/officeDocument/2006/relationships" xmlns:p="http://schemas.openxmlformats.org/presentationml/2006/main">
   <p:cSld>
     <p:spTree>
@@ -6830,7 +10409,7 @@
 </p:sld>
 </file>
 
-<file path=ppt/slides/slide25.xml><?xml version="1.0" encoding="utf-8"?>
+<file path=ppt/slides/slide27.xml><?xml version="1.0" encoding="utf-8"?>
 <p:sld xmlns:a="http://schemas.openxmlformats.org/drawingml/2006/main" xmlns:r="http://schemas.openxmlformats.org/officeDocument/2006/relationships" xmlns:p="http://schemas.openxmlformats.org/presentationml/2006/main">
   <p:cSld>
     <p:spTree>
@@ -6966,7 +10545,7 @@
 </p:sld>
 </file>
 
-<file path=ppt/slides/slide26.xml><?xml version="1.0" encoding="utf-8"?>
+<file path=ppt/slides/slide28.xml><?xml version="1.0" encoding="utf-8"?>
 <p:sld xmlns:a="http://schemas.openxmlformats.org/drawingml/2006/main" xmlns:r="http://schemas.openxmlformats.org/officeDocument/2006/relationships" xmlns:p="http://schemas.openxmlformats.org/presentationml/2006/main">
   <p:cSld>
     <p:spTree>
@@ -7115,6 +10694,178 @@
           <p:cNvPr id="2" name="Title 1">
             <a:extLst>
               <a:ext uri="{FF2B5EF4-FFF2-40B4-BE49-F238E27FC236}">
+                <a16:creationId xmlns:a16="http://schemas.microsoft.com/office/drawing/2014/main" id="{B864CA2A-B001-E918-1549-5C7B52CDBB15}"/>
+              </a:ext>
+            </a:extLst>
+          </p:cNvPr>
+          <p:cNvSpPr>
+            <a:spLocks noGrp="1"/>
+          </p:cNvSpPr>
+          <p:nvPr>
+            <p:ph type="title"/>
+          </p:nvPr>
+        </p:nvSpPr>
+        <p:spPr/>
+        <p:txBody>
+          <a:bodyPr/>
+          <a:lstStyle/>
+          <a:p>
+            <a:r>
+              <a:rPr lang="en-US" dirty="0"/>
+              <a:t>Approach</a:t>
+            </a:r>
+          </a:p>
+        </p:txBody>
+      </p:sp>
+      <p:graphicFrame>
+        <p:nvGraphicFramePr>
+          <p:cNvPr id="12" name="Content Placeholder 11">
+            <a:extLst>
+              <a:ext uri="{FF2B5EF4-FFF2-40B4-BE49-F238E27FC236}">
+                <a16:creationId xmlns:a16="http://schemas.microsoft.com/office/drawing/2014/main" id="{0223C0FC-EFAA-360E-271C-02FF95D131DC}"/>
+              </a:ext>
+            </a:extLst>
+          </p:cNvPr>
+          <p:cNvGraphicFramePr>
+            <a:graphicFrameLocks noGrp="1"/>
+          </p:cNvGraphicFramePr>
+          <p:nvPr>
+            <p:ph idx="1"/>
+            <p:extLst>
+              <p:ext uri="{D42A27DB-BD31-4B8C-83A1-F6EECF244321}">
+                <p14:modId xmlns:p14="http://schemas.microsoft.com/office/powerpoint/2010/main" val="4115932969"/>
+              </p:ext>
+            </p:extLst>
+          </p:nvPr>
+        </p:nvGraphicFramePr>
+        <p:xfrm>
+          <a:off x="1069975" y="2120900"/>
+          <a:ext cx="10058400" cy="4051300"/>
+        </p:xfrm>
+        <a:graphic>
+          <a:graphicData uri="http://schemas.openxmlformats.org/drawingml/2006/diagram">
+            <dgm:relIds xmlns:dgm="http://schemas.openxmlformats.org/drawingml/2006/diagram" xmlns:r="http://schemas.openxmlformats.org/officeDocument/2006/relationships" r:dm="rId2" r:lo="rId3" r:qs="rId4" r:cs="rId5"/>
+          </a:graphicData>
+        </a:graphic>
+      </p:graphicFrame>
+    </p:spTree>
+    <p:extLst>
+      <p:ext uri="{BB962C8B-B14F-4D97-AF65-F5344CB8AC3E}">
+        <p14:creationId xmlns:p14="http://schemas.microsoft.com/office/powerpoint/2010/main" val="501518984"/>
+      </p:ext>
+    </p:extLst>
+  </p:cSld>
+  <p:clrMapOvr>
+    <a:masterClrMapping/>
+  </p:clrMapOvr>
+</p:sld>
+</file>
+
+<file path=ppt/slides/slide4.xml><?xml version="1.0" encoding="utf-8"?>
+<p:sld xmlns:a="http://schemas.openxmlformats.org/drawingml/2006/main" xmlns:r="http://schemas.openxmlformats.org/officeDocument/2006/relationships" xmlns:p="http://schemas.openxmlformats.org/presentationml/2006/main">
+  <p:cSld>
+    <p:spTree>
+      <p:nvGrpSpPr>
+        <p:cNvPr id="1" name=""/>
+        <p:cNvGrpSpPr/>
+        <p:nvPr/>
+      </p:nvGrpSpPr>
+      <p:grpSpPr>
+        <a:xfrm>
+          <a:off x="0" y="0"/>
+          <a:ext cx="0" cy="0"/>
+          <a:chOff x="0" y="0"/>
+          <a:chExt cx="0" cy="0"/>
+        </a:xfrm>
+      </p:grpSpPr>
+      <p:sp>
+        <p:nvSpPr>
+          <p:cNvPr id="2" name="Title 1">
+            <a:extLst>
+              <a:ext uri="{FF2B5EF4-FFF2-40B4-BE49-F238E27FC236}">
+                <a16:creationId xmlns:a16="http://schemas.microsoft.com/office/drawing/2014/main" id="{9587873E-309C-EFBA-5A6B-336CECAC87F1}"/>
+              </a:ext>
+            </a:extLst>
+          </p:cNvPr>
+          <p:cNvSpPr>
+            <a:spLocks noGrp="1"/>
+          </p:cNvSpPr>
+          <p:nvPr>
+            <p:ph type="title"/>
+          </p:nvPr>
+        </p:nvSpPr>
+        <p:spPr/>
+        <p:txBody>
+          <a:bodyPr/>
+          <a:lstStyle/>
+          <a:p>
+            <a:r>
+              <a:rPr lang="en-US" dirty="0"/>
+              <a:t>Let us understand the factors which Influence Charged Off</a:t>
+            </a:r>
+          </a:p>
+        </p:txBody>
+      </p:sp>
+      <p:sp>
+        <p:nvSpPr>
+          <p:cNvPr id="3" name="Text Placeholder 2">
+            <a:extLst>
+              <a:ext uri="{FF2B5EF4-FFF2-40B4-BE49-F238E27FC236}">
+                <a16:creationId xmlns:a16="http://schemas.microsoft.com/office/drawing/2014/main" id="{E7ABF87F-D147-993C-4CC7-1FABDBAEC819}"/>
+              </a:ext>
+            </a:extLst>
+          </p:cNvPr>
+          <p:cNvSpPr>
+            <a:spLocks noGrp="1"/>
+          </p:cNvSpPr>
+          <p:nvPr>
+            <p:ph type="body" idx="1"/>
+          </p:nvPr>
+        </p:nvSpPr>
+        <p:spPr/>
+        <p:txBody>
+          <a:bodyPr/>
+          <a:lstStyle/>
+          <a:p>
+            <a:endParaRPr lang="en-US"/>
+          </a:p>
+        </p:txBody>
+      </p:sp>
+    </p:spTree>
+    <p:extLst>
+      <p:ext uri="{BB962C8B-B14F-4D97-AF65-F5344CB8AC3E}">
+        <p14:creationId xmlns:p14="http://schemas.microsoft.com/office/powerpoint/2010/main" val="2713953449"/>
+      </p:ext>
+    </p:extLst>
+  </p:cSld>
+  <p:clrMapOvr>
+    <a:masterClrMapping/>
+  </p:clrMapOvr>
+</p:sld>
+</file>
+
+<file path=ppt/slides/slide5.xml><?xml version="1.0" encoding="utf-8"?>
+<p:sld xmlns:a="http://schemas.openxmlformats.org/drawingml/2006/main" xmlns:r="http://schemas.openxmlformats.org/officeDocument/2006/relationships" xmlns:p="http://schemas.openxmlformats.org/presentationml/2006/main">
+  <p:cSld>
+    <p:spTree>
+      <p:nvGrpSpPr>
+        <p:cNvPr id="1" name=""/>
+        <p:cNvGrpSpPr/>
+        <p:nvPr/>
+      </p:nvGrpSpPr>
+      <p:grpSpPr>
+        <a:xfrm>
+          <a:off x="0" y="0"/>
+          <a:ext cx="0" cy="0"/>
+          <a:chOff x="0" y="0"/>
+          <a:chExt cx="0" cy="0"/>
+        </a:xfrm>
+      </p:grpSpPr>
+      <p:sp>
+        <p:nvSpPr>
+          <p:cNvPr id="2" name="Title 1">
+            <a:extLst>
+              <a:ext uri="{FF2B5EF4-FFF2-40B4-BE49-F238E27FC236}">
                 <a16:creationId xmlns:a16="http://schemas.microsoft.com/office/drawing/2014/main" id="{5E28134D-6B5F-5844-284E-FAD8B9F06950}"/>
               </a:ext>
             </a:extLst>
@@ -7190,7 +10941,7 @@
 </p:sld>
 </file>
 
-<file path=ppt/slides/slide4.xml><?xml version="1.0" encoding="utf-8"?>
+<file path=ppt/slides/slide6.xml><?xml version="1.0" encoding="utf-8"?>
 <p:sld xmlns:a="http://schemas.openxmlformats.org/drawingml/2006/main" xmlns:r="http://schemas.openxmlformats.org/officeDocument/2006/relationships" xmlns:p="http://schemas.openxmlformats.org/presentationml/2006/main">
   <p:cSld>
     <p:spTree>
@@ -7310,7 +11061,7 @@
 </p:sld>
 </file>
 
-<file path=ppt/slides/slide5.xml><?xml version="1.0" encoding="utf-8"?>
+<file path=ppt/slides/slide7.xml><?xml version="1.0" encoding="utf-8"?>
 <p:sld xmlns:a="http://schemas.openxmlformats.org/drawingml/2006/main" xmlns:r="http://schemas.openxmlformats.org/officeDocument/2006/relationships" xmlns:p="http://schemas.openxmlformats.org/presentationml/2006/main">
   <p:cSld>
     <p:spTree>
@@ -7465,7 +11216,7 @@
 </p:sld>
 </file>
 
-<file path=ppt/slides/slide6.xml><?xml version="1.0" encoding="utf-8"?>
+<file path=ppt/slides/slide8.xml><?xml version="1.0" encoding="utf-8"?>
 <p:sld xmlns:a="http://schemas.openxmlformats.org/drawingml/2006/main" xmlns:r="http://schemas.openxmlformats.org/officeDocument/2006/relationships" xmlns:p="http://schemas.openxmlformats.org/presentationml/2006/main">
   <p:cSld>
     <p:spTree>
@@ -7620,7 +11371,7 @@
 </p:sld>
 </file>
 
-<file path=ppt/slides/slide7.xml><?xml version="1.0" encoding="utf-8"?>
+<file path=ppt/slides/slide9.xml><?xml version="1.0" encoding="utf-8"?>
 <p:sld xmlns:a="http://schemas.openxmlformats.org/drawingml/2006/main" xmlns:r="http://schemas.openxmlformats.org/officeDocument/2006/relationships" xmlns:p="http://schemas.openxmlformats.org/presentationml/2006/main">
   <p:cSld>
     <p:spTree>
@@ -7766,315 +11517,6 @@
     <p:extLst>
       <p:ext uri="{BB962C8B-B14F-4D97-AF65-F5344CB8AC3E}">
         <p14:creationId xmlns:p14="http://schemas.microsoft.com/office/powerpoint/2010/main" val="1686610633"/>
-      </p:ext>
-    </p:extLst>
-  </p:cSld>
-  <p:clrMapOvr>
-    <a:masterClrMapping/>
-  </p:clrMapOvr>
-</p:sld>
-</file>
-
-<file path=ppt/slides/slide8.xml><?xml version="1.0" encoding="utf-8"?>
-<p:sld xmlns:a="http://schemas.openxmlformats.org/drawingml/2006/main" xmlns:r="http://schemas.openxmlformats.org/officeDocument/2006/relationships" xmlns:p="http://schemas.openxmlformats.org/presentationml/2006/main">
-  <p:cSld>
-    <p:spTree>
-      <p:nvGrpSpPr>
-        <p:cNvPr id="1" name=""/>
-        <p:cNvGrpSpPr/>
-        <p:nvPr/>
-      </p:nvGrpSpPr>
-      <p:grpSpPr>
-        <a:xfrm>
-          <a:off x="0" y="0"/>
-          <a:ext cx="0" cy="0"/>
-          <a:chOff x="0" y="0"/>
-          <a:chExt cx="0" cy="0"/>
-        </a:xfrm>
-      </p:grpSpPr>
-      <p:sp>
-        <p:nvSpPr>
-          <p:cNvPr id="2" name="Title 1">
-            <a:extLst>
-              <a:ext uri="{FF2B5EF4-FFF2-40B4-BE49-F238E27FC236}">
-                <a16:creationId xmlns:a16="http://schemas.microsoft.com/office/drawing/2014/main" id="{5E28134D-6B5F-5844-284E-FAD8B9F06950}"/>
-              </a:ext>
-            </a:extLst>
-          </p:cNvPr>
-          <p:cNvSpPr>
-            <a:spLocks noGrp="1"/>
-          </p:cNvSpPr>
-          <p:nvPr>
-            <p:ph type="title"/>
-          </p:nvPr>
-        </p:nvSpPr>
-        <p:spPr>
-          <a:xfrm>
-            <a:off x="8631836" y="918652"/>
-            <a:ext cx="3420256" cy="3733764"/>
-          </a:xfrm>
-        </p:spPr>
-        <p:txBody>
-          <a:bodyPr>
-            <a:normAutofit/>
-          </a:bodyPr>
-          <a:lstStyle/>
-          <a:p>
-            <a:r>
-              <a:rPr lang="en-US" dirty="0"/>
-              <a:t>Applicant’s verification status if Not verified, then most changes for defaulting</a:t>
-            </a:r>
-          </a:p>
-        </p:txBody>
-      </p:sp>
-      <p:sp>
-        <p:nvSpPr>
-          <p:cNvPr id="4" name="Content Placeholder 3">
-            <a:extLst>
-              <a:ext uri="{FF2B5EF4-FFF2-40B4-BE49-F238E27FC236}">
-                <a16:creationId xmlns:a16="http://schemas.microsoft.com/office/drawing/2014/main" id="{0DCB427B-AEC3-94A2-9F4D-3B43C74DA463}"/>
-              </a:ext>
-            </a:extLst>
-          </p:cNvPr>
-          <p:cNvSpPr>
-            <a:spLocks noGrp="1"/>
-          </p:cNvSpPr>
-          <p:nvPr>
-            <p:ph idx="1"/>
-          </p:nvPr>
-        </p:nvSpPr>
-        <p:spPr/>
-        <p:txBody>
-          <a:bodyPr/>
-          <a:lstStyle/>
-          <a:p>
-            <a:endParaRPr lang="en-US"/>
-          </a:p>
-        </p:txBody>
-      </p:sp>
-      <p:sp>
-        <p:nvSpPr>
-          <p:cNvPr id="5" name="TextBox 4">
-            <a:extLst>
-              <a:ext uri="{FF2B5EF4-FFF2-40B4-BE49-F238E27FC236}">
-                <a16:creationId xmlns:a16="http://schemas.microsoft.com/office/drawing/2014/main" id="{F9D8EC37-0652-4CB8-D329-4FAB280EF4D1}"/>
-              </a:ext>
-            </a:extLst>
-          </p:cNvPr>
-          <p:cNvSpPr txBox="1"/>
-          <p:nvPr/>
-        </p:nvSpPr>
-        <p:spPr>
-          <a:xfrm>
-            <a:off x="8610600" y="4931765"/>
-            <a:ext cx="3066738" cy="923330"/>
-          </a:xfrm>
-          <a:prstGeom prst="rect">
-            <a:avLst/>
-          </a:prstGeom>
-          <a:noFill/>
-        </p:spPr>
-        <p:txBody>
-          <a:bodyPr wrap="square" rtlCol="0">
-            <a:spAutoFit/>
-          </a:bodyPr>
-          <a:lstStyle/>
-          <a:p>
-            <a:r>
-              <a:rPr lang="en-US" dirty="0"/>
-              <a:t>A bank may consider Source Verified over Verified/Not Verified</a:t>
-            </a:r>
-          </a:p>
-        </p:txBody>
-      </p:sp>
-      <p:pic>
-        <p:nvPicPr>
-          <p:cNvPr id="6" name="Picture 5">
-            <a:extLst>
-              <a:ext uri="{FF2B5EF4-FFF2-40B4-BE49-F238E27FC236}">
-                <a16:creationId xmlns:a16="http://schemas.microsoft.com/office/drawing/2014/main" id="{555044DB-4823-BF43-FC73-3982E70D89F9}"/>
-              </a:ext>
-            </a:extLst>
-          </p:cNvPr>
-          <p:cNvPicPr>
-            <a:picLocks noChangeAspect="1"/>
-          </p:cNvPicPr>
-          <p:nvPr/>
-        </p:nvPicPr>
-        <p:blipFill>
-          <a:blip r:embed="rId2"/>
-          <a:stretch>
-            <a:fillRect/>
-          </a:stretch>
-        </p:blipFill>
-        <p:spPr>
-          <a:xfrm>
-            <a:off x="382927" y="172387"/>
-            <a:ext cx="7166969" cy="6513226"/>
-          </a:xfrm>
-          <a:prstGeom prst="rect">
-            <a:avLst/>
-          </a:prstGeom>
-        </p:spPr>
-      </p:pic>
-    </p:spTree>
-    <p:extLst>
-      <p:ext uri="{BB962C8B-B14F-4D97-AF65-F5344CB8AC3E}">
-        <p14:creationId xmlns:p14="http://schemas.microsoft.com/office/powerpoint/2010/main" val="3061500286"/>
-      </p:ext>
-    </p:extLst>
-  </p:cSld>
-  <p:clrMapOvr>
-    <a:masterClrMapping/>
-  </p:clrMapOvr>
-</p:sld>
-</file>
-
-<file path=ppt/slides/slide9.xml><?xml version="1.0" encoding="utf-8"?>
-<p:sld xmlns:a="http://schemas.openxmlformats.org/drawingml/2006/main" xmlns:r="http://schemas.openxmlformats.org/officeDocument/2006/relationships" xmlns:p="http://schemas.openxmlformats.org/presentationml/2006/main">
-  <p:cSld>
-    <p:spTree>
-      <p:nvGrpSpPr>
-        <p:cNvPr id="1" name=""/>
-        <p:cNvGrpSpPr/>
-        <p:nvPr/>
-      </p:nvGrpSpPr>
-      <p:grpSpPr>
-        <a:xfrm>
-          <a:off x="0" y="0"/>
-          <a:ext cx="0" cy="0"/>
-          <a:chOff x="0" y="0"/>
-          <a:chExt cx="0" cy="0"/>
-        </a:xfrm>
-      </p:grpSpPr>
-      <p:sp>
-        <p:nvSpPr>
-          <p:cNvPr id="2" name="Title 1">
-            <a:extLst>
-              <a:ext uri="{FF2B5EF4-FFF2-40B4-BE49-F238E27FC236}">
-                <a16:creationId xmlns:a16="http://schemas.microsoft.com/office/drawing/2014/main" id="{5E28134D-6B5F-5844-284E-FAD8B9F06950}"/>
-              </a:ext>
-            </a:extLst>
-          </p:cNvPr>
-          <p:cNvSpPr>
-            <a:spLocks noGrp="1"/>
-          </p:cNvSpPr>
-          <p:nvPr>
-            <p:ph type="title"/>
-          </p:nvPr>
-        </p:nvSpPr>
-        <p:spPr>
-          <a:xfrm>
-            <a:off x="8631836" y="918652"/>
-            <a:ext cx="3420256" cy="3733764"/>
-          </a:xfrm>
-        </p:spPr>
-        <p:txBody>
-          <a:bodyPr>
-            <a:normAutofit/>
-          </a:bodyPr>
-          <a:lstStyle/>
-          <a:p>
-            <a:r>
-              <a:rPr lang="en-US" dirty="0"/>
-              <a:t>Applicants’ probability of defaulting is high if he/she is from California state</a:t>
-            </a:r>
-          </a:p>
-        </p:txBody>
-      </p:sp>
-      <p:sp>
-        <p:nvSpPr>
-          <p:cNvPr id="4" name="Content Placeholder 3">
-            <a:extLst>
-              <a:ext uri="{FF2B5EF4-FFF2-40B4-BE49-F238E27FC236}">
-                <a16:creationId xmlns:a16="http://schemas.microsoft.com/office/drawing/2014/main" id="{0DCB427B-AEC3-94A2-9F4D-3B43C74DA463}"/>
-              </a:ext>
-            </a:extLst>
-          </p:cNvPr>
-          <p:cNvSpPr>
-            <a:spLocks noGrp="1"/>
-          </p:cNvSpPr>
-          <p:nvPr>
-            <p:ph idx="1"/>
-          </p:nvPr>
-        </p:nvSpPr>
-        <p:spPr/>
-        <p:txBody>
-          <a:bodyPr/>
-          <a:lstStyle/>
-          <a:p>
-            <a:endParaRPr lang="en-US"/>
-          </a:p>
-        </p:txBody>
-      </p:sp>
-      <p:sp>
-        <p:nvSpPr>
-          <p:cNvPr id="5" name="TextBox 4">
-            <a:extLst>
-              <a:ext uri="{FF2B5EF4-FFF2-40B4-BE49-F238E27FC236}">
-                <a16:creationId xmlns:a16="http://schemas.microsoft.com/office/drawing/2014/main" id="{F9D8EC37-0652-4CB8-D329-4FAB280EF4D1}"/>
-              </a:ext>
-            </a:extLst>
-          </p:cNvPr>
-          <p:cNvSpPr txBox="1"/>
-          <p:nvPr/>
-        </p:nvSpPr>
-        <p:spPr>
-          <a:xfrm>
-            <a:off x="8610600" y="4931765"/>
-            <a:ext cx="3066738" cy="923330"/>
-          </a:xfrm>
-          <a:prstGeom prst="rect">
-            <a:avLst/>
-          </a:prstGeom>
-          <a:noFill/>
-        </p:spPr>
-        <p:txBody>
-          <a:bodyPr wrap="square" rtlCol="0">
-            <a:spAutoFit/>
-          </a:bodyPr>
-          <a:lstStyle/>
-          <a:p>
-            <a:r>
-              <a:rPr lang="en-US" dirty="0"/>
-              <a:t>A bank can take extra steps/scrutiny before giving loan to CA residents</a:t>
-            </a:r>
-          </a:p>
-        </p:txBody>
-      </p:sp>
-      <p:pic>
-        <p:nvPicPr>
-          <p:cNvPr id="3" name="Picture 2">
-            <a:extLst>
-              <a:ext uri="{FF2B5EF4-FFF2-40B4-BE49-F238E27FC236}">
-                <a16:creationId xmlns:a16="http://schemas.microsoft.com/office/drawing/2014/main" id="{591AC3CA-73EE-9EDD-C1F1-39563517D0FE}"/>
-              </a:ext>
-            </a:extLst>
-          </p:cNvPr>
-          <p:cNvPicPr>
-            <a:picLocks noChangeAspect="1"/>
-          </p:cNvPicPr>
-          <p:nvPr/>
-        </p:nvPicPr>
-        <p:blipFill rotWithShape="1">
-          <a:blip r:embed="rId2"/>
-          <a:srcRect l="2483" t="3005"/>
-          <a:stretch/>
-        </p:blipFill>
-        <p:spPr>
-          <a:xfrm>
-            <a:off x="292158" y="292345"/>
-            <a:ext cx="7257738" cy="5806966"/>
-          </a:xfrm>
-          <a:prstGeom prst="rect">
-            <a:avLst/>
-          </a:prstGeom>
-        </p:spPr>
-      </p:pic>
-    </p:spTree>
-    <p:extLst>
-      <p:ext uri="{BB962C8B-B14F-4D97-AF65-F5344CB8AC3E}">
-        <p14:creationId xmlns:p14="http://schemas.microsoft.com/office/powerpoint/2010/main" val="742544243"/>
       </p:ext>
     </p:extLst>
   </p:cSld>

--- a/LendingClubCaseStudy.pptx
+++ b/LendingClubCaseStudy.pptx
@@ -13,26 +13,19 @@
     <p:sldId id="260" r:id="rId7"/>
     <p:sldId id="261" r:id="rId8"/>
     <p:sldId id="262" r:id="rId9"/>
-    <p:sldId id="263" r:id="rId10"/>
-    <p:sldId id="264" r:id="rId11"/>
-    <p:sldId id="265" r:id="rId12"/>
-    <p:sldId id="266" r:id="rId13"/>
-    <p:sldId id="267" r:id="rId14"/>
-    <p:sldId id="268" r:id="rId15"/>
-    <p:sldId id="269" r:id="rId16"/>
-    <p:sldId id="270" r:id="rId17"/>
-    <p:sldId id="271" r:id="rId18"/>
-    <p:sldId id="272" r:id="rId19"/>
-    <p:sldId id="273" r:id="rId20"/>
-    <p:sldId id="274" r:id="rId21"/>
-    <p:sldId id="275" r:id="rId22"/>
-    <p:sldId id="276" r:id="rId23"/>
-    <p:sldId id="277" r:id="rId24"/>
-    <p:sldId id="278" r:id="rId25"/>
-    <p:sldId id="279" r:id="rId26"/>
-    <p:sldId id="280" r:id="rId27"/>
-    <p:sldId id="281" r:id="rId28"/>
-    <p:sldId id="282" r:id="rId29"/>
+    <p:sldId id="264" r:id="rId10"/>
+    <p:sldId id="266" r:id="rId11"/>
+    <p:sldId id="267" r:id="rId12"/>
+    <p:sldId id="268" r:id="rId13"/>
+    <p:sldId id="269" r:id="rId14"/>
+    <p:sldId id="270" r:id="rId15"/>
+    <p:sldId id="271" r:id="rId16"/>
+    <p:sldId id="272" r:id="rId17"/>
+    <p:sldId id="274" r:id="rId18"/>
+    <p:sldId id="282" r:id="rId19"/>
+    <p:sldId id="285" r:id="rId20"/>
+    <p:sldId id="286" r:id="rId21"/>
+    <p:sldId id="287" r:id="rId22"/>
   </p:sldIdLst>
   <p:sldSz cx="12192000" cy="6858000"/>
   <p:notesSz cx="6858000" cy="9144000"/>
@@ -3755,7 +3748,7 @@
             <a:fld id="{B61BEF0D-F0BB-DE4B-95CE-6DB70DBA9567}" type="datetimeFigureOut">
               <a:rPr lang="en-US" smtClean="0"/>
               <a:pPr/>
-              <a:t>10/10/23</a:t>
+              <a:t>10/11/23</a:t>
             </a:fld>
             <a:endParaRPr lang="en-US" dirty="0"/>
           </a:p>
@@ -3936,7 +3929,7 @@
             <a:fld id="{B61BEF0D-F0BB-DE4B-95CE-6DB70DBA9567}" type="datetimeFigureOut">
               <a:rPr lang="en-US" smtClean="0"/>
               <a:pPr/>
-              <a:t>10/10/23</a:t>
+              <a:t>10/11/23</a:t>
             </a:fld>
             <a:endParaRPr lang="en-US" dirty="0"/>
           </a:p>
@@ -4118,7 +4111,7 @@
             <a:fld id="{B61BEF0D-F0BB-DE4B-95CE-6DB70DBA9567}" type="datetimeFigureOut">
               <a:rPr lang="en-US" smtClean="0"/>
               <a:pPr/>
-              <a:t>10/10/23</a:t>
+              <a:t>10/11/23</a:t>
             </a:fld>
             <a:endParaRPr lang="en-US" dirty="0"/>
           </a:p>
@@ -4290,7 +4283,7 @@
             <a:fld id="{B61BEF0D-F0BB-DE4B-95CE-6DB70DBA9567}" type="datetimeFigureOut">
               <a:rPr lang="en-US" smtClean="0"/>
               <a:pPr/>
-              <a:t>10/10/23</a:t>
+              <a:t>10/11/23</a:t>
             </a:fld>
             <a:endParaRPr lang="en-US" dirty="0"/>
           </a:p>
@@ -4613,7 +4606,7 @@
             <a:fld id="{B61BEF0D-F0BB-DE4B-95CE-6DB70DBA9567}" type="datetimeFigureOut">
               <a:rPr lang="en-US" smtClean="0"/>
               <a:pPr/>
-              <a:t>10/10/23</a:t>
+              <a:t>10/11/23</a:t>
             </a:fld>
             <a:endParaRPr lang="en-US" dirty="0"/>
           </a:p>
@@ -5075,7 +5068,7 @@
             <a:fld id="{B61BEF0D-F0BB-DE4B-95CE-6DB70DBA9567}" type="datetimeFigureOut">
               <a:rPr lang="en-US" smtClean="0"/>
               <a:pPr/>
-              <a:t>10/10/23</a:t>
+              <a:t>10/11/23</a:t>
             </a:fld>
             <a:endParaRPr lang="en-US" dirty="0"/>
           </a:p>
@@ -5488,7 +5481,7 @@
             <a:fld id="{B61BEF0D-F0BB-DE4B-95CE-6DB70DBA9567}" type="datetimeFigureOut">
               <a:rPr lang="en-US" smtClean="0"/>
               <a:pPr/>
-              <a:t>10/10/23</a:t>
+              <a:t>10/11/23</a:t>
             </a:fld>
             <a:endParaRPr lang="en-US" dirty="0"/>
           </a:p>
@@ -5608,7 +5601,7 @@
             <a:fld id="{B61BEF0D-F0BB-DE4B-95CE-6DB70DBA9567}" type="datetimeFigureOut">
               <a:rPr lang="en-US" smtClean="0"/>
               <a:pPr/>
-              <a:t>10/10/23</a:t>
+              <a:t>10/11/23</a:t>
             </a:fld>
             <a:endParaRPr lang="en-US" dirty="0"/>
           </a:p>
@@ -5728,7 +5721,7 @@
             <a:fld id="{B61BEF0D-F0BB-DE4B-95CE-6DB70DBA9567}" type="datetimeFigureOut">
               <a:rPr lang="en-US" smtClean="0"/>
               <a:pPr/>
-              <a:t>10/10/23</a:t>
+              <a:t>10/11/23</a:t>
             </a:fld>
             <a:endParaRPr lang="en-US" dirty="0"/>
           </a:p>
@@ -6088,7 +6081,7 @@
             <a:fld id="{B61BEF0D-F0BB-DE4B-95CE-6DB70DBA9567}" type="datetimeFigureOut">
               <a:rPr lang="en-US" smtClean="0"/>
               <a:pPr/>
-              <a:t>10/10/23</a:t>
+              <a:t>10/11/23</a:t>
             </a:fld>
             <a:endParaRPr lang="en-US" dirty="0"/>
           </a:p>
@@ -6597,7 +6590,7 @@
             <a:fld id="{B61BEF0D-F0BB-DE4B-95CE-6DB70DBA9567}" type="datetimeFigureOut">
               <a:rPr lang="en-US" smtClean="0"/>
               <a:pPr/>
-              <a:t>10/10/23</a:t>
+              <a:t>10/11/23</a:t>
             </a:fld>
             <a:endParaRPr lang="en-US" dirty="0"/>
           </a:p>
@@ -6954,7 +6947,7 @@
             <a:fld id="{B61BEF0D-F0BB-DE4B-95CE-6DB70DBA9567}" type="datetimeFigureOut">
               <a:rPr lang="en-US" smtClean="0"/>
               <a:pPr/>
-              <a:t>10/10/23</a:t>
+              <a:t>10/11/23</a:t>
             </a:fld>
             <a:endParaRPr lang="en-US" dirty="0"/>
           </a:p>
@@ -7959,37 +7952,55 @@
           <a:lstStyle/>
           <a:p>
             <a:r>
+              <a:rPr lang="en-US" dirty="0" err="1"/>
+              <a:t>InstaLLMENT</a:t>
+            </a:r>
+            <a:r>
               <a:rPr lang="en-US" dirty="0"/>
-              <a:t>Applicant’s verification status if Not verified, then most changes for defaulting</a:t>
+              <a:t> :</a:t>
+            </a:r>
+            <a:br>
+              <a:rPr lang="en-US" dirty="0"/>
+            </a:br>
+            <a:br>
+              <a:rPr lang="en-US" dirty="0"/>
+            </a:br>
+            <a:r>
+              <a:rPr lang="en-US" dirty="0"/>
+              <a:t>As Installment Increases , Default Increases . </a:t>
             </a:r>
           </a:p>
         </p:txBody>
       </p:sp>
-      <p:sp>
-        <p:nvSpPr>
-          <p:cNvPr id="4" name="Content Placeholder 3">
+      <p:pic>
+        <p:nvPicPr>
+          <p:cNvPr id="7" name="Content Placeholder 6" descr="A green and orange rectangles&#10;&#10;Description automatically generated">
             <a:extLst>
               <a:ext uri="{FF2B5EF4-FFF2-40B4-BE49-F238E27FC236}">
-                <a16:creationId xmlns:a16="http://schemas.microsoft.com/office/drawing/2014/main" id="{0DCB427B-AEC3-94A2-9F4D-3B43C74DA463}"/>
+                <a16:creationId xmlns:a16="http://schemas.microsoft.com/office/drawing/2014/main" id="{380C04CD-9716-9D9B-CDB9-14A76DE0CEC5}"/>
               </a:ext>
             </a:extLst>
           </p:cNvPr>
-          <p:cNvSpPr>
-            <a:spLocks noGrp="1"/>
-          </p:cNvSpPr>
+          <p:cNvPicPr>
+            <a:picLocks noGrp="1" noChangeAspect="1"/>
+          </p:cNvPicPr>
           <p:nvPr>
             <p:ph idx="1"/>
           </p:nvPr>
-        </p:nvSpPr>
-        <p:spPr/>
-        <p:txBody>
-          <a:bodyPr/>
-          <a:lstStyle/>
-          <a:p>
-            <a:endParaRPr lang="en-US"/>
-          </a:p>
-        </p:txBody>
-      </p:sp>
+        </p:nvPicPr>
+        <p:blipFill>
+          <a:blip r:embed="rId2"/>
+          <a:stretch>
+            <a:fillRect/>
+          </a:stretch>
+        </p:blipFill>
+        <p:spPr>
+          <a:xfrm>
+            <a:off x="838200" y="1344168"/>
+            <a:ext cx="6711950" cy="3035190"/>
+          </a:xfrm>
+        </p:spPr>
+      </p:pic>
       <p:sp>
         <p:nvSpPr>
           <p:cNvPr id="5" name="TextBox 4">
@@ -8005,7 +8016,7 @@
         <p:spPr>
           <a:xfrm>
             <a:off x="8610600" y="4931765"/>
-            <a:ext cx="3066738" cy="923330"/>
+            <a:ext cx="3066738" cy="1200329"/>
           </a:xfrm>
           <a:prstGeom prst="rect">
             <a:avLst/>
@@ -8020,45 +8031,15 @@
           <a:p>
             <a:r>
               <a:rPr lang="en-US" dirty="0"/>
-              <a:t>A bank may consider Source Verified over Verified/Not Verified</a:t>
+              <a:t>A bank  should consider verifying installment should be in valid ratio of salary .</a:t>
             </a:r>
           </a:p>
         </p:txBody>
       </p:sp>
-      <p:pic>
-        <p:nvPicPr>
-          <p:cNvPr id="6" name="Picture 5">
-            <a:extLst>
-              <a:ext uri="{FF2B5EF4-FFF2-40B4-BE49-F238E27FC236}">
-                <a16:creationId xmlns:a16="http://schemas.microsoft.com/office/drawing/2014/main" id="{555044DB-4823-BF43-FC73-3982E70D89F9}"/>
-              </a:ext>
-            </a:extLst>
-          </p:cNvPr>
-          <p:cNvPicPr>
-            <a:picLocks noChangeAspect="1"/>
-          </p:cNvPicPr>
-          <p:nvPr/>
-        </p:nvPicPr>
-        <p:blipFill>
-          <a:blip r:embed="rId2"/>
-          <a:stretch>
-            <a:fillRect/>
-          </a:stretch>
-        </p:blipFill>
-        <p:spPr>
-          <a:xfrm>
-            <a:off x="382927" y="172387"/>
-            <a:ext cx="7166969" cy="6513226"/>
-          </a:xfrm>
-          <a:prstGeom prst="rect">
-            <a:avLst/>
-          </a:prstGeom>
-        </p:spPr>
-      </p:pic>
     </p:spTree>
     <p:extLst>
       <p:ext uri="{BB962C8B-B14F-4D97-AF65-F5344CB8AC3E}">
-        <p14:creationId xmlns:p14="http://schemas.microsoft.com/office/powerpoint/2010/main" val="3061500286"/>
+        <p14:creationId xmlns:p14="http://schemas.microsoft.com/office/powerpoint/2010/main" val="191909531"/>
       </p:ext>
     </p:extLst>
   </p:cSld>
@@ -8103,116 +8084,72 @@
         </p:nvSpPr>
         <p:spPr>
           <a:xfrm>
-            <a:off x="8631836" y="918652"/>
+            <a:off x="8610600" y="1198001"/>
             <a:ext cx="3420256" cy="3733764"/>
           </a:xfrm>
         </p:spPr>
         <p:txBody>
           <a:bodyPr>
-            <a:normAutofit/>
+            <a:normAutofit fontScale="90000"/>
           </a:bodyPr>
           <a:lstStyle/>
           <a:p>
-            <a:r>
+            <a:br>
               <a:rPr lang="en-US" dirty="0"/>
-              <a:t>Applicants’ probability of defaulting is high if he/she is from California state</a:t>
-            </a:r>
-          </a:p>
-        </p:txBody>
-      </p:sp>
-      <p:sp>
-        <p:nvSpPr>
-          <p:cNvPr id="4" name="Content Placeholder 3">
-            <a:extLst>
-              <a:ext uri="{FF2B5EF4-FFF2-40B4-BE49-F238E27FC236}">
-                <a16:creationId xmlns:a16="http://schemas.microsoft.com/office/drawing/2014/main" id="{0DCB427B-AEC3-94A2-9F4D-3B43C74DA463}"/>
-              </a:ext>
-            </a:extLst>
-          </p:cNvPr>
-          <p:cNvSpPr>
-            <a:spLocks noGrp="1"/>
-          </p:cNvSpPr>
-          <p:nvPr>
-            <p:ph idx="1"/>
-          </p:nvPr>
-        </p:nvSpPr>
-        <p:spPr/>
-        <p:txBody>
-          <a:bodyPr/>
-          <a:lstStyle/>
-          <a:p>
-            <a:endParaRPr lang="en-US"/>
-          </a:p>
-        </p:txBody>
-      </p:sp>
-      <p:sp>
-        <p:nvSpPr>
-          <p:cNvPr id="5" name="TextBox 4">
-            <a:extLst>
-              <a:ext uri="{FF2B5EF4-FFF2-40B4-BE49-F238E27FC236}">
-                <a16:creationId xmlns:a16="http://schemas.microsoft.com/office/drawing/2014/main" id="{F9D8EC37-0652-4CB8-D329-4FAB280EF4D1}"/>
-              </a:ext>
-            </a:extLst>
-          </p:cNvPr>
-          <p:cNvSpPr txBox="1"/>
-          <p:nvPr/>
-        </p:nvSpPr>
-        <p:spPr>
-          <a:xfrm>
-            <a:off x="8610600" y="4931765"/>
-            <a:ext cx="3066738" cy="923330"/>
-          </a:xfrm>
-          <a:prstGeom prst="rect">
-            <a:avLst/>
-          </a:prstGeom>
-          <a:noFill/>
-        </p:spPr>
-        <p:txBody>
-          <a:bodyPr wrap="square" rtlCol="0">
-            <a:spAutoFit/>
-          </a:bodyPr>
-          <a:lstStyle/>
-          <a:p>
+            </a:br>
             <a:r>
               <a:rPr lang="en-US" dirty="0"/>
-              <a:t>A bank can take extra steps/scrutiny before giving loan to CA residents</a:t>
-            </a:r>
+              <a:t>INTEREST RATE : </a:t>
+            </a:r>
+            <a:r>
+              <a:rPr lang="en-US" dirty="0" err="1"/>
+              <a:t>InteREST</a:t>
+            </a:r>
+            <a:r>
+              <a:rPr lang="en-US" dirty="0"/>
+              <a:t> Rate Impacts The Default RATE . As Interest Rate Increases , Default Rate </a:t>
+            </a:r>
+            <a:r>
+              <a:rPr lang="en-US" dirty="0" err="1"/>
+              <a:t>IncreaseS</a:t>
+            </a:r>
+            <a:endParaRPr lang="en-US" dirty="0"/>
           </a:p>
         </p:txBody>
       </p:sp>
       <p:pic>
         <p:nvPicPr>
-          <p:cNvPr id="3" name="Picture 2">
+          <p:cNvPr id="7" name="Content Placeholder 6" descr="A screenshot of a graph&#10;&#10;Description automatically generated">
             <a:extLst>
               <a:ext uri="{FF2B5EF4-FFF2-40B4-BE49-F238E27FC236}">
-                <a16:creationId xmlns:a16="http://schemas.microsoft.com/office/drawing/2014/main" id="{591AC3CA-73EE-9EDD-C1F1-39563517D0FE}"/>
+                <a16:creationId xmlns:a16="http://schemas.microsoft.com/office/drawing/2014/main" id="{21CF5025-2E3E-9DC1-368E-1416CB96697D}"/>
               </a:ext>
             </a:extLst>
           </p:cNvPr>
           <p:cNvPicPr>
-            <a:picLocks noChangeAspect="1"/>
+            <a:picLocks noGrp="1" noChangeAspect="1"/>
           </p:cNvPicPr>
-          <p:nvPr/>
+          <p:nvPr>
+            <p:ph idx="1"/>
+          </p:nvPr>
         </p:nvPicPr>
-        <p:blipFill rotWithShape="1">
+        <p:blipFill>
           <a:blip r:embed="rId2"/>
-          <a:srcRect l="2483" t="3005"/>
-          <a:stretch/>
+          <a:stretch>
+            <a:fillRect/>
+          </a:stretch>
         </p:blipFill>
         <p:spPr>
           <a:xfrm>
-            <a:off x="292158" y="292345"/>
-            <a:ext cx="7257738" cy="5806966"/>
+            <a:off x="838200" y="1289304"/>
+            <a:ext cx="6711950" cy="4054592"/>
           </a:xfrm>
-          <a:prstGeom prst="rect">
-            <a:avLst/>
-          </a:prstGeom>
         </p:spPr>
       </p:pic>
     </p:spTree>
     <p:extLst>
       <p:ext uri="{BB962C8B-B14F-4D97-AF65-F5344CB8AC3E}">
-        <p14:creationId xmlns:p14="http://schemas.microsoft.com/office/powerpoint/2010/main" val="742544243"/>
+        <p14:creationId xmlns:p14="http://schemas.microsoft.com/office/powerpoint/2010/main" val="2589399364"/>
       </p:ext>
     </p:extLst>
   </p:cSld>
@@ -8257,7 +8194,7 @@
         </p:nvSpPr>
         <p:spPr>
           <a:xfrm>
-            <a:off x="8631836" y="918652"/>
+            <a:off x="8610600" y="1198001"/>
             <a:ext cx="3420256" cy="3733764"/>
           </a:xfrm>
         </p:spPr>
@@ -8269,84 +8206,26 @@
           <a:p>
             <a:r>
               <a:rPr lang="en-US" dirty="0"/>
-              <a:t>Based on experience level, Mid level (3-6 years)	 applicants are likely to default more than the rest. </a:t>
-            </a:r>
-          </a:p>
-        </p:txBody>
-      </p:sp>
-      <p:sp>
-        <p:nvSpPr>
-          <p:cNvPr id="4" name="Content Placeholder 3">
-            <a:extLst>
-              <a:ext uri="{FF2B5EF4-FFF2-40B4-BE49-F238E27FC236}">
-                <a16:creationId xmlns:a16="http://schemas.microsoft.com/office/drawing/2014/main" id="{0DCB427B-AEC3-94A2-9F4D-3B43C74DA463}"/>
-              </a:ext>
-            </a:extLst>
-          </p:cNvPr>
-          <p:cNvSpPr>
-            <a:spLocks noGrp="1"/>
-          </p:cNvSpPr>
-          <p:nvPr>
-            <p:ph idx="1"/>
-          </p:nvPr>
-        </p:nvSpPr>
-        <p:spPr/>
-        <p:txBody>
-          <a:bodyPr/>
-          <a:lstStyle/>
-          <a:p>
-            <a:endParaRPr lang="en-US"/>
-          </a:p>
-        </p:txBody>
-      </p:sp>
-      <p:sp>
-        <p:nvSpPr>
-          <p:cNvPr id="5" name="TextBox 4">
-            <a:extLst>
-              <a:ext uri="{FF2B5EF4-FFF2-40B4-BE49-F238E27FC236}">
-                <a16:creationId xmlns:a16="http://schemas.microsoft.com/office/drawing/2014/main" id="{F9D8EC37-0652-4CB8-D329-4FAB280EF4D1}"/>
-              </a:ext>
-            </a:extLst>
-          </p:cNvPr>
-          <p:cNvSpPr txBox="1"/>
-          <p:nvPr/>
-        </p:nvSpPr>
-        <p:spPr>
-          <a:xfrm>
-            <a:off x="8610600" y="4931765"/>
-            <a:ext cx="3066738" cy="1477328"/>
-          </a:xfrm>
-          <a:prstGeom prst="rect">
-            <a:avLst/>
-          </a:prstGeom>
-          <a:noFill/>
-        </p:spPr>
-        <p:txBody>
-          <a:bodyPr wrap="square" rtlCol="0">
-            <a:spAutoFit/>
-          </a:bodyPr>
-          <a:lstStyle/>
-          <a:p>
-            <a:r>
-              <a:rPr lang="en-US" dirty="0"/>
-              <a:t>A bank  should consider more parameters before loan is sanctioned for Mid/Very High experience level candidates </a:t>
+              <a:t>LOAN AMOUNT : Based on the data,  As Loan Amount Increases , Loan Charged Off Also Increases</a:t>
             </a:r>
           </a:p>
         </p:txBody>
       </p:sp>
       <p:pic>
         <p:nvPicPr>
-          <p:cNvPr id="6" name="Picture 5">
+          <p:cNvPr id="5" name="Content Placeholder 4" descr="A graph of different colored rectangles&#10;&#10;Description automatically generated">
             <a:extLst>
               <a:ext uri="{FF2B5EF4-FFF2-40B4-BE49-F238E27FC236}">
-                <a16:creationId xmlns:a16="http://schemas.microsoft.com/office/drawing/2014/main" id="{9A171FF8-BD1A-CEBA-AE26-D3AD8F501458}"/>
+                <a16:creationId xmlns:a16="http://schemas.microsoft.com/office/drawing/2014/main" id="{B4169FB4-7F45-C6D8-A5BE-B47E086BD2A5}"/>
               </a:ext>
             </a:extLst>
           </p:cNvPr>
           <p:cNvPicPr>
-            <a:picLocks noChangeAspect="1"/>
+            <a:picLocks noGrp="1" noChangeAspect="1"/>
           </p:cNvPicPr>
-          <p:nvPr/>
+          <p:nvPr>
+            <p:ph idx="1"/>
+          </p:nvPr>
         </p:nvPicPr>
         <p:blipFill>
           <a:blip r:embed="rId2"/>
@@ -8356,18 +8235,15 @@
         </p:blipFill>
         <p:spPr>
           <a:xfrm>
-            <a:off x="514662" y="264898"/>
-            <a:ext cx="7772400" cy="6328203"/>
+            <a:off x="838200" y="1198002"/>
+            <a:ext cx="6711950" cy="3257338"/>
           </a:xfrm>
-          <a:prstGeom prst="rect">
-            <a:avLst/>
-          </a:prstGeom>
         </p:spPr>
       </p:pic>
     </p:spTree>
     <p:extLst>
       <p:ext uri="{BB962C8B-B14F-4D97-AF65-F5344CB8AC3E}">
-        <p14:creationId xmlns:p14="http://schemas.microsoft.com/office/powerpoint/2010/main" val="191909531"/>
+        <p14:creationId xmlns:p14="http://schemas.microsoft.com/office/powerpoint/2010/main" val="2937331465"/>
       </p:ext>
     </p:extLst>
   </p:cSld>
@@ -8424,84 +8300,41 @@
           <a:p>
             <a:r>
               <a:rPr lang="en-US" dirty="0"/>
-              <a:t>Based on the available data, applicants defaults the most in 2011 and fell almost by 50%. Though This is an interesting insight, doesn’t help conclude as it is one time spike</a:t>
-            </a:r>
-          </a:p>
-        </p:txBody>
-      </p:sp>
-      <p:sp>
-        <p:nvSpPr>
-          <p:cNvPr id="4" name="Content Placeholder 3">
-            <a:extLst>
-              <a:ext uri="{FF2B5EF4-FFF2-40B4-BE49-F238E27FC236}">
-                <a16:creationId xmlns:a16="http://schemas.microsoft.com/office/drawing/2014/main" id="{0DCB427B-AEC3-94A2-9F4D-3B43C74DA463}"/>
-              </a:ext>
-            </a:extLst>
-          </p:cNvPr>
-          <p:cNvSpPr>
-            <a:spLocks noGrp="1"/>
-          </p:cNvSpPr>
-          <p:nvPr>
-            <p:ph idx="1"/>
-          </p:nvPr>
-        </p:nvSpPr>
-        <p:spPr/>
-        <p:txBody>
-          <a:bodyPr/>
-          <a:lstStyle/>
-          <a:p>
-            <a:endParaRPr lang="en-US"/>
-          </a:p>
-        </p:txBody>
-      </p:sp>
-      <p:sp>
-        <p:nvSpPr>
-          <p:cNvPr id="5" name="TextBox 4">
-            <a:extLst>
-              <a:ext uri="{FF2B5EF4-FFF2-40B4-BE49-F238E27FC236}">
-                <a16:creationId xmlns:a16="http://schemas.microsoft.com/office/drawing/2014/main" id="{F9D8EC37-0652-4CB8-D329-4FAB280EF4D1}"/>
-              </a:ext>
-            </a:extLst>
-          </p:cNvPr>
-          <p:cNvSpPr txBox="1"/>
-          <p:nvPr/>
-        </p:nvSpPr>
-        <p:spPr>
-          <a:xfrm>
-            <a:off x="8610600" y="4931765"/>
-            <a:ext cx="3066738" cy="1754326"/>
-          </a:xfrm>
-          <a:prstGeom prst="rect">
-            <a:avLst/>
-          </a:prstGeom>
-          <a:noFill/>
-        </p:spPr>
-        <p:txBody>
-          <a:bodyPr wrap="square" rtlCol="0">
-            <a:spAutoFit/>
-          </a:bodyPr>
-          <a:lstStyle/>
-          <a:p>
-            <a:r>
+              <a:t>FUNDED AMOUNT INV :</a:t>
+            </a:r>
+            <a:br>
               <a:rPr lang="en-US" dirty="0"/>
-              <a:t>There may have been recession or natural calamity during 2011, because of which people couldn’t pay back and hence defaulted</a:t>
+            </a:br>
+            <a:r>
+              <a:rPr lang="en-US" dirty="0"/>
+              <a:t>Based on </a:t>
+            </a:r>
+            <a:r>
+              <a:rPr lang="en-US" dirty="0" err="1"/>
+              <a:t>GraPH</a:t>
+            </a:r>
+            <a:r>
+              <a:rPr lang="en-US" dirty="0"/>
+              <a:t> , We can ANALYSE THAT As Loan Amount Invested Increases , Default also Increases</a:t>
             </a:r>
           </a:p>
         </p:txBody>
       </p:sp>
       <p:pic>
         <p:nvPicPr>
-          <p:cNvPr id="3" name="Picture 2">
+          <p:cNvPr id="6" name="Content Placeholder 5" descr="A graph showing different colored rectangles&#10;&#10;Description automatically generated">
             <a:extLst>
               <a:ext uri="{FF2B5EF4-FFF2-40B4-BE49-F238E27FC236}">
-                <a16:creationId xmlns:a16="http://schemas.microsoft.com/office/drawing/2014/main" id="{AD9366E4-087B-A0A1-CAE0-8AA37B0157C8}"/>
+                <a16:creationId xmlns:a16="http://schemas.microsoft.com/office/drawing/2014/main" id="{53C9EEF7-1DDC-C898-BC4F-1DD0E87E580C}"/>
               </a:ext>
             </a:extLst>
           </p:cNvPr>
           <p:cNvPicPr>
-            <a:picLocks noChangeAspect="1"/>
+            <a:picLocks noGrp="1" noChangeAspect="1"/>
           </p:cNvPicPr>
-          <p:nvPr/>
+          <p:nvPr>
+            <p:ph idx="1"/>
+          </p:nvPr>
         </p:nvPicPr>
         <p:blipFill>
           <a:blip r:embed="rId2"/>
@@ -8511,18 +8344,15 @@
         </p:blipFill>
         <p:spPr>
           <a:xfrm>
-            <a:off x="318466" y="182710"/>
-            <a:ext cx="7772400" cy="6026236"/>
+            <a:off x="838200" y="2020883"/>
+            <a:ext cx="6711950" cy="3904904"/>
           </a:xfrm>
-          <a:prstGeom prst="rect">
-            <a:avLst/>
-          </a:prstGeom>
         </p:spPr>
       </p:pic>
     </p:spTree>
     <p:extLst>
       <p:ext uri="{BB962C8B-B14F-4D97-AF65-F5344CB8AC3E}">
-        <p14:creationId xmlns:p14="http://schemas.microsoft.com/office/powerpoint/2010/main" val="2589399364"/>
+        <p14:creationId xmlns:p14="http://schemas.microsoft.com/office/powerpoint/2010/main" val="3531863257"/>
       </p:ext>
     </p:extLst>
   </p:cSld>
@@ -8579,49 +8409,41 @@
           <a:p>
             <a:r>
               <a:rPr lang="en-US" dirty="0"/>
-              <a:t>Based on the data, if an applicant deliquated for 2 years in category 0 then he/she is likely to default more than anyone else</a:t>
-            </a:r>
-          </a:p>
-        </p:txBody>
-      </p:sp>
-      <p:sp>
-        <p:nvSpPr>
-          <p:cNvPr id="4" name="Content Placeholder 3">
-            <a:extLst>
-              <a:ext uri="{FF2B5EF4-FFF2-40B4-BE49-F238E27FC236}">
-                <a16:creationId xmlns:a16="http://schemas.microsoft.com/office/drawing/2014/main" id="{0DCB427B-AEC3-94A2-9F4D-3B43C74DA463}"/>
-              </a:ext>
-            </a:extLst>
-          </p:cNvPr>
-          <p:cNvSpPr>
-            <a:spLocks noGrp="1"/>
-          </p:cNvSpPr>
-          <p:nvPr>
-            <p:ph idx="1"/>
-          </p:nvPr>
-        </p:nvSpPr>
-        <p:spPr/>
-        <p:txBody>
-          <a:bodyPr/>
-          <a:lstStyle/>
-          <a:p>
-            <a:endParaRPr lang="en-US"/>
+              <a:t>ANNUAL INCOME : </a:t>
+            </a:r>
+            <a:br>
+              <a:rPr lang="en-US" dirty="0"/>
+            </a:br>
+            <a:r>
+              <a:rPr lang="en-US" dirty="0"/>
+              <a:t>As </a:t>
+            </a:r>
+            <a:r>
+              <a:rPr lang="en-US" dirty="0" err="1"/>
+              <a:t>ANNual</a:t>
+            </a:r>
+            <a:r>
+              <a:rPr lang="en-US" dirty="0"/>
+              <a:t> Income Increases , CHARGED OFF DECREASES . PEOPLE OF LOW INCOME ARE DOING MORE DEFAULTS</a:t>
+            </a:r>
           </a:p>
         </p:txBody>
       </p:sp>
       <p:pic>
         <p:nvPicPr>
-          <p:cNvPr id="6" name="Picture 5">
+          <p:cNvPr id="6" name="Content Placeholder 5" descr="A screenshot of a graph&#10;&#10;Description automatically generated">
             <a:extLst>
               <a:ext uri="{FF2B5EF4-FFF2-40B4-BE49-F238E27FC236}">
-                <a16:creationId xmlns:a16="http://schemas.microsoft.com/office/drawing/2014/main" id="{2B18CD93-AF25-D459-A1ED-13AE74343893}"/>
+                <a16:creationId xmlns:a16="http://schemas.microsoft.com/office/drawing/2014/main" id="{8EE2B5AB-E46E-9618-15FE-0AEB34EB261C}"/>
               </a:ext>
             </a:extLst>
           </p:cNvPr>
           <p:cNvPicPr>
-            <a:picLocks noChangeAspect="1"/>
+            <a:picLocks noGrp="1" noChangeAspect="1"/>
           </p:cNvPicPr>
-          <p:nvPr/>
+          <p:nvPr>
+            <p:ph idx="1"/>
+          </p:nvPr>
         </p:nvPicPr>
         <p:blipFill>
           <a:blip r:embed="rId2"/>
@@ -8631,18 +8453,15 @@
         </p:blipFill>
         <p:spPr>
           <a:xfrm>
-            <a:off x="307848" y="618610"/>
-            <a:ext cx="7772400" cy="5553590"/>
+            <a:off x="838200" y="1198000"/>
+            <a:ext cx="6711950" cy="3908389"/>
           </a:xfrm>
-          <a:prstGeom prst="rect">
-            <a:avLst/>
-          </a:prstGeom>
         </p:spPr>
       </p:pic>
     </p:spTree>
     <p:extLst>
       <p:ext uri="{BB962C8B-B14F-4D97-AF65-F5344CB8AC3E}">
-        <p14:creationId xmlns:p14="http://schemas.microsoft.com/office/powerpoint/2010/main" val="2937331465"/>
+        <p14:creationId xmlns:p14="http://schemas.microsoft.com/office/powerpoint/2010/main" val="4263443712"/>
       </p:ext>
     </p:extLst>
   </p:cSld>
@@ -8687,7 +8506,7 @@
         </p:nvSpPr>
         <p:spPr>
           <a:xfrm>
-            <a:off x="8610600" y="1198001"/>
+            <a:off x="8556819" y="509778"/>
             <a:ext cx="3420256" cy="3733764"/>
           </a:xfrm>
         </p:spPr>
@@ -8699,49 +8518,26 @@
           <a:p>
             <a:r>
               <a:rPr lang="en-US" dirty="0"/>
-              <a:t>From Histogram we can see max people who took loan of amount ranging from 5k-10k charged off</a:t>
-            </a:r>
-          </a:p>
-        </p:txBody>
-      </p:sp>
-      <p:sp>
-        <p:nvSpPr>
-          <p:cNvPr id="4" name="Content Placeholder 3">
-            <a:extLst>
-              <a:ext uri="{FF2B5EF4-FFF2-40B4-BE49-F238E27FC236}">
-                <a16:creationId xmlns:a16="http://schemas.microsoft.com/office/drawing/2014/main" id="{0DCB427B-AEC3-94A2-9F4D-3B43C74DA463}"/>
-              </a:ext>
-            </a:extLst>
-          </p:cNvPr>
-          <p:cNvSpPr>
-            <a:spLocks noGrp="1"/>
-          </p:cNvSpPr>
-          <p:nvPr>
-            <p:ph idx="1"/>
-          </p:nvPr>
-        </p:nvSpPr>
-        <p:spPr/>
-        <p:txBody>
-          <a:bodyPr/>
-          <a:lstStyle/>
-          <a:p>
-            <a:endParaRPr lang="en-US"/>
+              <a:t>FUNDED AMOUNT : As Funded Amount Increases , CHARGED OFF INCREASES</a:t>
+            </a:r>
           </a:p>
         </p:txBody>
       </p:sp>
       <p:pic>
         <p:nvPicPr>
-          <p:cNvPr id="3" name="Picture 2">
+          <p:cNvPr id="7" name="Content Placeholder 6" descr="A graph showing different colored rectangles&#10;&#10;Description automatically generated">
             <a:extLst>
               <a:ext uri="{FF2B5EF4-FFF2-40B4-BE49-F238E27FC236}">
-                <a16:creationId xmlns:a16="http://schemas.microsoft.com/office/drawing/2014/main" id="{63505CB0-3849-FFD0-5DCF-96A6DEAA25CF}"/>
+                <a16:creationId xmlns:a16="http://schemas.microsoft.com/office/drawing/2014/main" id="{0A883B86-8AAB-9414-28E0-5551F2547E14}"/>
               </a:ext>
             </a:extLst>
           </p:cNvPr>
           <p:cNvPicPr>
-            <a:picLocks noChangeAspect="1"/>
+            <a:picLocks noGrp="1" noChangeAspect="1"/>
           </p:cNvPicPr>
-          <p:nvPr/>
+          <p:nvPr>
+            <p:ph idx="1"/>
+          </p:nvPr>
         </p:nvPicPr>
         <p:blipFill>
           <a:blip r:embed="rId2"/>
@@ -8751,18 +8547,15 @@
         </p:blipFill>
         <p:spPr>
           <a:xfrm>
-            <a:off x="561848" y="685800"/>
-            <a:ext cx="7518400" cy="5372100"/>
+            <a:off x="838200" y="1080655"/>
+            <a:ext cx="6711950" cy="3859480"/>
           </a:xfrm>
-          <a:prstGeom prst="rect">
-            <a:avLst/>
-          </a:prstGeom>
         </p:spPr>
       </p:pic>
     </p:spTree>
     <p:extLst>
       <p:ext uri="{BB962C8B-B14F-4D97-AF65-F5344CB8AC3E}">
-        <p14:creationId xmlns:p14="http://schemas.microsoft.com/office/powerpoint/2010/main" val="3531863257"/>
+        <p14:creationId xmlns:p14="http://schemas.microsoft.com/office/powerpoint/2010/main" val="566051795"/>
       </p:ext>
     </p:extLst>
   </p:cSld>
@@ -8791,41 +8584,6 @@
       </p:grpSpPr>
       <p:sp>
         <p:nvSpPr>
-          <p:cNvPr id="2" name="Title 1">
-            <a:extLst>
-              <a:ext uri="{FF2B5EF4-FFF2-40B4-BE49-F238E27FC236}">
-                <a16:creationId xmlns:a16="http://schemas.microsoft.com/office/drawing/2014/main" id="{5E28134D-6B5F-5844-284E-FAD8B9F06950}"/>
-              </a:ext>
-            </a:extLst>
-          </p:cNvPr>
-          <p:cNvSpPr>
-            <a:spLocks noGrp="1"/>
-          </p:cNvSpPr>
-          <p:nvPr>
-            <p:ph type="title"/>
-          </p:nvPr>
-        </p:nvSpPr>
-        <p:spPr>
-          <a:xfrm>
-            <a:off x="8610600" y="1198001"/>
-            <a:ext cx="3420256" cy="3733764"/>
-          </a:xfrm>
-        </p:spPr>
-        <p:txBody>
-          <a:bodyPr>
-            <a:normAutofit/>
-          </a:bodyPr>
-          <a:lstStyle/>
-          <a:p>
-            <a:r>
-              <a:rPr lang="en-US" dirty="0"/>
-              <a:t>People who doesn't enquire in last 6 months have charged off around 90%</a:t>
-            </a:r>
-          </a:p>
-        </p:txBody>
-      </p:sp>
-      <p:sp>
-        <p:nvSpPr>
           <p:cNvPr id="4" name="Content Placeholder 3">
             <a:extLst>
               <a:ext uri="{FF2B5EF4-FFF2-40B4-BE49-F238E27FC236}">
@@ -8840,21 +8598,35 @@
             <p:ph idx="1"/>
           </p:nvPr>
         </p:nvSpPr>
-        <p:spPr/>
+        <p:spPr>
+          <a:xfrm>
+            <a:off x="838200" y="685800"/>
+            <a:ext cx="6711696" cy="1490472"/>
+          </a:xfrm>
+        </p:spPr>
         <p:txBody>
           <a:bodyPr/>
           <a:lstStyle/>
           <a:p>
-            <a:endParaRPr lang="en-US"/>
+            <a:endParaRPr lang="en-US" dirty="0"/>
+          </a:p>
+          <a:p>
+            <a:pPr marL="0" indent="0">
+              <a:buNone/>
+            </a:pPr>
+            <a:r>
+              <a:rPr lang="en-US" dirty="0"/>
+              <a:t>PATTERNS OF ATTRIBUTE ‘PURPOSE’ WITH OTHER CATEGORICAL VARIABLES :</a:t>
+            </a:r>
           </a:p>
         </p:txBody>
       </p:sp>
       <p:pic>
         <p:nvPicPr>
-          <p:cNvPr id="5" name="Picture 4">
+          <p:cNvPr id="8" name="Picture 7" descr="A graph of different colored bars&#10;&#10;Description automatically generated">
             <a:extLst>
               <a:ext uri="{FF2B5EF4-FFF2-40B4-BE49-F238E27FC236}">
-                <a16:creationId xmlns:a16="http://schemas.microsoft.com/office/drawing/2014/main" id="{9E236955-C86E-3A79-6F96-7545A1E810AF}"/>
+                <a16:creationId xmlns:a16="http://schemas.microsoft.com/office/drawing/2014/main" id="{214FACAC-1030-E174-EC05-95EDC19AD896}"/>
               </a:ext>
             </a:extLst>
           </p:cNvPr>
@@ -8871,18 +8643,53 @@
         </p:blipFill>
         <p:spPr>
           <a:xfrm>
-            <a:off x="561848" y="509778"/>
-            <a:ext cx="7518400" cy="5372100"/>
+            <a:off x="415637" y="2075485"/>
+            <a:ext cx="7772400" cy="3179270"/>
           </a:xfrm>
           <a:prstGeom prst="rect">
             <a:avLst/>
           </a:prstGeom>
         </p:spPr>
       </p:pic>
+      <p:sp>
+        <p:nvSpPr>
+          <p:cNvPr id="9" name="TextBox 8">
+            <a:extLst>
+              <a:ext uri="{FF2B5EF4-FFF2-40B4-BE49-F238E27FC236}">
+                <a16:creationId xmlns:a16="http://schemas.microsoft.com/office/drawing/2014/main" id="{3C44B6BB-D849-94D3-1F85-D1E6EC86132E}"/>
+              </a:ext>
+            </a:extLst>
+          </p:cNvPr>
+          <p:cNvSpPr txBox="1"/>
+          <p:nvPr/>
+        </p:nvSpPr>
+        <p:spPr>
+          <a:xfrm>
+            <a:off x="9120249" y="3206338"/>
+            <a:ext cx="2125683" cy="646331"/>
+          </a:xfrm>
+          <a:prstGeom prst="rect">
+            <a:avLst/>
+          </a:prstGeom>
+          <a:noFill/>
+        </p:spPr>
+        <p:txBody>
+          <a:bodyPr wrap="square" rtlCol="0">
+            <a:spAutoFit/>
+          </a:bodyPr>
+          <a:lstStyle/>
+          <a:p>
+            <a:r>
+              <a:rPr lang="en-US" dirty="0"/>
+              <a:t>WITH HOME OWNERSHIP</a:t>
+            </a:r>
+          </a:p>
+        </p:txBody>
+      </p:sp>
     </p:spTree>
     <p:extLst>
       <p:ext uri="{BB962C8B-B14F-4D97-AF65-F5344CB8AC3E}">
-        <p14:creationId xmlns:p14="http://schemas.microsoft.com/office/powerpoint/2010/main" val="4263443712"/>
+        <p14:creationId xmlns:p14="http://schemas.microsoft.com/office/powerpoint/2010/main" val="2847350636"/>
       </p:ext>
     </p:extLst>
   </p:cSld>
@@ -8939,91 +8746,26 @@
           <a:p>
             <a:r>
               <a:rPr lang="en-US" dirty="0"/>
-              <a:t>We can analyze that people in range of 30-60k are doing 50% charged off</a:t>
-            </a:r>
-          </a:p>
-        </p:txBody>
-      </p:sp>
-      <p:sp>
-        <p:nvSpPr>
-          <p:cNvPr id="4" name="Content Placeholder 3">
-            <a:extLst>
-              <a:ext uri="{FF2B5EF4-FFF2-40B4-BE49-F238E27FC236}">
-                <a16:creationId xmlns:a16="http://schemas.microsoft.com/office/drawing/2014/main" id="{0DCB427B-AEC3-94A2-9F4D-3B43C74DA463}"/>
-              </a:ext>
-            </a:extLst>
-          </p:cNvPr>
-          <p:cNvSpPr>
-            <a:spLocks noGrp="1"/>
-          </p:cNvSpPr>
-          <p:nvPr>
-            <p:ph idx="1"/>
-          </p:nvPr>
-        </p:nvSpPr>
-        <p:spPr/>
-        <p:txBody>
-          <a:bodyPr/>
-          <a:lstStyle/>
-          <a:p>
-            <a:endParaRPr lang="en-US"/>
-          </a:p>
-        </p:txBody>
-      </p:sp>
-      <p:sp>
-        <p:nvSpPr>
-          <p:cNvPr id="3" name="TextBox 2">
-            <a:extLst>
-              <a:ext uri="{FF2B5EF4-FFF2-40B4-BE49-F238E27FC236}">
-                <a16:creationId xmlns:a16="http://schemas.microsoft.com/office/drawing/2014/main" id="{25A007D4-41F6-A20D-5D4D-77330960F2BC}"/>
-              </a:ext>
-            </a:extLst>
-          </p:cNvPr>
-          <p:cNvSpPr txBox="1"/>
-          <p:nvPr/>
-        </p:nvSpPr>
-        <p:spPr>
-          <a:xfrm>
-            <a:off x="8626641" y="4593896"/>
-            <a:ext cx="3164305" cy="1754326"/>
-          </a:xfrm>
-          <a:prstGeom prst="rect">
-            <a:avLst/>
-          </a:prstGeom>
-          <a:noFill/>
-        </p:spPr>
-        <p:txBody>
-          <a:bodyPr wrap="square" rtlCol="0">
-            <a:spAutoFit/>
-          </a:bodyPr>
-          <a:lstStyle/>
-          <a:p>
-            <a:r>
-              <a:rPr lang="en-US" dirty="0"/>
-              <a:t>We can say annual income below 50k are doing 70% charged off .</a:t>
-            </a:r>
-            <a:br>
-              <a:rPr lang="en-US" dirty="0"/>
-            </a:br>
-            <a:r>
-              <a:rPr lang="en-US" dirty="0"/>
-              <a:t>So, Annual Income is an important parameter for the charged off </a:t>
+              <a:t>WITH VERIFICATION STATUS</a:t>
             </a:r>
           </a:p>
         </p:txBody>
       </p:sp>
       <p:pic>
         <p:nvPicPr>
-          <p:cNvPr id="6" name="Picture 5">
+          <p:cNvPr id="5" name="Content Placeholder 4" descr="A graph of different colored columns&#10;&#10;Description automatically generated with medium confidence">
             <a:extLst>
               <a:ext uri="{FF2B5EF4-FFF2-40B4-BE49-F238E27FC236}">
-                <a16:creationId xmlns:a16="http://schemas.microsoft.com/office/drawing/2014/main" id="{8C577CE5-03EA-02FE-87B4-19C876C590B7}"/>
+                <a16:creationId xmlns:a16="http://schemas.microsoft.com/office/drawing/2014/main" id="{E895D575-09CF-53AA-69A8-2D471D1AC90C}"/>
               </a:ext>
             </a:extLst>
           </p:cNvPr>
           <p:cNvPicPr>
-            <a:picLocks noChangeAspect="1"/>
+            <a:picLocks noGrp="1" noChangeAspect="1"/>
           </p:cNvPicPr>
-          <p:nvPr/>
+          <p:nvPr>
+            <p:ph idx="1"/>
+          </p:nvPr>
         </p:nvPicPr>
         <p:blipFill>
           <a:blip r:embed="rId2"/>
@@ -9033,18 +8775,15 @@
         </p:blipFill>
         <p:spPr>
           <a:xfrm>
-            <a:off x="282543" y="88900"/>
-            <a:ext cx="7277100" cy="6769100"/>
+            <a:off x="838200" y="1855253"/>
+            <a:ext cx="6711950" cy="2680768"/>
           </a:xfrm>
-          <a:prstGeom prst="rect">
-            <a:avLst/>
-          </a:prstGeom>
         </p:spPr>
       </p:pic>
     </p:spTree>
     <p:extLst>
       <p:ext uri="{BB962C8B-B14F-4D97-AF65-F5344CB8AC3E}">
-        <p14:creationId xmlns:p14="http://schemas.microsoft.com/office/powerpoint/2010/main" val="566051795"/>
+        <p14:creationId xmlns:p14="http://schemas.microsoft.com/office/powerpoint/2010/main" val="2926121545"/>
       </p:ext>
     </p:extLst>
   </p:cSld>
@@ -9089,7 +8828,7 @@
         </p:nvSpPr>
         <p:spPr>
           <a:xfrm>
-            <a:off x="8556819" y="509778"/>
+            <a:off x="8588903" y="1972092"/>
             <a:ext cx="3420256" cy="3733764"/>
           </a:xfrm>
         </p:spPr>
@@ -9101,49 +8840,26 @@
           <a:p>
             <a:r>
               <a:rPr lang="en-US" dirty="0"/>
-              <a:t>One who doesn't have derogatory public records are doing &gt; 90% charged off</a:t>
-            </a:r>
-          </a:p>
-        </p:txBody>
-      </p:sp>
-      <p:sp>
-        <p:nvSpPr>
-          <p:cNvPr id="4" name="Content Placeholder 3">
-            <a:extLst>
-              <a:ext uri="{FF2B5EF4-FFF2-40B4-BE49-F238E27FC236}">
-                <a16:creationId xmlns:a16="http://schemas.microsoft.com/office/drawing/2014/main" id="{0DCB427B-AEC3-94A2-9F4D-3B43C74DA463}"/>
-              </a:ext>
-            </a:extLst>
-          </p:cNvPr>
-          <p:cNvSpPr>
-            <a:spLocks noGrp="1"/>
-          </p:cNvSpPr>
-          <p:nvPr>
-            <p:ph idx="1"/>
-          </p:nvPr>
-        </p:nvSpPr>
-        <p:spPr/>
-        <p:txBody>
-          <a:bodyPr/>
-          <a:lstStyle/>
-          <a:p>
-            <a:endParaRPr lang="en-US"/>
+              <a:t>WITH GRADES</a:t>
+            </a:r>
           </a:p>
         </p:txBody>
       </p:sp>
       <p:pic>
         <p:nvPicPr>
-          <p:cNvPr id="5" name="Picture 4">
+          <p:cNvPr id="6" name="Content Placeholder 5" descr="A graph of different colored lines&#10;&#10;Description automatically generated with medium confidence">
             <a:extLst>
               <a:ext uri="{FF2B5EF4-FFF2-40B4-BE49-F238E27FC236}">
-                <a16:creationId xmlns:a16="http://schemas.microsoft.com/office/drawing/2014/main" id="{02996914-045F-ECBB-2BF4-6985B0DD7BE1}"/>
+                <a16:creationId xmlns:a16="http://schemas.microsoft.com/office/drawing/2014/main" id="{176CEEF7-B114-2115-80DF-770D0B95FB51}"/>
               </a:ext>
             </a:extLst>
           </p:cNvPr>
           <p:cNvPicPr>
-            <a:picLocks noChangeAspect="1"/>
+            <a:picLocks noGrp="1" noChangeAspect="1"/>
           </p:cNvPicPr>
-          <p:nvPr/>
+          <p:nvPr>
+            <p:ph idx="1"/>
+          </p:nvPr>
         </p:nvPicPr>
         <p:blipFill>
           <a:blip r:embed="rId2"/>
@@ -9153,18 +8869,15 @@
         </p:blipFill>
         <p:spPr>
           <a:xfrm>
-            <a:off x="401054" y="509778"/>
-            <a:ext cx="7277100" cy="5524500"/>
+            <a:off x="838200" y="1774788"/>
+            <a:ext cx="6711950" cy="3931068"/>
           </a:xfrm>
-          <a:prstGeom prst="rect">
-            <a:avLst/>
-          </a:prstGeom>
         </p:spPr>
       </p:pic>
     </p:spTree>
     <p:extLst>
       <p:ext uri="{BB962C8B-B14F-4D97-AF65-F5344CB8AC3E}">
-        <p14:creationId xmlns:p14="http://schemas.microsoft.com/office/powerpoint/2010/main" val="2847350636"/>
+        <p14:creationId xmlns:p14="http://schemas.microsoft.com/office/powerpoint/2010/main" val="455428232"/>
       </p:ext>
     </p:extLst>
   </p:cSld>
@@ -9196,7 +8909,7 @@
           <p:cNvPr id="2" name="Title 1">
             <a:extLst>
               <a:ext uri="{FF2B5EF4-FFF2-40B4-BE49-F238E27FC236}">
-                <a16:creationId xmlns:a16="http://schemas.microsoft.com/office/drawing/2014/main" id="{5E28134D-6B5F-5844-284E-FAD8B9F06950}"/>
+                <a16:creationId xmlns:a16="http://schemas.microsoft.com/office/drawing/2014/main" id="{C9C5F14E-77EB-74FA-63CD-5C2D8FEC0491}"/>
               </a:ext>
             </a:extLst>
           </p:cNvPr>
@@ -9207,63 +8920,33 @@
             <p:ph type="title"/>
           </p:nvPr>
         </p:nvSpPr>
-        <p:spPr>
-          <a:xfrm>
-            <a:off x="8556819" y="509778"/>
-            <a:ext cx="3420256" cy="3733764"/>
-          </a:xfrm>
-        </p:spPr>
-        <p:txBody>
-          <a:bodyPr>
-            <a:normAutofit/>
-          </a:bodyPr>
-          <a:lstStyle/>
-          <a:p>
-            <a:r>
-              <a:rPr lang="en-US" dirty="0"/>
-              <a:t>People who have around 1-12 open accounts are doing more charged off</a:t>
-            </a:r>
-          </a:p>
-        </p:txBody>
-      </p:sp>
-      <p:sp>
-        <p:nvSpPr>
-          <p:cNvPr id="4" name="Content Placeholder 3">
-            <a:extLst>
-              <a:ext uri="{FF2B5EF4-FFF2-40B4-BE49-F238E27FC236}">
-                <a16:creationId xmlns:a16="http://schemas.microsoft.com/office/drawing/2014/main" id="{0DCB427B-AEC3-94A2-9F4D-3B43C74DA463}"/>
-              </a:ext>
-            </a:extLst>
-          </p:cNvPr>
-          <p:cNvSpPr>
-            <a:spLocks noGrp="1"/>
-          </p:cNvSpPr>
-          <p:nvPr>
-            <p:ph idx="1"/>
-          </p:nvPr>
-        </p:nvSpPr>
         <p:spPr/>
         <p:txBody>
           <a:bodyPr/>
           <a:lstStyle/>
           <a:p>
-            <a:endParaRPr lang="en-US"/>
+            <a:r>
+              <a:rPr lang="en-US" dirty="0"/>
+              <a:t>WITH TERM</a:t>
+            </a:r>
           </a:p>
         </p:txBody>
       </p:sp>
       <p:pic>
         <p:nvPicPr>
-          <p:cNvPr id="3" name="Picture 2">
+          <p:cNvPr id="6" name="Content Placeholder 5" descr="A graph of different colored bars&#10;&#10;Description automatically generated">
             <a:extLst>
               <a:ext uri="{FF2B5EF4-FFF2-40B4-BE49-F238E27FC236}">
-                <a16:creationId xmlns:a16="http://schemas.microsoft.com/office/drawing/2014/main" id="{C0DF7A9E-96DA-2E44-B4EE-DCE73B618CE2}"/>
+                <a16:creationId xmlns:a16="http://schemas.microsoft.com/office/drawing/2014/main" id="{667ED1DE-329A-95DA-62B2-9265E4730105}"/>
               </a:ext>
             </a:extLst>
           </p:cNvPr>
           <p:cNvPicPr>
-            <a:picLocks noChangeAspect="1"/>
+            <a:picLocks noGrp="1" noChangeAspect="1"/>
           </p:cNvPicPr>
-          <p:nvPr/>
+          <p:nvPr>
+            <p:ph idx="1"/>
+          </p:nvPr>
         </p:nvPicPr>
         <p:blipFill>
           <a:blip r:embed="rId2"/>
@@ -9273,18 +8956,51 @@
         </p:blipFill>
         <p:spPr>
           <a:xfrm>
-            <a:off x="838200" y="566331"/>
-            <a:ext cx="7277100" cy="5524500"/>
+            <a:off x="838200" y="1832986"/>
+            <a:ext cx="6711950" cy="3475283"/>
           </a:xfrm>
-          <a:prstGeom prst="rect">
-            <a:avLst/>
-          </a:prstGeom>
         </p:spPr>
       </p:pic>
+      <p:sp>
+        <p:nvSpPr>
+          <p:cNvPr id="4" name="Text Placeholder 3">
+            <a:extLst>
+              <a:ext uri="{FF2B5EF4-FFF2-40B4-BE49-F238E27FC236}">
+                <a16:creationId xmlns:a16="http://schemas.microsoft.com/office/drawing/2014/main" id="{EE30ACD1-E938-4E25-56FC-847A8BA5F8CB}"/>
+              </a:ext>
+            </a:extLst>
+          </p:cNvPr>
+          <p:cNvSpPr>
+            <a:spLocks noGrp="1"/>
+          </p:cNvSpPr>
+          <p:nvPr>
+            <p:ph type="body" sz="half" idx="2"/>
+          </p:nvPr>
+        </p:nvSpPr>
+        <p:spPr>
+          <a:xfrm>
+            <a:off x="8549640" y="1650670"/>
+            <a:ext cx="3200400" cy="4064330"/>
+          </a:xfrm>
+        </p:spPr>
+        <p:txBody>
+          <a:bodyPr/>
+          <a:lstStyle/>
+          <a:p>
+            <a:endParaRPr lang="en-US" dirty="0"/>
+          </a:p>
+          <a:p>
+            <a:endParaRPr lang="en-US" dirty="0"/>
+          </a:p>
+          <a:p>
+            <a:endParaRPr lang="en-US" dirty="0"/>
+          </a:p>
+        </p:txBody>
+      </p:sp>
     </p:spTree>
     <p:extLst>
       <p:ext uri="{BB962C8B-B14F-4D97-AF65-F5344CB8AC3E}">
-        <p14:creationId xmlns:p14="http://schemas.microsoft.com/office/powerpoint/2010/main" val="224774222"/>
+        <p14:creationId xmlns:p14="http://schemas.microsoft.com/office/powerpoint/2010/main" val="831091532"/>
       </p:ext>
     </p:extLst>
   </p:cSld>
@@ -9553,7 +9269,7 @@
           <p:cNvPr id="2" name="Title 1">
             <a:extLst>
               <a:ext uri="{FF2B5EF4-FFF2-40B4-BE49-F238E27FC236}">
-                <a16:creationId xmlns:a16="http://schemas.microsoft.com/office/drawing/2014/main" id="{5E28134D-6B5F-5844-284E-FAD8B9F06950}"/>
+                <a16:creationId xmlns:a16="http://schemas.microsoft.com/office/drawing/2014/main" id="{FB0C0516-DE58-4D7D-5603-8DD520C7C938}"/>
               </a:ext>
             </a:extLst>
           </p:cNvPr>
@@ -9564,94 +9280,33 @@
             <p:ph type="title"/>
           </p:nvPr>
         </p:nvSpPr>
-        <p:spPr>
-          <a:xfrm>
-            <a:off x="8556819" y="509778"/>
-            <a:ext cx="3420256" cy="3733764"/>
-          </a:xfrm>
-        </p:spPr>
-        <p:txBody>
-          <a:bodyPr>
-            <a:normAutofit fontScale="90000"/>
-          </a:bodyPr>
-          <a:lstStyle/>
-          <a:p>
-            <a:r>
-              <a:rPr lang="en-US" dirty="0"/>
-              <a:t>As </a:t>
-            </a:r>
-            <a:r>
-              <a:rPr lang="en-US" dirty="0" err="1"/>
-              <a:t>Revol</a:t>
-            </a:r>
-            <a:r>
-              <a:rPr lang="en-US" dirty="0"/>
-              <a:t> Balance increases , Charged off percent deceases </a:t>
-            </a:r>
-            <a:r>
-              <a:rPr lang="en-US" dirty="0" err="1"/>
-              <a:t>i.e</a:t>
-            </a:r>
-            <a:r>
-              <a:rPr lang="en-US" dirty="0"/>
-              <a:t> Charged off is more when rev balance is low </a:t>
-            </a:r>
-            <a:r>
-              <a:rPr lang="en-US" dirty="0" err="1"/>
-              <a:t>i.e</a:t>
-            </a:r>
-            <a:r>
-              <a:rPr lang="en-US" dirty="0"/>
-              <a:t> </a:t>
-            </a:r>
-            <a:br>
-              <a:rPr lang="en-US" dirty="0"/>
-            </a:br>
-            <a:r>
-              <a:rPr lang="en-US" dirty="0"/>
-              <a:t>in range of 0-4000 and 4000-8000</a:t>
-            </a:r>
-          </a:p>
-        </p:txBody>
-      </p:sp>
-      <p:sp>
-        <p:nvSpPr>
-          <p:cNvPr id="4" name="Content Placeholder 3">
-            <a:extLst>
-              <a:ext uri="{FF2B5EF4-FFF2-40B4-BE49-F238E27FC236}">
-                <a16:creationId xmlns:a16="http://schemas.microsoft.com/office/drawing/2014/main" id="{0DCB427B-AEC3-94A2-9F4D-3B43C74DA463}"/>
-              </a:ext>
-            </a:extLst>
-          </p:cNvPr>
-          <p:cNvSpPr>
-            <a:spLocks noGrp="1"/>
-          </p:cNvSpPr>
-          <p:nvPr>
-            <p:ph idx="1"/>
-          </p:nvPr>
-        </p:nvSpPr>
         <p:spPr/>
         <p:txBody>
           <a:bodyPr/>
           <a:lstStyle/>
           <a:p>
-            <a:endParaRPr lang="en-US" dirty="0"/>
+            <a:r>
+              <a:rPr lang="en-US" dirty="0"/>
+              <a:t>WITH ANNUAL INCOME</a:t>
+            </a:r>
           </a:p>
         </p:txBody>
       </p:sp>
       <p:pic>
         <p:nvPicPr>
-          <p:cNvPr id="6" name="Picture 5">
+          <p:cNvPr id="6" name="Content Placeholder 5" descr="A graph of multiple colored lines&#10;&#10;Description automatically generated with medium confidence">
             <a:extLst>
               <a:ext uri="{FF2B5EF4-FFF2-40B4-BE49-F238E27FC236}">
-                <a16:creationId xmlns:a16="http://schemas.microsoft.com/office/drawing/2014/main" id="{29A898C4-D36C-E88F-AD77-B34E45235B9C}"/>
+                <a16:creationId xmlns:a16="http://schemas.microsoft.com/office/drawing/2014/main" id="{48ADB0B0-8314-F6E1-FFFA-C4CFAF118E4D}"/>
               </a:ext>
             </a:extLst>
           </p:cNvPr>
           <p:cNvPicPr>
-            <a:picLocks noChangeAspect="1"/>
+            <a:picLocks noGrp="1" noChangeAspect="1"/>
           </p:cNvPicPr>
-          <p:nvPr/>
+          <p:nvPr>
+            <p:ph idx="1"/>
+          </p:nvPr>
         </p:nvPicPr>
         <p:blipFill>
           <a:blip r:embed="rId2"/>
@@ -9661,18 +9316,15 @@
         </p:blipFill>
         <p:spPr>
           <a:xfrm>
-            <a:off x="214925" y="69850"/>
-            <a:ext cx="7277100" cy="6718300"/>
+            <a:off x="838200" y="1827054"/>
+            <a:ext cx="6711950" cy="3896851"/>
           </a:xfrm>
-          <a:prstGeom prst="rect">
-            <a:avLst/>
-          </a:prstGeom>
         </p:spPr>
       </p:pic>
     </p:spTree>
     <p:extLst>
       <p:ext uri="{BB962C8B-B14F-4D97-AF65-F5344CB8AC3E}">
-        <p14:creationId xmlns:p14="http://schemas.microsoft.com/office/powerpoint/2010/main" val="2926121545"/>
+        <p14:creationId xmlns:p14="http://schemas.microsoft.com/office/powerpoint/2010/main" val="480277313"/>
       </p:ext>
     </p:extLst>
   </p:cSld>
@@ -9704,7 +9356,7 @@
           <p:cNvPr id="2" name="Title 1">
             <a:extLst>
               <a:ext uri="{FF2B5EF4-FFF2-40B4-BE49-F238E27FC236}">
-                <a16:creationId xmlns:a16="http://schemas.microsoft.com/office/drawing/2014/main" id="{5E28134D-6B5F-5844-284E-FAD8B9F06950}"/>
+                <a16:creationId xmlns:a16="http://schemas.microsoft.com/office/drawing/2014/main" id="{04C06245-4AE4-5381-27B4-82BED5BDE8D1}"/>
               </a:ext>
             </a:extLst>
           </p:cNvPr>
@@ -9715,63 +9367,33 @@
             <p:ph type="title"/>
           </p:nvPr>
         </p:nvSpPr>
-        <p:spPr>
-          <a:xfrm>
-            <a:off x="8556819" y="509778"/>
-            <a:ext cx="3420256" cy="3733764"/>
-          </a:xfrm>
-        </p:spPr>
-        <p:txBody>
-          <a:bodyPr>
-            <a:normAutofit fontScale="90000"/>
-          </a:bodyPr>
-          <a:lstStyle/>
-          <a:p>
-            <a:r>
-              <a:rPr lang="en-US" dirty="0"/>
-              <a:t>As Total Payment is increasing charged off  is decreasing . For low total payment (0-5000) charged off is more</a:t>
-            </a:r>
-          </a:p>
-        </p:txBody>
-      </p:sp>
-      <p:sp>
-        <p:nvSpPr>
-          <p:cNvPr id="4" name="Content Placeholder 3">
-            <a:extLst>
-              <a:ext uri="{FF2B5EF4-FFF2-40B4-BE49-F238E27FC236}">
-                <a16:creationId xmlns:a16="http://schemas.microsoft.com/office/drawing/2014/main" id="{0DCB427B-AEC3-94A2-9F4D-3B43C74DA463}"/>
-              </a:ext>
-            </a:extLst>
-          </p:cNvPr>
-          <p:cNvSpPr>
-            <a:spLocks noGrp="1"/>
-          </p:cNvSpPr>
-          <p:nvPr>
-            <p:ph idx="1"/>
-          </p:nvPr>
-        </p:nvSpPr>
         <p:spPr/>
         <p:txBody>
           <a:bodyPr/>
           <a:lstStyle/>
           <a:p>
-            <a:endParaRPr lang="en-US" dirty="0"/>
+            <a:r>
+              <a:rPr lang="en-US" dirty="0"/>
+              <a:t>WITH LOAN AMOUNT</a:t>
+            </a:r>
           </a:p>
         </p:txBody>
       </p:sp>
       <p:pic>
         <p:nvPicPr>
-          <p:cNvPr id="3" name="Picture 2">
+          <p:cNvPr id="6" name="Content Placeholder 5" descr="A graph of different colored lines&#10;&#10;Description automatically generated with medium confidence">
             <a:extLst>
               <a:ext uri="{FF2B5EF4-FFF2-40B4-BE49-F238E27FC236}">
-                <a16:creationId xmlns:a16="http://schemas.microsoft.com/office/drawing/2014/main" id="{06515ED0-8303-8A03-5613-330B7F392EFA}"/>
+                <a16:creationId xmlns:a16="http://schemas.microsoft.com/office/drawing/2014/main" id="{F297D3A9-0DDD-C004-7F75-3F27505B277B}"/>
               </a:ext>
             </a:extLst>
           </p:cNvPr>
           <p:cNvPicPr>
-            <a:picLocks noChangeAspect="1"/>
+            <a:picLocks noGrp="1" noChangeAspect="1"/>
           </p:cNvPicPr>
-          <p:nvPr/>
+          <p:nvPr>
+            <p:ph idx="1"/>
+          </p:nvPr>
         </p:nvPicPr>
         <p:blipFill>
           <a:blip r:embed="rId2"/>
@@ -9781,50 +9403,17 @@
         </p:blipFill>
         <p:spPr>
           <a:xfrm>
-            <a:off x="420102" y="617621"/>
-            <a:ext cx="7277100" cy="5486400"/>
+            <a:off x="838200" y="1818061"/>
+            <a:ext cx="6711950" cy="3291840"/>
           </a:xfrm>
-          <a:prstGeom prst="rect">
-            <a:avLst/>
-          </a:prstGeom>
         </p:spPr>
       </p:pic>
-    </p:spTree>
-    <p:extLst>
-      <p:ext uri="{BB962C8B-B14F-4D97-AF65-F5344CB8AC3E}">
-        <p14:creationId xmlns:p14="http://schemas.microsoft.com/office/powerpoint/2010/main" val="2976376830"/>
-      </p:ext>
-    </p:extLst>
-  </p:cSld>
-  <p:clrMapOvr>
-    <a:masterClrMapping/>
-  </p:clrMapOvr>
-</p:sld>
-</file>
-
-<file path=ppt/slides/slide22.xml><?xml version="1.0" encoding="utf-8"?>
-<p:sld xmlns:a="http://schemas.openxmlformats.org/drawingml/2006/main" xmlns:r="http://schemas.openxmlformats.org/officeDocument/2006/relationships" xmlns:p="http://schemas.openxmlformats.org/presentationml/2006/main">
-  <p:cSld>
-    <p:spTree>
-      <p:nvGrpSpPr>
-        <p:cNvPr id="1" name=""/>
-        <p:cNvGrpSpPr/>
-        <p:nvPr/>
-      </p:nvGrpSpPr>
-      <p:grpSpPr>
-        <a:xfrm>
-          <a:off x="0" y="0"/>
-          <a:ext cx="0" cy="0"/>
-          <a:chOff x="0" y="0"/>
-          <a:chExt cx="0" cy="0"/>
-        </a:xfrm>
-      </p:grpSpPr>
       <p:sp>
         <p:nvSpPr>
-          <p:cNvPr id="2" name="Title 1">
+          <p:cNvPr id="4" name="Text Placeholder 3">
             <a:extLst>
               <a:ext uri="{FF2B5EF4-FFF2-40B4-BE49-F238E27FC236}">
-                <a16:creationId xmlns:a16="http://schemas.microsoft.com/office/drawing/2014/main" id="{5E28134D-6B5F-5844-284E-FAD8B9F06950}"/>
+                <a16:creationId xmlns:a16="http://schemas.microsoft.com/office/drawing/2014/main" id="{3593FF14-B266-EE7F-DD5B-7804AAD084B2}"/>
               </a:ext>
             </a:extLst>
           </p:cNvPr>
@@ -9832,42 +9421,7 @@
             <a:spLocks noGrp="1"/>
           </p:cNvSpPr>
           <p:nvPr>
-            <p:ph type="title"/>
-          </p:nvPr>
-        </p:nvSpPr>
-        <p:spPr>
-          <a:xfrm>
-            <a:off x="8556819" y="509778"/>
-            <a:ext cx="3420256" cy="3733764"/>
-          </a:xfrm>
-        </p:spPr>
-        <p:txBody>
-          <a:bodyPr>
-            <a:normAutofit/>
-          </a:bodyPr>
-          <a:lstStyle/>
-          <a:p>
-            <a:r>
-              <a:rPr lang="en-US" dirty="0"/>
-              <a:t>People who have 0 public record bankruptcies have done the most charged off</a:t>
-            </a:r>
-          </a:p>
-        </p:txBody>
-      </p:sp>
-      <p:sp>
-        <p:nvSpPr>
-          <p:cNvPr id="4" name="Content Placeholder 3">
-            <a:extLst>
-              <a:ext uri="{FF2B5EF4-FFF2-40B4-BE49-F238E27FC236}">
-                <a16:creationId xmlns:a16="http://schemas.microsoft.com/office/drawing/2014/main" id="{0DCB427B-AEC3-94A2-9F4D-3B43C74DA463}"/>
-              </a:ext>
-            </a:extLst>
-          </p:cNvPr>
-          <p:cNvSpPr>
-            <a:spLocks noGrp="1"/>
-          </p:cNvSpPr>
-          <p:nvPr>
-            <p:ph idx="1"/>
+            <p:ph type="body" sz="half" idx="2"/>
           </p:nvPr>
         </p:nvSpPr>
         <p:spPr/>
@@ -9875,794 +9429,14 @@
           <a:bodyPr/>
           <a:lstStyle/>
           <a:p>
-            <a:endParaRPr lang="en-US" dirty="0"/>
+            <a:endParaRPr lang="en-US"/>
           </a:p>
         </p:txBody>
       </p:sp>
-      <p:pic>
-        <p:nvPicPr>
-          <p:cNvPr id="5" name="Picture 4">
-            <a:extLst>
-              <a:ext uri="{FF2B5EF4-FFF2-40B4-BE49-F238E27FC236}">
-                <a16:creationId xmlns:a16="http://schemas.microsoft.com/office/drawing/2014/main" id="{648A29AC-A869-EEDB-257F-1EF703FAE284}"/>
-              </a:ext>
-            </a:extLst>
-          </p:cNvPr>
-          <p:cNvPicPr>
-            <a:picLocks noChangeAspect="1"/>
-          </p:cNvPicPr>
-          <p:nvPr/>
-        </p:nvPicPr>
-        <p:blipFill>
-          <a:blip r:embed="rId2"/>
-          <a:stretch>
-            <a:fillRect/>
-          </a:stretch>
-        </p:blipFill>
-        <p:spPr>
-          <a:xfrm>
-            <a:off x="272796" y="452628"/>
-            <a:ext cx="7277100" cy="5486400"/>
-          </a:xfrm>
-          <a:prstGeom prst="rect">
-            <a:avLst/>
-          </a:prstGeom>
-        </p:spPr>
-      </p:pic>
     </p:spTree>
     <p:extLst>
       <p:ext uri="{BB962C8B-B14F-4D97-AF65-F5344CB8AC3E}">
-        <p14:creationId xmlns:p14="http://schemas.microsoft.com/office/powerpoint/2010/main" val="3750370422"/>
-      </p:ext>
-    </p:extLst>
-  </p:cSld>
-  <p:clrMapOvr>
-    <a:masterClrMapping/>
-  </p:clrMapOvr>
-</p:sld>
-</file>
-
-<file path=ppt/slides/slide23.xml><?xml version="1.0" encoding="utf-8"?>
-<p:sld xmlns:a="http://schemas.openxmlformats.org/drawingml/2006/main" xmlns:r="http://schemas.openxmlformats.org/officeDocument/2006/relationships" xmlns:p="http://schemas.openxmlformats.org/presentationml/2006/main">
-  <p:cSld>
-    <p:spTree>
-      <p:nvGrpSpPr>
-        <p:cNvPr id="1" name=""/>
-        <p:cNvGrpSpPr/>
-        <p:nvPr/>
-      </p:nvGrpSpPr>
-      <p:grpSpPr>
-        <a:xfrm>
-          <a:off x="0" y="0"/>
-          <a:ext cx="0" cy="0"/>
-          <a:chOff x="0" y="0"/>
-          <a:chExt cx="0" cy="0"/>
-        </a:xfrm>
-      </p:grpSpPr>
-      <p:sp>
-        <p:nvSpPr>
-          <p:cNvPr id="2" name="Title 1">
-            <a:extLst>
-              <a:ext uri="{FF2B5EF4-FFF2-40B4-BE49-F238E27FC236}">
-                <a16:creationId xmlns:a16="http://schemas.microsoft.com/office/drawing/2014/main" id="{5E28134D-6B5F-5844-284E-FAD8B9F06950}"/>
-              </a:ext>
-            </a:extLst>
-          </p:cNvPr>
-          <p:cNvSpPr>
-            <a:spLocks noGrp="1"/>
-          </p:cNvSpPr>
-          <p:nvPr>
-            <p:ph type="title"/>
-          </p:nvPr>
-        </p:nvSpPr>
-        <p:spPr>
-          <a:xfrm>
-            <a:off x="8604945" y="2466915"/>
-            <a:ext cx="3420256" cy="3733764"/>
-          </a:xfrm>
-        </p:spPr>
-        <p:txBody>
-          <a:bodyPr>
-            <a:normAutofit fontScale="90000"/>
-          </a:bodyPr>
-          <a:lstStyle/>
-          <a:p>
-            <a:r>
-              <a:rPr lang="en-US" dirty="0"/>
-              <a:t>We can observe from this that As Last payment is done close to issue date then there is more chances of charged off</a:t>
-            </a:r>
-            <a:br>
-              <a:rPr lang="en-US" dirty="0"/>
-            </a:br>
-            <a:r>
-              <a:rPr lang="en-US" dirty="0"/>
-              <a:t>Last payment date is within 2 years of issue date then there is more chances of default .</a:t>
-            </a:r>
-          </a:p>
-        </p:txBody>
-      </p:sp>
-      <p:sp>
-        <p:nvSpPr>
-          <p:cNvPr id="4" name="Content Placeholder 3">
-            <a:extLst>
-              <a:ext uri="{FF2B5EF4-FFF2-40B4-BE49-F238E27FC236}">
-                <a16:creationId xmlns:a16="http://schemas.microsoft.com/office/drawing/2014/main" id="{0DCB427B-AEC3-94A2-9F4D-3B43C74DA463}"/>
-              </a:ext>
-            </a:extLst>
-          </p:cNvPr>
-          <p:cNvSpPr>
-            <a:spLocks noGrp="1"/>
-          </p:cNvSpPr>
-          <p:nvPr>
-            <p:ph idx="1"/>
-          </p:nvPr>
-        </p:nvSpPr>
-        <p:spPr/>
-        <p:txBody>
-          <a:bodyPr/>
-          <a:lstStyle/>
-          <a:p>
-            <a:endParaRPr lang="en-US" dirty="0"/>
-          </a:p>
-        </p:txBody>
-      </p:sp>
-      <p:pic>
-        <p:nvPicPr>
-          <p:cNvPr id="3" name="Picture 2">
-            <a:extLst>
-              <a:ext uri="{FF2B5EF4-FFF2-40B4-BE49-F238E27FC236}">
-                <a16:creationId xmlns:a16="http://schemas.microsoft.com/office/drawing/2014/main" id="{2A1ADBF4-F9B6-1DA0-72FE-1EA8AB048B3D}"/>
-              </a:ext>
-            </a:extLst>
-          </p:cNvPr>
-          <p:cNvPicPr>
-            <a:picLocks noChangeAspect="1"/>
-          </p:cNvPicPr>
-          <p:nvPr/>
-        </p:nvPicPr>
-        <p:blipFill>
-          <a:blip r:embed="rId2"/>
-          <a:stretch>
-            <a:fillRect/>
-          </a:stretch>
-        </p:blipFill>
-        <p:spPr>
-          <a:xfrm rot="5400000">
-            <a:off x="1214973" y="-646515"/>
-            <a:ext cx="5958150" cy="7736237"/>
-          </a:xfrm>
-          <a:prstGeom prst="rect">
-            <a:avLst/>
-          </a:prstGeom>
-        </p:spPr>
-      </p:pic>
-    </p:spTree>
-    <p:extLst>
-      <p:ext uri="{BB962C8B-B14F-4D97-AF65-F5344CB8AC3E}">
-        <p14:creationId xmlns:p14="http://schemas.microsoft.com/office/powerpoint/2010/main" val="3024043619"/>
-      </p:ext>
-    </p:extLst>
-  </p:cSld>
-  <p:clrMapOvr>
-    <a:masterClrMapping/>
-  </p:clrMapOvr>
-</p:sld>
-</file>
-
-<file path=ppt/slides/slide24.xml><?xml version="1.0" encoding="utf-8"?>
-<p:sld xmlns:a="http://schemas.openxmlformats.org/drawingml/2006/main" xmlns:r="http://schemas.openxmlformats.org/officeDocument/2006/relationships" xmlns:p="http://schemas.openxmlformats.org/presentationml/2006/main">
-  <p:cSld>
-    <p:spTree>
-      <p:nvGrpSpPr>
-        <p:cNvPr id="1" name=""/>
-        <p:cNvGrpSpPr/>
-        <p:nvPr/>
-      </p:nvGrpSpPr>
-      <p:grpSpPr>
-        <a:xfrm>
-          <a:off x="0" y="0"/>
-          <a:ext cx="0" cy="0"/>
-          <a:chOff x="0" y="0"/>
-          <a:chExt cx="0" cy="0"/>
-        </a:xfrm>
-      </p:grpSpPr>
-      <p:sp>
-        <p:nvSpPr>
-          <p:cNvPr id="2" name="Title 1">
-            <a:extLst>
-              <a:ext uri="{FF2B5EF4-FFF2-40B4-BE49-F238E27FC236}">
-                <a16:creationId xmlns:a16="http://schemas.microsoft.com/office/drawing/2014/main" id="{5E28134D-6B5F-5844-284E-FAD8B9F06950}"/>
-              </a:ext>
-            </a:extLst>
-          </p:cNvPr>
-          <p:cNvSpPr>
-            <a:spLocks noGrp="1"/>
-          </p:cNvSpPr>
-          <p:nvPr>
-            <p:ph type="title"/>
-          </p:nvPr>
-        </p:nvSpPr>
-        <p:spPr>
-          <a:xfrm>
-            <a:off x="8604945" y="2466915"/>
-            <a:ext cx="3420256" cy="3733764"/>
-          </a:xfrm>
-        </p:spPr>
-        <p:txBody>
-          <a:bodyPr>
-            <a:normAutofit fontScale="90000"/>
-          </a:bodyPr>
-          <a:lstStyle/>
-          <a:p>
-            <a:r>
-              <a:rPr lang="en-US" dirty="0"/>
-              <a:t>As the number of months since the borrower's last delinquency increases the charged off percent decreases . So, If borrower's has done delinquency recently then charged off chance is more .</a:t>
-            </a:r>
-          </a:p>
-        </p:txBody>
-      </p:sp>
-      <p:sp>
-        <p:nvSpPr>
-          <p:cNvPr id="4" name="Content Placeholder 3">
-            <a:extLst>
-              <a:ext uri="{FF2B5EF4-FFF2-40B4-BE49-F238E27FC236}">
-                <a16:creationId xmlns:a16="http://schemas.microsoft.com/office/drawing/2014/main" id="{0DCB427B-AEC3-94A2-9F4D-3B43C74DA463}"/>
-              </a:ext>
-            </a:extLst>
-          </p:cNvPr>
-          <p:cNvSpPr>
-            <a:spLocks noGrp="1"/>
-          </p:cNvSpPr>
-          <p:nvPr>
-            <p:ph idx="1"/>
-          </p:nvPr>
-        </p:nvSpPr>
-        <p:spPr/>
-        <p:txBody>
-          <a:bodyPr/>
-          <a:lstStyle/>
-          <a:p>
-            <a:endParaRPr lang="en-US" dirty="0"/>
-          </a:p>
-        </p:txBody>
-      </p:sp>
-      <p:pic>
-        <p:nvPicPr>
-          <p:cNvPr id="5" name="Picture 4">
-            <a:extLst>
-              <a:ext uri="{FF2B5EF4-FFF2-40B4-BE49-F238E27FC236}">
-                <a16:creationId xmlns:a16="http://schemas.microsoft.com/office/drawing/2014/main" id="{F7C5A3B6-F647-978D-59AF-F0834896F8BA}"/>
-              </a:ext>
-            </a:extLst>
-          </p:cNvPr>
-          <p:cNvPicPr>
-            <a:picLocks noChangeAspect="1"/>
-          </p:cNvPicPr>
-          <p:nvPr/>
-        </p:nvPicPr>
-        <p:blipFill>
-          <a:blip r:embed="rId2"/>
-          <a:stretch>
-            <a:fillRect/>
-          </a:stretch>
-        </p:blipFill>
-        <p:spPr>
-          <a:xfrm>
-            <a:off x="800321" y="393700"/>
-            <a:ext cx="7277100" cy="6070600"/>
-          </a:xfrm>
-          <a:prstGeom prst="rect">
-            <a:avLst/>
-          </a:prstGeom>
-        </p:spPr>
-      </p:pic>
-    </p:spTree>
-    <p:extLst>
-      <p:ext uri="{BB962C8B-B14F-4D97-AF65-F5344CB8AC3E}">
-        <p14:creationId xmlns:p14="http://schemas.microsoft.com/office/powerpoint/2010/main" val="259479881"/>
-      </p:ext>
-    </p:extLst>
-  </p:cSld>
-  <p:clrMapOvr>
-    <a:masterClrMapping/>
-  </p:clrMapOvr>
-</p:sld>
-</file>
-
-<file path=ppt/slides/slide25.xml><?xml version="1.0" encoding="utf-8"?>
-<p:sld xmlns:a="http://schemas.openxmlformats.org/drawingml/2006/main" xmlns:r="http://schemas.openxmlformats.org/officeDocument/2006/relationships" xmlns:p="http://schemas.openxmlformats.org/presentationml/2006/main">
-  <p:cSld>
-    <p:spTree>
-      <p:nvGrpSpPr>
-        <p:cNvPr id="1" name=""/>
-        <p:cNvGrpSpPr/>
-        <p:nvPr/>
-      </p:nvGrpSpPr>
-      <p:grpSpPr>
-        <a:xfrm>
-          <a:off x="0" y="0"/>
-          <a:ext cx="0" cy="0"/>
-          <a:chOff x="0" y="0"/>
-          <a:chExt cx="0" cy="0"/>
-        </a:xfrm>
-      </p:grpSpPr>
-      <p:sp>
-        <p:nvSpPr>
-          <p:cNvPr id="2" name="Title 1">
-            <a:extLst>
-              <a:ext uri="{FF2B5EF4-FFF2-40B4-BE49-F238E27FC236}">
-                <a16:creationId xmlns:a16="http://schemas.microsoft.com/office/drawing/2014/main" id="{5E28134D-6B5F-5844-284E-FAD8B9F06950}"/>
-              </a:ext>
-            </a:extLst>
-          </p:cNvPr>
-          <p:cNvSpPr>
-            <a:spLocks noGrp="1"/>
-          </p:cNvSpPr>
-          <p:nvPr>
-            <p:ph type="title"/>
-          </p:nvPr>
-        </p:nvSpPr>
-        <p:spPr>
-          <a:xfrm>
-            <a:off x="8604945" y="1215631"/>
-            <a:ext cx="3420256" cy="3733764"/>
-          </a:xfrm>
-        </p:spPr>
-        <p:txBody>
-          <a:bodyPr>
-            <a:normAutofit fontScale="90000"/>
-          </a:bodyPr>
-          <a:lstStyle/>
-          <a:p>
-            <a:r>
-              <a:rPr lang="en-US" dirty="0"/>
-              <a:t>As recoveries decreases charged off percent decreases . Recoveries in range of (0, 100 ) has the max charged off .</a:t>
-            </a:r>
-          </a:p>
-        </p:txBody>
-      </p:sp>
-      <p:sp>
-        <p:nvSpPr>
-          <p:cNvPr id="4" name="Content Placeholder 3">
-            <a:extLst>
-              <a:ext uri="{FF2B5EF4-FFF2-40B4-BE49-F238E27FC236}">
-                <a16:creationId xmlns:a16="http://schemas.microsoft.com/office/drawing/2014/main" id="{0DCB427B-AEC3-94A2-9F4D-3B43C74DA463}"/>
-              </a:ext>
-            </a:extLst>
-          </p:cNvPr>
-          <p:cNvSpPr>
-            <a:spLocks noGrp="1"/>
-          </p:cNvSpPr>
-          <p:nvPr>
-            <p:ph idx="1"/>
-          </p:nvPr>
-        </p:nvSpPr>
-        <p:spPr/>
-        <p:txBody>
-          <a:bodyPr/>
-          <a:lstStyle/>
-          <a:p>
-            <a:endParaRPr lang="en-US" dirty="0"/>
-          </a:p>
-        </p:txBody>
-      </p:sp>
-      <p:pic>
-        <p:nvPicPr>
-          <p:cNvPr id="3" name="Picture 2">
-            <a:extLst>
-              <a:ext uri="{FF2B5EF4-FFF2-40B4-BE49-F238E27FC236}">
-                <a16:creationId xmlns:a16="http://schemas.microsoft.com/office/drawing/2014/main" id="{936267C9-9971-55E9-BE1C-63B25D4A4204}"/>
-              </a:ext>
-            </a:extLst>
-          </p:cNvPr>
-          <p:cNvPicPr>
-            <a:picLocks noChangeAspect="1"/>
-          </p:cNvPicPr>
-          <p:nvPr/>
-        </p:nvPicPr>
-        <p:blipFill>
-          <a:blip r:embed="rId2"/>
-          <a:stretch>
-            <a:fillRect/>
-          </a:stretch>
-        </p:blipFill>
-        <p:spPr>
-          <a:xfrm>
-            <a:off x="555498" y="139700"/>
-            <a:ext cx="7277100" cy="6578600"/>
-          </a:xfrm>
-          <a:prstGeom prst="rect">
-            <a:avLst/>
-          </a:prstGeom>
-        </p:spPr>
-      </p:pic>
-    </p:spTree>
-    <p:extLst>
-      <p:ext uri="{BB962C8B-B14F-4D97-AF65-F5344CB8AC3E}">
-        <p14:creationId xmlns:p14="http://schemas.microsoft.com/office/powerpoint/2010/main" val="2988843931"/>
-      </p:ext>
-    </p:extLst>
-  </p:cSld>
-  <p:clrMapOvr>
-    <a:masterClrMapping/>
-  </p:clrMapOvr>
-</p:sld>
-</file>
-
-<file path=ppt/slides/slide26.xml><?xml version="1.0" encoding="utf-8"?>
-<p:sld xmlns:a="http://schemas.openxmlformats.org/drawingml/2006/main" xmlns:r="http://schemas.openxmlformats.org/officeDocument/2006/relationships" xmlns:p="http://schemas.openxmlformats.org/presentationml/2006/main">
-  <p:cSld>
-    <p:spTree>
-      <p:nvGrpSpPr>
-        <p:cNvPr id="1" name=""/>
-        <p:cNvGrpSpPr/>
-        <p:nvPr/>
-      </p:nvGrpSpPr>
-      <p:grpSpPr>
-        <a:xfrm>
-          <a:off x="0" y="0"/>
-          <a:ext cx="0" cy="0"/>
-          <a:chOff x="0" y="0"/>
-          <a:chExt cx="0" cy="0"/>
-        </a:xfrm>
-      </p:grpSpPr>
-      <p:sp>
-        <p:nvSpPr>
-          <p:cNvPr id="2" name="Title 1">
-            <a:extLst>
-              <a:ext uri="{FF2B5EF4-FFF2-40B4-BE49-F238E27FC236}">
-                <a16:creationId xmlns:a16="http://schemas.microsoft.com/office/drawing/2014/main" id="{5E28134D-6B5F-5844-284E-FAD8B9F06950}"/>
-              </a:ext>
-            </a:extLst>
-          </p:cNvPr>
-          <p:cNvSpPr>
-            <a:spLocks noGrp="1"/>
-          </p:cNvSpPr>
-          <p:nvPr>
-            <p:ph type="title"/>
-          </p:nvPr>
-        </p:nvSpPr>
-        <p:spPr>
-          <a:xfrm>
-            <a:off x="8604945" y="1215631"/>
-            <a:ext cx="3420256" cy="3733764"/>
-          </a:xfrm>
-        </p:spPr>
-        <p:txBody>
-          <a:bodyPr>
-            <a:normAutofit/>
-          </a:bodyPr>
-          <a:lstStyle/>
-          <a:p>
-            <a:r>
-              <a:rPr lang="en-US" dirty="0"/>
-              <a:t>In 2016 last credit pull date year charged off is maximum . Will find out patterns in month</a:t>
-            </a:r>
-          </a:p>
-        </p:txBody>
-      </p:sp>
-      <p:sp>
-        <p:nvSpPr>
-          <p:cNvPr id="4" name="Content Placeholder 3">
-            <a:extLst>
-              <a:ext uri="{FF2B5EF4-FFF2-40B4-BE49-F238E27FC236}">
-                <a16:creationId xmlns:a16="http://schemas.microsoft.com/office/drawing/2014/main" id="{0DCB427B-AEC3-94A2-9F4D-3B43C74DA463}"/>
-              </a:ext>
-            </a:extLst>
-          </p:cNvPr>
-          <p:cNvSpPr>
-            <a:spLocks noGrp="1"/>
-          </p:cNvSpPr>
-          <p:nvPr>
-            <p:ph idx="1"/>
-          </p:nvPr>
-        </p:nvSpPr>
-        <p:spPr/>
-        <p:txBody>
-          <a:bodyPr/>
-          <a:lstStyle/>
-          <a:p>
-            <a:endParaRPr lang="en-US" dirty="0"/>
-          </a:p>
-        </p:txBody>
-      </p:sp>
-      <p:pic>
-        <p:nvPicPr>
-          <p:cNvPr id="5" name="Picture 4">
-            <a:extLst>
-              <a:ext uri="{FF2B5EF4-FFF2-40B4-BE49-F238E27FC236}">
-                <a16:creationId xmlns:a16="http://schemas.microsoft.com/office/drawing/2014/main" id="{71E8757E-6F44-9BF3-08FB-59BA6F31AF88}"/>
-              </a:ext>
-            </a:extLst>
-          </p:cNvPr>
-          <p:cNvPicPr>
-            <a:picLocks noChangeAspect="1"/>
-          </p:cNvPicPr>
-          <p:nvPr/>
-        </p:nvPicPr>
-        <p:blipFill>
-          <a:blip r:embed="rId2"/>
-          <a:stretch>
-            <a:fillRect/>
-          </a:stretch>
-        </p:blipFill>
-        <p:spPr>
-          <a:xfrm>
-            <a:off x="631698" y="444500"/>
-            <a:ext cx="7124700" cy="5969000"/>
-          </a:xfrm>
-          <a:prstGeom prst="rect">
-            <a:avLst/>
-          </a:prstGeom>
-        </p:spPr>
-      </p:pic>
-    </p:spTree>
-    <p:extLst>
-      <p:ext uri="{BB962C8B-B14F-4D97-AF65-F5344CB8AC3E}">
-        <p14:creationId xmlns:p14="http://schemas.microsoft.com/office/powerpoint/2010/main" val="2420173072"/>
-      </p:ext>
-    </p:extLst>
-  </p:cSld>
-  <p:clrMapOvr>
-    <a:masterClrMapping/>
-  </p:clrMapOvr>
-</p:sld>
-</file>
-
-<file path=ppt/slides/slide27.xml><?xml version="1.0" encoding="utf-8"?>
-<p:sld xmlns:a="http://schemas.openxmlformats.org/drawingml/2006/main" xmlns:r="http://schemas.openxmlformats.org/officeDocument/2006/relationships" xmlns:p="http://schemas.openxmlformats.org/presentationml/2006/main">
-  <p:cSld>
-    <p:spTree>
-      <p:nvGrpSpPr>
-        <p:cNvPr id="1" name=""/>
-        <p:cNvGrpSpPr/>
-        <p:nvPr/>
-      </p:nvGrpSpPr>
-      <p:grpSpPr>
-        <a:xfrm>
-          <a:off x="0" y="0"/>
-          <a:ext cx="0" cy="0"/>
-          <a:chOff x="0" y="0"/>
-          <a:chExt cx="0" cy="0"/>
-        </a:xfrm>
-      </p:grpSpPr>
-      <p:sp>
-        <p:nvSpPr>
-          <p:cNvPr id="2" name="Title 1">
-            <a:extLst>
-              <a:ext uri="{FF2B5EF4-FFF2-40B4-BE49-F238E27FC236}">
-                <a16:creationId xmlns:a16="http://schemas.microsoft.com/office/drawing/2014/main" id="{5E28134D-6B5F-5844-284E-FAD8B9F06950}"/>
-              </a:ext>
-            </a:extLst>
-          </p:cNvPr>
-          <p:cNvSpPr>
-            <a:spLocks noGrp="1"/>
-          </p:cNvSpPr>
-          <p:nvPr>
-            <p:ph type="title"/>
-          </p:nvPr>
-        </p:nvSpPr>
-        <p:spPr>
-          <a:xfrm>
-            <a:off x="8604945" y="1215631"/>
-            <a:ext cx="3420256" cy="3733764"/>
-          </a:xfrm>
-        </p:spPr>
-        <p:txBody>
-          <a:bodyPr>
-            <a:normAutofit/>
-          </a:bodyPr>
-          <a:lstStyle/>
-          <a:p>
-            <a:r>
-              <a:rPr lang="en-US" dirty="0"/>
-              <a:t>In Month 5 </a:t>
-            </a:r>
-            <a:r>
-              <a:rPr lang="en-US" dirty="0" err="1"/>
-              <a:t>i.e</a:t>
-            </a:r>
-            <a:r>
-              <a:rPr lang="en-US" dirty="0"/>
-              <a:t> May </a:t>
-            </a:r>
-            <a:r>
-              <a:rPr lang="en-US" dirty="0" err="1"/>
-              <a:t>last_credit_pull_date</a:t>
-            </a:r>
-            <a:r>
-              <a:rPr lang="en-US" dirty="0"/>
-              <a:t> maximum charged off</a:t>
-            </a:r>
-          </a:p>
-        </p:txBody>
-      </p:sp>
-      <p:sp>
-        <p:nvSpPr>
-          <p:cNvPr id="4" name="Content Placeholder 3">
-            <a:extLst>
-              <a:ext uri="{FF2B5EF4-FFF2-40B4-BE49-F238E27FC236}">
-                <a16:creationId xmlns:a16="http://schemas.microsoft.com/office/drawing/2014/main" id="{0DCB427B-AEC3-94A2-9F4D-3B43C74DA463}"/>
-              </a:ext>
-            </a:extLst>
-          </p:cNvPr>
-          <p:cNvSpPr>
-            <a:spLocks noGrp="1"/>
-          </p:cNvSpPr>
-          <p:nvPr>
-            <p:ph idx="1"/>
-          </p:nvPr>
-        </p:nvSpPr>
-        <p:spPr/>
-        <p:txBody>
-          <a:bodyPr/>
-          <a:lstStyle/>
-          <a:p>
-            <a:endParaRPr lang="en-US" dirty="0"/>
-          </a:p>
-        </p:txBody>
-      </p:sp>
-      <p:pic>
-        <p:nvPicPr>
-          <p:cNvPr id="3" name="Picture 2">
-            <a:extLst>
-              <a:ext uri="{FF2B5EF4-FFF2-40B4-BE49-F238E27FC236}">
-                <a16:creationId xmlns:a16="http://schemas.microsoft.com/office/drawing/2014/main" id="{4B886B6A-D42C-5C19-19E2-B5BDDA92E07E}"/>
-              </a:ext>
-            </a:extLst>
-          </p:cNvPr>
-          <p:cNvPicPr>
-            <a:picLocks noChangeAspect="1"/>
-          </p:cNvPicPr>
-          <p:nvPr/>
-        </p:nvPicPr>
-        <p:blipFill>
-          <a:blip r:embed="rId2"/>
-          <a:stretch>
-            <a:fillRect/>
-          </a:stretch>
-        </p:blipFill>
-        <p:spPr>
-          <a:xfrm>
-            <a:off x="631698" y="331978"/>
-            <a:ext cx="7124700" cy="5727700"/>
-          </a:xfrm>
-          <a:prstGeom prst="rect">
-            <a:avLst/>
-          </a:prstGeom>
-        </p:spPr>
-      </p:pic>
-    </p:spTree>
-    <p:extLst>
-      <p:ext uri="{BB962C8B-B14F-4D97-AF65-F5344CB8AC3E}">
-        <p14:creationId xmlns:p14="http://schemas.microsoft.com/office/powerpoint/2010/main" val="964013599"/>
-      </p:ext>
-    </p:extLst>
-  </p:cSld>
-  <p:clrMapOvr>
-    <a:masterClrMapping/>
-  </p:clrMapOvr>
-</p:sld>
-</file>
-
-<file path=ppt/slides/slide28.xml><?xml version="1.0" encoding="utf-8"?>
-<p:sld xmlns:a="http://schemas.openxmlformats.org/drawingml/2006/main" xmlns:r="http://schemas.openxmlformats.org/officeDocument/2006/relationships" xmlns:p="http://schemas.openxmlformats.org/presentationml/2006/main">
-  <p:cSld>
-    <p:spTree>
-      <p:nvGrpSpPr>
-        <p:cNvPr id="1" name=""/>
-        <p:cNvGrpSpPr/>
-        <p:nvPr/>
-      </p:nvGrpSpPr>
-      <p:grpSpPr>
-        <a:xfrm>
-          <a:off x="0" y="0"/>
-          <a:ext cx="0" cy="0"/>
-          <a:chOff x="0" y="0"/>
-          <a:chExt cx="0" cy="0"/>
-        </a:xfrm>
-      </p:grpSpPr>
-      <p:sp>
-        <p:nvSpPr>
-          <p:cNvPr id="2" name="Title 1">
-            <a:extLst>
-              <a:ext uri="{FF2B5EF4-FFF2-40B4-BE49-F238E27FC236}">
-                <a16:creationId xmlns:a16="http://schemas.microsoft.com/office/drawing/2014/main" id="{5E28134D-6B5F-5844-284E-FAD8B9F06950}"/>
-              </a:ext>
-            </a:extLst>
-          </p:cNvPr>
-          <p:cNvSpPr>
-            <a:spLocks noGrp="1"/>
-          </p:cNvSpPr>
-          <p:nvPr>
-            <p:ph type="title"/>
-          </p:nvPr>
-        </p:nvSpPr>
-        <p:spPr>
-          <a:xfrm>
-            <a:off x="8588903" y="1972092"/>
-            <a:ext cx="3420256" cy="3733764"/>
-          </a:xfrm>
-        </p:spPr>
-        <p:txBody>
-          <a:bodyPr>
-            <a:normAutofit fontScale="90000"/>
-          </a:bodyPr>
-          <a:lstStyle/>
-          <a:p>
-            <a:r>
-              <a:rPr lang="en-US" dirty="0"/>
-              <a:t>As last payment amount increases charged off percent decreases.</a:t>
-            </a:r>
-            <a:br>
-              <a:rPr lang="en-US" dirty="0"/>
-            </a:br>
-            <a:r>
-              <a:rPr lang="en-US" dirty="0"/>
-              <a:t>Last Payment Amount &lt;200 means very high chances of charged off . &lt;400 chances of charged off is high</a:t>
-            </a:r>
-          </a:p>
-        </p:txBody>
-      </p:sp>
-      <p:sp>
-        <p:nvSpPr>
-          <p:cNvPr id="4" name="Content Placeholder 3">
-            <a:extLst>
-              <a:ext uri="{FF2B5EF4-FFF2-40B4-BE49-F238E27FC236}">
-                <a16:creationId xmlns:a16="http://schemas.microsoft.com/office/drawing/2014/main" id="{0DCB427B-AEC3-94A2-9F4D-3B43C74DA463}"/>
-              </a:ext>
-            </a:extLst>
-          </p:cNvPr>
-          <p:cNvSpPr>
-            <a:spLocks noGrp="1"/>
-          </p:cNvSpPr>
-          <p:nvPr>
-            <p:ph idx="1"/>
-          </p:nvPr>
-        </p:nvSpPr>
-        <p:spPr/>
-        <p:txBody>
-          <a:bodyPr/>
-          <a:lstStyle/>
-          <a:p>
-            <a:endParaRPr lang="en-US" dirty="0"/>
-          </a:p>
-        </p:txBody>
-      </p:sp>
-      <p:pic>
-        <p:nvPicPr>
-          <p:cNvPr id="5" name="Picture 4">
-            <a:extLst>
-              <a:ext uri="{FF2B5EF4-FFF2-40B4-BE49-F238E27FC236}">
-                <a16:creationId xmlns:a16="http://schemas.microsoft.com/office/drawing/2014/main" id="{76C392AC-B917-4EA4-978D-AB1E9BFF39B6}"/>
-              </a:ext>
-            </a:extLst>
-          </p:cNvPr>
-          <p:cNvPicPr>
-            <a:picLocks noChangeAspect="1"/>
-          </p:cNvPicPr>
-          <p:nvPr/>
-        </p:nvPicPr>
-        <p:blipFill>
-          <a:blip r:embed="rId2"/>
-          <a:stretch>
-            <a:fillRect/>
-          </a:stretch>
-        </p:blipFill>
-        <p:spPr>
-          <a:xfrm>
-            <a:off x="816222" y="374650"/>
-            <a:ext cx="7124700" cy="6108700"/>
-          </a:xfrm>
-          <a:prstGeom prst="rect">
-            <a:avLst/>
-          </a:prstGeom>
-        </p:spPr>
-      </p:pic>
-    </p:spTree>
-    <p:extLst>
-      <p:ext uri="{BB962C8B-B14F-4D97-AF65-F5344CB8AC3E}">
-        <p14:creationId xmlns:p14="http://schemas.microsoft.com/office/powerpoint/2010/main" val="455428232"/>
+        <p14:creationId xmlns:p14="http://schemas.microsoft.com/office/powerpoint/2010/main" val="4010036628"/>
       </p:ext>
     </p:extLst>
   </p:cSld>
@@ -10879,8 +9653,8 @@
         </p:nvSpPr>
         <p:spPr>
           <a:xfrm>
-            <a:off x="8631836" y="918652"/>
-            <a:ext cx="3420256" cy="3733764"/>
+            <a:off x="8631836" y="-570017"/>
+            <a:ext cx="3420256" cy="6887689"/>
           </a:xfrm>
         </p:spPr>
         <p:txBody>
@@ -10891,17 +9665,24 @@
           <a:p>
             <a:r>
               <a:rPr lang="en-US" dirty="0"/>
-              <a:t>Members in grade B are the ones who charged off the most, followed by Grade c and D</a:t>
+              <a:t>GRADES :</a:t>
+            </a:r>
+            <a:br>
+              <a:rPr lang="en-US" dirty="0"/>
+            </a:br>
+            <a:r>
+              <a:rPr lang="en-US" dirty="0"/>
+              <a:t>as Grades Going from A to G , Charged Off Increases.  GRADE G ARE MORE DEFAULTING. GRADES CATEGORIES Loan based on SAFE level to LEND . A Level being SAFER . G LEVEL WORST </a:t>
             </a:r>
           </a:p>
         </p:txBody>
       </p:sp>
       <p:pic>
         <p:nvPicPr>
-          <p:cNvPr id="5" name="Content Placeholder 4">
+          <p:cNvPr id="7" name="Content Placeholder 6" descr="A graph of different colored bars&#10;&#10;Description automatically generated">
             <a:extLst>
               <a:ext uri="{FF2B5EF4-FFF2-40B4-BE49-F238E27FC236}">
-                <a16:creationId xmlns:a16="http://schemas.microsoft.com/office/drawing/2014/main" id="{C9810604-1F47-BCA3-A2C3-F5FA21DB33EB}"/>
+                <a16:creationId xmlns:a16="http://schemas.microsoft.com/office/drawing/2014/main" id="{700AD209-25CA-2D30-1DB0-90FB5B281069}"/>
               </a:ext>
             </a:extLst>
           </p:cNvPr>
@@ -10920,12 +9701,9 @@
         </p:blipFill>
         <p:spPr>
           <a:xfrm>
-            <a:off x="838200" y="768750"/>
-            <a:ext cx="6711950" cy="4853775"/>
+            <a:off x="838200" y="1229154"/>
+            <a:ext cx="6711950" cy="3932967"/>
           </a:xfrm>
-          <a:prstGeom prst="rect">
-            <a:avLst/>
-          </a:prstGeom>
         </p:spPr>
       </p:pic>
     </p:spTree>
@@ -10988,49 +9766,26 @@
           <a:p>
             <a:r>
               <a:rPr lang="en-US" dirty="0"/>
-              <a:t>Members with Sub-grade B5 are the ones who charged off the most, followed by sub-Grade b3, c1,b4, c2</a:t>
-            </a:r>
-          </a:p>
-        </p:txBody>
-      </p:sp>
-      <p:sp>
-        <p:nvSpPr>
-          <p:cNvPr id="4" name="Content Placeholder 3">
-            <a:extLst>
-              <a:ext uri="{FF2B5EF4-FFF2-40B4-BE49-F238E27FC236}">
-                <a16:creationId xmlns:a16="http://schemas.microsoft.com/office/drawing/2014/main" id="{0DCB427B-AEC3-94A2-9F4D-3B43C74DA463}"/>
-              </a:ext>
-            </a:extLst>
-          </p:cNvPr>
-          <p:cNvSpPr>
-            <a:spLocks noGrp="1"/>
-          </p:cNvSpPr>
-          <p:nvPr>
-            <p:ph idx="1"/>
-          </p:nvPr>
-        </p:nvSpPr>
-        <p:spPr/>
-        <p:txBody>
-          <a:bodyPr/>
-          <a:lstStyle/>
-          <a:p>
-            <a:endParaRPr lang="en-US"/>
+              <a:t>SUBGRADES : Plots Showing How Subgrades within EACH Grades Varies</a:t>
+            </a:r>
           </a:p>
         </p:txBody>
       </p:sp>
       <p:pic>
         <p:nvPicPr>
-          <p:cNvPr id="6" name="Picture 5">
+          <p:cNvPr id="5" name="Content Placeholder 4" descr="A graph of different colored bars&#10;&#10;Description automatically generated">
             <a:extLst>
               <a:ext uri="{FF2B5EF4-FFF2-40B4-BE49-F238E27FC236}">
-                <a16:creationId xmlns:a16="http://schemas.microsoft.com/office/drawing/2014/main" id="{35F0D728-65DE-9985-6FD2-2A486CF53E1B}"/>
+                <a16:creationId xmlns:a16="http://schemas.microsoft.com/office/drawing/2014/main" id="{1F68EC87-2499-C7B4-7013-560878094DD4}"/>
               </a:ext>
             </a:extLst>
           </p:cNvPr>
           <p:cNvPicPr>
-            <a:picLocks noChangeAspect="1"/>
+            <a:picLocks noGrp="1" noChangeAspect="1"/>
           </p:cNvPicPr>
-          <p:nvPr/>
+          <p:nvPr>
+            <p:ph idx="1"/>
+          </p:nvPr>
         </p:nvPicPr>
         <p:blipFill>
           <a:blip r:embed="rId2"/>
@@ -11040,12 +9795,9 @@
         </p:blipFill>
         <p:spPr>
           <a:xfrm>
-            <a:off x="500921" y="427146"/>
-            <a:ext cx="7772400" cy="5537363"/>
+            <a:off x="838200" y="1092530"/>
+            <a:ext cx="6711950" cy="3859480"/>
           </a:xfrm>
-          <a:prstGeom prst="rect">
-            <a:avLst/>
-          </a:prstGeom>
         </p:spPr>
       </p:pic>
     </p:spTree>
@@ -11102,55 +9854,42 @@
         </p:spPr>
         <p:txBody>
           <a:bodyPr>
-            <a:normAutofit/>
+            <a:normAutofit fontScale="90000"/>
           </a:bodyPr>
           <a:lstStyle/>
           <a:p>
-            <a:r>
+            <a:br>
               <a:rPr lang="en-US" dirty="0"/>
-              <a:t>People who thought to repay loan by 36 months defaulted more than the ones who took it for 60 months. </a:t>
-            </a:r>
-          </a:p>
-        </p:txBody>
-      </p:sp>
-      <p:sp>
-        <p:nvSpPr>
-          <p:cNvPr id="4" name="Content Placeholder 3">
-            <a:extLst>
-              <a:ext uri="{FF2B5EF4-FFF2-40B4-BE49-F238E27FC236}">
-                <a16:creationId xmlns:a16="http://schemas.microsoft.com/office/drawing/2014/main" id="{0DCB427B-AEC3-94A2-9F4D-3B43C74DA463}"/>
-              </a:ext>
-            </a:extLst>
-          </p:cNvPr>
-          <p:cNvSpPr>
-            <a:spLocks noGrp="1"/>
-          </p:cNvSpPr>
-          <p:nvPr>
-            <p:ph idx="1"/>
-          </p:nvPr>
-        </p:nvSpPr>
-        <p:spPr/>
-        <p:txBody>
-          <a:bodyPr/>
-          <a:lstStyle/>
-          <a:p>
-            <a:endParaRPr lang="en-US"/>
+            </a:br>
+            <a:r>
+              <a:rPr lang="en-US" dirty="0"/>
+              <a:t>TERM : </a:t>
+            </a:r>
+            <a:br>
+              <a:rPr lang="en-US" dirty="0"/>
+            </a:br>
+            <a:r>
+              <a:rPr lang="en-US" dirty="0"/>
+              <a:t>People who WHO repay loan by 60 months defaulted more than the ones who took it for 36 months. </a:t>
+            </a:r>
           </a:p>
         </p:txBody>
       </p:sp>
       <p:pic>
         <p:nvPicPr>
-          <p:cNvPr id="3" name="Picture 2">
+          <p:cNvPr id="7" name="Content Placeholder 6" descr="A graph of a bar chart&#10;&#10;Description automatically generated with medium confidence">
             <a:extLst>
               <a:ext uri="{FF2B5EF4-FFF2-40B4-BE49-F238E27FC236}">
-                <a16:creationId xmlns:a16="http://schemas.microsoft.com/office/drawing/2014/main" id="{3DBE07EF-6ACB-9A9B-5926-613B01785C1F}"/>
+                <a16:creationId xmlns:a16="http://schemas.microsoft.com/office/drawing/2014/main" id="{38DEF7C6-647A-E3E3-F353-A00B1066DA23}"/>
               </a:ext>
             </a:extLst>
           </p:cNvPr>
           <p:cNvPicPr>
-            <a:picLocks noChangeAspect="1"/>
+            <a:picLocks noGrp="1" noChangeAspect="1"/>
           </p:cNvPicPr>
-          <p:nvPr/>
+          <p:nvPr>
+            <p:ph idx="1"/>
+          </p:nvPr>
         </p:nvPicPr>
         <p:blipFill>
           <a:blip r:embed="rId2"/>
@@ -11160,49 +9899,11 @@
         </p:blipFill>
         <p:spPr>
           <a:xfrm>
-            <a:off x="485931" y="496716"/>
-            <a:ext cx="7772400" cy="5675484"/>
+            <a:off x="838200" y="807522"/>
+            <a:ext cx="6711950" cy="5047573"/>
           </a:xfrm>
-          <a:prstGeom prst="rect">
-            <a:avLst/>
-          </a:prstGeom>
         </p:spPr>
       </p:pic>
-      <p:sp>
-        <p:nvSpPr>
-          <p:cNvPr id="5" name="TextBox 4">
-            <a:extLst>
-              <a:ext uri="{FF2B5EF4-FFF2-40B4-BE49-F238E27FC236}">
-                <a16:creationId xmlns:a16="http://schemas.microsoft.com/office/drawing/2014/main" id="{F9D8EC37-0652-4CB8-D329-4FAB280EF4D1}"/>
-              </a:ext>
-            </a:extLst>
-          </p:cNvPr>
-          <p:cNvSpPr txBox="1"/>
-          <p:nvPr/>
-        </p:nvSpPr>
-        <p:spPr>
-          <a:xfrm>
-            <a:off x="8610600" y="4931765"/>
-            <a:ext cx="3066738" cy="923330"/>
-          </a:xfrm>
-          <a:prstGeom prst="rect">
-            <a:avLst/>
-          </a:prstGeom>
-          <a:noFill/>
-        </p:spPr>
-        <p:txBody>
-          <a:bodyPr wrap="square" rtlCol="0">
-            <a:spAutoFit/>
-          </a:bodyPr>
-          <a:lstStyle/>
-          <a:p>
-            <a:r>
-              <a:rPr lang="en-US" dirty="0"/>
-              <a:t>A bank may consider to increase tenure to reduce the defaults</a:t>
-            </a:r>
-          </a:p>
-        </p:txBody>
-      </p:sp>
     </p:spTree>
     <p:extLst>
       <p:ext uri="{BB962C8B-B14F-4D97-AF65-F5344CB8AC3E}">
@@ -11263,84 +9964,33 @@
           <a:p>
             <a:r>
               <a:rPr lang="en-US" dirty="0"/>
-              <a:t>People who were on rent seems to have defaulted the most while those who owned home were comparatively less in %</a:t>
-            </a:r>
-          </a:p>
-        </p:txBody>
-      </p:sp>
-      <p:sp>
-        <p:nvSpPr>
-          <p:cNvPr id="4" name="Content Placeholder 3">
-            <a:extLst>
-              <a:ext uri="{FF2B5EF4-FFF2-40B4-BE49-F238E27FC236}">
-                <a16:creationId xmlns:a16="http://schemas.microsoft.com/office/drawing/2014/main" id="{0DCB427B-AEC3-94A2-9F4D-3B43C74DA463}"/>
-              </a:ext>
-            </a:extLst>
-          </p:cNvPr>
-          <p:cNvSpPr>
-            <a:spLocks noGrp="1"/>
-          </p:cNvSpPr>
-          <p:nvPr>
-            <p:ph idx="1"/>
-          </p:nvPr>
-        </p:nvSpPr>
-        <p:spPr/>
-        <p:txBody>
-          <a:bodyPr/>
-          <a:lstStyle/>
-          <a:p>
-            <a:endParaRPr lang="en-US"/>
-          </a:p>
-        </p:txBody>
-      </p:sp>
-      <p:sp>
-        <p:nvSpPr>
-          <p:cNvPr id="5" name="TextBox 4">
-            <a:extLst>
-              <a:ext uri="{FF2B5EF4-FFF2-40B4-BE49-F238E27FC236}">
-                <a16:creationId xmlns:a16="http://schemas.microsoft.com/office/drawing/2014/main" id="{F9D8EC37-0652-4CB8-D329-4FAB280EF4D1}"/>
-              </a:ext>
-            </a:extLst>
-          </p:cNvPr>
-          <p:cNvSpPr txBox="1"/>
-          <p:nvPr/>
-        </p:nvSpPr>
-        <p:spPr>
-          <a:xfrm>
-            <a:off x="8610600" y="4931765"/>
-            <a:ext cx="3066738" cy="923330"/>
-          </a:xfrm>
-          <a:prstGeom prst="rect">
-            <a:avLst/>
-          </a:prstGeom>
-          <a:noFill/>
-        </p:spPr>
-        <p:txBody>
-          <a:bodyPr wrap="square" rtlCol="0">
-            <a:spAutoFit/>
-          </a:bodyPr>
-          <a:lstStyle/>
-          <a:p>
-            <a:r>
+              <a:t>PURPOSE :</a:t>
+            </a:r>
+            <a:br>
               <a:rPr lang="en-US" dirty="0"/>
-              <a:t>A bank may consider home owning candidates over the ones living on rent </a:t>
+            </a:br>
+            <a:r>
+              <a:rPr lang="en-US" dirty="0"/>
+              <a:t>People Who Do Small Business Defaults More . Banks Should validate people of SUCH Business More and Decide Accordingly</a:t>
             </a:r>
           </a:p>
         </p:txBody>
       </p:sp>
       <p:pic>
         <p:nvPicPr>
-          <p:cNvPr id="6" name="Picture 5">
+          <p:cNvPr id="7" name="Content Placeholder 6" descr="A graph with different colored bars&#10;&#10;Description automatically generated">
             <a:extLst>
               <a:ext uri="{FF2B5EF4-FFF2-40B4-BE49-F238E27FC236}">
-                <a16:creationId xmlns:a16="http://schemas.microsoft.com/office/drawing/2014/main" id="{99339BBE-ABEA-838E-FB49-866811B6AB11}"/>
+                <a16:creationId xmlns:a16="http://schemas.microsoft.com/office/drawing/2014/main" id="{79D17BE7-3DA1-23D7-5213-18AC6AD95C7A}"/>
               </a:ext>
             </a:extLst>
           </p:cNvPr>
           <p:cNvPicPr>
-            <a:picLocks noChangeAspect="1"/>
+            <a:picLocks noGrp="1" noChangeAspect="1"/>
           </p:cNvPicPr>
-          <p:nvPr/>
+          <p:nvPr>
+            <p:ph idx="1"/>
+          </p:nvPr>
         </p:nvPicPr>
         <p:blipFill>
           <a:blip r:embed="rId2"/>
@@ -11350,12 +10000,9 @@
         </p:blipFill>
         <p:spPr>
           <a:xfrm>
-            <a:off x="318466" y="378436"/>
-            <a:ext cx="7772400" cy="6340972"/>
+            <a:off x="838200" y="558140"/>
+            <a:ext cx="6711950" cy="4607626"/>
           </a:xfrm>
-          <a:prstGeom prst="rect">
-            <a:avLst/>
-          </a:prstGeom>
         </p:spPr>
       </p:pic>
     </p:spTree>
@@ -11418,84 +10065,37 @@
           <a:p>
             <a:r>
               <a:rPr lang="en-US" dirty="0"/>
-              <a:t>Loan seekers, whose purpose was det consolidation defaulted to the max</a:t>
-            </a:r>
-          </a:p>
-        </p:txBody>
-      </p:sp>
-      <p:sp>
-        <p:nvSpPr>
-          <p:cNvPr id="4" name="Content Placeholder 3">
-            <a:extLst>
-              <a:ext uri="{FF2B5EF4-FFF2-40B4-BE49-F238E27FC236}">
-                <a16:creationId xmlns:a16="http://schemas.microsoft.com/office/drawing/2014/main" id="{0DCB427B-AEC3-94A2-9F4D-3B43C74DA463}"/>
-              </a:ext>
-            </a:extLst>
-          </p:cNvPr>
-          <p:cNvSpPr>
-            <a:spLocks noGrp="1"/>
-          </p:cNvSpPr>
-          <p:nvPr>
-            <p:ph idx="1"/>
-          </p:nvPr>
-        </p:nvSpPr>
-        <p:spPr/>
-        <p:txBody>
-          <a:bodyPr/>
-          <a:lstStyle/>
-          <a:p>
-            <a:endParaRPr lang="en-US"/>
-          </a:p>
-        </p:txBody>
-      </p:sp>
-      <p:sp>
-        <p:nvSpPr>
-          <p:cNvPr id="5" name="TextBox 4">
-            <a:extLst>
-              <a:ext uri="{FF2B5EF4-FFF2-40B4-BE49-F238E27FC236}">
-                <a16:creationId xmlns:a16="http://schemas.microsoft.com/office/drawing/2014/main" id="{F9D8EC37-0652-4CB8-D329-4FAB280EF4D1}"/>
-              </a:ext>
-            </a:extLst>
-          </p:cNvPr>
-          <p:cNvSpPr txBox="1"/>
-          <p:nvPr/>
-        </p:nvSpPr>
-        <p:spPr>
-          <a:xfrm>
-            <a:off x="8610600" y="4931765"/>
-            <a:ext cx="3066738" cy="1477328"/>
-          </a:xfrm>
-          <a:prstGeom prst="rect">
-            <a:avLst/>
-          </a:prstGeom>
-          <a:noFill/>
-        </p:spPr>
-        <p:txBody>
-          <a:bodyPr wrap="square" rtlCol="0">
-            <a:spAutoFit/>
-          </a:bodyPr>
-          <a:lstStyle/>
-          <a:p>
-            <a:r>
+              <a:t>STATE : </a:t>
+            </a:r>
+            <a:br>
               <a:rPr lang="en-US" dirty="0"/>
-              <a:t>A bank should be very cautious while considering the  applicants who intend to take loan for debt consolidation</a:t>
+            </a:br>
+            <a:r>
+              <a:rPr lang="en-US" dirty="0" err="1"/>
+              <a:t>ApplicaNT</a:t>
+            </a:r>
+            <a:r>
+              <a:rPr lang="en-US" dirty="0"/>
+              <a:t> from ‘NE’ State Are Defaulting More.</a:t>
             </a:r>
           </a:p>
         </p:txBody>
       </p:sp>
       <p:pic>
         <p:nvPicPr>
-          <p:cNvPr id="3" name="Picture 2">
+          <p:cNvPr id="7" name="Content Placeholder 6" descr="A graph of different colored bars&#10;&#10;Description automatically generated">
             <a:extLst>
               <a:ext uri="{FF2B5EF4-FFF2-40B4-BE49-F238E27FC236}">
-                <a16:creationId xmlns:a16="http://schemas.microsoft.com/office/drawing/2014/main" id="{0F23F7B5-7A52-9740-E7AB-F84692877D86}"/>
+                <a16:creationId xmlns:a16="http://schemas.microsoft.com/office/drawing/2014/main" id="{DE48EE28-D61E-9EC9-EE57-A0D88E036816}"/>
               </a:ext>
             </a:extLst>
           </p:cNvPr>
           <p:cNvPicPr>
-            <a:picLocks noChangeAspect="1"/>
+            <a:picLocks noGrp="1" noChangeAspect="1"/>
           </p:cNvPicPr>
-          <p:nvPr/>
+          <p:nvPr>
+            <p:ph idx="1"/>
+          </p:nvPr>
         </p:nvPicPr>
         <p:blipFill>
           <a:blip r:embed="rId2"/>
@@ -11505,18 +10105,15 @@
         </p:blipFill>
         <p:spPr>
           <a:xfrm>
-            <a:off x="389515" y="0"/>
-            <a:ext cx="7160381" cy="6858000"/>
+            <a:off x="838200" y="1252728"/>
+            <a:ext cx="6711950" cy="4050792"/>
           </a:xfrm>
-          <a:prstGeom prst="rect">
-            <a:avLst/>
-          </a:prstGeom>
         </p:spPr>
       </p:pic>
     </p:spTree>
     <p:extLst>
       <p:ext uri="{BB962C8B-B14F-4D97-AF65-F5344CB8AC3E}">
-        <p14:creationId xmlns:p14="http://schemas.microsoft.com/office/powerpoint/2010/main" val="1686610633"/>
+        <p14:creationId xmlns:p14="http://schemas.microsoft.com/office/powerpoint/2010/main" val="3061500286"/>
       </p:ext>
     </p:extLst>
   </p:cSld>

--- a/LendingClubCaseStudy.pptx
+++ b/LendingClubCaseStudy.pptx
@@ -20,12 +20,13 @@
     <p:sldId id="269" r:id="rId14"/>
     <p:sldId id="270" r:id="rId15"/>
     <p:sldId id="271" r:id="rId16"/>
-    <p:sldId id="272" r:id="rId17"/>
-    <p:sldId id="274" r:id="rId18"/>
-    <p:sldId id="282" r:id="rId19"/>
-    <p:sldId id="285" r:id="rId20"/>
-    <p:sldId id="286" r:id="rId21"/>
-    <p:sldId id="287" r:id="rId22"/>
+    <p:sldId id="288" r:id="rId17"/>
+    <p:sldId id="272" r:id="rId18"/>
+    <p:sldId id="274" r:id="rId19"/>
+    <p:sldId id="282" r:id="rId20"/>
+    <p:sldId id="285" r:id="rId21"/>
+    <p:sldId id="286" r:id="rId22"/>
+    <p:sldId id="287" r:id="rId23"/>
   </p:sldIdLst>
   <p:sldSz cx="12192000" cy="6858000"/>
   <p:notesSz cx="6858000" cy="9144000"/>
@@ -901,7 +902,9 @@
         <a:lstStyle/>
         <a:p>
           <a:r>
-            <a:rPr lang="en-GB" dirty="0"/>
+            <a:rPr lang="en-GB" dirty="0">
+              <a:latin typeface="American Typewriter" panose="02090604020004020304" pitchFamily="18" charset="77"/>
+            </a:rPr>
             <a:t>Data Understanding</a:t>
           </a:r>
         </a:p>
@@ -937,14 +940,20 @@
         <a:lstStyle/>
         <a:p>
           <a:r>
-            <a:rPr lang="en-GB" dirty="0"/>
+            <a:rPr lang="en-GB" dirty="0">
+              <a:latin typeface="American Typewriter" panose="02090604020004020304" pitchFamily="18" charset="77"/>
+            </a:rPr>
             <a:t>Using given dictionary and excel understand data in </a:t>
           </a:r>
           <a:r>
-            <a:rPr lang="en-GB" dirty="0" err="1"/>
+            <a:rPr lang="en-GB" dirty="0" err="1">
+              <a:latin typeface="American Typewriter" panose="02090604020004020304" pitchFamily="18" charset="77"/>
+            </a:rPr>
             <a:t>loan.csv</a:t>
           </a:r>
-          <a:endParaRPr lang="en-GB" dirty="0"/>
+          <a:endParaRPr lang="en-GB" dirty="0">
+            <a:latin typeface="American Typewriter" panose="02090604020004020304" pitchFamily="18" charset="77"/>
+          </a:endParaRPr>
         </a:p>
       </dgm:t>
     </dgm:pt>
@@ -978,7 +987,9 @@
         <a:lstStyle/>
         <a:p>
           <a:r>
-            <a:rPr lang="en-GB" dirty="0"/>
+            <a:rPr lang="en-GB" dirty="0">
+              <a:latin typeface="American Typewriter" panose="02090604020004020304" pitchFamily="18" charset="77"/>
+            </a:rPr>
             <a:t>Data Cleaning</a:t>
           </a:r>
         </a:p>
@@ -1007,22 +1018,70 @@
       </dgm:t>
     </dgm:pt>
     <dgm:pt modelId="{19119E97-0306-8E47-8B01-49A75A7F97D9}">
-      <dgm:prSet phldrT="[Text]"/>
+      <dgm:prSet phldrT="[Text]" custT="1"/>
       <dgm:spPr/>
       <dgm:t>
         <a:bodyPr/>
         <a:lstStyle/>
         <a:p>
+          <a:pPr marL="171450" lvl="1" indent="-171450" algn="l" defTabSz="844550">
+            <a:lnSpc>
+              <a:spcPct val="90000"/>
+            </a:lnSpc>
+            <a:spcBef>
+              <a:spcPct val="0"/>
+            </a:spcBef>
+            <a:spcAft>
+              <a:spcPct val="15000"/>
+            </a:spcAft>
+            <a:buChar char="•"/>
+          </a:pPr>
           <a:r>
-            <a:rPr lang="en-GB" dirty="0"/>
+            <a:rPr lang="en-GB" sz="1900" kern="1200" dirty="0">
+              <a:solidFill>
+                <a:prstClr val="black">
+                  <a:hueOff val="0"/>
+                  <a:satOff val="0"/>
+                  <a:lumOff val="0"/>
+                  <a:alphaOff val="0"/>
+                </a:prstClr>
+              </a:solidFill>
+              <a:latin typeface="American Typewriter" panose="02090604020004020304" pitchFamily="18" charset="77"/>
+              <a:ea typeface="+mn-ea"/>
+              <a:cs typeface="+mn-cs"/>
+            </a:rPr>
             <a:t>Based on understanding, using </a:t>
           </a:r>
           <a:r>
-            <a:rPr lang="en-GB" dirty="0" err="1"/>
+            <a:rPr lang="en-GB" sz="1900" kern="1200" dirty="0" err="1">
+              <a:solidFill>
+                <a:prstClr val="black">
+                  <a:hueOff val="0"/>
+                  <a:satOff val="0"/>
+                  <a:lumOff val="0"/>
+                  <a:alphaOff val="0"/>
+                </a:prstClr>
+              </a:solidFill>
+              <a:latin typeface="American Typewriter" panose="02090604020004020304" pitchFamily="18" charset="77"/>
+              <a:ea typeface="+mn-ea"/>
+              <a:cs typeface="+mn-cs"/>
+            </a:rPr>
             <a:t>klib</a:t>
           </a:r>
           <a:r>
-            <a:rPr lang="en-GB" dirty="0"/>
+            <a:rPr lang="en-GB" sz="1900" kern="1200" dirty="0">
+              <a:solidFill>
+                <a:prstClr val="black">
+                  <a:hueOff val="0"/>
+                  <a:satOff val="0"/>
+                  <a:lumOff val="0"/>
+                  <a:alphaOff val="0"/>
+                </a:prstClr>
+              </a:solidFill>
+              <a:latin typeface="American Typewriter" panose="02090604020004020304" pitchFamily="18" charset="77"/>
+              <a:ea typeface="+mn-ea"/>
+              <a:cs typeface="+mn-cs"/>
+            </a:rPr>
             <a:t> library or pandas performing cleaning operation</a:t>
           </a:r>
         </a:p>
@@ -1058,7 +1117,9 @@
         <a:lstStyle/>
         <a:p>
           <a:r>
-            <a:rPr lang="en-GB" dirty="0"/>
+            <a:rPr lang="en-GB" dirty="0">
+              <a:latin typeface="American Typewriter" panose="02090604020004020304" pitchFamily="18" charset="77"/>
+            </a:rPr>
             <a:t>Data Interpretation</a:t>
           </a:r>
         </a:p>
@@ -1087,14 +1148,26 @@
       </dgm:t>
     </dgm:pt>
     <dgm:pt modelId="{7CEF5C6B-F9EC-5F42-A78B-4B713618802C}">
-      <dgm:prSet phldrT="[Text]"/>
+      <dgm:prSet phldrT="[Text]" custT="1"/>
       <dgm:spPr/>
       <dgm:t>
         <a:bodyPr/>
         <a:lstStyle/>
         <a:p>
           <a:r>
-            <a:rPr lang="en-GB" dirty="0"/>
+            <a:rPr lang="en-GB" sz="1900" kern="1200" dirty="0">
+              <a:solidFill>
+                <a:prstClr val="black">
+                  <a:hueOff val="0"/>
+                  <a:satOff val="0"/>
+                  <a:lumOff val="0"/>
+                  <a:alphaOff val="0"/>
+                </a:prstClr>
+              </a:solidFill>
+              <a:latin typeface="American Typewriter" panose="02090604020004020304" pitchFamily="18" charset="77"/>
+              <a:ea typeface="+mn-ea"/>
+              <a:cs typeface="+mn-cs"/>
+            </a:rPr>
             <a:t>With the cleaned data plot graphs to mention the observations</a:t>
           </a:r>
         </a:p>
@@ -1185,7 +1258,7 @@
       <dgm:spPr/>
     </dgm:pt>
     <dgm:pt modelId="{CB48A112-564A-474D-9470-B44834AC9A30}" type="pres">
-      <dgm:prSet presAssocID="{B3EE89E4-23F1-C24F-856A-826ED7776BF6}" presName="desTx" presStyleLbl="fgAcc1" presStyleIdx="1" presStyleCnt="3">
+      <dgm:prSet presAssocID="{B3EE89E4-23F1-C24F-856A-826ED7776BF6}" presName="desTx" presStyleLbl="fgAcc1" presStyleIdx="1" presStyleCnt="3" custScaleX="110924">
         <dgm:presLayoutVars>
           <dgm:bulletEnabled val="1"/>
         </dgm:presLayoutVars>
@@ -1290,8 +1363,8 @@
       </dsp:nvSpPr>
       <dsp:spPr>
         <a:xfrm>
-          <a:off x="5002" y="430186"/>
-          <a:ext cx="2274632" cy="1092789"/>
+          <a:off x="6689" y="506937"/>
+          <a:ext cx="2246097" cy="1182486"/>
         </a:xfrm>
         <a:prstGeom prst="roundRect">
           <a:avLst>
@@ -1334,12 +1407,12 @@
         </a:fontRef>
       </dsp:style>
       <dsp:txBody>
-        <a:bodyPr spcFirstLastPara="0" vert="horz" wrap="square" lIns="135128" tIns="135128" rIns="135128" bIns="72390" numCol="1" spcCol="1270" anchor="t" anchorCtr="0">
+        <a:bodyPr spcFirstLastPara="0" vert="horz" wrap="square" lIns="149352" tIns="149352" rIns="149352" bIns="80010" numCol="1" spcCol="1270" anchor="t" anchorCtr="0">
           <a:noAutofit/>
         </a:bodyPr>
         <a:lstStyle/>
         <a:p>
-          <a:pPr marL="0" lvl="0" indent="0" algn="l" defTabSz="844550">
+          <a:pPr marL="0" lvl="0" indent="0" algn="l" defTabSz="933450">
             <a:lnSpc>
               <a:spcPct val="90000"/>
             </a:lnSpc>
@@ -1352,14 +1425,16 @@
             <a:buNone/>
           </a:pPr>
           <a:r>
-            <a:rPr lang="en-GB" sz="1900" kern="1200" dirty="0"/>
+            <a:rPr lang="en-GB" sz="2100" kern="1200" dirty="0">
+              <a:latin typeface="American Typewriter" panose="02090604020004020304" pitchFamily="18" charset="77"/>
+            </a:rPr>
             <a:t>Data Understanding</a:t>
           </a:r>
         </a:p>
       </dsp:txBody>
       <dsp:txXfrm>
-        <a:off x="5002" y="430186"/>
-        <a:ext cx="2274632" cy="728526"/>
+        <a:off x="6689" y="506937"/>
+        <a:ext cx="2246097" cy="788324"/>
       </dsp:txXfrm>
     </dsp:sp>
     <dsp:sp modelId="{17DFF97F-18A5-8F42-B3A6-D43BCFC8E29A}">
@@ -1369,8 +1444,248 @@
       </dsp:nvSpPr>
       <dsp:spPr>
         <a:xfrm>
-          <a:off x="470891" y="1158713"/>
-          <a:ext cx="2274632" cy="2462400"/>
+          <a:off x="466733" y="1295262"/>
+          <a:ext cx="2246097" cy="2249100"/>
+        </a:xfrm>
+        <a:prstGeom prst="roundRect">
+          <a:avLst>
+            <a:gd name="adj" fmla="val 10000"/>
+          </a:avLst>
+        </a:prstGeom>
+        <a:solidFill>
+          <a:schemeClr val="lt1">
+            <a:alpha val="90000"/>
+            <a:hueOff val="0"/>
+            <a:satOff val="0"/>
+            <a:lumOff val="0"/>
+            <a:alphaOff val="0"/>
+          </a:schemeClr>
+        </a:solidFill>
+        <a:ln w="12700" cap="flat" cmpd="sng" algn="ctr">
+          <a:solidFill>
+            <a:schemeClr val="accent1">
+              <a:hueOff val="0"/>
+              <a:satOff val="0"/>
+              <a:lumOff val="0"/>
+              <a:alphaOff val="0"/>
+            </a:schemeClr>
+          </a:solidFill>
+          <a:prstDash val="solid"/>
+        </a:ln>
+        <a:effectLst/>
+      </dsp:spPr>
+      <dsp:style>
+        <a:lnRef idx="2">
+          <a:scrgbClr r="0" g="0" b="0"/>
+        </a:lnRef>
+        <a:fillRef idx="1">
+          <a:scrgbClr r="0" g="0" b="0"/>
+        </a:fillRef>
+        <a:effectRef idx="0">
+          <a:scrgbClr r="0" g="0" b="0"/>
+        </a:effectRef>
+        <a:fontRef idx="minor"/>
+      </dsp:style>
+      <dsp:txBody>
+        <a:bodyPr spcFirstLastPara="0" vert="horz" wrap="square" lIns="149352" tIns="149352" rIns="149352" bIns="149352" numCol="1" spcCol="1270" anchor="t" anchorCtr="0">
+          <a:noAutofit/>
+        </a:bodyPr>
+        <a:lstStyle/>
+        <a:p>
+          <a:pPr marL="228600" lvl="1" indent="-228600" algn="l" defTabSz="933450">
+            <a:lnSpc>
+              <a:spcPct val="90000"/>
+            </a:lnSpc>
+            <a:spcBef>
+              <a:spcPct val="0"/>
+            </a:spcBef>
+            <a:spcAft>
+              <a:spcPct val="15000"/>
+            </a:spcAft>
+            <a:buChar char="•"/>
+          </a:pPr>
+          <a:r>
+            <a:rPr lang="en-GB" sz="2100" kern="1200" dirty="0">
+              <a:latin typeface="American Typewriter" panose="02090604020004020304" pitchFamily="18" charset="77"/>
+            </a:rPr>
+            <a:t>Using given dictionary and excel understand data in </a:t>
+          </a:r>
+          <a:r>
+            <a:rPr lang="en-GB" sz="2100" kern="1200" dirty="0" err="1">
+              <a:latin typeface="American Typewriter" panose="02090604020004020304" pitchFamily="18" charset="77"/>
+            </a:rPr>
+            <a:t>loan.csv</a:t>
+          </a:r>
+          <a:endParaRPr lang="en-GB" sz="2100" kern="1200" dirty="0">
+            <a:latin typeface="American Typewriter" panose="02090604020004020304" pitchFamily="18" charset="77"/>
+          </a:endParaRPr>
+        </a:p>
+      </dsp:txBody>
+      <dsp:txXfrm>
+        <a:off x="532519" y="1361048"/>
+        <a:ext cx="2114525" cy="2117528"/>
+      </dsp:txXfrm>
+    </dsp:sp>
+    <dsp:sp modelId="{51576D48-C32E-E249-B872-94B44B2B0550}">
+      <dsp:nvSpPr>
+        <dsp:cNvPr id="0" name=""/>
+        <dsp:cNvSpPr/>
+      </dsp:nvSpPr>
+      <dsp:spPr>
+        <a:xfrm>
+          <a:off x="2593287" y="621493"/>
+          <a:ext cx="721860" cy="559213"/>
+        </a:xfrm>
+        <a:prstGeom prst="rightArrow">
+          <a:avLst>
+            <a:gd name="adj1" fmla="val 60000"/>
+            <a:gd name="adj2" fmla="val 50000"/>
+          </a:avLst>
+        </a:prstGeom>
+        <a:solidFill>
+          <a:schemeClr val="accent1">
+            <a:tint val="60000"/>
+            <a:hueOff val="0"/>
+            <a:satOff val="0"/>
+            <a:lumOff val="0"/>
+            <a:alphaOff val="0"/>
+          </a:schemeClr>
+        </a:solidFill>
+        <a:ln>
+          <a:noFill/>
+        </a:ln>
+        <a:effectLst/>
+      </dsp:spPr>
+      <dsp:style>
+        <a:lnRef idx="0">
+          <a:scrgbClr r="0" g="0" b="0"/>
+        </a:lnRef>
+        <a:fillRef idx="1">
+          <a:scrgbClr r="0" g="0" b="0"/>
+        </a:fillRef>
+        <a:effectRef idx="0">
+          <a:scrgbClr r="0" g="0" b="0"/>
+        </a:effectRef>
+        <a:fontRef idx="minor">
+          <a:schemeClr val="lt1"/>
+        </a:fontRef>
+      </dsp:style>
+      <dsp:txBody>
+        <a:bodyPr spcFirstLastPara="0" vert="horz" wrap="square" lIns="0" tIns="0" rIns="0" bIns="0" numCol="1" spcCol="1270" anchor="ctr" anchorCtr="0">
+          <a:noAutofit/>
+        </a:bodyPr>
+        <a:lstStyle/>
+        <a:p>
+          <a:pPr marL="0" lvl="0" indent="0" algn="ctr" defTabSz="755650">
+            <a:lnSpc>
+              <a:spcPct val="90000"/>
+            </a:lnSpc>
+            <a:spcBef>
+              <a:spcPct val="0"/>
+            </a:spcBef>
+            <a:spcAft>
+              <a:spcPct val="35000"/>
+            </a:spcAft>
+            <a:buNone/>
+          </a:pPr>
+          <a:endParaRPr lang="en-GB" sz="1700" kern="1200"/>
+        </a:p>
+      </dsp:txBody>
+      <dsp:txXfrm>
+        <a:off x="2593287" y="733336"/>
+        <a:ext cx="554096" cy="335527"/>
+      </dsp:txXfrm>
+    </dsp:sp>
+    <dsp:sp modelId="{31285CEB-07F1-AC44-B334-000DB7F6840A}">
+      <dsp:nvSpPr>
+        <dsp:cNvPr id="0" name=""/>
+        <dsp:cNvSpPr/>
+      </dsp:nvSpPr>
+      <dsp:spPr>
+        <a:xfrm>
+          <a:off x="3614788" y="506937"/>
+          <a:ext cx="2246097" cy="1182486"/>
+        </a:xfrm>
+        <a:prstGeom prst="roundRect">
+          <a:avLst>
+            <a:gd name="adj" fmla="val 10000"/>
+          </a:avLst>
+        </a:prstGeom>
+        <a:solidFill>
+          <a:schemeClr val="accent1">
+            <a:hueOff val="0"/>
+            <a:satOff val="0"/>
+            <a:lumOff val="0"/>
+            <a:alphaOff val="0"/>
+          </a:schemeClr>
+        </a:solidFill>
+        <a:ln w="12700" cap="flat" cmpd="sng" algn="ctr">
+          <a:solidFill>
+            <a:schemeClr val="lt1">
+              <a:hueOff val="0"/>
+              <a:satOff val="0"/>
+              <a:lumOff val="0"/>
+              <a:alphaOff val="0"/>
+            </a:schemeClr>
+          </a:solidFill>
+          <a:prstDash val="solid"/>
+        </a:ln>
+        <a:effectLst/>
+      </dsp:spPr>
+      <dsp:style>
+        <a:lnRef idx="2">
+          <a:scrgbClr r="0" g="0" b="0"/>
+        </a:lnRef>
+        <a:fillRef idx="1">
+          <a:scrgbClr r="0" g="0" b="0"/>
+        </a:fillRef>
+        <a:effectRef idx="0">
+          <a:scrgbClr r="0" g="0" b="0"/>
+        </a:effectRef>
+        <a:fontRef idx="minor">
+          <a:schemeClr val="lt1"/>
+        </a:fontRef>
+      </dsp:style>
+      <dsp:txBody>
+        <a:bodyPr spcFirstLastPara="0" vert="horz" wrap="square" lIns="149352" tIns="149352" rIns="149352" bIns="80010" numCol="1" spcCol="1270" anchor="t" anchorCtr="0">
+          <a:noAutofit/>
+        </a:bodyPr>
+        <a:lstStyle/>
+        <a:p>
+          <a:pPr marL="0" lvl="0" indent="0" algn="l" defTabSz="933450">
+            <a:lnSpc>
+              <a:spcPct val="90000"/>
+            </a:lnSpc>
+            <a:spcBef>
+              <a:spcPct val="0"/>
+            </a:spcBef>
+            <a:spcAft>
+              <a:spcPct val="35000"/>
+            </a:spcAft>
+            <a:buNone/>
+          </a:pPr>
+          <a:r>
+            <a:rPr lang="en-GB" sz="2100" kern="1200" dirty="0">
+              <a:latin typeface="American Typewriter" panose="02090604020004020304" pitchFamily="18" charset="77"/>
+            </a:rPr>
+            <a:t>Data Cleaning</a:t>
+          </a:r>
+        </a:p>
+      </dsp:txBody>
+      <dsp:txXfrm>
+        <a:off x="3614788" y="506937"/>
+        <a:ext cx="2246097" cy="788324"/>
+      </dsp:txXfrm>
+    </dsp:sp>
+    <dsp:sp modelId="{CB48A112-564A-474D-9470-B44834AC9A30}">
+      <dsp:nvSpPr>
+        <dsp:cNvPr id="0" name=""/>
+        <dsp:cNvSpPr/>
+      </dsp:nvSpPr>
+      <dsp:spPr>
+        <a:xfrm>
+          <a:off x="3952150" y="1295262"/>
+          <a:ext cx="2491461" cy="2249100"/>
         </a:xfrm>
         <a:prstGeom prst="roundRect">
           <a:avLst>
@@ -1430,30 +1745,69 @@
             <a:buChar char="•"/>
           </a:pPr>
           <a:r>
-            <a:rPr lang="en-GB" sz="1900" kern="1200" dirty="0"/>
-            <a:t>Using given dictionary and excel understand data in </a:t>
+            <a:rPr lang="en-GB" sz="1900" kern="1200" dirty="0">
+              <a:solidFill>
+                <a:prstClr val="black">
+                  <a:hueOff val="0"/>
+                  <a:satOff val="0"/>
+                  <a:lumOff val="0"/>
+                  <a:alphaOff val="0"/>
+                </a:prstClr>
+              </a:solidFill>
+              <a:latin typeface="American Typewriter" panose="02090604020004020304" pitchFamily="18" charset="77"/>
+              <a:ea typeface="+mn-ea"/>
+              <a:cs typeface="+mn-cs"/>
+            </a:rPr>
+            <a:t>Based on understanding, using </a:t>
           </a:r>
           <a:r>
-            <a:rPr lang="en-GB" sz="1900" kern="1200" dirty="0" err="1"/>
-            <a:t>loan.csv</a:t>
+            <a:rPr lang="en-GB" sz="1900" kern="1200" dirty="0" err="1">
+              <a:solidFill>
+                <a:prstClr val="black">
+                  <a:hueOff val="0"/>
+                  <a:satOff val="0"/>
+                  <a:lumOff val="0"/>
+                  <a:alphaOff val="0"/>
+                </a:prstClr>
+              </a:solidFill>
+              <a:latin typeface="American Typewriter" panose="02090604020004020304" pitchFamily="18" charset="77"/>
+              <a:ea typeface="+mn-ea"/>
+              <a:cs typeface="+mn-cs"/>
+            </a:rPr>
+            <a:t>klib</a:t>
           </a:r>
-          <a:endParaRPr lang="en-GB" sz="1900" kern="1200" dirty="0"/>
+          <a:r>
+            <a:rPr lang="en-GB" sz="1900" kern="1200" dirty="0">
+              <a:solidFill>
+                <a:prstClr val="black">
+                  <a:hueOff val="0"/>
+                  <a:satOff val="0"/>
+                  <a:lumOff val="0"/>
+                  <a:alphaOff val="0"/>
+                </a:prstClr>
+              </a:solidFill>
+              <a:latin typeface="American Typewriter" panose="02090604020004020304" pitchFamily="18" charset="77"/>
+              <a:ea typeface="+mn-ea"/>
+              <a:cs typeface="+mn-cs"/>
+            </a:rPr>
+            <a:t> library or pandas performing cleaning operation</a:t>
+          </a:r>
         </a:p>
       </dsp:txBody>
       <dsp:txXfrm>
-        <a:off x="537513" y="1225335"/>
-        <a:ext cx="2141388" cy="2329156"/>
+        <a:off x="4018024" y="1361136"/>
+        <a:ext cx="2359713" cy="2117352"/>
       </dsp:txXfrm>
     </dsp:sp>
-    <dsp:sp modelId="{51576D48-C32E-E249-B872-94B44B2B0550}">
+    <dsp:sp modelId="{612E0E29-30C9-DE44-A45B-699928D062FC}">
       <dsp:nvSpPr>
         <dsp:cNvPr id="0" name=""/>
         <dsp:cNvSpPr/>
       </dsp:nvSpPr>
       <dsp:spPr>
         <a:xfrm>
-          <a:off x="2624461" y="511291"/>
-          <a:ext cx="731031" cy="566317"/>
+          <a:off x="6232056" y="621493"/>
+          <a:ext cx="786882" cy="559213"/>
         </a:xfrm>
         <a:prstGeom prst="rightArrow">
           <a:avLst>
@@ -1495,7 +1849,7 @@
         </a:bodyPr>
         <a:lstStyle/>
         <a:p>
-          <a:pPr marL="0" lvl="0" indent="0" algn="ctr" defTabSz="666750">
+          <a:pPr marL="0" lvl="0" indent="0" algn="ctr" defTabSz="755650">
             <a:lnSpc>
               <a:spcPct val="90000"/>
             </a:lnSpc>
@@ -1507,23 +1861,23 @@
             </a:spcAft>
             <a:buNone/>
           </a:pPr>
-          <a:endParaRPr lang="en-GB" sz="1500" kern="1200"/>
+          <a:endParaRPr lang="en-GB" sz="1700" kern="1200"/>
         </a:p>
       </dsp:txBody>
       <dsp:txXfrm>
-        <a:off x="2624461" y="624554"/>
-        <a:ext cx="561136" cy="339791"/>
+        <a:off x="6232056" y="733336"/>
+        <a:ext cx="619118" cy="335527"/>
       </dsp:txXfrm>
     </dsp:sp>
-    <dsp:sp modelId="{31285CEB-07F1-AC44-B334-000DB7F6840A}">
+    <dsp:sp modelId="{D28E7AE1-B38D-7A4B-AF05-34BB595DFCAE}">
       <dsp:nvSpPr>
         <dsp:cNvPr id="0" name=""/>
         <dsp:cNvSpPr/>
       </dsp:nvSpPr>
       <dsp:spPr>
         <a:xfrm>
-          <a:off x="3658939" y="430186"/>
-          <a:ext cx="2274632" cy="1092789"/>
+          <a:off x="7345568" y="506937"/>
+          <a:ext cx="2246097" cy="1182486"/>
         </a:xfrm>
         <a:prstGeom prst="roundRect">
           <a:avLst>
@@ -1566,12 +1920,12 @@
         </a:fontRef>
       </dsp:style>
       <dsp:txBody>
-        <a:bodyPr spcFirstLastPara="0" vert="horz" wrap="square" lIns="135128" tIns="135128" rIns="135128" bIns="72390" numCol="1" spcCol="1270" anchor="t" anchorCtr="0">
+        <a:bodyPr spcFirstLastPara="0" vert="horz" wrap="square" lIns="149352" tIns="149352" rIns="149352" bIns="80010" numCol="1" spcCol="1270" anchor="t" anchorCtr="0">
           <a:noAutofit/>
         </a:bodyPr>
         <a:lstStyle/>
         <a:p>
-          <a:pPr marL="0" lvl="0" indent="0" algn="l" defTabSz="844550">
+          <a:pPr marL="0" lvl="0" indent="0" algn="l" defTabSz="933450">
             <a:lnSpc>
               <a:spcPct val="90000"/>
             </a:lnSpc>
@@ -1584,25 +1938,27 @@
             <a:buNone/>
           </a:pPr>
           <a:r>
-            <a:rPr lang="en-GB" sz="1900" kern="1200" dirty="0"/>
-            <a:t>Data Cleaning</a:t>
+            <a:rPr lang="en-GB" sz="2100" kern="1200" dirty="0">
+              <a:latin typeface="American Typewriter" panose="02090604020004020304" pitchFamily="18" charset="77"/>
+            </a:rPr>
+            <a:t>Data Interpretation</a:t>
           </a:r>
         </a:p>
       </dsp:txBody>
       <dsp:txXfrm>
-        <a:off x="3658939" y="430186"/>
-        <a:ext cx="2274632" cy="728526"/>
+        <a:off x="7345568" y="506937"/>
+        <a:ext cx="2246097" cy="788324"/>
       </dsp:txXfrm>
     </dsp:sp>
-    <dsp:sp modelId="{CB48A112-564A-474D-9470-B44834AC9A30}">
+    <dsp:sp modelId="{4E61D208-4CBD-284A-9D71-A81369B1BB53}">
       <dsp:nvSpPr>
         <dsp:cNvPr id="0" name=""/>
         <dsp:cNvSpPr/>
       </dsp:nvSpPr>
       <dsp:spPr>
         <a:xfrm>
-          <a:off x="4124828" y="1158713"/>
-          <a:ext cx="2274632" cy="2462400"/>
+          <a:off x="7805612" y="1295262"/>
+          <a:ext cx="2246097" cy="2249100"/>
         </a:xfrm>
         <a:prstGeom prst="roundRect">
           <a:avLst>
@@ -1662,249 +2018,26 @@
             <a:buChar char="•"/>
           </a:pPr>
           <a:r>
-            <a:rPr lang="en-GB" sz="1900" kern="1200" dirty="0"/>
-            <a:t>Based on understanding, using </a:t>
-          </a:r>
-          <a:r>
-            <a:rPr lang="en-GB" sz="1900" kern="1200" dirty="0" err="1"/>
-            <a:t>klib</a:t>
-          </a:r>
-          <a:r>
-            <a:rPr lang="en-GB" sz="1900" kern="1200" dirty="0"/>
-            <a:t> library or pandas performing cleaning operation</a:t>
-          </a:r>
-        </a:p>
-      </dsp:txBody>
-      <dsp:txXfrm>
-        <a:off x="4191450" y="1225335"/>
-        <a:ext cx="2141388" cy="2329156"/>
-      </dsp:txXfrm>
-    </dsp:sp>
-    <dsp:sp modelId="{612E0E29-30C9-DE44-A45B-699928D062FC}">
-      <dsp:nvSpPr>
-        <dsp:cNvPr id="0" name=""/>
-        <dsp:cNvSpPr/>
-      </dsp:nvSpPr>
-      <dsp:spPr>
-        <a:xfrm>
-          <a:off x="6278398" y="511291"/>
-          <a:ext cx="731031" cy="566317"/>
-        </a:xfrm>
-        <a:prstGeom prst="rightArrow">
-          <a:avLst>
-            <a:gd name="adj1" fmla="val 60000"/>
-            <a:gd name="adj2" fmla="val 50000"/>
-          </a:avLst>
-        </a:prstGeom>
-        <a:solidFill>
-          <a:schemeClr val="accent1">
-            <a:tint val="60000"/>
-            <a:hueOff val="0"/>
-            <a:satOff val="0"/>
-            <a:lumOff val="0"/>
-            <a:alphaOff val="0"/>
-          </a:schemeClr>
-        </a:solidFill>
-        <a:ln>
-          <a:noFill/>
-        </a:ln>
-        <a:effectLst/>
-      </dsp:spPr>
-      <dsp:style>
-        <a:lnRef idx="0">
-          <a:scrgbClr r="0" g="0" b="0"/>
-        </a:lnRef>
-        <a:fillRef idx="1">
-          <a:scrgbClr r="0" g="0" b="0"/>
-        </a:fillRef>
-        <a:effectRef idx="0">
-          <a:scrgbClr r="0" g="0" b="0"/>
-        </a:effectRef>
-        <a:fontRef idx="minor">
-          <a:schemeClr val="lt1"/>
-        </a:fontRef>
-      </dsp:style>
-      <dsp:txBody>
-        <a:bodyPr spcFirstLastPara="0" vert="horz" wrap="square" lIns="0" tIns="0" rIns="0" bIns="0" numCol="1" spcCol="1270" anchor="ctr" anchorCtr="0">
-          <a:noAutofit/>
-        </a:bodyPr>
-        <a:lstStyle/>
-        <a:p>
-          <a:pPr marL="0" lvl="0" indent="0" algn="ctr" defTabSz="666750">
-            <a:lnSpc>
-              <a:spcPct val="90000"/>
-            </a:lnSpc>
-            <a:spcBef>
-              <a:spcPct val="0"/>
-            </a:spcBef>
-            <a:spcAft>
-              <a:spcPct val="35000"/>
-            </a:spcAft>
-            <a:buNone/>
-          </a:pPr>
-          <a:endParaRPr lang="en-GB" sz="1500" kern="1200"/>
-        </a:p>
-      </dsp:txBody>
-      <dsp:txXfrm>
-        <a:off x="6278398" y="624554"/>
-        <a:ext cx="561136" cy="339791"/>
-      </dsp:txXfrm>
-    </dsp:sp>
-    <dsp:sp modelId="{D28E7AE1-B38D-7A4B-AF05-34BB595DFCAE}">
-      <dsp:nvSpPr>
-        <dsp:cNvPr id="0" name=""/>
-        <dsp:cNvSpPr/>
-      </dsp:nvSpPr>
-      <dsp:spPr>
-        <a:xfrm>
-          <a:off x="7312876" y="430186"/>
-          <a:ext cx="2274632" cy="1092789"/>
-        </a:xfrm>
-        <a:prstGeom prst="roundRect">
-          <a:avLst>
-            <a:gd name="adj" fmla="val 10000"/>
-          </a:avLst>
-        </a:prstGeom>
-        <a:solidFill>
-          <a:schemeClr val="accent1">
-            <a:hueOff val="0"/>
-            <a:satOff val="0"/>
-            <a:lumOff val="0"/>
-            <a:alphaOff val="0"/>
-          </a:schemeClr>
-        </a:solidFill>
-        <a:ln w="12700" cap="flat" cmpd="sng" algn="ctr">
-          <a:solidFill>
-            <a:schemeClr val="lt1">
-              <a:hueOff val="0"/>
-              <a:satOff val="0"/>
-              <a:lumOff val="0"/>
-              <a:alphaOff val="0"/>
-            </a:schemeClr>
-          </a:solidFill>
-          <a:prstDash val="solid"/>
-        </a:ln>
-        <a:effectLst/>
-      </dsp:spPr>
-      <dsp:style>
-        <a:lnRef idx="2">
-          <a:scrgbClr r="0" g="0" b="0"/>
-        </a:lnRef>
-        <a:fillRef idx="1">
-          <a:scrgbClr r="0" g="0" b="0"/>
-        </a:fillRef>
-        <a:effectRef idx="0">
-          <a:scrgbClr r="0" g="0" b="0"/>
-        </a:effectRef>
-        <a:fontRef idx="minor">
-          <a:schemeClr val="lt1"/>
-        </a:fontRef>
-      </dsp:style>
-      <dsp:txBody>
-        <a:bodyPr spcFirstLastPara="0" vert="horz" wrap="square" lIns="135128" tIns="135128" rIns="135128" bIns="72390" numCol="1" spcCol="1270" anchor="t" anchorCtr="0">
-          <a:noAutofit/>
-        </a:bodyPr>
-        <a:lstStyle/>
-        <a:p>
-          <a:pPr marL="0" lvl="0" indent="0" algn="l" defTabSz="844550">
-            <a:lnSpc>
-              <a:spcPct val="90000"/>
-            </a:lnSpc>
-            <a:spcBef>
-              <a:spcPct val="0"/>
-            </a:spcBef>
-            <a:spcAft>
-              <a:spcPct val="35000"/>
-            </a:spcAft>
-            <a:buNone/>
-          </a:pPr>
-          <a:r>
-            <a:rPr lang="en-GB" sz="1900" kern="1200" dirty="0"/>
-            <a:t>Data Interpretation</a:t>
-          </a:r>
-        </a:p>
-      </dsp:txBody>
-      <dsp:txXfrm>
-        <a:off x="7312876" y="430186"/>
-        <a:ext cx="2274632" cy="728526"/>
-      </dsp:txXfrm>
-    </dsp:sp>
-    <dsp:sp modelId="{4E61D208-4CBD-284A-9D71-A81369B1BB53}">
-      <dsp:nvSpPr>
-        <dsp:cNvPr id="0" name=""/>
-        <dsp:cNvSpPr/>
-      </dsp:nvSpPr>
-      <dsp:spPr>
-        <a:xfrm>
-          <a:off x="7778764" y="1158713"/>
-          <a:ext cx="2274632" cy="2462400"/>
-        </a:xfrm>
-        <a:prstGeom prst="roundRect">
-          <a:avLst>
-            <a:gd name="adj" fmla="val 10000"/>
-          </a:avLst>
-        </a:prstGeom>
-        <a:solidFill>
-          <a:schemeClr val="lt1">
-            <a:alpha val="90000"/>
-            <a:hueOff val="0"/>
-            <a:satOff val="0"/>
-            <a:lumOff val="0"/>
-            <a:alphaOff val="0"/>
-          </a:schemeClr>
-        </a:solidFill>
-        <a:ln w="12700" cap="flat" cmpd="sng" algn="ctr">
-          <a:solidFill>
-            <a:schemeClr val="accent1">
-              <a:hueOff val="0"/>
-              <a:satOff val="0"/>
-              <a:lumOff val="0"/>
-              <a:alphaOff val="0"/>
-            </a:schemeClr>
-          </a:solidFill>
-          <a:prstDash val="solid"/>
-        </a:ln>
-        <a:effectLst/>
-      </dsp:spPr>
-      <dsp:style>
-        <a:lnRef idx="2">
-          <a:scrgbClr r="0" g="0" b="0"/>
-        </a:lnRef>
-        <a:fillRef idx="1">
-          <a:scrgbClr r="0" g="0" b="0"/>
-        </a:fillRef>
-        <a:effectRef idx="0">
-          <a:scrgbClr r="0" g="0" b="0"/>
-        </a:effectRef>
-        <a:fontRef idx="minor"/>
-      </dsp:style>
-      <dsp:txBody>
-        <a:bodyPr spcFirstLastPara="0" vert="horz" wrap="square" lIns="135128" tIns="135128" rIns="135128" bIns="135128" numCol="1" spcCol="1270" anchor="t" anchorCtr="0">
-          <a:noAutofit/>
-        </a:bodyPr>
-        <a:lstStyle/>
-        <a:p>
-          <a:pPr marL="171450" lvl="1" indent="-171450" algn="l" defTabSz="844550">
-            <a:lnSpc>
-              <a:spcPct val="90000"/>
-            </a:lnSpc>
-            <a:spcBef>
-              <a:spcPct val="0"/>
-            </a:spcBef>
-            <a:spcAft>
-              <a:spcPct val="15000"/>
-            </a:spcAft>
-            <a:buChar char="•"/>
-          </a:pPr>
-          <a:r>
-            <a:rPr lang="en-GB" sz="1900" kern="1200" dirty="0"/>
+            <a:rPr lang="en-GB" sz="1900" kern="1200" dirty="0">
+              <a:solidFill>
+                <a:prstClr val="black">
+                  <a:hueOff val="0"/>
+                  <a:satOff val="0"/>
+                  <a:lumOff val="0"/>
+                  <a:alphaOff val="0"/>
+                </a:prstClr>
+              </a:solidFill>
+              <a:latin typeface="American Typewriter" panose="02090604020004020304" pitchFamily="18" charset="77"/>
+              <a:ea typeface="+mn-ea"/>
+              <a:cs typeface="+mn-cs"/>
+            </a:rPr>
             <a:t>With the cleaned data plot graphs to mention the observations</a:t>
           </a:r>
         </a:p>
       </dsp:txBody>
       <dsp:txXfrm>
-        <a:off x="7845386" y="1225335"/>
-        <a:ext cx="2141388" cy="2329156"/>
+        <a:off x="7871398" y="1361048"/>
+        <a:ext cx="2114525" cy="2117528"/>
       </dsp:txXfrm>
     </dsp:sp>
   </dsp:spTree>
@@ -7952,12 +8085,8 @@
           <a:lstStyle/>
           <a:p>
             <a:r>
-              <a:rPr lang="en-US" dirty="0" err="1"/>
-              <a:t>InstaLLMENT</a:t>
-            </a:r>
-            <a:r>
               <a:rPr lang="en-US" dirty="0"/>
-              <a:t> :</a:t>
+              <a:t>Installment :</a:t>
             </a:r>
             <a:br>
               <a:rPr lang="en-US" dirty="0"/>
@@ -8001,41 +8130,6 @@
           </a:xfrm>
         </p:spPr>
       </p:pic>
-      <p:sp>
-        <p:nvSpPr>
-          <p:cNvPr id="5" name="TextBox 4">
-            <a:extLst>
-              <a:ext uri="{FF2B5EF4-FFF2-40B4-BE49-F238E27FC236}">
-                <a16:creationId xmlns:a16="http://schemas.microsoft.com/office/drawing/2014/main" id="{F9D8EC37-0652-4CB8-D329-4FAB280EF4D1}"/>
-              </a:ext>
-            </a:extLst>
-          </p:cNvPr>
-          <p:cNvSpPr txBox="1"/>
-          <p:nvPr/>
-        </p:nvSpPr>
-        <p:spPr>
-          <a:xfrm>
-            <a:off x="8610600" y="4931765"/>
-            <a:ext cx="3066738" cy="1200329"/>
-          </a:xfrm>
-          <a:prstGeom prst="rect">
-            <a:avLst/>
-          </a:prstGeom>
-          <a:noFill/>
-        </p:spPr>
-        <p:txBody>
-          <a:bodyPr wrap="square" rtlCol="0">
-            <a:spAutoFit/>
-          </a:bodyPr>
-          <a:lstStyle/>
-          <a:p>
-            <a:r>
-              <a:rPr lang="en-US" dirty="0"/>
-              <a:t>A bank  should consider verifying installment should be in valid ratio of salary .</a:t>
-            </a:r>
-          </a:p>
-        </p:txBody>
-      </p:sp>
     </p:spTree>
     <p:extLst>
       <p:ext uri="{BB962C8B-B14F-4D97-AF65-F5344CB8AC3E}">
@@ -8584,10 +8678,10 @@
       </p:grpSpPr>
       <p:sp>
         <p:nvSpPr>
-          <p:cNvPr id="4" name="Content Placeholder 3">
+          <p:cNvPr id="2" name="Title 1">
             <a:extLst>
               <a:ext uri="{FF2B5EF4-FFF2-40B4-BE49-F238E27FC236}">
-                <a16:creationId xmlns:a16="http://schemas.microsoft.com/office/drawing/2014/main" id="{0DCB427B-AEC3-94A2-9F4D-3B43C74DA463}"/>
+                <a16:creationId xmlns:a16="http://schemas.microsoft.com/office/drawing/2014/main" id="{08BE1E25-2791-F8EB-6AAD-6B8EC467422E}"/>
               </a:ext>
             </a:extLst>
           </p:cNvPr>
@@ -8595,32 +8689,65 @@
             <a:spLocks noGrp="1"/>
           </p:cNvSpPr>
           <p:nvPr>
-            <p:ph idx="1"/>
+            <p:ph type="ctrTitle"/>
           </p:nvPr>
         </p:nvSpPr>
-        <p:spPr>
-          <a:xfrm>
-            <a:off x="838200" y="685800"/>
-            <a:ext cx="6711696" cy="1490472"/>
-          </a:xfrm>
-        </p:spPr>
+        <p:spPr/>
         <p:txBody>
           <a:bodyPr/>
           <a:lstStyle/>
           <a:p>
-            <a:endParaRPr lang="en-US" dirty="0"/>
-          </a:p>
-          <a:p>
-            <a:pPr marL="0" indent="0">
-              <a:buNone/>
-            </a:pPr>
-            <a:r>
-              <a:rPr lang="en-US" dirty="0"/>
-              <a:t>PATTERNS OF ATTRIBUTE ‘PURPOSE’ WITH OTHER CATEGORICAL VARIABLES :</a:t>
-            </a:r>
+            <a:r>
+              <a:rPr lang="en-US" sz="3600" dirty="0">
+                <a:latin typeface="+mj-lt"/>
+              </a:rPr>
+              <a:t>PATTERNS OF ATTRIBUTE ‘PURPOSE’ WITH </a:t>
+            </a:r>
+            <a:br>
+              <a:rPr lang="en-US" sz="3600" dirty="0">
+                <a:latin typeface="+mj-lt"/>
+              </a:rPr>
+            </a:br>
+            <a:r>
+              <a:rPr lang="en-US" sz="3600" dirty="0">
+                <a:latin typeface="+mj-lt"/>
+              </a:rPr>
+              <a:t>OTHER CATEGORICAL VARIABLES </a:t>
+            </a:r>
+            <a:endParaRPr lang="en-US" sz="3600" dirty="0"/>
           </a:p>
         </p:txBody>
       </p:sp>
+    </p:spTree>
+    <p:extLst>
+      <p:ext uri="{BB962C8B-B14F-4D97-AF65-F5344CB8AC3E}">
+        <p14:creationId xmlns:p14="http://schemas.microsoft.com/office/powerpoint/2010/main" val="654524903"/>
+      </p:ext>
+    </p:extLst>
+  </p:cSld>
+  <p:clrMapOvr>
+    <a:masterClrMapping/>
+  </p:clrMapOvr>
+</p:sld>
+</file>
+
+<file path=ppt/slides/slide17.xml><?xml version="1.0" encoding="utf-8"?>
+<p:sld xmlns:a="http://schemas.openxmlformats.org/drawingml/2006/main" xmlns:r="http://schemas.openxmlformats.org/officeDocument/2006/relationships" xmlns:p="http://schemas.openxmlformats.org/presentationml/2006/main">
+  <p:cSld>
+    <p:spTree>
+      <p:nvGrpSpPr>
+        <p:cNvPr id="1" name=""/>
+        <p:cNvGrpSpPr/>
+        <p:nvPr/>
+      </p:nvGrpSpPr>
+      <p:grpSpPr>
+        <a:xfrm>
+          <a:off x="0" y="0"/>
+          <a:ext cx="0" cy="0"/>
+          <a:chOff x="0" y="0"/>
+          <a:chExt cx="0" cy="0"/>
+        </a:xfrm>
+      </p:grpSpPr>
       <p:pic>
         <p:nvPicPr>
           <p:cNvPr id="8" name="Picture 7" descr="A graph of different colored bars&#10;&#10;Description automatically generated">
@@ -8665,8 +8792,8 @@
         </p:nvSpPr>
         <p:spPr>
           <a:xfrm>
-            <a:off x="9120249" y="3206338"/>
-            <a:ext cx="2125683" cy="646331"/>
+            <a:off x="9016077" y="2351782"/>
+            <a:ext cx="2882698" cy="1077218"/>
           </a:xfrm>
           <a:prstGeom prst="rect">
             <a:avLst/>
@@ -8680,7 +8807,21 @@
           <a:lstStyle/>
           <a:p>
             <a:r>
-              <a:rPr lang="en-US" dirty="0"/>
+              <a:rPr lang="en-US" sz="3200" b="1" cap="all" dirty="0">
+                <a:blipFill>
+                  <a:blip r:embed="rId3">
+                    <a:extLst>
+                      <a:ext uri="{28A0092B-C50C-407E-A947-70E740481C1C}">
+                        <a14:useLocalDpi xmlns:a14="http://schemas.microsoft.com/office/drawing/2010/main" val="0"/>
+                      </a:ext>
+                    </a:extLst>
+                  </a:blip>
+                  <a:tile tx="6350" ty="-127000" sx="65000" sy="64000" flip="none" algn="tl"/>
+                </a:blipFill>
+                <a:latin typeface="+mj-lt"/>
+                <a:ea typeface="+mj-ea"/>
+                <a:cs typeface="+mj-cs"/>
+              </a:rPr>
               <a:t>WITH HOME OWNERSHIP</a:t>
             </a:r>
           </a:p>
@@ -8690,100 +8831,6 @@
     <p:extLst>
       <p:ext uri="{BB962C8B-B14F-4D97-AF65-F5344CB8AC3E}">
         <p14:creationId xmlns:p14="http://schemas.microsoft.com/office/powerpoint/2010/main" val="2847350636"/>
-      </p:ext>
-    </p:extLst>
-  </p:cSld>
-  <p:clrMapOvr>
-    <a:masterClrMapping/>
-  </p:clrMapOvr>
-</p:sld>
-</file>
-
-<file path=ppt/slides/slide17.xml><?xml version="1.0" encoding="utf-8"?>
-<p:sld xmlns:a="http://schemas.openxmlformats.org/drawingml/2006/main" xmlns:r="http://schemas.openxmlformats.org/officeDocument/2006/relationships" xmlns:p="http://schemas.openxmlformats.org/presentationml/2006/main">
-  <p:cSld>
-    <p:spTree>
-      <p:nvGrpSpPr>
-        <p:cNvPr id="1" name=""/>
-        <p:cNvGrpSpPr/>
-        <p:nvPr/>
-      </p:nvGrpSpPr>
-      <p:grpSpPr>
-        <a:xfrm>
-          <a:off x="0" y="0"/>
-          <a:ext cx="0" cy="0"/>
-          <a:chOff x="0" y="0"/>
-          <a:chExt cx="0" cy="0"/>
-        </a:xfrm>
-      </p:grpSpPr>
-      <p:sp>
-        <p:nvSpPr>
-          <p:cNvPr id="2" name="Title 1">
-            <a:extLst>
-              <a:ext uri="{FF2B5EF4-FFF2-40B4-BE49-F238E27FC236}">
-                <a16:creationId xmlns:a16="http://schemas.microsoft.com/office/drawing/2014/main" id="{5E28134D-6B5F-5844-284E-FAD8B9F06950}"/>
-              </a:ext>
-            </a:extLst>
-          </p:cNvPr>
-          <p:cNvSpPr>
-            <a:spLocks noGrp="1"/>
-          </p:cNvSpPr>
-          <p:nvPr>
-            <p:ph type="title"/>
-          </p:nvPr>
-        </p:nvSpPr>
-        <p:spPr>
-          <a:xfrm>
-            <a:off x="8556819" y="509778"/>
-            <a:ext cx="3420256" cy="3733764"/>
-          </a:xfrm>
-        </p:spPr>
-        <p:txBody>
-          <a:bodyPr>
-            <a:normAutofit/>
-          </a:bodyPr>
-          <a:lstStyle/>
-          <a:p>
-            <a:r>
-              <a:rPr lang="en-US" dirty="0"/>
-              <a:t>WITH VERIFICATION STATUS</a:t>
-            </a:r>
-          </a:p>
-        </p:txBody>
-      </p:sp>
-      <p:pic>
-        <p:nvPicPr>
-          <p:cNvPr id="5" name="Content Placeholder 4" descr="A graph of different colored columns&#10;&#10;Description automatically generated with medium confidence">
-            <a:extLst>
-              <a:ext uri="{FF2B5EF4-FFF2-40B4-BE49-F238E27FC236}">
-                <a16:creationId xmlns:a16="http://schemas.microsoft.com/office/drawing/2014/main" id="{E895D575-09CF-53AA-69A8-2D471D1AC90C}"/>
-              </a:ext>
-            </a:extLst>
-          </p:cNvPr>
-          <p:cNvPicPr>
-            <a:picLocks noGrp="1" noChangeAspect="1"/>
-          </p:cNvPicPr>
-          <p:nvPr>
-            <p:ph idx="1"/>
-          </p:nvPr>
-        </p:nvPicPr>
-        <p:blipFill>
-          <a:blip r:embed="rId2"/>
-          <a:stretch>
-            <a:fillRect/>
-          </a:stretch>
-        </p:blipFill>
-        <p:spPr>
-          <a:xfrm>
-            <a:off x="838200" y="1855253"/>
-            <a:ext cx="6711950" cy="2680768"/>
-          </a:xfrm>
-        </p:spPr>
-      </p:pic>
-    </p:spTree>
-    <p:extLst>
-      <p:ext uri="{BB962C8B-B14F-4D97-AF65-F5344CB8AC3E}">
-        <p14:creationId xmlns:p14="http://schemas.microsoft.com/office/powerpoint/2010/main" val="2926121545"/>
       </p:ext>
     </p:extLst>
   </p:cSld>
@@ -8828,7 +8875,7 @@
         </p:nvSpPr>
         <p:spPr>
           <a:xfrm>
-            <a:off x="8588903" y="1972092"/>
+            <a:off x="8556819" y="509778"/>
             <a:ext cx="3420256" cy="3733764"/>
           </a:xfrm>
         </p:spPr>
@@ -8840,17 +8887,17 @@
           <a:p>
             <a:r>
               <a:rPr lang="en-US" dirty="0"/>
-              <a:t>WITH GRADES</a:t>
+              <a:t>WITH VERIFICATION STATUS</a:t>
             </a:r>
           </a:p>
         </p:txBody>
       </p:sp>
       <p:pic>
         <p:nvPicPr>
-          <p:cNvPr id="6" name="Content Placeholder 5" descr="A graph of different colored lines&#10;&#10;Description automatically generated with medium confidence">
+          <p:cNvPr id="5" name="Content Placeholder 4" descr="A graph of different colored columns&#10;&#10;Description automatically generated with medium confidence">
             <a:extLst>
               <a:ext uri="{FF2B5EF4-FFF2-40B4-BE49-F238E27FC236}">
-                <a16:creationId xmlns:a16="http://schemas.microsoft.com/office/drawing/2014/main" id="{176CEEF7-B114-2115-80DF-770D0B95FB51}"/>
+                <a16:creationId xmlns:a16="http://schemas.microsoft.com/office/drawing/2014/main" id="{E895D575-09CF-53AA-69A8-2D471D1AC90C}"/>
               </a:ext>
             </a:extLst>
           </p:cNvPr>
@@ -8869,15 +8916,15 @@
         </p:blipFill>
         <p:spPr>
           <a:xfrm>
-            <a:off x="838200" y="1774788"/>
-            <a:ext cx="6711950" cy="3931068"/>
+            <a:off x="838200" y="1855253"/>
+            <a:ext cx="6711950" cy="2680768"/>
           </a:xfrm>
         </p:spPr>
       </p:pic>
     </p:spTree>
     <p:extLst>
       <p:ext uri="{BB962C8B-B14F-4D97-AF65-F5344CB8AC3E}">
-        <p14:creationId xmlns:p14="http://schemas.microsoft.com/office/powerpoint/2010/main" val="455428232"/>
+        <p14:creationId xmlns:p14="http://schemas.microsoft.com/office/powerpoint/2010/main" val="2926121545"/>
       </p:ext>
     </p:extLst>
   </p:cSld>
@@ -8909,7 +8956,7 @@
           <p:cNvPr id="2" name="Title 1">
             <a:extLst>
               <a:ext uri="{FF2B5EF4-FFF2-40B4-BE49-F238E27FC236}">
-                <a16:creationId xmlns:a16="http://schemas.microsoft.com/office/drawing/2014/main" id="{C9C5F14E-77EB-74FA-63CD-5C2D8FEC0491}"/>
+                <a16:creationId xmlns:a16="http://schemas.microsoft.com/office/drawing/2014/main" id="{5E28134D-6B5F-5844-284E-FAD8B9F06950}"/>
               </a:ext>
             </a:extLst>
           </p:cNvPr>
@@ -8920,24 +8967,31 @@
             <p:ph type="title"/>
           </p:nvPr>
         </p:nvSpPr>
-        <p:spPr/>
+        <p:spPr>
+          <a:xfrm>
+            <a:off x="8461581" y="1774788"/>
+            <a:ext cx="3420256" cy="1180155"/>
+          </a:xfrm>
+        </p:spPr>
         <p:txBody>
-          <a:bodyPr/>
+          <a:bodyPr>
+            <a:normAutofit/>
+          </a:bodyPr>
           <a:lstStyle/>
           <a:p>
             <a:r>
               <a:rPr lang="en-US" dirty="0"/>
-              <a:t>WITH TERM</a:t>
+              <a:t>WITH GRADES</a:t>
             </a:r>
           </a:p>
         </p:txBody>
       </p:sp>
       <p:pic>
         <p:nvPicPr>
-          <p:cNvPr id="6" name="Content Placeholder 5" descr="A graph of different colored bars&#10;&#10;Description automatically generated">
+          <p:cNvPr id="6" name="Content Placeholder 5" descr="A graph of different colored lines&#10;&#10;Description automatically generated with medium confidence">
             <a:extLst>
               <a:ext uri="{FF2B5EF4-FFF2-40B4-BE49-F238E27FC236}">
-                <a16:creationId xmlns:a16="http://schemas.microsoft.com/office/drawing/2014/main" id="{667ED1DE-329A-95DA-62B2-9265E4730105}"/>
+                <a16:creationId xmlns:a16="http://schemas.microsoft.com/office/drawing/2014/main" id="{176CEEF7-B114-2115-80DF-770D0B95FB51}"/>
               </a:ext>
             </a:extLst>
           </p:cNvPr>
@@ -8956,51 +9010,15 @@
         </p:blipFill>
         <p:spPr>
           <a:xfrm>
-            <a:off x="838200" y="1832986"/>
-            <a:ext cx="6711950" cy="3475283"/>
+            <a:off x="838200" y="1774788"/>
+            <a:ext cx="6711950" cy="3931068"/>
           </a:xfrm>
         </p:spPr>
       </p:pic>
-      <p:sp>
-        <p:nvSpPr>
-          <p:cNvPr id="4" name="Text Placeholder 3">
-            <a:extLst>
-              <a:ext uri="{FF2B5EF4-FFF2-40B4-BE49-F238E27FC236}">
-                <a16:creationId xmlns:a16="http://schemas.microsoft.com/office/drawing/2014/main" id="{EE30ACD1-E938-4E25-56FC-847A8BA5F8CB}"/>
-              </a:ext>
-            </a:extLst>
-          </p:cNvPr>
-          <p:cNvSpPr>
-            <a:spLocks noGrp="1"/>
-          </p:cNvSpPr>
-          <p:nvPr>
-            <p:ph type="body" sz="half" idx="2"/>
-          </p:nvPr>
-        </p:nvSpPr>
-        <p:spPr>
-          <a:xfrm>
-            <a:off x="8549640" y="1650670"/>
-            <a:ext cx="3200400" cy="4064330"/>
-          </a:xfrm>
-        </p:spPr>
-        <p:txBody>
-          <a:bodyPr/>
-          <a:lstStyle/>
-          <a:p>
-            <a:endParaRPr lang="en-US" dirty="0"/>
-          </a:p>
-          <a:p>
-            <a:endParaRPr lang="en-US" dirty="0"/>
-          </a:p>
-          <a:p>
-            <a:endParaRPr lang="en-US" dirty="0"/>
-          </a:p>
-        </p:txBody>
-      </p:sp>
     </p:spTree>
     <p:extLst>
       <p:ext uri="{BB962C8B-B14F-4D97-AF65-F5344CB8AC3E}">
-        <p14:creationId xmlns:p14="http://schemas.microsoft.com/office/powerpoint/2010/main" val="831091532"/>
+        <p14:creationId xmlns:p14="http://schemas.microsoft.com/office/powerpoint/2010/main" val="455428232"/>
       </p:ext>
     </p:extLst>
   </p:cSld>
@@ -9269,6 +9287,129 @@
           <p:cNvPr id="2" name="Title 1">
             <a:extLst>
               <a:ext uri="{FF2B5EF4-FFF2-40B4-BE49-F238E27FC236}">
+                <a16:creationId xmlns:a16="http://schemas.microsoft.com/office/drawing/2014/main" id="{C9C5F14E-77EB-74FA-63CD-5C2D8FEC0491}"/>
+              </a:ext>
+            </a:extLst>
+          </p:cNvPr>
+          <p:cNvSpPr>
+            <a:spLocks noGrp="1"/>
+          </p:cNvSpPr>
+          <p:nvPr>
+            <p:ph type="title"/>
+          </p:nvPr>
+        </p:nvSpPr>
+        <p:spPr/>
+        <p:txBody>
+          <a:bodyPr/>
+          <a:lstStyle/>
+          <a:p>
+            <a:r>
+              <a:rPr lang="en-US" dirty="0"/>
+              <a:t>WITH TERM</a:t>
+            </a:r>
+          </a:p>
+        </p:txBody>
+      </p:sp>
+      <p:pic>
+        <p:nvPicPr>
+          <p:cNvPr id="6" name="Content Placeholder 5" descr="A graph of different colored bars&#10;&#10;Description automatically generated">
+            <a:extLst>
+              <a:ext uri="{FF2B5EF4-FFF2-40B4-BE49-F238E27FC236}">
+                <a16:creationId xmlns:a16="http://schemas.microsoft.com/office/drawing/2014/main" id="{667ED1DE-329A-95DA-62B2-9265E4730105}"/>
+              </a:ext>
+            </a:extLst>
+          </p:cNvPr>
+          <p:cNvPicPr>
+            <a:picLocks noGrp="1" noChangeAspect="1"/>
+          </p:cNvPicPr>
+          <p:nvPr>
+            <p:ph idx="1"/>
+          </p:nvPr>
+        </p:nvPicPr>
+        <p:blipFill>
+          <a:blip r:embed="rId2"/>
+          <a:stretch>
+            <a:fillRect/>
+          </a:stretch>
+        </p:blipFill>
+        <p:spPr>
+          <a:xfrm>
+            <a:off x="838200" y="1832986"/>
+            <a:ext cx="6711950" cy="3475283"/>
+          </a:xfrm>
+        </p:spPr>
+      </p:pic>
+      <p:sp>
+        <p:nvSpPr>
+          <p:cNvPr id="4" name="Text Placeholder 3">
+            <a:extLst>
+              <a:ext uri="{FF2B5EF4-FFF2-40B4-BE49-F238E27FC236}">
+                <a16:creationId xmlns:a16="http://schemas.microsoft.com/office/drawing/2014/main" id="{EE30ACD1-E938-4E25-56FC-847A8BA5F8CB}"/>
+              </a:ext>
+            </a:extLst>
+          </p:cNvPr>
+          <p:cNvSpPr>
+            <a:spLocks noGrp="1"/>
+          </p:cNvSpPr>
+          <p:nvPr>
+            <p:ph type="body" sz="half" idx="2"/>
+          </p:nvPr>
+        </p:nvSpPr>
+        <p:spPr>
+          <a:xfrm>
+            <a:off x="8549640" y="1650670"/>
+            <a:ext cx="3200400" cy="4064330"/>
+          </a:xfrm>
+        </p:spPr>
+        <p:txBody>
+          <a:bodyPr/>
+          <a:lstStyle/>
+          <a:p>
+            <a:endParaRPr lang="en-US" dirty="0"/>
+          </a:p>
+          <a:p>
+            <a:endParaRPr lang="en-US" dirty="0"/>
+          </a:p>
+          <a:p>
+            <a:endParaRPr lang="en-US" dirty="0"/>
+          </a:p>
+        </p:txBody>
+      </p:sp>
+    </p:spTree>
+    <p:extLst>
+      <p:ext uri="{BB962C8B-B14F-4D97-AF65-F5344CB8AC3E}">
+        <p14:creationId xmlns:p14="http://schemas.microsoft.com/office/powerpoint/2010/main" val="831091532"/>
+      </p:ext>
+    </p:extLst>
+  </p:cSld>
+  <p:clrMapOvr>
+    <a:masterClrMapping/>
+  </p:clrMapOvr>
+</p:sld>
+</file>
+
+<file path=ppt/slides/slide21.xml><?xml version="1.0" encoding="utf-8"?>
+<p:sld xmlns:a="http://schemas.openxmlformats.org/drawingml/2006/main" xmlns:r="http://schemas.openxmlformats.org/officeDocument/2006/relationships" xmlns:p="http://schemas.openxmlformats.org/presentationml/2006/main">
+  <p:cSld>
+    <p:spTree>
+      <p:nvGrpSpPr>
+        <p:cNvPr id="1" name=""/>
+        <p:cNvGrpSpPr/>
+        <p:nvPr/>
+      </p:nvGrpSpPr>
+      <p:grpSpPr>
+        <a:xfrm>
+          <a:off x="0" y="0"/>
+          <a:ext cx="0" cy="0"/>
+          <a:chOff x="0" y="0"/>
+          <a:chExt cx="0" cy="0"/>
+        </a:xfrm>
+      </p:grpSpPr>
+      <p:sp>
+        <p:nvSpPr>
+          <p:cNvPr id="2" name="Title 1">
+            <a:extLst>
+              <a:ext uri="{FF2B5EF4-FFF2-40B4-BE49-F238E27FC236}">
                 <a16:creationId xmlns:a16="http://schemas.microsoft.com/office/drawing/2014/main" id="{FB0C0516-DE58-4D7D-5603-8DD520C7C938}"/>
               </a:ext>
             </a:extLst>
@@ -9334,7 +9475,7 @@
 </p:sld>
 </file>
 
-<file path=ppt/slides/slide21.xml><?xml version="1.0" encoding="utf-8"?>
+<file path=ppt/slides/slide22.xml><?xml version="1.0" encoding="utf-8"?>
 <p:sld xmlns:a="http://schemas.openxmlformats.org/drawingml/2006/main" xmlns:r="http://schemas.openxmlformats.org/officeDocument/2006/relationships" xmlns:p="http://schemas.openxmlformats.org/presentationml/2006/main">
   <p:cSld>
     <p:spTree>
@@ -9507,7 +9648,7 @@
             <p:ph idx="1"/>
             <p:extLst>
               <p:ext uri="{D42A27DB-BD31-4B8C-83A1-F6EECF244321}">
-                <p14:modId xmlns:p14="http://schemas.microsoft.com/office/powerpoint/2010/main" val="4115932969"/>
+                <p14:modId xmlns:p14="http://schemas.microsoft.com/office/powerpoint/2010/main" val="820895647"/>
               </p:ext>
             </p:extLst>
           </p:nvPr>
@@ -9870,7 +10011,7 @@
             </a:br>
             <a:r>
               <a:rPr lang="en-US" dirty="0"/>
-              <a:t>People who WHO repay loan by 60 months defaulted more than the ones who took it for 36 months. </a:t>
+              <a:t>People who repay loan by 60 months defaulted more than the ones who took it for 36 months. </a:t>
             </a:r>
           </a:p>
         </p:txBody>
